--- a/2021_UOS_Contest_1124.pptx
+++ b/2021_UOS_Contest_1124.pptx
@@ -4798,7 +4798,7 @@
                 <a:ea typeface="나눔스퀘어" panose="020B0600000101010101" pitchFamily="50" charset="-127"/>
                 <a:cs typeface="조선일보명조" panose="02030304000000000000" pitchFamily="18" charset="-127"/>
               </a:rPr>
-              <a:t> 중점 유통 주유소 재고현황</a:t>
+              <a:t> 중점 유통 주유소 재고 현황</a:t>
             </a:r>
             <a:endParaRPr lang="en-US" altLang="ko-KR" sz="1600" dirty="0">
               <a:ln>
@@ -5816,6 +5816,3149 @@
           </a:p>
         </p:txBody>
       </p:sp>
+      <p:sp>
+        <p:nvSpPr>
+          <p:cNvPr id="11" name="TextBox 10">
+            <a:extLst>
+              <a:ext uri="{FF2B5EF4-FFF2-40B4-BE49-F238E27FC236}">
+                <a16:creationId xmlns:a16="http://schemas.microsoft.com/office/drawing/2014/main" id="{FD163C1C-3AB4-4452-A88E-05F10E8A1BCC}"/>
+              </a:ext>
+            </a:extLst>
+          </p:cNvPr>
+          <p:cNvSpPr txBox="1"/>
+          <p:nvPr/>
+        </p:nvSpPr>
+        <p:spPr>
+          <a:xfrm>
+            <a:off x="439779" y="1754848"/>
+            <a:ext cx="5446113" cy="1891352"/>
+          </a:xfrm>
+          <a:prstGeom prst="rect">
+            <a:avLst/>
+          </a:prstGeom>
+          <a:noFill/>
+        </p:spPr>
+        <p:txBody>
+          <a:bodyPr wrap="square" rtlCol="0">
+            <a:spAutoFit/>
+          </a:bodyPr>
+          <a:lstStyle/>
+          <a:p>
+            <a:pPr marL="342900" indent="-342900">
+              <a:lnSpc>
+                <a:spcPct val="150000"/>
+              </a:lnSpc>
+              <a:buFont typeface="+mj-lt"/>
+              <a:buAutoNum type="arabicPeriod"/>
+            </a:pPr>
+            <a:r>
+              <a:rPr lang="ko-KR" altLang="en-US" sz="1600" dirty="0">
+                <a:ln>
+                  <a:solidFill>
+                    <a:schemeClr val="bg2">
+                      <a:lumMod val="50000"/>
+                      <a:alpha val="15000"/>
+                    </a:schemeClr>
+                  </a:solidFill>
+                </a:ln>
+                <a:solidFill>
+                  <a:schemeClr val="bg2">
+                    <a:lumMod val="50000"/>
+                  </a:schemeClr>
+                </a:solidFill>
+                <a:latin typeface="나눔스퀘어" panose="020B0600000101010101" pitchFamily="50" charset="-127"/>
+                <a:ea typeface="나눔스퀘어" panose="020B0600000101010101" pitchFamily="50" charset="-127"/>
+                <a:cs typeface="조선일보명조" panose="02030304000000000000" pitchFamily="18" charset="-127"/>
+              </a:rPr>
+              <a:t>차량 등록 현황</a:t>
+            </a:r>
+            <a:endParaRPr lang="en-US" altLang="ko-KR" sz="1600" dirty="0">
+              <a:ln>
+                <a:solidFill>
+                  <a:schemeClr val="bg2">
+                    <a:lumMod val="50000"/>
+                    <a:alpha val="15000"/>
+                  </a:schemeClr>
+                </a:solidFill>
+              </a:ln>
+              <a:solidFill>
+                <a:schemeClr val="bg2">
+                  <a:lumMod val="50000"/>
+                </a:schemeClr>
+              </a:solidFill>
+              <a:latin typeface="나눔스퀘어" panose="020B0600000101010101" pitchFamily="50" charset="-127"/>
+              <a:ea typeface="나눔스퀘어" panose="020B0600000101010101" pitchFamily="50" charset="-127"/>
+              <a:cs typeface="조선일보명조" panose="02030304000000000000" pitchFamily="18" charset="-127"/>
+            </a:endParaRPr>
+          </a:p>
+          <a:p>
+            <a:pPr marL="342900" indent="-342900">
+              <a:lnSpc>
+                <a:spcPct val="150000"/>
+              </a:lnSpc>
+              <a:buFont typeface="+mj-lt"/>
+              <a:buAutoNum type="arabicPeriod"/>
+            </a:pPr>
+            <a:r>
+              <a:rPr lang="ko-KR" altLang="en-US" sz="1600" dirty="0">
+                <a:ln>
+                  <a:solidFill>
+                    <a:schemeClr val="bg2">
+                      <a:lumMod val="50000"/>
+                      <a:alpha val="15000"/>
+                    </a:schemeClr>
+                  </a:solidFill>
+                </a:ln>
+                <a:solidFill>
+                  <a:schemeClr val="bg2">
+                    <a:lumMod val="50000"/>
+                  </a:schemeClr>
+                </a:solidFill>
+                <a:latin typeface="나눔스퀘어" panose="020B0600000101010101" pitchFamily="50" charset="-127"/>
+                <a:ea typeface="나눔스퀘어" panose="020B0600000101010101" pitchFamily="50" charset="-127"/>
+                <a:cs typeface="조선일보명조" panose="02030304000000000000" pitchFamily="18" charset="-127"/>
+              </a:rPr>
+              <a:t>고속도로 통행량</a:t>
+            </a:r>
+            <a:r>
+              <a:rPr lang="en-US" altLang="ko-KR" sz="1600" dirty="0">
+                <a:ln>
+                  <a:solidFill>
+                    <a:schemeClr val="bg2">
+                      <a:lumMod val="50000"/>
+                      <a:alpha val="15000"/>
+                    </a:schemeClr>
+                  </a:solidFill>
+                </a:ln>
+                <a:solidFill>
+                  <a:schemeClr val="bg2">
+                    <a:lumMod val="50000"/>
+                  </a:schemeClr>
+                </a:solidFill>
+                <a:latin typeface="나눔스퀘어" panose="020B0600000101010101" pitchFamily="50" charset="-127"/>
+                <a:ea typeface="나눔스퀘어" panose="020B0600000101010101" pitchFamily="50" charset="-127"/>
+                <a:cs typeface="조선일보명조" panose="02030304000000000000" pitchFamily="18" charset="-127"/>
+              </a:rPr>
+              <a:t>(</a:t>
+            </a:r>
+            <a:r>
+              <a:rPr lang="ko-KR" altLang="en-US" sz="1600" dirty="0" err="1">
+                <a:ln>
+                  <a:solidFill>
+                    <a:schemeClr val="bg2">
+                      <a:lumMod val="50000"/>
+                      <a:alpha val="15000"/>
+                    </a:schemeClr>
+                  </a:solidFill>
+                </a:ln>
+                <a:solidFill>
+                  <a:schemeClr val="bg2">
+                    <a:lumMod val="50000"/>
+                  </a:schemeClr>
+                </a:solidFill>
+                <a:latin typeface="나눔스퀘어" panose="020B0600000101010101" pitchFamily="50" charset="-127"/>
+                <a:ea typeface="나눔스퀘어" panose="020B0600000101010101" pitchFamily="50" charset="-127"/>
+                <a:cs typeface="조선일보명조" panose="02030304000000000000" pitchFamily="18" charset="-127"/>
+              </a:rPr>
+              <a:t>도시별</a:t>
+            </a:r>
+            <a:r>
+              <a:rPr lang="ko-KR" altLang="en-US" sz="1600" dirty="0">
+                <a:ln>
+                  <a:solidFill>
+                    <a:schemeClr val="bg2">
+                      <a:lumMod val="50000"/>
+                      <a:alpha val="15000"/>
+                    </a:schemeClr>
+                  </a:solidFill>
+                </a:ln>
+                <a:solidFill>
+                  <a:schemeClr val="bg2">
+                    <a:lumMod val="50000"/>
+                  </a:schemeClr>
+                </a:solidFill>
+                <a:latin typeface="나눔스퀘어" panose="020B0600000101010101" pitchFamily="50" charset="-127"/>
+                <a:ea typeface="나눔스퀘어" panose="020B0600000101010101" pitchFamily="50" charset="-127"/>
+                <a:cs typeface="조선일보명조" panose="02030304000000000000" pitchFamily="18" charset="-127"/>
+              </a:rPr>
+              <a:t> 물류 이동 현황</a:t>
+            </a:r>
+            <a:r>
+              <a:rPr lang="en-US" altLang="ko-KR" sz="1600" dirty="0">
+                <a:ln>
+                  <a:solidFill>
+                    <a:schemeClr val="bg2">
+                      <a:lumMod val="50000"/>
+                      <a:alpha val="15000"/>
+                    </a:schemeClr>
+                  </a:solidFill>
+                </a:ln>
+                <a:solidFill>
+                  <a:schemeClr val="bg2">
+                    <a:lumMod val="50000"/>
+                  </a:schemeClr>
+                </a:solidFill>
+                <a:latin typeface="나눔스퀘어" panose="020B0600000101010101" pitchFamily="50" charset="-127"/>
+                <a:ea typeface="나눔스퀘어" panose="020B0600000101010101" pitchFamily="50" charset="-127"/>
+                <a:cs typeface="조선일보명조" panose="02030304000000000000" pitchFamily="18" charset="-127"/>
+              </a:rPr>
+              <a:t>)</a:t>
+            </a:r>
+          </a:p>
+          <a:p>
+            <a:pPr marL="800100" lvl="1" indent="-342900">
+              <a:lnSpc>
+                <a:spcPct val="150000"/>
+              </a:lnSpc>
+              <a:buFont typeface="Arial" panose="020B0604020202020204" pitchFamily="34" charset="0"/>
+              <a:buChar char="•"/>
+            </a:pPr>
+            <a:r>
+              <a:rPr lang="en-US" altLang="ko-KR" sz="1600" dirty="0">
+                <a:ln>
+                  <a:solidFill>
+                    <a:schemeClr val="bg2">
+                      <a:lumMod val="50000"/>
+                      <a:alpha val="15000"/>
+                    </a:schemeClr>
+                  </a:solidFill>
+                </a:ln>
+                <a:solidFill>
+                  <a:schemeClr val="bg2">
+                    <a:lumMod val="50000"/>
+                  </a:schemeClr>
+                </a:solidFill>
+                <a:latin typeface="나눔스퀘어" panose="020B0600000101010101" pitchFamily="50" charset="-127"/>
+                <a:ea typeface="나눔스퀘어" panose="020B0600000101010101" pitchFamily="50" charset="-127"/>
+                <a:cs typeface="조선일보명조" panose="02030304000000000000" pitchFamily="18" charset="-127"/>
+              </a:rPr>
+              <a:t>3</a:t>
+            </a:r>
+            <a:r>
+              <a:rPr lang="ko-KR" altLang="en-US" sz="1600" dirty="0">
+                <a:ln>
+                  <a:solidFill>
+                    <a:schemeClr val="bg2">
+                      <a:lumMod val="50000"/>
+                      <a:alpha val="15000"/>
+                    </a:schemeClr>
+                  </a:solidFill>
+                </a:ln>
+                <a:solidFill>
+                  <a:schemeClr val="bg2">
+                    <a:lumMod val="50000"/>
+                  </a:schemeClr>
+                </a:solidFill>
+                <a:latin typeface="나눔스퀘어" panose="020B0600000101010101" pitchFamily="50" charset="-127"/>
+                <a:ea typeface="나눔스퀘어" panose="020B0600000101010101" pitchFamily="50" charset="-127"/>
+                <a:cs typeface="조선일보명조" panose="02030304000000000000" pitchFamily="18" charset="-127"/>
+              </a:rPr>
+              <a:t>종  이상 트럭만 취급</a:t>
+            </a:r>
+            <a:endParaRPr lang="en-US" altLang="ko-KR" sz="1600" dirty="0">
+              <a:ln>
+                <a:solidFill>
+                  <a:schemeClr val="bg2">
+                    <a:lumMod val="50000"/>
+                    <a:alpha val="15000"/>
+                  </a:schemeClr>
+                </a:solidFill>
+              </a:ln>
+              <a:solidFill>
+                <a:schemeClr val="bg2">
+                  <a:lumMod val="50000"/>
+                </a:schemeClr>
+              </a:solidFill>
+              <a:latin typeface="나눔스퀘어" panose="020B0600000101010101" pitchFamily="50" charset="-127"/>
+              <a:ea typeface="나눔스퀘어" panose="020B0600000101010101" pitchFamily="50" charset="-127"/>
+              <a:cs typeface="조선일보명조" panose="02030304000000000000" pitchFamily="18" charset="-127"/>
+            </a:endParaRPr>
+          </a:p>
+          <a:p>
+            <a:pPr marL="342900" indent="-342900">
+              <a:lnSpc>
+                <a:spcPct val="150000"/>
+              </a:lnSpc>
+              <a:buFont typeface="+mj-lt"/>
+              <a:buAutoNum type="arabicPeriod"/>
+            </a:pPr>
+            <a:r>
+              <a:rPr lang="ko-KR" altLang="en-US" sz="1600" dirty="0" err="1">
+                <a:ln>
+                  <a:solidFill>
+                    <a:schemeClr val="bg2">
+                      <a:lumMod val="50000"/>
+                      <a:alpha val="15000"/>
+                    </a:schemeClr>
+                  </a:solidFill>
+                </a:ln>
+                <a:solidFill>
+                  <a:schemeClr val="bg2">
+                    <a:lumMod val="50000"/>
+                  </a:schemeClr>
+                </a:solidFill>
+                <a:latin typeface="나눔스퀘어" panose="020B0600000101010101" pitchFamily="50" charset="-127"/>
+                <a:ea typeface="나눔스퀘어" panose="020B0600000101010101" pitchFamily="50" charset="-127"/>
+                <a:cs typeface="조선일보명조" panose="02030304000000000000" pitchFamily="18" charset="-127"/>
+              </a:rPr>
+              <a:t>요소수</a:t>
+            </a:r>
+            <a:r>
+              <a:rPr lang="ko-KR" altLang="en-US" sz="1600" dirty="0">
+                <a:ln>
+                  <a:solidFill>
+                    <a:schemeClr val="bg2">
+                      <a:lumMod val="50000"/>
+                      <a:alpha val="15000"/>
+                    </a:schemeClr>
+                  </a:solidFill>
+                </a:ln>
+                <a:solidFill>
+                  <a:schemeClr val="bg2">
+                    <a:lumMod val="50000"/>
+                  </a:schemeClr>
+                </a:solidFill>
+                <a:latin typeface="나눔스퀘어" panose="020B0600000101010101" pitchFamily="50" charset="-127"/>
+                <a:ea typeface="나눔스퀘어" panose="020B0600000101010101" pitchFamily="50" charset="-127"/>
+                <a:cs typeface="조선일보명조" panose="02030304000000000000" pitchFamily="18" charset="-127"/>
+              </a:rPr>
+              <a:t> 중점 유통 주유소 재고 현황</a:t>
+            </a:r>
+            <a:endParaRPr lang="en-US" altLang="ko-KR" sz="1600" dirty="0">
+              <a:ln>
+                <a:solidFill>
+                  <a:schemeClr val="bg2">
+                    <a:lumMod val="50000"/>
+                    <a:alpha val="15000"/>
+                  </a:schemeClr>
+                </a:solidFill>
+              </a:ln>
+              <a:solidFill>
+                <a:schemeClr val="bg2">
+                  <a:lumMod val="50000"/>
+                </a:schemeClr>
+              </a:solidFill>
+              <a:latin typeface="나눔스퀘어" panose="020B0600000101010101" pitchFamily="50" charset="-127"/>
+              <a:ea typeface="나눔스퀘어" panose="020B0600000101010101" pitchFamily="50" charset="-127"/>
+              <a:cs typeface="조선일보명조" panose="02030304000000000000" pitchFamily="18" charset="-127"/>
+            </a:endParaRPr>
+          </a:p>
+          <a:p>
+            <a:pPr marL="342900" indent="-342900">
+              <a:lnSpc>
+                <a:spcPct val="150000"/>
+              </a:lnSpc>
+              <a:buFont typeface="+mj-lt"/>
+              <a:buAutoNum type="arabicPeriod"/>
+            </a:pPr>
+            <a:r>
+              <a:rPr lang="ko-KR" altLang="en-US" sz="1600" dirty="0">
+                <a:ln>
+                  <a:solidFill>
+                    <a:schemeClr val="bg2">
+                      <a:lumMod val="50000"/>
+                      <a:alpha val="15000"/>
+                    </a:schemeClr>
+                  </a:solidFill>
+                </a:ln>
+                <a:solidFill>
+                  <a:schemeClr val="bg2">
+                    <a:lumMod val="50000"/>
+                  </a:schemeClr>
+                </a:solidFill>
+                <a:latin typeface="나눔스퀘어" panose="020B0600000101010101" pitchFamily="50" charset="-127"/>
+                <a:ea typeface="나눔스퀘어" panose="020B0600000101010101" pitchFamily="50" charset="-127"/>
+                <a:cs typeface="조선일보명조" panose="02030304000000000000" pitchFamily="18" charset="-127"/>
+              </a:rPr>
+              <a:t>전국 물류 창고업 현황</a:t>
+            </a:r>
+          </a:p>
+        </p:txBody>
+      </p:sp>
+      <p:sp>
+        <p:nvSpPr>
+          <p:cNvPr id="12" name="TextBox 11">
+            <a:extLst>
+              <a:ext uri="{FF2B5EF4-FFF2-40B4-BE49-F238E27FC236}">
+                <a16:creationId xmlns:a16="http://schemas.microsoft.com/office/drawing/2014/main" id="{1721E9ED-B670-4E2E-B32A-EDDD9E3A6516}"/>
+              </a:ext>
+            </a:extLst>
+          </p:cNvPr>
+          <p:cNvSpPr txBox="1"/>
+          <p:nvPr/>
+        </p:nvSpPr>
+        <p:spPr>
+          <a:xfrm>
+            <a:off x="439779" y="4625669"/>
+            <a:ext cx="5446113" cy="783356"/>
+          </a:xfrm>
+          <a:prstGeom prst="rect">
+            <a:avLst/>
+          </a:prstGeom>
+          <a:noFill/>
+        </p:spPr>
+        <p:txBody>
+          <a:bodyPr wrap="square" rtlCol="0">
+            <a:spAutoFit/>
+          </a:bodyPr>
+          <a:lstStyle/>
+          <a:p>
+            <a:pPr>
+              <a:lnSpc>
+                <a:spcPct val="150000"/>
+              </a:lnSpc>
+            </a:pPr>
+            <a:r>
+              <a:rPr lang="en-US" altLang="ko-KR" sz="1600" dirty="0">
+                <a:ln>
+                  <a:solidFill>
+                    <a:schemeClr val="bg2">
+                      <a:lumMod val="50000"/>
+                      <a:alpha val="15000"/>
+                    </a:schemeClr>
+                  </a:solidFill>
+                </a:ln>
+                <a:solidFill>
+                  <a:schemeClr val="bg2">
+                    <a:lumMod val="50000"/>
+                  </a:schemeClr>
+                </a:solidFill>
+                <a:latin typeface="나눔스퀘어" panose="020B0600000101010101" pitchFamily="50" charset="-127"/>
+                <a:ea typeface="나눔스퀘어" panose="020B0600000101010101" pitchFamily="50" charset="-127"/>
+                <a:cs typeface="조선일보명조" panose="02030304000000000000" pitchFamily="18" charset="-127"/>
+              </a:rPr>
+              <a:t>7</a:t>
+            </a:r>
+            <a:r>
+              <a:rPr lang="ko-KR" altLang="en-US" sz="1600" dirty="0">
+                <a:ln>
+                  <a:solidFill>
+                    <a:schemeClr val="bg2">
+                      <a:lumMod val="50000"/>
+                      <a:alpha val="15000"/>
+                    </a:schemeClr>
+                  </a:solidFill>
+                </a:ln>
+                <a:solidFill>
+                  <a:schemeClr val="bg2">
+                    <a:lumMod val="50000"/>
+                  </a:schemeClr>
+                </a:solidFill>
+                <a:latin typeface="나눔스퀘어" panose="020B0600000101010101" pitchFamily="50" charset="-127"/>
+                <a:ea typeface="나눔스퀘어" panose="020B0600000101010101" pitchFamily="50" charset="-127"/>
+                <a:cs typeface="조선일보명조" panose="02030304000000000000" pitchFamily="18" charset="-127"/>
+              </a:rPr>
+              <a:t>개 지역</a:t>
+            </a:r>
+            <a:r>
+              <a:rPr lang="en-US" altLang="ko-KR" sz="1600" dirty="0">
+                <a:ln>
+                  <a:solidFill>
+                    <a:schemeClr val="bg2">
+                      <a:lumMod val="50000"/>
+                      <a:alpha val="15000"/>
+                    </a:schemeClr>
+                  </a:solidFill>
+                </a:ln>
+                <a:solidFill>
+                  <a:schemeClr val="bg2">
+                    <a:lumMod val="50000"/>
+                  </a:schemeClr>
+                </a:solidFill>
+                <a:latin typeface="나눔스퀘어" panose="020B0600000101010101" pitchFamily="50" charset="-127"/>
+                <a:ea typeface="나눔스퀘어" panose="020B0600000101010101" pitchFamily="50" charset="-127"/>
+                <a:cs typeface="조선일보명조" panose="02030304000000000000" pitchFamily="18" charset="-127"/>
+              </a:rPr>
+              <a:t>(</a:t>
+            </a:r>
+            <a:r>
+              <a:rPr lang="ko-KR" altLang="en-US" sz="1600" dirty="0">
+                <a:ln>
+                  <a:solidFill>
+                    <a:schemeClr val="bg2">
+                      <a:lumMod val="50000"/>
+                      <a:alpha val="15000"/>
+                    </a:schemeClr>
+                  </a:solidFill>
+                </a:ln>
+                <a:solidFill>
+                  <a:schemeClr val="bg2">
+                    <a:lumMod val="50000"/>
+                  </a:schemeClr>
+                </a:solidFill>
+                <a:latin typeface="나눔스퀘어" panose="020B0600000101010101" pitchFamily="50" charset="-127"/>
+                <a:ea typeface="나눔스퀘어" panose="020B0600000101010101" pitchFamily="50" charset="-127"/>
+                <a:cs typeface="조선일보명조" panose="02030304000000000000" pitchFamily="18" charset="-127"/>
+              </a:rPr>
+              <a:t>수도권</a:t>
+            </a:r>
+            <a:r>
+              <a:rPr lang="en-US" altLang="ko-KR" sz="1600" dirty="0">
+                <a:ln>
+                  <a:solidFill>
+                    <a:schemeClr val="bg2">
+                      <a:lumMod val="50000"/>
+                      <a:alpha val="15000"/>
+                    </a:schemeClr>
+                  </a:solidFill>
+                </a:ln>
+                <a:solidFill>
+                  <a:schemeClr val="bg2">
+                    <a:lumMod val="50000"/>
+                  </a:schemeClr>
+                </a:solidFill>
+                <a:latin typeface="나눔스퀘어" panose="020B0600000101010101" pitchFamily="50" charset="-127"/>
+                <a:ea typeface="나눔스퀘어" panose="020B0600000101010101" pitchFamily="50" charset="-127"/>
+                <a:cs typeface="조선일보명조" panose="02030304000000000000" pitchFamily="18" charset="-127"/>
+              </a:rPr>
+              <a:t>, </a:t>
+            </a:r>
+            <a:r>
+              <a:rPr lang="ko-KR" altLang="en-US" sz="1600" dirty="0">
+                <a:ln>
+                  <a:solidFill>
+                    <a:schemeClr val="bg2">
+                      <a:lumMod val="50000"/>
+                      <a:alpha val="15000"/>
+                    </a:schemeClr>
+                  </a:solidFill>
+                </a:ln>
+                <a:solidFill>
+                  <a:schemeClr val="bg2">
+                    <a:lumMod val="50000"/>
+                  </a:schemeClr>
+                </a:solidFill>
+                <a:latin typeface="나눔스퀘어" panose="020B0600000101010101" pitchFamily="50" charset="-127"/>
+                <a:ea typeface="나눔스퀘어" panose="020B0600000101010101" pitchFamily="50" charset="-127"/>
+                <a:cs typeface="조선일보명조" panose="02030304000000000000" pitchFamily="18" charset="-127"/>
+              </a:rPr>
+              <a:t>강원</a:t>
+            </a:r>
+            <a:r>
+              <a:rPr lang="en-US" altLang="ko-KR" sz="1600" dirty="0">
+                <a:ln>
+                  <a:solidFill>
+                    <a:schemeClr val="bg2">
+                      <a:lumMod val="50000"/>
+                      <a:alpha val="15000"/>
+                    </a:schemeClr>
+                  </a:solidFill>
+                </a:ln>
+                <a:solidFill>
+                  <a:schemeClr val="bg2">
+                    <a:lumMod val="50000"/>
+                  </a:schemeClr>
+                </a:solidFill>
+                <a:latin typeface="나눔스퀘어" panose="020B0600000101010101" pitchFamily="50" charset="-127"/>
+                <a:ea typeface="나눔스퀘어" panose="020B0600000101010101" pitchFamily="50" charset="-127"/>
+                <a:cs typeface="조선일보명조" panose="02030304000000000000" pitchFamily="18" charset="-127"/>
+              </a:rPr>
+              <a:t>, </a:t>
+            </a:r>
+            <a:r>
+              <a:rPr lang="ko-KR" altLang="en-US" sz="1600" dirty="0" err="1">
+                <a:ln>
+                  <a:solidFill>
+                    <a:schemeClr val="bg2">
+                      <a:lumMod val="50000"/>
+                      <a:alpha val="15000"/>
+                    </a:schemeClr>
+                  </a:solidFill>
+                </a:ln>
+                <a:solidFill>
+                  <a:schemeClr val="bg2">
+                    <a:lumMod val="50000"/>
+                  </a:schemeClr>
+                </a:solidFill>
+                <a:latin typeface="나눔스퀘어" panose="020B0600000101010101" pitchFamily="50" charset="-127"/>
+                <a:ea typeface="나눔스퀘어" panose="020B0600000101010101" pitchFamily="50" charset="-127"/>
+                <a:cs typeface="조선일보명조" panose="02030304000000000000" pitchFamily="18" charset="-127"/>
+              </a:rPr>
+              <a:t>대전충청</a:t>
+            </a:r>
+            <a:r>
+              <a:rPr lang="en-US" altLang="ko-KR" sz="1600" dirty="0">
+                <a:ln>
+                  <a:solidFill>
+                    <a:schemeClr val="bg2">
+                      <a:lumMod val="50000"/>
+                      <a:alpha val="15000"/>
+                    </a:schemeClr>
+                  </a:solidFill>
+                </a:ln>
+                <a:solidFill>
+                  <a:schemeClr val="bg2">
+                    <a:lumMod val="50000"/>
+                  </a:schemeClr>
+                </a:solidFill>
+                <a:latin typeface="나눔스퀘어" panose="020B0600000101010101" pitchFamily="50" charset="-127"/>
+                <a:ea typeface="나눔스퀘어" panose="020B0600000101010101" pitchFamily="50" charset="-127"/>
+                <a:cs typeface="조선일보명조" panose="02030304000000000000" pitchFamily="18" charset="-127"/>
+              </a:rPr>
+              <a:t>, </a:t>
+            </a:r>
+            <a:r>
+              <a:rPr lang="ko-KR" altLang="en-US" sz="1600" dirty="0">
+                <a:ln>
+                  <a:solidFill>
+                    <a:schemeClr val="bg2">
+                      <a:lumMod val="50000"/>
+                      <a:alpha val="15000"/>
+                    </a:schemeClr>
+                  </a:solidFill>
+                </a:ln>
+                <a:solidFill>
+                  <a:schemeClr val="bg2">
+                    <a:lumMod val="50000"/>
+                  </a:schemeClr>
+                </a:solidFill>
+                <a:latin typeface="나눔스퀘어" panose="020B0600000101010101" pitchFamily="50" charset="-127"/>
+                <a:ea typeface="나눔스퀘어" panose="020B0600000101010101" pitchFamily="50" charset="-127"/>
+                <a:cs typeface="조선일보명조" panose="02030304000000000000" pitchFamily="18" charset="-127"/>
+              </a:rPr>
+              <a:t>전북</a:t>
+            </a:r>
+            <a:r>
+              <a:rPr lang="en-US" altLang="ko-KR" sz="1600" dirty="0">
+                <a:ln>
+                  <a:solidFill>
+                    <a:schemeClr val="bg2">
+                      <a:lumMod val="50000"/>
+                      <a:alpha val="15000"/>
+                    </a:schemeClr>
+                  </a:solidFill>
+                </a:ln>
+                <a:solidFill>
+                  <a:schemeClr val="bg2">
+                    <a:lumMod val="50000"/>
+                  </a:schemeClr>
+                </a:solidFill>
+                <a:latin typeface="나눔스퀘어" panose="020B0600000101010101" pitchFamily="50" charset="-127"/>
+                <a:ea typeface="나눔스퀘어" panose="020B0600000101010101" pitchFamily="50" charset="-127"/>
+                <a:cs typeface="조선일보명조" panose="02030304000000000000" pitchFamily="18" charset="-127"/>
+              </a:rPr>
+              <a:t>, </a:t>
+            </a:r>
+            <a:r>
+              <a:rPr lang="ko-KR" altLang="en-US" sz="1600" dirty="0">
+                <a:ln>
+                  <a:solidFill>
+                    <a:schemeClr val="bg2">
+                      <a:lumMod val="50000"/>
+                      <a:alpha val="15000"/>
+                    </a:schemeClr>
+                  </a:solidFill>
+                </a:ln>
+                <a:solidFill>
+                  <a:schemeClr val="bg2">
+                    <a:lumMod val="50000"/>
+                  </a:schemeClr>
+                </a:solidFill>
+                <a:latin typeface="나눔스퀘어" panose="020B0600000101010101" pitchFamily="50" charset="-127"/>
+                <a:ea typeface="나눔스퀘어" panose="020B0600000101010101" pitchFamily="50" charset="-127"/>
+                <a:cs typeface="조선일보명조" panose="02030304000000000000" pitchFamily="18" charset="-127"/>
+              </a:rPr>
+              <a:t>대구경북</a:t>
+            </a:r>
+            <a:r>
+              <a:rPr lang="en-US" altLang="ko-KR" sz="1600" dirty="0">
+                <a:ln>
+                  <a:solidFill>
+                    <a:schemeClr val="bg2">
+                      <a:lumMod val="50000"/>
+                      <a:alpha val="15000"/>
+                    </a:schemeClr>
+                  </a:solidFill>
+                </a:ln>
+                <a:solidFill>
+                  <a:schemeClr val="bg2">
+                    <a:lumMod val="50000"/>
+                  </a:schemeClr>
+                </a:solidFill>
+                <a:latin typeface="나눔스퀘어" panose="020B0600000101010101" pitchFamily="50" charset="-127"/>
+                <a:ea typeface="나눔스퀘어" panose="020B0600000101010101" pitchFamily="50" charset="-127"/>
+                <a:cs typeface="조선일보명조" panose="02030304000000000000" pitchFamily="18" charset="-127"/>
+              </a:rPr>
+              <a:t>, </a:t>
+            </a:r>
+            <a:r>
+              <a:rPr lang="ko-KR" altLang="en-US" sz="1600" dirty="0">
+                <a:ln>
+                  <a:solidFill>
+                    <a:schemeClr val="bg2">
+                      <a:lumMod val="50000"/>
+                      <a:alpha val="15000"/>
+                    </a:schemeClr>
+                  </a:solidFill>
+                </a:ln>
+                <a:solidFill>
+                  <a:schemeClr val="bg2">
+                    <a:lumMod val="50000"/>
+                  </a:schemeClr>
+                </a:solidFill>
+                <a:latin typeface="나눔스퀘어" panose="020B0600000101010101" pitchFamily="50" charset="-127"/>
+                <a:ea typeface="나눔스퀘어" panose="020B0600000101010101" pitchFamily="50" charset="-127"/>
+                <a:cs typeface="조선일보명조" panose="02030304000000000000" pitchFamily="18" charset="-127"/>
+              </a:rPr>
+              <a:t>광주전남</a:t>
+            </a:r>
+            <a:r>
+              <a:rPr lang="en-US" altLang="ko-KR" sz="1600" dirty="0">
+                <a:ln>
+                  <a:solidFill>
+                    <a:schemeClr val="bg2">
+                      <a:lumMod val="50000"/>
+                      <a:alpha val="15000"/>
+                    </a:schemeClr>
+                  </a:solidFill>
+                </a:ln>
+                <a:solidFill>
+                  <a:schemeClr val="bg2">
+                    <a:lumMod val="50000"/>
+                  </a:schemeClr>
+                </a:solidFill>
+                <a:latin typeface="나눔스퀘어" panose="020B0600000101010101" pitchFamily="50" charset="-127"/>
+                <a:ea typeface="나눔스퀘어" panose="020B0600000101010101" pitchFamily="50" charset="-127"/>
+                <a:cs typeface="조선일보명조" panose="02030304000000000000" pitchFamily="18" charset="-127"/>
+              </a:rPr>
+              <a:t>, </a:t>
+            </a:r>
+            <a:r>
+              <a:rPr lang="ko-KR" altLang="en-US" sz="1600" dirty="0">
+                <a:ln>
+                  <a:solidFill>
+                    <a:schemeClr val="bg2">
+                      <a:lumMod val="50000"/>
+                      <a:alpha val="15000"/>
+                    </a:schemeClr>
+                  </a:solidFill>
+                </a:ln>
+                <a:solidFill>
+                  <a:schemeClr val="bg2">
+                    <a:lumMod val="50000"/>
+                  </a:schemeClr>
+                </a:solidFill>
+                <a:latin typeface="나눔스퀘어" panose="020B0600000101010101" pitchFamily="50" charset="-127"/>
+                <a:ea typeface="나눔스퀘어" panose="020B0600000101010101" pitchFamily="50" charset="-127"/>
+                <a:cs typeface="조선일보명조" panose="02030304000000000000" pitchFamily="18" charset="-127"/>
+              </a:rPr>
+              <a:t>부산경남</a:t>
+            </a:r>
+            <a:r>
+              <a:rPr lang="en-US" altLang="ko-KR" sz="1600" dirty="0">
+                <a:ln>
+                  <a:solidFill>
+                    <a:schemeClr val="bg2">
+                      <a:lumMod val="50000"/>
+                      <a:alpha val="15000"/>
+                    </a:schemeClr>
+                  </a:solidFill>
+                </a:ln>
+                <a:solidFill>
+                  <a:schemeClr val="bg2">
+                    <a:lumMod val="50000"/>
+                  </a:schemeClr>
+                </a:solidFill>
+                <a:latin typeface="나눔스퀘어" panose="020B0600000101010101" pitchFamily="50" charset="-127"/>
+                <a:ea typeface="나눔스퀘어" panose="020B0600000101010101" pitchFamily="50" charset="-127"/>
+                <a:cs typeface="조선일보명조" panose="02030304000000000000" pitchFamily="18" charset="-127"/>
+              </a:rPr>
+              <a:t>)</a:t>
+            </a:r>
+            <a:r>
+              <a:rPr lang="ko-KR" altLang="en-US" sz="1600" dirty="0">
+                <a:ln>
+                  <a:solidFill>
+                    <a:schemeClr val="bg2">
+                      <a:lumMod val="50000"/>
+                      <a:alpha val="15000"/>
+                    </a:schemeClr>
+                  </a:solidFill>
+                </a:ln>
+                <a:solidFill>
+                  <a:schemeClr val="bg2">
+                    <a:lumMod val="50000"/>
+                  </a:schemeClr>
+                </a:solidFill>
+                <a:latin typeface="나눔스퀘어" panose="020B0600000101010101" pitchFamily="50" charset="-127"/>
+                <a:ea typeface="나눔스퀘어" panose="020B0600000101010101" pitchFamily="50" charset="-127"/>
+                <a:cs typeface="조선일보명조" panose="02030304000000000000" pitchFamily="18" charset="-127"/>
+              </a:rPr>
+              <a:t>을 기준으로 하나의 데이터셋으로 병합</a:t>
+            </a:r>
+          </a:p>
+        </p:txBody>
+      </p:sp>
+      <p:sp>
+        <p:nvSpPr>
+          <p:cNvPr id="2" name="화살표: 아래쪽 1">
+            <a:extLst>
+              <a:ext uri="{FF2B5EF4-FFF2-40B4-BE49-F238E27FC236}">
+                <a16:creationId xmlns:a16="http://schemas.microsoft.com/office/drawing/2014/main" id="{4F2F07A9-C6CC-4645-A5F3-0C7902BB9A30}"/>
+              </a:ext>
+            </a:extLst>
+          </p:cNvPr>
+          <p:cNvSpPr/>
+          <p:nvPr/>
+        </p:nvSpPr>
+        <p:spPr>
+          <a:xfrm>
+            <a:off x="2627791" y="3817403"/>
+            <a:ext cx="745722" cy="659263"/>
+          </a:xfrm>
+          <a:prstGeom prst="downArrow">
+            <a:avLst/>
+          </a:prstGeom>
+          <a:solidFill>
+            <a:srgbClr val="152B39"/>
+          </a:solidFill>
+          <a:ln>
+            <a:solidFill>
+              <a:srgbClr val="152B39"/>
+            </a:solidFill>
+          </a:ln>
+        </p:spPr>
+        <p:style>
+          <a:lnRef idx="0">
+            <a:schemeClr val="accent5"/>
+          </a:lnRef>
+          <a:fillRef idx="3">
+            <a:schemeClr val="accent5"/>
+          </a:fillRef>
+          <a:effectRef idx="3">
+            <a:schemeClr val="accent5"/>
+          </a:effectRef>
+          <a:fontRef idx="minor">
+            <a:schemeClr val="lt1"/>
+          </a:fontRef>
+        </p:style>
+        <p:txBody>
+          <a:bodyPr rtlCol="0" anchor="ctr"/>
+          <a:lstStyle/>
+          <a:p>
+            <a:pPr algn="ctr"/>
+            <a:endParaRPr lang="ko-KR" altLang="en-US" dirty="0"/>
+          </a:p>
+        </p:txBody>
+      </p:sp>
+      <mc:AlternateContent xmlns:mc="http://schemas.openxmlformats.org/markup-compatibility/2006">
+        <mc:Choice xmlns:a14="http://schemas.microsoft.com/office/drawing/2010/main" Requires="a14">
+          <p:sp>
+            <p:nvSpPr>
+              <p:cNvPr id="15" name="TextBox 14">
+                <a:extLst>
+                  <a:ext uri="{FF2B5EF4-FFF2-40B4-BE49-F238E27FC236}">
+                    <a16:creationId xmlns:a16="http://schemas.microsoft.com/office/drawing/2014/main" id="{DE2B6FF6-ECA4-44AB-AA27-2193DB652C8B}"/>
+                  </a:ext>
+                </a:extLst>
+              </p:cNvPr>
+              <p:cNvSpPr txBox="1"/>
+              <p:nvPr/>
+            </p:nvSpPr>
+            <p:spPr>
+              <a:xfrm>
+                <a:off x="6489581" y="1754848"/>
+                <a:ext cx="5446113" cy="4110036"/>
+              </a:xfrm>
+              <a:prstGeom prst="rect">
+                <a:avLst/>
+              </a:prstGeom>
+              <a:noFill/>
+            </p:spPr>
+            <p:txBody>
+              <a:bodyPr wrap="square" rtlCol="0">
+                <a:spAutoFit/>
+              </a:bodyPr>
+              <a:lstStyle/>
+              <a:p>
+                <a:pPr>
+                  <a:lnSpc>
+                    <a:spcPct val="150000"/>
+                  </a:lnSpc>
+                </a:pPr>
+                <a:r>
+                  <a:rPr lang="en-US" altLang="ko-KR" sz="1600" dirty="0">
+                    <a:ln>
+                      <a:solidFill>
+                        <a:schemeClr val="bg2">
+                          <a:lumMod val="50000"/>
+                          <a:alpha val="15000"/>
+                        </a:schemeClr>
+                      </a:solidFill>
+                    </a:ln>
+                    <a:solidFill>
+                      <a:schemeClr val="bg2">
+                        <a:lumMod val="50000"/>
+                      </a:schemeClr>
+                    </a:solidFill>
+                    <a:latin typeface="나눔스퀘어" panose="020B0600000101010101" pitchFamily="50" charset="-127"/>
+                    <a:ea typeface="나눔스퀘어" panose="020B0600000101010101" pitchFamily="50" charset="-127"/>
+                    <a:cs typeface="조선일보명조" panose="02030304000000000000" pitchFamily="18" charset="-127"/>
+                  </a:rPr>
+                  <a:t>Step</a:t>
+                </a:r>
+                <a:r>
+                  <a:rPr lang="ko-KR" altLang="en-US" sz="1600" dirty="0">
+                    <a:ln>
+                      <a:solidFill>
+                        <a:schemeClr val="bg2">
+                          <a:lumMod val="50000"/>
+                          <a:alpha val="15000"/>
+                        </a:schemeClr>
+                      </a:solidFill>
+                    </a:ln>
+                    <a:solidFill>
+                      <a:schemeClr val="bg2">
+                        <a:lumMod val="50000"/>
+                      </a:schemeClr>
+                    </a:solidFill>
+                    <a:latin typeface="나눔스퀘어" panose="020B0600000101010101" pitchFamily="50" charset="-127"/>
+                    <a:ea typeface="나눔스퀘어" panose="020B0600000101010101" pitchFamily="50" charset="-127"/>
+                    <a:cs typeface="조선일보명조" panose="02030304000000000000" pitchFamily="18" charset="-127"/>
+                  </a:rPr>
+                  <a:t> </a:t>
+                </a:r>
+                <a:r>
+                  <a:rPr lang="en-US" altLang="ko-KR" sz="1600" dirty="0">
+                    <a:ln>
+                      <a:solidFill>
+                        <a:schemeClr val="bg2">
+                          <a:lumMod val="50000"/>
+                          <a:alpha val="15000"/>
+                        </a:schemeClr>
+                      </a:solidFill>
+                    </a:ln>
+                    <a:solidFill>
+                      <a:schemeClr val="bg2">
+                        <a:lumMod val="50000"/>
+                      </a:schemeClr>
+                    </a:solidFill>
+                    <a:latin typeface="나눔스퀘어" panose="020B0600000101010101" pitchFamily="50" charset="-127"/>
+                    <a:ea typeface="나눔스퀘어" panose="020B0600000101010101" pitchFamily="50" charset="-127"/>
+                    <a:cs typeface="조선일보명조" panose="02030304000000000000" pitchFamily="18" charset="-127"/>
+                  </a:rPr>
+                  <a:t>1.</a:t>
+                </a:r>
+                <a:r>
+                  <a:rPr lang="ko-KR" altLang="en-US" sz="1600" dirty="0">
+                    <a:ln>
+                      <a:solidFill>
+                        <a:schemeClr val="bg2">
+                          <a:lumMod val="50000"/>
+                          <a:alpha val="15000"/>
+                        </a:schemeClr>
+                      </a:solidFill>
+                    </a:ln>
+                    <a:solidFill>
+                      <a:schemeClr val="bg2">
+                        <a:lumMod val="50000"/>
+                      </a:schemeClr>
+                    </a:solidFill>
+                    <a:latin typeface="나눔스퀘어" panose="020B0600000101010101" pitchFamily="50" charset="-127"/>
+                    <a:ea typeface="나눔스퀘어" panose="020B0600000101010101" pitchFamily="50" charset="-127"/>
+                    <a:cs typeface="조선일보명조" panose="02030304000000000000" pitchFamily="18" charset="-127"/>
+                  </a:rPr>
+                  <a:t> </a:t>
+                </a:r>
+                <a:r>
+                  <a:rPr lang="en-US" altLang="ko-KR" sz="1600" dirty="0">
+                    <a:ln>
+                      <a:solidFill>
+                        <a:schemeClr val="bg2">
+                          <a:lumMod val="50000"/>
+                          <a:alpha val="15000"/>
+                        </a:schemeClr>
+                      </a:solidFill>
+                    </a:ln>
+                    <a:solidFill>
+                      <a:schemeClr val="bg2">
+                        <a:lumMod val="50000"/>
+                      </a:schemeClr>
+                    </a:solidFill>
+                    <a:latin typeface="나눔스퀘어" panose="020B0600000101010101" pitchFamily="50" charset="-127"/>
+                    <a:ea typeface="나눔스퀘어" panose="020B0600000101010101" pitchFamily="50" charset="-127"/>
+                    <a:cs typeface="조선일보명조" panose="02030304000000000000" pitchFamily="18" charset="-127"/>
+                  </a:rPr>
+                  <a:t>5</a:t>
+                </a:r>
+                <a:r>
+                  <a:rPr lang="ko-KR" altLang="en-US" sz="1600" dirty="0">
+                    <a:ln>
+                      <a:solidFill>
+                        <a:schemeClr val="bg2">
+                          <a:lumMod val="50000"/>
+                          <a:alpha val="15000"/>
+                        </a:schemeClr>
+                      </a:solidFill>
+                    </a:ln>
+                    <a:solidFill>
+                      <a:schemeClr val="bg2">
+                        <a:lumMod val="50000"/>
+                      </a:schemeClr>
+                    </a:solidFill>
+                    <a:latin typeface="나눔스퀘어" panose="020B0600000101010101" pitchFamily="50" charset="-127"/>
+                    <a:ea typeface="나눔스퀘어" panose="020B0600000101010101" pitchFamily="50" charset="-127"/>
+                    <a:cs typeface="조선일보명조" panose="02030304000000000000" pitchFamily="18" charset="-127"/>
+                  </a:rPr>
+                  <a:t>개 요소에 대해 각각 </a:t>
+                </a:r>
+                <a:r>
+                  <a:rPr lang="en-US" altLang="ko-KR" sz="1600" dirty="0">
+                    <a:ln>
+                      <a:solidFill>
+                        <a:schemeClr val="bg2">
+                          <a:lumMod val="50000"/>
+                          <a:alpha val="15000"/>
+                        </a:schemeClr>
+                      </a:solidFill>
+                    </a:ln>
+                    <a:solidFill>
+                      <a:schemeClr val="bg2">
+                        <a:lumMod val="50000"/>
+                      </a:schemeClr>
+                    </a:solidFill>
+                    <a:latin typeface="나눔스퀘어" panose="020B0600000101010101" pitchFamily="50" charset="-127"/>
+                    <a:ea typeface="나눔스퀘어" panose="020B0600000101010101" pitchFamily="50" charset="-127"/>
+                    <a:cs typeface="조선일보명조" panose="02030304000000000000" pitchFamily="18" charset="-127"/>
+                  </a:rPr>
+                  <a:t>Min-Max Scaling </a:t>
+                </a:r>
+                <a:r>
+                  <a:rPr lang="ko-KR" altLang="en-US" sz="1600" dirty="0">
+                    <a:ln>
+                      <a:solidFill>
+                        <a:schemeClr val="bg2">
+                          <a:lumMod val="50000"/>
+                          <a:alpha val="15000"/>
+                        </a:schemeClr>
+                      </a:solidFill>
+                    </a:ln>
+                    <a:solidFill>
+                      <a:schemeClr val="bg2">
+                        <a:lumMod val="50000"/>
+                      </a:schemeClr>
+                    </a:solidFill>
+                    <a:latin typeface="나눔스퀘어" panose="020B0600000101010101" pitchFamily="50" charset="-127"/>
+                    <a:ea typeface="나눔스퀘어" panose="020B0600000101010101" pitchFamily="50" charset="-127"/>
+                    <a:cs typeface="조선일보명조" panose="02030304000000000000" pitchFamily="18" charset="-127"/>
+                  </a:rPr>
+                  <a:t>적용</a:t>
+                </a:r>
+                <a:endParaRPr lang="en-US" altLang="ko-KR" sz="1600" dirty="0">
+                  <a:ln>
+                    <a:solidFill>
+                      <a:schemeClr val="bg2">
+                        <a:lumMod val="50000"/>
+                        <a:alpha val="15000"/>
+                      </a:schemeClr>
+                    </a:solidFill>
+                  </a:ln>
+                  <a:solidFill>
+                    <a:schemeClr val="bg2">
+                      <a:lumMod val="50000"/>
+                    </a:schemeClr>
+                  </a:solidFill>
+                  <a:latin typeface="나눔스퀘어" panose="020B0600000101010101" pitchFamily="50" charset="-127"/>
+                  <a:ea typeface="나눔스퀘어" panose="020B0600000101010101" pitchFamily="50" charset="-127"/>
+                  <a:cs typeface="조선일보명조" panose="02030304000000000000" pitchFamily="18" charset="-127"/>
+                </a:endParaRPr>
+              </a:p>
+              <a:p>
+                <a:pPr>
+                  <a:lnSpc>
+                    <a:spcPct val="150000"/>
+                  </a:lnSpc>
+                </a:pPr>
+                <a:endParaRPr lang="en-US" altLang="ko-KR" sz="1600" dirty="0">
+                  <a:ln>
+                    <a:solidFill>
+                      <a:schemeClr val="bg2">
+                        <a:lumMod val="50000"/>
+                        <a:alpha val="15000"/>
+                      </a:schemeClr>
+                    </a:solidFill>
+                  </a:ln>
+                  <a:solidFill>
+                    <a:schemeClr val="bg2">
+                      <a:lumMod val="50000"/>
+                    </a:schemeClr>
+                  </a:solidFill>
+                  <a:latin typeface="나눔스퀘어" panose="020B0600000101010101" pitchFamily="50" charset="-127"/>
+                  <a:ea typeface="나눔스퀘어" panose="020B0600000101010101" pitchFamily="50" charset="-127"/>
+                  <a:cs typeface="조선일보명조" panose="02030304000000000000" pitchFamily="18" charset="-127"/>
+                </a:endParaRPr>
+              </a:p>
+              <a:p>
+                <a:pPr>
+                  <a:lnSpc>
+                    <a:spcPct val="150000"/>
+                  </a:lnSpc>
+                </a:pPr>
+                <a:r>
+                  <a:rPr lang="en-US" altLang="ko-KR" sz="1600" dirty="0">
+                    <a:ln>
+                      <a:solidFill>
+                        <a:schemeClr val="bg2">
+                          <a:lumMod val="50000"/>
+                          <a:alpha val="15000"/>
+                        </a:schemeClr>
+                      </a:solidFill>
+                    </a:ln>
+                    <a:solidFill>
+                      <a:schemeClr val="bg2">
+                        <a:lumMod val="50000"/>
+                      </a:schemeClr>
+                    </a:solidFill>
+                    <a:latin typeface="나눔스퀘어" panose="020B0600000101010101" pitchFamily="50" charset="-127"/>
+                    <a:ea typeface="나눔스퀘어" panose="020B0600000101010101" pitchFamily="50" charset="-127"/>
+                    <a:cs typeface="조선일보명조" panose="02030304000000000000" pitchFamily="18" charset="-127"/>
+                  </a:rPr>
+                  <a:t>Step 2. scaling</a:t>
+                </a:r>
+                <a:r>
+                  <a:rPr lang="ko-KR" altLang="en-US" sz="1600" dirty="0">
+                    <a:ln>
+                      <a:solidFill>
+                        <a:schemeClr val="bg2">
+                          <a:lumMod val="50000"/>
+                          <a:alpha val="15000"/>
+                        </a:schemeClr>
+                      </a:solidFill>
+                    </a:ln>
+                    <a:solidFill>
+                      <a:schemeClr val="bg2">
+                        <a:lumMod val="50000"/>
+                      </a:schemeClr>
+                    </a:solidFill>
+                    <a:latin typeface="나눔스퀘어" panose="020B0600000101010101" pitchFamily="50" charset="-127"/>
+                    <a:ea typeface="나눔스퀘어" panose="020B0600000101010101" pitchFamily="50" charset="-127"/>
+                    <a:cs typeface="조선일보명조" panose="02030304000000000000" pitchFamily="18" charset="-127"/>
+                  </a:rPr>
+                  <a:t>한 </a:t>
+                </a:r>
+                <a:r>
+                  <a:rPr lang="en-US" altLang="ko-KR" sz="1600" dirty="0">
+                    <a:ln>
+                      <a:solidFill>
+                        <a:schemeClr val="bg2">
+                          <a:lumMod val="50000"/>
+                          <a:alpha val="15000"/>
+                        </a:schemeClr>
+                      </a:solidFill>
+                    </a:ln>
+                    <a:solidFill>
+                      <a:schemeClr val="bg2">
+                        <a:lumMod val="50000"/>
+                      </a:schemeClr>
+                    </a:solidFill>
+                    <a:latin typeface="나눔스퀘어" panose="020B0600000101010101" pitchFamily="50" charset="-127"/>
+                    <a:ea typeface="나눔스퀘어" panose="020B0600000101010101" pitchFamily="50" charset="-127"/>
+                    <a:cs typeface="조선일보명조" panose="02030304000000000000" pitchFamily="18" charset="-127"/>
+                  </a:rPr>
+                  <a:t>5</a:t>
+                </a:r>
+                <a:r>
+                  <a:rPr lang="ko-KR" altLang="en-US" sz="1600" dirty="0">
+                    <a:ln>
+                      <a:solidFill>
+                        <a:schemeClr val="bg2">
+                          <a:lumMod val="50000"/>
+                          <a:alpha val="15000"/>
+                        </a:schemeClr>
+                      </a:solidFill>
+                    </a:ln>
+                    <a:solidFill>
+                      <a:schemeClr val="bg2">
+                        <a:lumMod val="50000"/>
+                      </a:schemeClr>
+                    </a:solidFill>
+                    <a:latin typeface="나눔스퀘어" panose="020B0600000101010101" pitchFamily="50" charset="-127"/>
+                    <a:ea typeface="나눔스퀘어" panose="020B0600000101010101" pitchFamily="50" charset="-127"/>
+                    <a:cs typeface="조선일보명조" panose="02030304000000000000" pitchFamily="18" charset="-127"/>
+                  </a:rPr>
+                  <a:t>개 요소에 대해 각 지역별 비중 계산</a:t>
+                </a:r>
+                <a:endParaRPr lang="en-US" altLang="ko-KR" sz="1600" dirty="0">
+                  <a:ln>
+                    <a:solidFill>
+                      <a:schemeClr val="bg2">
+                        <a:lumMod val="50000"/>
+                        <a:alpha val="15000"/>
+                      </a:schemeClr>
+                    </a:solidFill>
+                  </a:ln>
+                  <a:solidFill>
+                    <a:schemeClr val="bg2">
+                      <a:lumMod val="50000"/>
+                    </a:schemeClr>
+                  </a:solidFill>
+                  <a:latin typeface="나눔스퀘어" panose="020B0600000101010101" pitchFamily="50" charset="-127"/>
+                  <a:ea typeface="나눔스퀘어" panose="020B0600000101010101" pitchFamily="50" charset="-127"/>
+                  <a:cs typeface="조선일보명조" panose="02030304000000000000" pitchFamily="18" charset="-127"/>
+                </a:endParaRPr>
+              </a:p>
+              <a:p>
+                <a:pPr>
+                  <a:lnSpc>
+                    <a:spcPct val="150000"/>
+                  </a:lnSpc>
+                </a:pPr>
+                <a:r>
+                  <a:rPr lang="en-US" altLang="ko-KR" sz="1600" dirty="0">
+                    <a:ln>
+                      <a:solidFill>
+                        <a:schemeClr val="bg2">
+                          <a:lumMod val="50000"/>
+                          <a:alpha val="15000"/>
+                        </a:schemeClr>
+                      </a:solidFill>
+                    </a:ln>
+                    <a:solidFill>
+                      <a:schemeClr val="bg2">
+                        <a:lumMod val="50000"/>
+                      </a:schemeClr>
+                    </a:solidFill>
+                    <a:latin typeface="나눔스퀘어" panose="020B0600000101010101" pitchFamily="50" charset="-127"/>
+                    <a:ea typeface="나눔스퀘어" panose="020B0600000101010101" pitchFamily="50" charset="-127"/>
+                    <a:cs typeface="조선일보명조" panose="02030304000000000000" pitchFamily="18" charset="-127"/>
+                  </a:rPr>
+                  <a:t>	(</a:t>
+                </a:r>
+                <a14:m>
+                  <m:oMath xmlns:m="http://schemas.openxmlformats.org/officeDocument/2006/math">
+                    <m:sSub>
+                      <m:sSubPr>
+                        <m:ctrlPr>
+                          <a:rPr lang="en-US" altLang="ko-KR" sz="1600" b="0" i="1" smtClean="0">
+                            <a:ln>
+                              <a:solidFill>
+                                <a:schemeClr val="bg2">
+                                  <a:lumMod val="50000"/>
+                                  <a:alpha val="15000"/>
+                                </a:schemeClr>
+                              </a:solidFill>
+                            </a:ln>
+                            <a:solidFill>
+                              <a:schemeClr val="bg2">
+                                <a:lumMod val="50000"/>
+                              </a:schemeClr>
+                            </a:solidFill>
+                            <a:latin typeface="Cambria Math" panose="02040503050406030204" pitchFamily="18" charset="0"/>
+                            <a:ea typeface="나눔스퀘어" panose="020B0600000101010101" pitchFamily="50" charset="-127"/>
+                          </a:rPr>
+                        </m:ctrlPr>
+                      </m:sSubPr>
+                      <m:e>
+                        <m:r>
+                          <a:rPr lang="en-US" altLang="ko-KR" sz="1600" b="0" i="1" smtClean="0">
+                            <a:ln>
+                              <a:solidFill>
+                                <a:schemeClr val="bg2">
+                                  <a:lumMod val="50000"/>
+                                  <a:alpha val="15000"/>
+                                </a:schemeClr>
+                              </a:solidFill>
+                            </a:ln>
+                            <a:solidFill>
+                              <a:schemeClr val="bg2">
+                                <a:lumMod val="50000"/>
+                              </a:schemeClr>
+                            </a:solidFill>
+                            <a:latin typeface="Cambria Math" panose="02040503050406030204" pitchFamily="18" charset="0"/>
+                            <a:ea typeface="나눔스퀘어" panose="020B0600000101010101" pitchFamily="50" charset="-127"/>
+                          </a:rPr>
+                          <m:t>𝑤</m:t>
+                        </m:r>
+                      </m:e>
+                      <m:sub>
+                        <m:r>
+                          <a:rPr lang="en-US" altLang="ko-KR" sz="1600" b="0" i="1" smtClean="0">
+                            <a:ln>
+                              <a:solidFill>
+                                <a:schemeClr val="bg2">
+                                  <a:lumMod val="50000"/>
+                                  <a:alpha val="15000"/>
+                                </a:schemeClr>
+                              </a:solidFill>
+                            </a:ln>
+                            <a:solidFill>
+                              <a:schemeClr val="bg2">
+                                <a:lumMod val="50000"/>
+                              </a:schemeClr>
+                            </a:solidFill>
+                            <a:latin typeface="Cambria Math" panose="02040503050406030204" pitchFamily="18" charset="0"/>
+                            <a:ea typeface="나눔스퀘어" panose="020B0600000101010101" pitchFamily="50" charset="-127"/>
+                          </a:rPr>
+                          <m:t>.</m:t>
+                        </m:r>
+                        <m:r>
+                          <a:rPr lang="en-US" altLang="ko-KR" sz="1600" b="0" i="1" smtClean="0">
+                            <a:ln>
+                              <a:solidFill>
+                                <a:schemeClr val="bg2">
+                                  <a:lumMod val="50000"/>
+                                  <a:alpha val="15000"/>
+                                </a:schemeClr>
+                              </a:solidFill>
+                            </a:ln>
+                            <a:solidFill>
+                              <a:schemeClr val="bg2">
+                                <a:lumMod val="50000"/>
+                              </a:schemeClr>
+                            </a:solidFill>
+                            <a:latin typeface="Cambria Math" panose="02040503050406030204" pitchFamily="18" charset="0"/>
+                            <a:ea typeface="나눔스퀘어" panose="020B0600000101010101" pitchFamily="50" charset="-127"/>
+                          </a:rPr>
+                          <m:t>𝑗</m:t>
+                        </m:r>
+                      </m:sub>
+                    </m:sSub>
+                    <m:r>
+                      <a:rPr lang="en-US" altLang="ko-KR" sz="1600" b="0" i="1" smtClean="0">
+                        <a:ln>
+                          <a:solidFill>
+                            <a:schemeClr val="bg2">
+                              <a:lumMod val="50000"/>
+                              <a:alpha val="15000"/>
+                            </a:schemeClr>
+                          </a:solidFill>
+                        </a:ln>
+                        <a:solidFill>
+                          <a:schemeClr val="bg2">
+                            <a:lumMod val="50000"/>
+                          </a:schemeClr>
+                        </a:solidFill>
+                        <a:latin typeface="Cambria Math" panose="02040503050406030204" pitchFamily="18" charset="0"/>
+                        <a:ea typeface="나눔스퀘어" panose="020B0600000101010101" pitchFamily="50" charset="-127"/>
+                      </a:rPr>
+                      <m:t>=</m:t>
+                    </m:r>
+                    <m:nary>
+                      <m:naryPr>
+                        <m:chr m:val="∑"/>
+                        <m:ctrlPr>
+                          <a:rPr lang="en-US" altLang="ko-KR" sz="1600" i="1" smtClean="0">
+                            <a:ln>
+                              <a:solidFill>
+                                <a:schemeClr val="bg2">
+                                  <a:lumMod val="50000"/>
+                                  <a:alpha val="15000"/>
+                                </a:schemeClr>
+                              </a:solidFill>
+                            </a:ln>
+                            <a:solidFill>
+                              <a:schemeClr val="bg2">
+                                <a:lumMod val="50000"/>
+                              </a:schemeClr>
+                            </a:solidFill>
+                            <a:latin typeface="Cambria Math" panose="02040503050406030204" pitchFamily="18" charset="0"/>
+                            <a:ea typeface="나눔스퀘어" panose="020B0600000101010101" pitchFamily="50" charset="-127"/>
+                          </a:rPr>
+                        </m:ctrlPr>
+                      </m:naryPr>
+                      <m:sub>
+                        <m:r>
+                          <m:rPr>
+                            <m:brk m:alnAt="23"/>
+                          </m:rPr>
+                          <a:rPr lang="en-US" altLang="ko-KR" sz="1600" b="0" i="1" smtClean="0">
+                            <a:ln>
+                              <a:solidFill>
+                                <a:schemeClr val="bg2">
+                                  <a:lumMod val="50000"/>
+                                  <a:alpha val="15000"/>
+                                </a:schemeClr>
+                              </a:solidFill>
+                            </a:ln>
+                            <a:solidFill>
+                              <a:schemeClr val="bg2">
+                                <a:lumMod val="50000"/>
+                              </a:schemeClr>
+                            </a:solidFill>
+                            <a:latin typeface="Cambria Math" panose="02040503050406030204" pitchFamily="18" charset="0"/>
+                            <a:ea typeface="나눔스퀘어" panose="020B0600000101010101" pitchFamily="50" charset="-127"/>
+                          </a:rPr>
+                          <m:t>𝑖</m:t>
+                        </m:r>
+                        <m:r>
+                          <a:rPr lang="en-US" altLang="ko-KR" sz="1600" b="0" i="1" smtClean="0">
+                            <a:ln>
+                              <a:solidFill>
+                                <a:schemeClr val="bg2">
+                                  <a:lumMod val="50000"/>
+                                  <a:alpha val="15000"/>
+                                </a:schemeClr>
+                              </a:solidFill>
+                            </a:ln>
+                            <a:solidFill>
+                              <a:schemeClr val="bg2">
+                                <a:lumMod val="50000"/>
+                              </a:schemeClr>
+                            </a:solidFill>
+                            <a:latin typeface="Cambria Math" panose="02040503050406030204" pitchFamily="18" charset="0"/>
+                            <a:ea typeface="나눔스퀘어" panose="020B0600000101010101" pitchFamily="50" charset="-127"/>
+                          </a:rPr>
+                          <m:t>=1</m:t>
+                        </m:r>
+                      </m:sub>
+                      <m:sup>
+                        <m:r>
+                          <a:rPr lang="en-US" altLang="ko-KR" sz="1600" b="0" i="1" smtClean="0">
+                            <a:ln>
+                              <a:solidFill>
+                                <a:schemeClr val="bg2">
+                                  <a:lumMod val="50000"/>
+                                  <a:alpha val="15000"/>
+                                </a:schemeClr>
+                              </a:solidFill>
+                            </a:ln>
+                            <a:solidFill>
+                              <a:schemeClr val="bg2">
+                                <a:lumMod val="50000"/>
+                              </a:schemeClr>
+                            </a:solidFill>
+                            <a:latin typeface="Cambria Math" panose="02040503050406030204" pitchFamily="18" charset="0"/>
+                            <a:ea typeface="나눔스퀘어" panose="020B0600000101010101" pitchFamily="50" charset="-127"/>
+                          </a:rPr>
+                          <m:t>7</m:t>
+                        </m:r>
+                      </m:sup>
+                      <m:e>
+                        <m:sSub>
+                          <m:sSubPr>
+                            <m:ctrlPr>
+                              <a:rPr lang="en-US" altLang="ko-KR" sz="1600" b="0" i="1" smtClean="0">
+                                <a:ln>
+                                  <a:solidFill>
+                                    <a:schemeClr val="bg2">
+                                      <a:lumMod val="50000"/>
+                                      <a:alpha val="15000"/>
+                                    </a:schemeClr>
+                                  </a:solidFill>
+                                </a:ln>
+                                <a:solidFill>
+                                  <a:schemeClr val="bg2">
+                                    <a:lumMod val="50000"/>
+                                  </a:schemeClr>
+                                </a:solidFill>
+                                <a:latin typeface="Cambria Math" panose="02040503050406030204" pitchFamily="18" charset="0"/>
+                                <a:ea typeface="나눔스퀘어" panose="020B0600000101010101" pitchFamily="50" charset="-127"/>
+                              </a:rPr>
+                            </m:ctrlPr>
+                          </m:sSubPr>
+                          <m:e>
+                            <m:r>
+                              <a:rPr lang="en-US" altLang="ko-KR" sz="1600" b="0" i="1" smtClean="0">
+                                <a:ln>
+                                  <a:solidFill>
+                                    <a:schemeClr val="bg2">
+                                      <a:lumMod val="50000"/>
+                                      <a:alpha val="15000"/>
+                                    </a:schemeClr>
+                                  </a:solidFill>
+                                </a:ln>
+                                <a:solidFill>
+                                  <a:schemeClr val="bg2">
+                                    <a:lumMod val="50000"/>
+                                  </a:schemeClr>
+                                </a:solidFill>
+                                <a:latin typeface="Cambria Math" panose="02040503050406030204" pitchFamily="18" charset="0"/>
+                                <a:ea typeface="나눔스퀘어" panose="020B0600000101010101" pitchFamily="50" charset="-127"/>
+                              </a:rPr>
+                              <m:t>𝑤</m:t>
+                            </m:r>
+                          </m:e>
+                          <m:sub>
+                            <m:r>
+                              <a:rPr lang="en-US" altLang="ko-KR" sz="1600" b="0" i="1" smtClean="0">
+                                <a:ln>
+                                  <a:solidFill>
+                                    <a:schemeClr val="bg2">
+                                      <a:lumMod val="50000"/>
+                                      <a:alpha val="15000"/>
+                                    </a:schemeClr>
+                                  </a:solidFill>
+                                </a:ln>
+                                <a:solidFill>
+                                  <a:schemeClr val="bg2">
+                                    <a:lumMod val="50000"/>
+                                  </a:schemeClr>
+                                </a:solidFill>
+                                <a:latin typeface="Cambria Math" panose="02040503050406030204" pitchFamily="18" charset="0"/>
+                                <a:ea typeface="나눔스퀘어" panose="020B0600000101010101" pitchFamily="50" charset="-127"/>
+                              </a:rPr>
+                              <m:t>𝑖𝑗</m:t>
+                            </m:r>
+                          </m:sub>
+                        </m:sSub>
+                      </m:e>
+                    </m:nary>
+                  </m:oMath>
+                </a14:m>
+                <a:r>
+                  <a:rPr lang="en-US" altLang="ko-KR" sz="1600" dirty="0">
+                    <a:ln>
+                      <a:solidFill>
+                        <a:schemeClr val="bg2">
+                          <a:lumMod val="50000"/>
+                          <a:alpha val="15000"/>
+                        </a:schemeClr>
+                      </a:solidFill>
+                    </a:ln>
+                    <a:solidFill>
+                      <a:schemeClr val="bg2">
+                        <a:lumMod val="50000"/>
+                      </a:schemeClr>
+                    </a:solidFill>
+                    <a:latin typeface="나눔스퀘어" panose="020B0600000101010101" pitchFamily="50" charset="-127"/>
+                    <a:ea typeface="나눔스퀘어" panose="020B0600000101010101" pitchFamily="50" charset="-127"/>
+                    <a:cs typeface="조선일보명조" panose="02030304000000000000" pitchFamily="18" charset="-127"/>
+                  </a:rPr>
+                  <a:t>=1, j: 5</a:t>
+                </a:r>
+                <a:r>
+                  <a:rPr lang="ko-KR" altLang="en-US" sz="1600" dirty="0">
+                    <a:ln>
+                      <a:solidFill>
+                        <a:schemeClr val="bg2">
+                          <a:lumMod val="50000"/>
+                          <a:alpha val="15000"/>
+                        </a:schemeClr>
+                      </a:solidFill>
+                    </a:ln>
+                    <a:solidFill>
+                      <a:schemeClr val="bg2">
+                        <a:lumMod val="50000"/>
+                      </a:schemeClr>
+                    </a:solidFill>
+                    <a:latin typeface="나눔스퀘어" panose="020B0600000101010101" pitchFamily="50" charset="-127"/>
+                    <a:ea typeface="나눔스퀘어" panose="020B0600000101010101" pitchFamily="50" charset="-127"/>
+                    <a:cs typeface="조선일보명조" panose="02030304000000000000" pitchFamily="18" charset="-127"/>
+                  </a:rPr>
+                  <a:t>가지 요소</a:t>
+                </a:r>
+                <a:r>
+                  <a:rPr lang="en-US" altLang="ko-KR" sz="1600" dirty="0">
+                    <a:ln>
+                      <a:solidFill>
+                        <a:schemeClr val="bg2">
+                          <a:lumMod val="50000"/>
+                          <a:alpha val="15000"/>
+                        </a:schemeClr>
+                      </a:solidFill>
+                    </a:ln>
+                    <a:solidFill>
+                      <a:schemeClr val="bg2">
+                        <a:lumMod val="50000"/>
+                      </a:schemeClr>
+                    </a:solidFill>
+                    <a:latin typeface="나눔스퀘어" panose="020B0600000101010101" pitchFamily="50" charset="-127"/>
+                    <a:ea typeface="나눔스퀘어" panose="020B0600000101010101" pitchFamily="50" charset="-127"/>
+                    <a:cs typeface="조선일보명조" panose="02030304000000000000" pitchFamily="18" charset="-127"/>
+                  </a:rPr>
+                  <a:t>)</a:t>
+                </a:r>
+              </a:p>
+              <a:p>
+                <a:pPr>
+                  <a:lnSpc>
+                    <a:spcPct val="150000"/>
+                  </a:lnSpc>
+                </a:pPr>
+                <a:endParaRPr lang="en-US" altLang="ko-KR" sz="1600" dirty="0">
+                  <a:ln>
+                    <a:solidFill>
+                      <a:schemeClr val="bg2">
+                        <a:lumMod val="50000"/>
+                        <a:alpha val="15000"/>
+                      </a:schemeClr>
+                    </a:solidFill>
+                  </a:ln>
+                  <a:solidFill>
+                    <a:schemeClr val="bg2">
+                      <a:lumMod val="50000"/>
+                    </a:schemeClr>
+                  </a:solidFill>
+                  <a:latin typeface="나눔스퀘어" panose="020B0600000101010101" pitchFamily="50" charset="-127"/>
+                  <a:ea typeface="나눔스퀘어" panose="020B0600000101010101" pitchFamily="50" charset="-127"/>
+                  <a:cs typeface="조선일보명조" panose="02030304000000000000" pitchFamily="18" charset="-127"/>
+                </a:endParaRPr>
+              </a:p>
+              <a:p>
+                <a:pPr>
+                  <a:lnSpc>
+                    <a:spcPct val="150000"/>
+                  </a:lnSpc>
+                </a:pPr>
+                <a:r>
+                  <a:rPr lang="en-US" altLang="ko-KR" sz="1600" dirty="0">
+                    <a:ln>
+                      <a:solidFill>
+                        <a:schemeClr val="bg2">
+                          <a:lumMod val="50000"/>
+                          <a:alpha val="15000"/>
+                        </a:schemeClr>
+                      </a:solidFill>
+                    </a:ln>
+                    <a:solidFill>
+                      <a:schemeClr val="bg2">
+                        <a:lumMod val="50000"/>
+                      </a:schemeClr>
+                    </a:solidFill>
+                    <a:latin typeface="나눔스퀘어" panose="020B0600000101010101" pitchFamily="50" charset="-127"/>
+                    <a:ea typeface="나눔스퀘어" panose="020B0600000101010101" pitchFamily="50" charset="-127"/>
+                    <a:cs typeface="조선일보명조" panose="02030304000000000000" pitchFamily="18" charset="-127"/>
+                  </a:rPr>
+                  <a:t>Step 3. </a:t>
+                </a:r>
+                <a:r>
+                  <a:rPr lang="ko-KR" altLang="en-US" sz="1600" dirty="0">
+                    <a:ln>
+                      <a:solidFill>
+                        <a:schemeClr val="bg2">
+                          <a:lumMod val="50000"/>
+                          <a:alpha val="15000"/>
+                        </a:schemeClr>
+                      </a:solidFill>
+                    </a:ln>
+                    <a:solidFill>
+                      <a:schemeClr val="bg2">
+                        <a:lumMod val="50000"/>
+                      </a:schemeClr>
+                    </a:solidFill>
+                    <a:latin typeface="나눔스퀘어" panose="020B0600000101010101" pitchFamily="50" charset="-127"/>
+                    <a:ea typeface="나눔스퀘어" panose="020B0600000101010101" pitchFamily="50" charset="-127"/>
+                    <a:cs typeface="조선일보명조" panose="02030304000000000000" pitchFamily="18" charset="-127"/>
+                  </a:rPr>
+                  <a:t>각 지역별로 </a:t>
+                </a:r>
+                <a:r>
+                  <a:rPr lang="en-US" altLang="ko-KR" sz="1600" dirty="0">
+                    <a:ln>
+                      <a:solidFill>
+                        <a:schemeClr val="bg2">
+                          <a:lumMod val="50000"/>
+                          <a:alpha val="15000"/>
+                        </a:schemeClr>
+                      </a:solidFill>
+                    </a:ln>
+                    <a:solidFill>
+                      <a:schemeClr val="bg2">
+                        <a:lumMod val="50000"/>
+                      </a:schemeClr>
+                    </a:solidFill>
+                    <a:latin typeface="나눔스퀘어" panose="020B0600000101010101" pitchFamily="50" charset="-127"/>
+                    <a:ea typeface="나눔스퀘어" panose="020B0600000101010101" pitchFamily="50" charset="-127"/>
+                    <a:cs typeface="조선일보명조" panose="02030304000000000000" pitchFamily="18" charset="-127"/>
+                  </a:rPr>
+                  <a:t>5</a:t>
+                </a:r>
+                <a:r>
+                  <a:rPr lang="ko-KR" altLang="en-US" sz="1600" dirty="0">
+                    <a:ln>
+                      <a:solidFill>
+                        <a:schemeClr val="bg2">
+                          <a:lumMod val="50000"/>
+                          <a:alpha val="15000"/>
+                        </a:schemeClr>
+                      </a:solidFill>
+                    </a:ln>
+                    <a:solidFill>
+                      <a:schemeClr val="bg2">
+                        <a:lumMod val="50000"/>
+                      </a:schemeClr>
+                    </a:solidFill>
+                    <a:latin typeface="나눔스퀘어" panose="020B0600000101010101" pitchFamily="50" charset="-127"/>
+                    <a:ea typeface="나눔스퀘어" panose="020B0600000101010101" pitchFamily="50" charset="-127"/>
+                    <a:cs typeface="조선일보명조" panose="02030304000000000000" pitchFamily="18" charset="-127"/>
+                  </a:rPr>
+                  <a:t>개 요소에 대해 계산</a:t>
+                </a:r>
+                <a:endParaRPr lang="en-US" altLang="ko-KR" sz="1600" dirty="0">
+                  <a:ln>
+                    <a:solidFill>
+                      <a:schemeClr val="bg2">
+                        <a:lumMod val="50000"/>
+                        <a:alpha val="15000"/>
+                      </a:schemeClr>
+                    </a:solidFill>
+                  </a:ln>
+                  <a:solidFill>
+                    <a:schemeClr val="bg2">
+                      <a:lumMod val="50000"/>
+                    </a:schemeClr>
+                  </a:solidFill>
+                  <a:latin typeface="나눔스퀘어" panose="020B0600000101010101" pitchFamily="50" charset="-127"/>
+                  <a:ea typeface="나눔스퀘어" panose="020B0600000101010101" pitchFamily="50" charset="-127"/>
+                  <a:cs typeface="조선일보명조" panose="02030304000000000000" pitchFamily="18" charset="-127"/>
+                </a:endParaRPr>
+              </a:p>
+              <a:p>
+                <a:pPr>
+                  <a:lnSpc>
+                    <a:spcPct val="150000"/>
+                  </a:lnSpc>
+                </a:pPr>
+                <a:r>
+                  <a:rPr lang="en-US" altLang="ko-KR" sz="1600" dirty="0">
+                    <a:ln>
+                      <a:solidFill>
+                        <a:schemeClr val="bg2">
+                          <a:lumMod val="50000"/>
+                          <a:alpha val="15000"/>
+                        </a:schemeClr>
+                      </a:solidFill>
+                    </a:ln>
+                    <a:solidFill>
+                      <a:schemeClr val="bg2">
+                        <a:lumMod val="50000"/>
+                      </a:schemeClr>
+                    </a:solidFill>
+                    <a:latin typeface="나눔스퀘어" panose="020B0600000101010101" pitchFamily="50" charset="-127"/>
+                    <a:ea typeface="나눔스퀘어" panose="020B0600000101010101" pitchFamily="50" charset="-127"/>
+                    <a:cs typeface="조선일보명조" panose="02030304000000000000" pitchFamily="18" charset="-127"/>
+                  </a:rPr>
+                  <a:t>	(</a:t>
+                </a:r>
+                <a14:m>
+                  <m:oMath xmlns:m="http://schemas.openxmlformats.org/officeDocument/2006/math">
+                    <m:sSub>
+                      <m:sSubPr>
+                        <m:ctrlPr>
+                          <a:rPr lang="en-US" altLang="ko-KR" sz="1600" i="1" smtClean="0">
+                            <a:ln>
+                              <a:solidFill>
+                                <a:schemeClr val="bg2">
+                                  <a:lumMod val="50000"/>
+                                  <a:alpha val="15000"/>
+                                </a:schemeClr>
+                              </a:solidFill>
+                            </a:ln>
+                            <a:solidFill>
+                              <a:schemeClr val="bg2">
+                                <a:lumMod val="50000"/>
+                              </a:schemeClr>
+                            </a:solidFill>
+                            <a:latin typeface="Cambria Math" panose="02040503050406030204" pitchFamily="18" charset="0"/>
+                            <a:ea typeface="나눔스퀘어" panose="020B0600000101010101" pitchFamily="50" charset="-127"/>
+                          </a:rPr>
+                        </m:ctrlPr>
+                      </m:sSubPr>
+                      <m:e>
+                        <m:r>
+                          <a:rPr lang="en-US" altLang="ko-KR" sz="1600" b="0" i="1" smtClean="0">
+                            <a:ln>
+                              <a:solidFill>
+                                <a:schemeClr val="bg2">
+                                  <a:lumMod val="50000"/>
+                                  <a:alpha val="15000"/>
+                                </a:schemeClr>
+                              </a:solidFill>
+                            </a:ln>
+                            <a:solidFill>
+                              <a:schemeClr val="bg2">
+                                <a:lumMod val="50000"/>
+                              </a:schemeClr>
+                            </a:solidFill>
+                            <a:latin typeface="Cambria Math" panose="02040503050406030204" pitchFamily="18" charset="0"/>
+                            <a:ea typeface="나눔스퀘어" panose="020B0600000101010101" pitchFamily="50" charset="-127"/>
+                          </a:rPr>
+                          <m:t>𝑤</m:t>
+                        </m:r>
+                      </m:e>
+                      <m:sub>
+                        <m:r>
+                          <a:rPr lang="en-US" altLang="ko-KR" sz="1600" b="0" i="1" smtClean="0">
+                            <a:ln>
+                              <a:solidFill>
+                                <a:schemeClr val="bg2">
+                                  <a:lumMod val="50000"/>
+                                  <a:alpha val="15000"/>
+                                </a:schemeClr>
+                              </a:solidFill>
+                            </a:ln>
+                            <a:solidFill>
+                              <a:schemeClr val="bg2">
+                                <a:lumMod val="50000"/>
+                              </a:schemeClr>
+                            </a:solidFill>
+                            <a:latin typeface="Cambria Math" panose="02040503050406030204" pitchFamily="18" charset="0"/>
+                            <a:ea typeface="나눔스퀘어" panose="020B0600000101010101" pitchFamily="50" charset="-127"/>
+                          </a:rPr>
+                          <m:t>𝑖</m:t>
+                        </m:r>
+                        <m:r>
+                          <a:rPr lang="en-US" altLang="ko-KR" sz="1600" b="0" i="1" smtClean="0">
+                            <a:ln>
+                              <a:solidFill>
+                                <a:schemeClr val="bg2">
+                                  <a:lumMod val="50000"/>
+                                  <a:alpha val="15000"/>
+                                </a:schemeClr>
+                              </a:solidFill>
+                            </a:ln>
+                            <a:solidFill>
+                              <a:schemeClr val="bg2">
+                                <a:lumMod val="50000"/>
+                              </a:schemeClr>
+                            </a:solidFill>
+                            <a:latin typeface="Cambria Math" panose="02040503050406030204" pitchFamily="18" charset="0"/>
+                            <a:ea typeface="나눔스퀘어" panose="020B0600000101010101" pitchFamily="50" charset="-127"/>
+                          </a:rPr>
+                          <m:t>.</m:t>
+                        </m:r>
+                      </m:sub>
+                    </m:sSub>
+                  </m:oMath>
+                </a14:m>
+                <a:r>
+                  <a:rPr lang="en-US" altLang="ko-KR" sz="1600" dirty="0">
+                    <a:ln>
+                      <a:solidFill>
+                        <a:schemeClr val="bg2">
+                          <a:lumMod val="50000"/>
+                          <a:alpha val="15000"/>
+                        </a:schemeClr>
+                      </a:solidFill>
+                    </a:ln>
+                    <a:solidFill>
+                      <a:schemeClr val="bg2">
+                        <a:lumMod val="50000"/>
+                      </a:schemeClr>
+                    </a:solidFill>
+                    <a:latin typeface="나눔스퀘어" panose="020B0600000101010101" pitchFamily="50" charset="-127"/>
+                    <a:ea typeface="나눔스퀘어" panose="020B0600000101010101" pitchFamily="50" charset="-127"/>
+                    <a:cs typeface="조선일보명조" panose="02030304000000000000" pitchFamily="18" charset="-127"/>
+                  </a:rPr>
+                  <a:t>=</a:t>
+                </a:r>
+                <a14:m>
+                  <m:oMath xmlns:m="http://schemas.openxmlformats.org/officeDocument/2006/math">
+                    <m:sSub>
+                      <m:sSubPr>
+                        <m:ctrlPr>
+                          <a:rPr lang="en-US" altLang="ko-KR" sz="1600" i="1" dirty="0" smtClean="0">
+                            <a:ln>
+                              <a:solidFill>
+                                <a:schemeClr val="bg2">
+                                  <a:lumMod val="50000"/>
+                                  <a:alpha val="15000"/>
+                                </a:schemeClr>
+                              </a:solidFill>
+                            </a:ln>
+                            <a:solidFill>
+                              <a:schemeClr val="bg2">
+                                <a:lumMod val="50000"/>
+                              </a:schemeClr>
+                            </a:solidFill>
+                            <a:latin typeface="Cambria Math" panose="02040503050406030204" pitchFamily="18" charset="0"/>
+                            <a:ea typeface="나눔스퀘어" panose="020B0600000101010101" pitchFamily="50" charset="-127"/>
+                          </a:rPr>
+                        </m:ctrlPr>
+                      </m:sSubPr>
+                      <m:e>
+                        <m:r>
+                          <a:rPr lang="en-US" altLang="ko-KR" sz="1600" b="0" i="1" dirty="0" smtClean="0">
+                            <a:ln>
+                              <a:solidFill>
+                                <a:schemeClr val="bg2">
+                                  <a:lumMod val="50000"/>
+                                  <a:alpha val="15000"/>
+                                </a:schemeClr>
+                              </a:solidFill>
+                            </a:ln>
+                            <a:solidFill>
+                              <a:schemeClr val="bg2">
+                                <a:lumMod val="50000"/>
+                              </a:schemeClr>
+                            </a:solidFill>
+                            <a:latin typeface="Cambria Math" panose="02040503050406030204" pitchFamily="18" charset="0"/>
+                            <a:ea typeface="나눔스퀘어" panose="020B0600000101010101" pitchFamily="50" charset="-127"/>
+                          </a:rPr>
+                          <m:t>𝑤</m:t>
+                        </m:r>
+                      </m:e>
+                      <m:sub>
+                        <m:r>
+                          <a:rPr lang="en-US" altLang="ko-KR" sz="1600" b="0" i="1" dirty="0" smtClean="0">
+                            <a:ln>
+                              <a:solidFill>
+                                <a:schemeClr val="bg2">
+                                  <a:lumMod val="50000"/>
+                                  <a:alpha val="15000"/>
+                                </a:schemeClr>
+                              </a:solidFill>
+                            </a:ln>
+                            <a:solidFill>
+                              <a:schemeClr val="bg2">
+                                <a:lumMod val="50000"/>
+                              </a:schemeClr>
+                            </a:solidFill>
+                            <a:latin typeface="Cambria Math" panose="02040503050406030204" pitchFamily="18" charset="0"/>
+                            <a:ea typeface="나눔스퀘어" panose="020B0600000101010101" pitchFamily="50" charset="-127"/>
+                          </a:rPr>
+                          <m:t>𝑖</m:t>
+                        </m:r>
+                        <m:r>
+                          <a:rPr lang="en-US" altLang="ko-KR" sz="1600" b="0" i="1" dirty="0" smtClean="0">
+                            <a:ln>
+                              <a:solidFill>
+                                <a:schemeClr val="bg2">
+                                  <a:lumMod val="50000"/>
+                                  <a:alpha val="15000"/>
+                                </a:schemeClr>
+                              </a:solidFill>
+                            </a:ln>
+                            <a:solidFill>
+                              <a:schemeClr val="bg2">
+                                <a:lumMod val="50000"/>
+                              </a:schemeClr>
+                            </a:solidFill>
+                            <a:latin typeface="Cambria Math" panose="02040503050406030204" pitchFamily="18" charset="0"/>
+                            <a:ea typeface="나눔스퀘어" panose="020B0600000101010101" pitchFamily="50" charset="-127"/>
+                          </a:rPr>
+                          <m:t>1</m:t>
+                        </m:r>
+                      </m:sub>
+                    </m:sSub>
+                    <m:r>
+                      <a:rPr lang="en-US" altLang="ko-KR" sz="1600" b="0" i="1" dirty="0" smtClean="0">
+                        <a:ln>
+                          <a:solidFill>
+                            <a:schemeClr val="bg2">
+                              <a:lumMod val="50000"/>
+                              <a:alpha val="15000"/>
+                            </a:schemeClr>
+                          </a:solidFill>
+                        </a:ln>
+                        <a:solidFill>
+                          <a:schemeClr val="bg2">
+                            <a:lumMod val="50000"/>
+                          </a:schemeClr>
+                        </a:solidFill>
+                        <a:latin typeface="Cambria Math" panose="02040503050406030204" pitchFamily="18" charset="0"/>
+                        <a:ea typeface="나눔스퀘어" panose="020B0600000101010101" pitchFamily="50" charset="-127"/>
+                      </a:rPr>
+                      <m:t>+</m:t>
+                    </m:r>
+                    <m:sSub>
+                      <m:sSubPr>
+                        <m:ctrlPr>
+                          <a:rPr lang="en-US" altLang="ko-KR" sz="1600" i="1" dirty="0" smtClean="0">
+                            <a:ln>
+                              <a:solidFill>
+                                <a:schemeClr val="bg2">
+                                  <a:lumMod val="50000"/>
+                                  <a:alpha val="15000"/>
+                                </a:schemeClr>
+                              </a:solidFill>
+                            </a:ln>
+                            <a:solidFill>
+                              <a:schemeClr val="bg2">
+                                <a:lumMod val="50000"/>
+                              </a:schemeClr>
+                            </a:solidFill>
+                            <a:latin typeface="Cambria Math" panose="02040503050406030204" pitchFamily="18" charset="0"/>
+                            <a:ea typeface="나눔스퀘어" panose="020B0600000101010101" pitchFamily="50" charset="-127"/>
+                          </a:rPr>
+                        </m:ctrlPr>
+                      </m:sSubPr>
+                      <m:e>
+                        <m:r>
+                          <a:rPr lang="en-US" altLang="ko-KR" sz="1600" b="0" i="1" dirty="0" smtClean="0">
+                            <a:ln>
+                              <a:solidFill>
+                                <a:schemeClr val="bg2">
+                                  <a:lumMod val="50000"/>
+                                  <a:alpha val="15000"/>
+                                </a:schemeClr>
+                              </a:solidFill>
+                            </a:ln>
+                            <a:solidFill>
+                              <a:schemeClr val="bg2">
+                                <a:lumMod val="50000"/>
+                              </a:schemeClr>
+                            </a:solidFill>
+                            <a:latin typeface="Cambria Math" panose="02040503050406030204" pitchFamily="18" charset="0"/>
+                            <a:ea typeface="나눔스퀘어" panose="020B0600000101010101" pitchFamily="50" charset="-127"/>
+                          </a:rPr>
+                          <m:t>𝑤</m:t>
+                        </m:r>
+                      </m:e>
+                      <m:sub>
+                        <m:r>
+                          <a:rPr lang="en-US" altLang="ko-KR" sz="1600" b="0" i="1" dirty="0" smtClean="0">
+                            <a:ln>
+                              <a:solidFill>
+                                <a:schemeClr val="bg2">
+                                  <a:lumMod val="50000"/>
+                                  <a:alpha val="15000"/>
+                                </a:schemeClr>
+                              </a:solidFill>
+                            </a:ln>
+                            <a:solidFill>
+                              <a:schemeClr val="bg2">
+                                <a:lumMod val="50000"/>
+                              </a:schemeClr>
+                            </a:solidFill>
+                            <a:latin typeface="Cambria Math" panose="02040503050406030204" pitchFamily="18" charset="0"/>
+                            <a:ea typeface="나눔스퀘어" panose="020B0600000101010101" pitchFamily="50" charset="-127"/>
+                          </a:rPr>
+                          <m:t>𝑖</m:t>
+                        </m:r>
+                        <m:r>
+                          <a:rPr lang="en-US" altLang="ko-KR" sz="1600" b="0" i="1" dirty="0" smtClean="0">
+                            <a:ln>
+                              <a:solidFill>
+                                <a:schemeClr val="bg2">
+                                  <a:lumMod val="50000"/>
+                                  <a:alpha val="15000"/>
+                                </a:schemeClr>
+                              </a:solidFill>
+                            </a:ln>
+                            <a:solidFill>
+                              <a:schemeClr val="bg2">
+                                <a:lumMod val="50000"/>
+                              </a:schemeClr>
+                            </a:solidFill>
+                            <a:latin typeface="Cambria Math" panose="02040503050406030204" pitchFamily="18" charset="0"/>
+                            <a:ea typeface="나눔스퀘어" panose="020B0600000101010101" pitchFamily="50" charset="-127"/>
+                          </a:rPr>
+                          <m:t>2</m:t>
+                        </m:r>
+                      </m:sub>
+                    </m:sSub>
+                    <m:r>
+                      <a:rPr lang="en-US" altLang="ko-KR" sz="1600" b="0" i="1" dirty="0" smtClean="0">
+                        <a:ln>
+                          <a:solidFill>
+                            <a:schemeClr val="bg2">
+                              <a:lumMod val="50000"/>
+                              <a:alpha val="15000"/>
+                            </a:schemeClr>
+                          </a:solidFill>
+                        </a:ln>
+                        <a:solidFill>
+                          <a:schemeClr val="bg2">
+                            <a:lumMod val="50000"/>
+                          </a:schemeClr>
+                        </a:solidFill>
+                        <a:latin typeface="Cambria Math" panose="02040503050406030204" pitchFamily="18" charset="0"/>
+                        <a:ea typeface="나눔스퀘어" panose="020B0600000101010101" pitchFamily="50" charset="-127"/>
+                      </a:rPr>
+                      <m:t>+</m:t>
+                    </m:r>
+                    <m:sSub>
+                      <m:sSubPr>
+                        <m:ctrlPr>
+                          <a:rPr lang="en-US" altLang="ko-KR" sz="1600" i="1" dirty="0" smtClean="0">
+                            <a:ln>
+                              <a:solidFill>
+                                <a:schemeClr val="bg2">
+                                  <a:lumMod val="50000"/>
+                                  <a:alpha val="15000"/>
+                                </a:schemeClr>
+                              </a:solidFill>
+                            </a:ln>
+                            <a:solidFill>
+                              <a:schemeClr val="bg2">
+                                <a:lumMod val="50000"/>
+                              </a:schemeClr>
+                            </a:solidFill>
+                            <a:latin typeface="Cambria Math" panose="02040503050406030204" pitchFamily="18" charset="0"/>
+                            <a:ea typeface="나눔스퀘어" panose="020B0600000101010101" pitchFamily="50" charset="-127"/>
+                          </a:rPr>
+                        </m:ctrlPr>
+                      </m:sSubPr>
+                      <m:e>
+                        <m:r>
+                          <a:rPr lang="en-US" altLang="ko-KR" sz="1600" b="0" i="1" dirty="0" smtClean="0">
+                            <a:ln>
+                              <a:solidFill>
+                                <a:schemeClr val="bg2">
+                                  <a:lumMod val="50000"/>
+                                  <a:alpha val="15000"/>
+                                </a:schemeClr>
+                              </a:solidFill>
+                            </a:ln>
+                            <a:solidFill>
+                              <a:schemeClr val="bg2">
+                                <a:lumMod val="50000"/>
+                              </a:schemeClr>
+                            </a:solidFill>
+                            <a:latin typeface="Cambria Math" panose="02040503050406030204" pitchFamily="18" charset="0"/>
+                            <a:ea typeface="나눔스퀘어" panose="020B0600000101010101" pitchFamily="50" charset="-127"/>
+                          </a:rPr>
+                          <m:t>𝑤</m:t>
+                        </m:r>
+                      </m:e>
+                      <m:sub>
+                        <m:r>
+                          <a:rPr lang="en-US" altLang="ko-KR" sz="1600" b="0" i="1" dirty="0" smtClean="0">
+                            <a:ln>
+                              <a:solidFill>
+                                <a:schemeClr val="bg2">
+                                  <a:lumMod val="50000"/>
+                                  <a:alpha val="15000"/>
+                                </a:schemeClr>
+                              </a:solidFill>
+                            </a:ln>
+                            <a:solidFill>
+                              <a:schemeClr val="bg2">
+                                <a:lumMod val="50000"/>
+                              </a:schemeClr>
+                            </a:solidFill>
+                            <a:latin typeface="Cambria Math" panose="02040503050406030204" pitchFamily="18" charset="0"/>
+                            <a:ea typeface="나눔스퀘어" panose="020B0600000101010101" pitchFamily="50" charset="-127"/>
+                          </a:rPr>
+                          <m:t>𝑖</m:t>
+                        </m:r>
+                        <m:r>
+                          <a:rPr lang="en-US" altLang="ko-KR" sz="1600" b="0" i="1" dirty="0" smtClean="0">
+                            <a:ln>
+                              <a:solidFill>
+                                <a:schemeClr val="bg2">
+                                  <a:lumMod val="50000"/>
+                                  <a:alpha val="15000"/>
+                                </a:schemeClr>
+                              </a:solidFill>
+                            </a:ln>
+                            <a:solidFill>
+                              <a:schemeClr val="bg2">
+                                <a:lumMod val="50000"/>
+                              </a:schemeClr>
+                            </a:solidFill>
+                            <a:latin typeface="Cambria Math" panose="02040503050406030204" pitchFamily="18" charset="0"/>
+                            <a:ea typeface="나눔스퀘어" panose="020B0600000101010101" pitchFamily="50" charset="-127"/>
+                          </a:rPr>
+                          <m:t>3</m:t>
+                        </m:r>
+                      </m:sub>
+                    </m:sSub>
+                    <m:r>
+                      <a:rPr lang="en-US" altLang="ko-KR" sz="1600" b="0" i="1" dirty="0" smtClean="0">
+                        <a:ln>
+                          <a:solidFill>
+                            <a:schemeClr val="bg2">
+                              <a:lumMod val="50000"/>
+                              <a:alpha val="15000"/>
+                            </a:schemeClr>
+                          </a:solidFill>
+                        </a:ln>
+                        <a:solidFill>
+                          <a:schemeClr val="bg2">
+                            <a:lumMod val="50000"/>
+                          </a:schemeClr>
+                        </a:solidFill>
+                        <a:latin typeface="Cambria Math" panose="02040503050406030204" pitchFamily="18" charset="0"/>
+                        <a:ea typeface="나눔스퀘어" panose="020B0600000101010101" pitchFamily="50" charset="-127"/>
+                      </a:rPr>
+                      <m:t>−</m:t>
+                    </m:r>
+                    <m:sSub>
+                      <m:sSubPr>
+                        <m:ctrlPr>
+                          <a:rPr lang="en-US" altLang="ko-KR" sz="1600" i="1" dirty="0" smtClean="0">
+                            <a:ln>
+                              <a:solidFill>
+                                <a:schemeClr val="bg2">
+                                  <a:lumMod val="50000"/>
+                                  <a:alpha val="15000"/>
+                                </a:schemeClr>
+                              </a:solidFill>
+                            </a:ln>
+                            <a:solidFill>
+                              <a:schemeClr val="bg2">
+                                <a:lumMod val="50000"/>
+                              </a:schemeClr>
+                            </a:solidFill>
+                            <a:latin typeface="Cambria Math" panose="02040503050406030204" pitchFamily="18" charset="0"/>
+                            <a:ea typeface="나눔스퀘어" panose="020B0600000101010101" pitchFamily="50" charset="-127"/>
+                          </a:rPr>
+                        </m:ctrlPr>
+                      </m:sSubPr>
+                      <m:e>
+                        <m:r>
+                          <a:rPr lang="en-US" altLang="ko-KR" sz="1600" b="0" i="1" dirty="0" smtClean="0">
+                            <a:ln>
+                              <a:solidFill>
+                                <a:schemeClr val="bg2">
+                                  <a:lumMod val="50000"/>
+                                  <a:alpha val="15000"/>
+                                </a:schemeClr>
+                              </a:solidFill>
+                            </a:ln>
+                            <a:solidFill>
+                              <a:schemeClr val="bg2">
+                                <a:lumMod val="50000"/>
+                              </a:schemeClr>
+                            </a:solidFill>
+                            <a:latin typeface="Cambria Math" panose="02040503050406030204" pitchFamily="18" charset="0"/>
+                            <a:ea typeface="나눔스퀘어" panose="020B0600000101010101" pitchFamily="50" charset="-127"/>
+                          </a:rPr>
+                          <m:t>𝑤</m:t>
+                        </m:r>
+                      </m:e>
+                      <m:sub>
+                        <m:r>
+                          <a:rPr lang="en-US" altLang="ko-KR" sz="1600" b="0" i="1" dirty="0" smtClean="0">
+                            <a:ln>
+                              <a:solidFill>
+                                <a:schemeClr val="bg2">
+                                  <a:lumMod val="50000"/>
+                                  <a:alpha val="15000"/>
+                                </a:schemeClr>
+                              </a:solidFill>
+                            </a:ln>
+                            <a:solidFill>
+                              <a:schemeClr val="bg2">
+                                <a:lumMod val="50000"/>
+                              </a:schemeClr>
+                            </a:solidFill>
+                            <a:latin typeface="Cambria Math" panose="02040503050406030204" pitchFamily="18" charset="0"/>
+                            <a:ea typeface="나눔스퀘어" panose="020B0600000101010101" pitchFamily="50" charset="-127"/>
+                          </a:rPr>
+                          <m:t>𝑖</m:t>
+                        </m:r>
+                        <m:r>
+                          <a:rPr lang="en-US" altLang="ko-KR" sz="1600" b="0" i="1" dirty="0" smtClean="0">
+                            <a:ln>
+                              <a:solidFill>
+                                <a:schemeClr val="bg2">
+                                  <a:lumMod val="50000"/>
+                                  <a:alpha val="15000"/>
+                                </a:schemeClr>
+                              </a:solidFill>
+                            </a:ln>
+                            <a:solidFill>
+                              <a:schemeClr val="bg2">
+                                <a:lumMod val="50000"/>
+                              </a:schemeClr>
+                            </a:solidFill>
+                            <a:latin typeface="Cambria Math" panose="02040503050406030204" pitchFamily="18" charset="0"/>
+                            <a:ea typeface="나눔스퀘어" panose="020B0600000101010101" pitchFamily="50" charset="-127"/>
+                          </a:rPr>
+                          <m:t>4</m:t>
+                        </m:r>
+                      </m:sub>
+                    </m:sSub>
+                    <m:sSub>
+                      <m:sSubPr>
+                        <m:ctrlPr>
+                          <a:rPr lang="en-US" altLang="ko-KR" sz="1600" i="1" dirty="0" smtClean="0">
+                            <a:ln>
+                              <a:solidFill>
+                                <a:schemeClr val="bg2">
+                                  <a:lumMod val="50000"/>
+                                  <a:alpha val="15000"/>
+                                </a:schemeClr>
+                              </a:solidFill>
+                            </a:ln>
+                            <a:solidFill>
+                              <a:schemeClr val="bg2">
+                                <a:lumMod val="50000"/>
+                              </a:schemeClr>
+                            </a:solidFill>
+                            <a:latin typeface="Cambria Math" panose="02040503050406030204" pitchFamily="18" charset="0"/>
+                            <a:ea typeface="나눔스퀘어" panose="020B0600000101010101" pitchFamily="50" charset="-127"/>
+                          </a:rPr>
+                        </m:ctrlPr>
+                      </m:sSubPr>
+                      <m:e>
+                        <m:r>
+                          <a:rPr lang="en-US" altLang="ko-KR" sz="1600" b="0" i="1" dirty="0" smtClean="0">
+                            <a:ln>
+                              <a:solidFill>
+                                <a:schemeClr val="bg2">
+                                  <a:lumMod val="50000"/>
+                                  <a:alpha val="15000"/>
+                                </a:schemeClr>
+                              </a:solidFill>
+                            </a:ln>
+                            <a:solidFill>
+                              <a:schemeClr val="bg2">
+                                <a:lumMod val="50000"/>
+                              </a:schemeClr>
+                            </a:solidFill>
+                            <a:latin typeface="Cambria Math" panose="02040503050406030204" pitchFamily="18" charset="0"/>
+                            <a:ea typeface="나눔스퀘어" panose="020B0600000101010101" pitchFamily="50" charset="-127"/>
+                          </a:rPr>
+                          <m:t>−</m:t>
+                        </m:r>
+                        <m:r>
+                          <a:rPr lang="en-US" altLang="ko-KR" sz="1600" b="0" i="1" dirty="0" smtClean="0">
+                            <a:ln>
+                              <a:solidFill>
+                                <a:schemeClr val="bg2">
+                                  <a:lumMod val="50000"/>
+                                  <a:alpha val="15000"/>
+                                </a:schemeClr>
+                              </a:solidFill>
+                            </a:ln>
+                            <a:solidFill>
+                              <a:schemeClr val="bg2">
+                                <a:lumMod val="50000"/>
+                              </a:schemeClr>
+                            </a:solidFill>
+                            <a:latin typeface="Cambria Math" panose="02040503050406030204" pitchFamily="18" charset="0"/>
+                            <a:ea typeface="나눔스퀘어" panose="020B0600000101010101" pitchFamily="50" charset="-127"/>
+                          </a:rPr>
+                          <m:t>𝑤</m:t>
+                        </m:r>
+                      </m:e>
+                      <m:sub>
+                        <m:r>
+                          <a:rPr lang="en-US" altLang="ko-KR" sz="1600" b="0" i="1" dirty="0" smtClean="0">
+                            <a:ln>
+                              <a:solidFill>
+                                <a:schemeClr val="bg2">
+                                  <a:lumMod val="50000"/>
+                                  <a:alpha val="15000"/>
+                                </a:schemeClr>
+                              </a:solidFill>
+                            </a:ln>
+                            <a:solidFill>
+                              <a:schemeClr val="bg2">
+                                <a:lumMod val="50000"/>
+                              </a:schemeClr>
+                            </a:solidFill>
+                            <a:latin typeface="Cambria Math" panose="02040503050406030204" pitchFamily="18" charset="0"/>
+                            <a:ea typeface="나눔스퀘어" panose="020B0600000101010101" pitchFamily="50" charset="-127"/>
+                          </a:rPr>
+                          <m:t>𝑖</m:t>
+                        </m:r>
+                        <m:r>
+                          <a:rPr lang="en-US" altLang="ko-KR" sz="1600" b="0" i="1" dirty="0" smtClean="0">
+                            <a:ln>
+                              <a:solidFill>
+                                <a:schemeClr val="bg2">
+                                  <a:lumMod val="50000"/>
+                                  <a:alpha val="15000"/>
+                                </a:schemeClr>
+                              </a:solidFill>
+                            </a:ln>
+                            <a:solidFill>
+                              <a:schemeClr val="bg2">
+                                <a:lumMod val="50000"/>
+                              </a:schemeClr>
+                            </a:solidFill>
+                            <a:latin typeface="Cambria Math" panose="02040503050406030204" pitchFamily="18" charset="0"/>
+                            <a:ea typeface="나눔스퀘어" panose="020B0600000101010101" pitchFamily="50" charset="-127"/>
+                          </a:rPr>
+                          <m:t>5</m:t>
+                        </m:r>
+                      </m:sub>
+                    </m:sSub>
+                    <m:r>
+                      <a:rPr lang="en-US" altLang="ko-KR" sz="1600" b="0" i="1" dirty="0" smtClean="0">
+                        <a:ln>
+                          <a:solidFill>
+                            <a:schemeClr val="bg2">
+                              <a:lumMod val="50000"/>
+                              <a:alpha val="15000"/>
+                            </a:schemeClr>
+                          </a:solidFill>
+                        </a:ln>
+                        <a:solidFill>
+                          <a:schemeClr val="bg2">
+                            <a:lumMod val="50000"/>
+                          </a:schemeClr>
+                        </a:solidFill>
+                        <a:latin typeface="Cambria Math" panose="02040503050406030204" pitchFamily="18" charset="0"/>
+                        <a:ea typeface="나눔스퀘어" panose="020B0600000101010101" pitchFamily="50" charset="-127"/>
+                      </a:rPr>
+                      <m:t>)</m:t>
+                    </m:r>
+                  </m:oMath>
+                </a14:m>
+                <a:endParaRPr lang="en-US" altLang="ko-KR" sz="1600" dirty="0">
+                  <a:ln>
+                    <a:solidFill>
+                      <a:schemeClr val="bg2">
+                        <a:lumMod val="50000"/>
+                        <a:alpha val="15000"/>
+                      </a:schemeClr>
+                    </a:solidFill>
+                  </a:ln>
+                  <a:solidFill>
+                    <a:schemeClr val="bg2">
+                      <a:lumMod val="50000"/>
+                    </a:schemeClr>
+                  </a:solidFill>
+                  <a:latin typeface="나눔스퀘어" panose="020B0600000101010101" pitchFamily="50" charset="-127"/>
+                  <a:ea typeface="나눔스퀘어" panose="020B0600000101010101" pitchFamily="50" charset="-127"/>
+                  <a:cs typeface="조선일보명조" panose="02030304000000000000" pitchFamily="18" charset="-127"/>
+                </a:endParaRPr>
+              </a:p>
+              <a:p>
+                <a:pPr>
+                  <a:lnSpc>
+                    <a:spcPct val="150000"/>
+                  </a:lnSpc>
+                </a:pPr>
+                <a:endParaRPr lang="en-US" altLang="ko-KR" sz="1600" dirty="0">
+                  <a:ln>
+                    <a:solidFill>
+                      <a:schemeClr val="bg2">
+                        <a:lumMod val="50000"/>
+                        <a:alpha val="15000"/>
+                      </a:schemeClr>
+                    </a:solidFill>
+                  </a:ln>
+                  <a:solidFill>
+                    <a:schemeClr val="bg2">
+                      <a:lumMod val="50000"/>
+                    </a:schemeClr>
+                  </a:solidFill>
+                  <a:latin typeface="나눔스퀘어" panose="020B0600000101010101" pitchFamily="50" charset="-127"/>
+                  <a:ea typeface="나눔스퀘어" panose="020B0600000101010101" pitchFamily="50" charset="-127"/>
+                  <a:cs typeface="조선일보명조" panose="02030304000000000000" pitchFamily="18" charset="-127"/>
+                </a:endParaRPr>
+              </a:p>
+              <a:p>
+                <a:pPr>
+                  <a:lnSpc>
+                    <a:spcPct val="150000"/>
+                  </a:lnSpc>
+                </a:pPr>
+                <a:r>
+                  <a:rPr lang="en-US" altLang="ko-KR" sz="1600" dirty="0">
+                    <a:ln>
+                      <a:solidFill>
+                        <a:schemeClr val="bg2">
+                          <a:lumMod val="50000"/>
+                          <a:alpha val="15000"/>
+                        </a:schemeClr>
+                      </a:solidFill>
+                    </a:ln>
+                    <a:solidFill>
+                      <a:schemeClr val="bg2">
+                        <a:lumMod val="50000"/>
+                      </a:schemeClr>
+                    </a:solidFill>
+                    <a:latin typeface="나눔스퀘어" panose="020B0600000101010101" pitchFamily="50" charset="-127"/>
+                    <a:ea typeface="나눔스퀘어" panose="020B0600000101010101" pitchFamily="50" charset="-127"/>
+                    <a:cs typeface="조선일보명조" panose="02030304000000000000" pitchFamily="18" charset="-127"/>
+                  </a:rPr>
+                  <a:t>Step 4. </a:t>
+                </a:r>
+                <a:r>
+                  <a:rPr lang="en-US" altLang="ko-KR" sz="1600" dirty="0" err="1">
+                    <a:ln>
+                      <a:solidFill>
+                        <a:schemeClr val="bg2">
+                          <a:lumMod val="50000"/>
+                          <a:alpha val="15000"/>
+                        </a:schemeClr>
+                      </a:solidFill>
+                    </a:ln>
+                    <a:solidFill>
+                      <a:schemeClr val="bg2">
+                        <a:lumMod val="50000"/>
+                      </a:schemeClr>
+                    </a:solidFill>
+                    <a:latin typeface="나눔스퀘어" panose="020B0600000101010101" pitchFamily="50" charset="-127"/>
+                    <a:ea typeface="나눔스퀘어" panose="020B0600000101010101" pitchFamily="50" charset="-127"/>
+                    <a:cs typeface="조선일보명조" panose="02030304000000000000" pitchFamily="18" charset="-127"/>
+                  </a:rPr>
+                  <a:t>Softmax</a:t>
+                </a:r>
+                <a:r>
+                  <a:rPr lang="en-US" altLang="ko-KR" sz="1600" dirty="0">
+                    <a:ln>
+                      <a:solidFill>
+                        <a:schemeClr val="bg2">
+                          <a:lumMod val="50000"/>
+                          <a:alpha val="15000"/>
+                        </a:schemeClr>
+                      </a:solidFill>
+                    </a:ln>
+                    <a:solidFill>
+                      <a:schemeClr val="bg2">
+                        <a:lumMod val="50000"/>
+                      </a:schemeClr>
+                    </a:solidFill>
+                    <a:latin typeface="나눔스퀘어" panose="020B0600000101010101" pitchFamily="50" charset="-127"/>
+                    <a:ea typeface="나눔스퀘어" panose="020B0600000101010101" pitchFamily="50" charset="-127"/>
+                    <a:cs typeface="조선일보명조" panose="02030304000000000000" pitchFamily="18" charset="-127"/>
+                  </a:rPr>
+                  <a:t> </a:t>
+                </a:r>
+                <a:r>
+                  <a:rPr lang="ko-KR" altLang="en-US" sz="1600" dirty="0">
+                    <a:ln>
+                      <a:solidFill>
+                        <a:schemeClr val="bg2">
+                          <a:lumMod val="50000"/>
+                          <a:alpha val="15000"/>
+                        </a:schemeClr>
+                      </a:solidFill>
+                    </a:ln>
+                    <a:solidFill>
+                      <a:schemeClr val="bg2">
+                        <a:lumMod val="50000"/>
+                      </a:schemeClr>
+                    </a:solidFill>
+                    <a:latin typeface="나눔스퀘어" panose="020B0600000101010101" pitchFamily="50" charset="-127"/>
+                    <a:ea typeface="나눔스퀘어" panose="020B0600000101010101" pitchFamily="50" charset="-127"/>
+                    <a:cs typeface="조선일보명조" panose="02030304000000000000" pitchFamily="18" charset="-127"/>
+                  </a:rPr>
+                  <a:t>함수를 이용해 각 지역의 비율 계산</a:t>
+                </a:r>
+                <a:endParaRPr lang="en-US" altLang="ko-KR" sz="1600" dirty="0">
+                  <a:ln>
+                    <a:solidFill>
+                      <a:schemeClr val="bg2">
+                        <a:lumMod val="50000"/>
+                        <a:alpha val="15000"/>
+                      </a:schemeClr>
+                    </a:solidFill>
+                  </a:ln>
+                  <a:solidFill>
+                    <a:schemeClr val="bg2">
+                      <a:lumMod val="50000"/>
+                    </a:schemeClr>
+                  </a:solidFill>
+                  <a:latin typeface="나눔스퀘어" panose="020B0600000101010101" pitchFamily="50" charset="-127"/>
+                  <a:ea typeface="나눔스퀘어" panose="020B0600000101010101" pitchFamily="50" charset="-127"/>
+                  <a:cs typeface="조선일보명조" panose="02030304000000000000" pitchFamily="18" charset="-127"/>
+                </a:endParaRPr>
+              </a:p>
+              <a:p>
+                <a:pPr>
+                  <a:lnSpc>
+                    <a:spcPct val="150000"/>
+                  </a:lnSpc>
+                </a:pPr>
+                <a:r>
+                  <a:rPr lang="en-US" altLang="ko-KR" sz="1600" dirty="0">
+                    <a:ln>
+                      <a:solidFill>
+                        <a:schemeClr val="bg2">
+                          <a:lumMod val="50000"/>
+                          <a:alpha val="15000"/>
+                        </a:schemeClr>
+                      </a:solidFill>
+                    </a:ln>
+                    <a:solidFill>
+                      <a:schemeClr val="bg2">
+                        <a:lumMod val="50000"/>
+                      </a:schemeClr>
+                    </a:solidFill>
+                    <a:latin typeface="나눔스퀘어" panose="020B0600000101010101" pitchFamily="50" charset="-127"/>
+                    <a:ea typeface="나눔스퀘어" panose="020B0600000101010101" pitchFamily="50" charset="-127"/>
+                    <a:cs typeface="조선일보명조" panose="02030304000000000000" pitchFamily="18" charset="-127"/>
+                  </a:rPr>
+                  <a:t>	(</a:t>
+                </a:r>
+                <a14:m>
+                  <m:oMath xmlns:m="http://schemas.openxmlformats.org/officeDocument/2006/math">
+                    <m:sSub>
+                      <m:sSubPr>
+                        <m:ctrlPr>
+                          <a:rPr lang="en-US" altLang="ko-KR" sz="1600" i="1" smtClean="0">
+                            <a:ln>
+                              <a:solidFill>
+                                <a:schemeClr val="bg2">
+                                  <a:lumMod val="50000"/>
+                                  <a:alpha val="15000"/>
+                                </a:schemeClr>
+                              </a:solidFill>
+                            </a:ln>
+                            <a:solidFill>
+                              <a:schemeClr val="bg2">
+                                <a:lumMod val="50000"/>
+                              </a:schemeClr>
+                            </a:solidFill>
+                            <a:latin typeface="Cambria Math" panose="02040503050406030204" pitchFamily="18" charset="0"/>
+                            <a:ea typeface="나눔스퀘어" panose="020B0600000101010101" pitchFamily="50" charset="-127"/>
+                          </a:rPr>
+                        </m:ctrlPr>
+                      </m:sSubPr>
+                      <m:e>
+                        <m:r>
+                          <a:rPr lang="en-US" altLang="ko-KR" sz="1600" b="0" i="1" smtClean="0">
+                            <a:ln>
+                              <a:solidFill>
+                                <a:schemeClr val="bg2">
+                                  <a:lumMod val="50000"/>
+                                  <a:alpha val="15000"/>
+                                </a:schemeClr>
+                              </a:solidFill>
+                            </a:ln>
+                            <a:solidFill>
+                              <a:schemeClr val="bg2">
+                                <a:lumMod val="50000"/>
+                              </a:schemeClr>
+                            </a:solidFill>
+                            <a:latin typeface="Cambria Math" panose="02040503050406030204" pitchFamily="18" charset="0"/>
+                            <a:ea typeface="나눔스퀘어" panose="020B0600000101010101" pitchFamily="50" charset="-127"/>
+                          </a:rPr>
+                          <m:t>𝑆</m:t>
+                        </m:r>
+                      </m:e>
+                      <m:sub>
+                        <m:r>
+                          <a:rPr lang="en-US" altLang="ko-KR" sz="1600" b="0" i="1" smtClean="0">
+                            <a:ln>
+                              <a:solidFill>
+                                <a:schemeClr val="bg2">
+                                  <a:lumMod val="50000"/>
+                                  <a:alpha val="15000"/>
+                                </a:schemeClr>
+                              </a:solidFill>
+                            </a:ln>
+                            <a:solidFill>
+                              <a:schemeClr val="bg2">
+                                <a:lumMod val="50000"/>
+                              </a:schemeClr>
+                            </a:solidFill>
+                            <a:latin typeface="Cambria Math" panose="02040503050406030204" pitchFamily="18" charset="0"/>
+                            <a:ea typeface="나눔스퀘어" panose="020B0600000101010101" pitchFamily="50" charset="-127"/>
+                          </a:rPr>
+                          <m:t>𝑘</m:t>
+                        </m:r>
+                      </m:sub>
+                    </m:sSub>
+                    <m:r>
+                      <a:rPr lang="en-US" altLang="ko-KR" sz="1600" b="0" i="1" smtClean="0">
+                        <a:ln>
+                          <a:solidFill>
+                            <a:schemeClr val="bg2">
+                              <a:lumMod val="50000"/>
+                              <a:alpha val="15000"/>
+                            </a:schemeClr>
+                          </a:solidFill>
+                        </a:ln>
+                        <a:solidFill>
+                          <a:schemeClr val="bg2">
+                            <a:lumMod val="50000"/>
+                          </a:schemeClr>
+                        </a:solidFill>
+                        <a:latin typeface="Cambria Math" panose="02040503050406030204" pitchFamily="18" charset="0"/>
+                        <a:ea typeface="나눔스퀘어" panose="020B0600000101010101" pitchFamily="50" charset="-127"/>
+                      </a:rPr>
+                      <m:t>=</m:t>
+                    </m:r>
+                    <m:f>
+                      <m:fPr>
+                        <m:ctrlPr>
+                          <a:rPr lang="en-US" altLang="ko-KR" sz="1600" b="0" i="1" smtClean="0">
+                            <a:ln>
+                              <a:solidFill>
+                                <a:schemeClr val="bg2">
+                                  <a:lumMod val="50000"/>
+                                  <a:alpha val="15000"/>
+                                </a:schemeClr>
+                              </a:solidFill>
+                            </a:ln>
+                            <a:solidFill>
+                              <a:schemeClr val="bg2">
+                                <a:lumMod val="50000"/>
+                              </a:schemeClr>
+                            </a:solidFill>
+                            <a:latin typeface="Cambria Math" panose="02040503050406030204" pitchFamily="18" charset="0"/>
+                            <a:ea typeface="나눔스퀘어" panose="020B0600000101010101" pitchFamily="50" charset="-127"/>
+                          </a:rPr>
+                        </m:ctrlPr>
+                      </m:fPr>
+                      <m:num>
+                        <m:r>
+                          <m:rPr>
+                            <m:sty m:val="p"/>
+                          </m:rPr>
+                          <a:rPr lang="en-US" altLang="ko-KR" sz="1600" b="0" i="0" smtClean="0">
+                            <a:ln>
+                              <a:solidFill>
+                                <a:schemeClr val="bg2">
+                                  <a:lumMod val="50000"/>
+                                  <a:alpha val="15000"/>
+                                </a:schemeClr>
+                              </a:solidFill>
+                            </a:ln>
+                            <a:solidFill>
+                              <a:schemeClr val="bg2">
+                                <a:lumMod val="50000"/>
+                              </a:schemeClr>
+                            </a:solidFill>
+                            <a:latin typeface="Cambria Math" panose="02040503050406030204" pitchFamily="18" charset="0"/>
+                            <a:ea typeface="나눔스퀘어" panose="020B0600000101010101" pitchFamily="50" charset="-127"/>
+                          </a:rPr>
+                          <m:t>exp</m:t>
+                        </m:r>
+                        <m:r>
+                          <a:rPr lang="en-US" altLang="ko-KR" sz="1600" b="0" i="1" smtClean="0">
+                            <a:ln>
+                              <a:solidFill>
+                                <a:schemeClr val="bg2">
+                                  <a:lumMod val="50000"/>
+                                  <a:alpha val="15000"/>
+                                </a:schemeClr>
+                              </a:solidFill>
+                            </a:ln>
+                            <a:solidFill>
+                              <a:schemeClr val="bg2">
+                                <a:lumMod val="50000"/>
+                              </a:schemeClr>
+                            </a:solidFill>
+                            <a:latin typeface="Cambria Math" panose="02040503050406030204" pitchFamily="18" charset="0"/>
+                            <a:ea typeface="나눔스퀘어" panose="020B0600000101010101" pitchFamily="50" charset="-127"/>
+                          </a:rPr>
+                          <m:t>⁡(</m:t>
+                        </m:r>
+                        <m:sSub>
+                          <m:sSubPr>
+                            <m:ctrlPr>
+                              <a:rPr lang="en-US" altLang="ko-KR" sz="1600" b="0" i="1" smtClean="0">
+                                <a:ln>
+                                  <a:solidFill>
+                                    <a:schemeClr val="bg2">
+                                      <a:lumMod val="50000"/>
+                                      <a:alpha val="15000"/>
+                                    </a:schemeClr>
+                                  </a:solidFill>
+                                </a:ln>
+                                <a:solidFill>
+                                  <a:schemeClr val="bg2">
+                                    <a:lumMod val="50000"/>
+                                  </a:schemeClr>
+                                </a:solidFill>
+                                <a:latin typeface="Cambria Math" panose="02040503050406030204" pitchFamily="18" charset="0"/>
+                                <a:ea typeface="나눔스퀘어" panose="020B0600000101010101" pitchFamily="50" charset="-127"/>
+                              </a:rPr>
+                            </m:ctrlPr>
+                          </m:sSubPr>
+                          <m:e>
+                            <m:r>
+                              <a:rPr lang="en-US" altLang="ko-KR" sz="1600" b="0" i="1" smtClean="0">
+                                <a:ln>
+                                  <a:solidFill>
+                                    <a:schemeClr val="bg2">
+                                      <a:lumMod val="50000"/>
+                                      <a:alpha val="15000"/>
+                                    </a:schemeClr>
+                                  </a:solidFill>
+                                </a:ln>
+                                <a:solidFill>
+                                  <a:schemeClr val="bg2">
+                                    <a:lumMod val="50000"/>
+                                  </a:schemeClr>
+                                </a:solidFill>
+                                <a:latin typeface="Cambria Math" panose="02040503050406030204" pitchFamily="18" charset="0"/>
+                                <a:ea typeface="나눔스퀘어" panose="020B0600000101010101" pitchFamily="50" charset="-127"/>
+                              </a:rPr>
+                              <m:t>𝑤</m:t>
+                            </m:r>
+                          </m:e>
+                          <m:sub>
+                            <m:r>
+                              <a:rPr lang="en-US" altLang="ko-KR" sz="1600" b="0" i="1" smtClean="0">
+                                <a:ln>
+                                  <a:solidFill>
+                                    <a:schemeClr val="bg2">
+                                      <a:lumMod val="50000"/>
+                                      <a:alpha val="15000"/>
+                                    </a:schemeClr>
+                                  </a:solidFill>
+                                </a:ln>
+                                <a:solidFill>
+                                  <a:schemeClr val="bg2">
+                                    <a:lumMod val="50000"/>
+                                  </a:schemeClr>
+                                </a:solidFill>
+                                <a:latin typeface="Cambria Math" panose="02040503050406030204" pitchFamily="18" charset="0"/>
+                                <a:ea typeface="나눔스퀘어" panose="020B0600000101010101" pitchFamily="50" charset="-127"/>
+                              </a:rPr>
+                              <m:t>𝑘</m:t>
+                            </m:r>
+                          </m:sub>
+                        </m:sSub>
+                        <m:r>
+                          <a:rPr lang="en-US" altLang="ko-KR" sz="1600" b="0" i="1" smtClean="0">
+                            <a:ln>
+                              <a:solidFill>
+                                <a:schemeClr val="bg2">
+                                  <a:lumMod val="50000"/>
+                                  <a:alpha val="15000"/>
+                                </a:schemeClr>
+                              </a:solidFill>
+                            </a:ln>
+                            <a:solidFill>
+                              <a:schemeClr val="bg2">
+                                <a:lumMod val="50000"/>
+                              </a:schemeClr>
+                            </a:solidFill>
+                            <a:latin typeface="Cambria Math" panose="02040503050406030204" pitchFamily="18" charset="0"/>
+                            <a:ea typeface="나눔스퀘어" panose="020B0600000101010101" pitchFamily="50" charset="-127"/>
+                          </a:rPr>
+                          <m:t>)</m:t>
+                        </m:r>
+                      </m:num>
+                      <m:den>
+                        <m:nary>
+                          <m:naryPr>
+                            <m:chr m:val="∑"/>
+                            <m:ctrlPr>
+                              <a:rPr lang="en-US" altLang="ko-KR" sz="1600" b="0" i="1" smtClean="0">
+                                <a:ln>
+                                  <a:solidFill>
+                                    <a:schemeClr val="bg2">
+                                      <a:lumMod val="50000"/>
+                                      <a:alpha val="15000"/>
+                                    </a:schemeClr>
+                                  </a:solidFill>
+                                </a:ln>
+                                <a:solidFill>
+                                  <a:schemeClr val="bg2">
+                                    <a:lumMod val="50000"/>
+                                  </a:schemeClr>
+                                </a:solidFill>
+                                <a:latin typeface="Cambria Math" panose="02040503050406030204" pitchFamily="18" charset="0"/>
+                                <a:ea typeface="나눔스퀘어" panose="020B0600000101010101" pitchFamily="50" charset="-127"/>
+                              </a:rPr>
+                            </m:ctrlPr>
+                          </m:naryPr>
+                          <m:sub>
+                            <m:r>
+                              <m:rPr>
+                                <m:brk m:alnAt="23"/>
+                              </m:rPr>
+                              <a:rPr lang="en-US" altLang="ko-KR" sz="1600" b="0" i="1" smtClean="0">
+                                <a:ln>
+                                  <a:solidFill>
+                                    <a:schemeClr val="bg2">
+                                      <a:lumMod val="50000"/>
+                                      <a:alpha val="15000"/>
+                                    </a:schemeClr>
+                                  </a:solidFill>
+                                </a:ln>
+                                <a:solidFill>
+                                  <a:schemeClr val="bg2">
+                                    <a:lumMod val="50000"/>
+                                  </a:schemeClr>
+                                </a:solidFill>
+                                <a:latin typeface="Cambria Math" panose="02040503050406030204" pitchFamily="18" charset="0"/>
+                                <a:ea typeface="나눔스퀘어" panose="020B0600000101010101" pitchFamily="50" charset="-127"/>
+                              </a:rPr>
+                              <m:t>𝑖</m:t>
+                            </m:r>
+                            <m:r>
+                              <a:rPr lang="en-US" altLang="ko-KR" sz="1600" b="0" i="1" smtClean="0">
+                                <a:ln>
+                                  <a:solidFill>
+                                    <a:schemeClr val="bg2">
+                                      <a:lumMod val="50000"/>
+                                      <a:alpha val="15000"/>
+                                    </a:schemeClr>
+                                  </a:solidFill>
+                                </a:ln>
+                                <a:solidFill>
+                                  <a:schemeClr val="bg2">
+                                    <a:lumMod val="50000"/>
+                                  </a:schemeClr>
+                                </a:solidFill>
+                                <a:latin typeface="Cambria Math" panose="02040503050406030204" pitchFamily="18" charset="0"/>
+                                <a:ea typeface="나눔스퀘어" panose="020B0600000101010101" pitchFamily="50" charset="-127"/>
+                              </a:rPr>
+                              <m:t>=1</m:t>
+                            </m:r>
+                          </m:sub>
+                          <m:sup>
+                            <m:r>
+                              <a:rPr lang="en-US" altLang="ko-KR" sz="1600" b="0" i="1" smtClean="0">
+                                <a:ln>
+                                  <a:solidFill>
+                                    <a:schemeClr val="bg2">
+                                      <a:lumMod val="50000"/>
+                                      <a:alpha val="15000"/>
+                                    </a:schemeClr>
+                                  </a:solidFill>
+                                </a:ln>
+                                <a:solidFill>
+                                  <a:schemeClr val="bg2">
+                                    <a:lumMod val="50000"/>
+                                  </a:schemeClr>
+                                </a:solidFill>
+                                <a:latin typeface="Cambria Math" panose="02040503050406030204" pitchFamily="18" charset="0"/>
+                                <a:ea typeface="나눔스퀘어" panose="020B0600000101010101" pitchFamily="50" charset="-127"/>
+                              </a:rPr>
+                              <m:t>7</m:t>
+                            </m:r>
+                          </m:sup>
+                          <m:e>
+                            <m:r>
+                              <m:rPr>
+                                <m:sty m:val="p"/>
+                              </m:rPr>
+                              <a:rPr lang="en-US" altLang="ko-KR" sz="1600" b="0" i="0" smtClean="0">
+                                <a:ln>
+                                  <a:solidFill>
+                                    <a:schemeClr val="bg2">
+                                      <a:lumMod val="50000"/>
+                                      <a:alpha val="15000"/>
+                                    </a:schemeClr>
+                                  </a:solidFill>
+                                </a:ln>
+                                <a:solidFill>
+                                  <a:schemeClr val="bg2">
+                                    <a:lumMod val="50000"/>
+                                  </a:schemeClr>
+                                </a:solidFill>
+                                <a:latin typeface="Cambria Math" panose="02040503050406030204" pitchFamily="18" charset="0"/>
+                                <a:ea typeface="나눔스퀘어" panose="020B0600000101010101" pitchFamily="50" charset="-127"/>
+                              </a:rPr>
+                              <m:t>exp</m:t>
+                            </m:r>
+                            <m:r>
+                              <a:rPr lang="en-US" altLang="ko-KR" sz="1600" b="0" i="1" smtClean="0">
+                                <a:ln>
+                                  <a:solidFill>
+                                    <a:schemeClr val="bg2">
+                                      <a:lumMod val="50000"/>
+                                      <a:alpha val="15000"/>
+                                    </a:schemeClr>
+                                  </a:solidFill>
+                                </a:ln>
+                                <a:solidFill>
+                                  <a:schemeClr val="bg2">
+                                    <a:lumMod val="50000"/>
+                                  </a:schemeClr>
+                                </a:solidFill>
+                                <a:latin typeface="Cambria Math" panose="02040503050406030204" pitchFamily="18" charset="0"/>
+                                <a:ea typeface="나눔스퀘어" panose="020B0600000101010101" pitchFamily="50" charset="-127"/>
+                              </a:rPr>
+                              <m:t>⁡(</m:t>
+                            </m:r>
+                            <m:sSub>
+                              <m:sSubPr>
+                                <m:ctrlPr>
+                                  <a:rPr lang="en-US" altLang="ko-KR" sz="1600" b="0" i="1" smtClean="0">
+                                    <a:ln>
+                                      <a:solidFill>
+                                        <a:schemeClr val="bg2">
+                                          <a:lumMod val="50000"/>
+                                          <a:alpha val="15000"/>
+                                        </a:schemeClr>
+                                      </a:solidFill>
+                                    </a:ln>
+                                    <a:solidFill>
+                                      <a:schemeClr val="bg2">
+                                        <a:lumMod val="50000"/>
+                                      </a:schemeClr>
+                                    </a:solidFill>
+                                    <a:latin typeface="Cambria Math" panose="02040503050406030204" pitchFamily="18" charset="0"/>
+                                    <a:ea typeface="나눔스퀘어" panose="020B0600000101010101" pitchFamily="50" charset="-127"/>
+                                  </a:rPr>
+                                </m:ctrlPr>
+                              </m:sSubPr>
+                              <m:e>
+                                <m:r>
+                                  <a:rPr lang="en-US" altLang="ko-KR" sz="1600" b="0" i="1" smtClean="0">
+                                    <a:ln>
+                                      <a:solidFill>
+                                        <a:schemeClr val="bg2">
+                                          <a:lumMod val="50000"/>
+                                          <a:alpha val="15000"/>
+                                        </a:schemeClr>
+                                      </a:solidFill>
+                                    </a:ln>
+                                    <a:solidFill>
+                                      <a:schemeClr val="bg2">
+                                        <a:lumMod val="50000"/>
+                                      </a:schemeClr>
+                                    </a:solidFill>
+                                    <a:latin typeface="Cambria Math" panose="02040503050406030204" pitchFamily="18" charset="0"/>
+                                    <a:ea typeface="나눔스퀘어" panose="020B0600000101010101" pitchFamily="50" charset="-127"/>
+                                  </a:rPr>
+                                  <m:t>𝑤</m:t>
+                                </m:r>
+                              </m:e>
+                              <m:sub>
+                                <m:r>
+                                  <a:rPr lang="en-US" altLang="ko-KR" sz="1600" b="0" i="1" smtClean="0">
+                                    <a:ln>
+                                      <a:solidFill>
+                                        <a:schemeClr val="bg2">
+                                          <a:lumMod val="50000"/>
+                                          <a:alpha val="15000"/>
+                                        </a:schemeClr>
+                                      </a:solidFill>
+                                    </a:ln>
+                                    <a:solidFill>
+                                      <a:schemeClr val="bg2">
+                                        <a:lumMod val="50000"/>
+                                      </a:schemeClr>
+                                    </a:solidFill>
+                                    <a:latin typeface="Cambria Math" panose="02040503050406030204" pitchFamily="18" charset="0"/>
+                                    <a:ea typeface="나눔스퀘어" panose="020B0600000101010101" pitchFamily="50" charset="-127"/>
+                                  </a:rPr>
+                                  <m:t>𝑖</m:t>
+                                </m:r>
+                              </m:sub>
+                            </m:sSub>
+                            <m:r>
+                              <a:rPr lang="en-US" altLang="ko-KR" sz="1600" b="0" i="1" smtClean="0">
+                                <a:ln>
+                                  <a:solidFill>
+                                    <a:schemeClr val="bg2">
+                                      <a:lumMod val="50000"/>
+                                      <a:alpha val="15000"/>
+                                    </a:schemeClr>
+                                  </a:solidFill>
+                                </a:ln>
+                                <a:solidFill>
+                                  <a:schemeClr val="bg2">
+                                    <a:lumMod val="50000"/>
+                                  </a:schemeClr>
+                                </a:solidFill>
+                                <a:latin typeface="Cambria Math" panose="02040503050406030204" pitchFamily="18" charset="0"/>
+                                <a:ea typeface="나눔스퀘어" panose="020B0600000101010101" pitchFamily="50" charset="-127"/>
+                              </a:rPr>
+                              <m:t>)</m:t>
+                            </m:r>
+                          </m:e>
+                        </m:nary>
+                      </m:den>
+                    </m:f>
+                  </m:oMath>
+                </a14:m>
+                <a:r>
+                  <a:rPr lang="en-US" altLang="ko-KR" sz="1600" dirty="0">
+                    <a:ln>
+                      <a:solidFill>
+                        <a:schemeClr val="bg2">
+                          <a:lumMod val="50000"/>
+                          <a:alpha val="15000"/>
+                        </a:schemeClr>
+                      </a:solidFill>
+                    </a:ln>
+                    <a:solidFill>
+                      <a:schemeClr val="bg2">
+                        <a:lumMod val="50000"/>
+                      </a:schemeClr>
+                    </a:solidFill>
+                    <a:latin typeface="나눔스퀘어" panose="020B0600000101010101" pitchFamily="50" charset="-127"/>
+                    <a:ea typeface="나눔스퀘어" panose="020B0600000101010101" pitchFamily="50" charset="-127"/>
+                    <a:cs typeface="조선일보명조" panose="02030304000000000000" pitchFamily="18" charset="-127"/>
+                  </a:rPr>
+                  <a:t>, </a:t>
+                </a:r>
+                <a14:m>
+                  <m:oMath xmlns:m="http://schemas.openxmlformats.org/officeDocument/2006/math">
+                    <m:r>
+                      <a:rPr lang="en-US" altLang="ko-KR" sz="1600" b="0" i="1" smtClean="0">
+                        <a:ln>
+                          <a:solidFill>
+                            <a:schemeClr val="bg2">
+                              <a:lumMod val="50000"/>
+                              <a:alpha val="15000"/>
+                            </a:schemeClr>
+                          </a:solidFill>
+                        </a:ln>
+                        <a:solidFill>
+                          <a:schemeClr val="bg2">
+                            <a:lumMod val="50000"/>
+                          </a:schemeClr>
+                        </a:solidFill>
+                        <a:latin typeface="Cambria Math" panose="02040503050406030204" pitchFamily="18" charset="0"/>
+                        <a:ea typeface="나눔스퀘어" panose="020B0600000101010101" pitchFamily="50" charset="-127"/>
+                        <a:cs typeface="조선일보명조" panose="02030304000000000000" pitchFamily="18" charset="-127"/>
+                      </a:rPr>
+                      <m:t>𝑘</m:t>
+                    </m:r>
+                    <m:r>
+                      <a:rPr lang="en-US" altLang="ko-KR" sz="1600" b="0" i="1" smtClean="0">
+                        <a:ln>
+                          <a:solidFill>
+                            <a:schemeClr val="bg2">
+                              <a:lumMod val="50000"/>
+                              <a:alpha val="15000"/>
+                            </a:schemeClr>
+                          </a:solidFill>
+                        </a:ln>
+                        <a:solidFill>
+                          <a:schemeClr val="bg2">
+                            <a:lumMod val="50000"/>
+                          </a:schemeClr>
+                        </a:solidFill>
+                        <a:latin typeface="Cambria Math" panose="02040503050406030204" pitchFamily="18" charset="0"/>
+                        <a:ea typeface="나눔스퀘어" panose="020B0600000101010101" pitchFamily="50" charset="-127"/>
+                        <a:cs typeface="조선일보명조" panose="02030304000000000000" pitchFamily="18" charset="-127"/>
+                      </a:rPr>
+                      <m:t>=1,2,3,4,5,6,7</m:t>
+                    </m:r>
+                  </m:oMath>
+                </a14:m>
+                <a:r>
+                  <a:rPr lang="en-US" altLang="ko-KR" sz="1600" dirty="0">
+                    <a:ln>
+                      <a:solidFill>
+                        <a:schemeClr val="bg2">
+                          <a:lumMod val="50000"/>
+                          <a:alpha val="15000"/>
+                        </a:schemeClr>
+                      </a:solidFill>
+                    </a:ln>
+                    <a:solidFill>
+                      <a:schemeClr val="bg2">
+                        <a:lumMod val="50000"/>
+                      </a:schemeClr>
+                    </a:solidFill>
+                    <a:latin typeface="나눔스퀘어" panose="020B0600000101010101" pitchFamily="50" charset="-127"/>
+                    <a:ea typeface="나눔스퀘어" panose="020B0600000101010101" pitchFamily="50" charset="-127"/>
+                    <a:cs typeface="조선일보명조" panose="02030304000000000000" pitchFamily="18" charset="-127"/>
+                  </a:rPr>
+                  <a:t>)</a:t>
+                </a:r>
+              </a:p>
+            </p:txBody>
+          </p:sp>
+        </mc:Choice>
+        <mc:Fallback>
+          <p:sp>
+            <p:nvSpPr>
+              <p:cNvPr id="15" name="TextBox 14">
+                <a:extLst>
+                  <a:ext uri="{FF2B5EF4-FFF2-40B4-BE49-F238E27FC236}">
+                    <a16:creationId xmlns:a16="http://schemas.microsoft.com/office/drawing/2014/main" id="{DE2B6FF6-ECA4-44AB-AA27-2193DB652C8B}"/>
+                  </a:ext>
+                </a:extLst>
+              </p:cNvPr>
+              <p:cNvSpPr txBox="1">
+                <a:spLocks noRot="1" noChangeAspect="1" noMove="1" noResize="1" noEditPoints="1" noAdjustHandles="1" noChangeArrowheads="1" noChangeShapeType="1" noTextEdit="1"/>
+              </p:cNvSpPr>
+              <p:nvPr/>
+            </p:nvSpPr>
+            <p:spPr>
+              <a:xfrm>
+                <a:off x="6489581" y="1754848"/>
+                <a:ext cx="5446113" cy="4110036"/>
+              </a:xfrm>
+              <a:prstGeom prst="rect">
+                <a:avLst/>
+              </a:prstGeom>
+              <a:blipFill>
+                <a:blip r:embed="rId2"/>
+                <a:stretch>
+                  <a:fillRect/>
+                </a:stretch>
+              </a:blipFill>
+            </p:spPr>
+            <p:txBody>
+              <a:bodyPr/>
+              <a:lstStyle/>
+              <a:p>
+                <a:r>
+                  <a:rPr lang="ko-KR" altLang="en-US">
+                    <a:noFill/>
+                  </a:rPr>
+                  <a:t> </a:t>
+                </a:r>
+              </a:p>
+            </p:txBody>
+          </p:sp>
+        </mc:Fallback>
+      </mc:AlternateContent>
     </p:spTree>
     <p:extLst>
       <p:ext uri="{BB962C8B-B14F-4D97-AF65-F5344CB8AC3E}">

--- a/2021_UOS_Contest_1124.pptx
+++ b/2021_UOS_Contest_1124.pptx
@@ -5831,7 +5831,7 @@
         <p:spPr>
           <a:xfrm>
             <a:off x="439779" y="1754848"/>
-            <a:ext cx="5446113" cy="1891352"/>
+            <a:ext cx="5446113" cy="2260683"/>
           </a:xfrm>
           <a:prstGeom prst="rect">
             <a:avLst/>
@@ -5871,6 +5871,54 @@
                 <a:cs typeface="조선일보명조" panose="02030304000000000000" pitchFamily="18" charset="-127"/>
               </a:rPr>
               <a:t>차량 등록 현황</a:t>
+            </a:r>
+            <a:endParaRPr lang="en-US" altLang="ko-KR" sz="1600" dirty="0">
+              <a:ln>
+                <a:solidFill>
+                  <a:schemeClr val="bg2">
+                    <a:lumMod val="50000"/>
+                    <a:alpha val="15000"/>
+                  </a:schemeClr>
+                </a:solidFill>
+              </a:ln>
+              <a:solidFill>
+                <a:schemeClr val="bg2">
+                  <a:lumMod val="50000"/>
+                </a:schemeClr>
+              </a:solidFill>
+              <a:latin typeface="나눔스퀘어" panose="020B0600000101010101" pitchFamily="50" charset="-127"/>
+              <a:ea typeface="나눔스퀘어" panose="020B0600000101010101" pitchFamily="50" charset="-127"/>
+              <a:cs typeface="조선일보명조" panose="02030304000000000000" pitchFamily="18" charset="-127"/>
+            </a:endParaRPr>
+          </a:p>
+          <a:p>
+            <a:pPr marL="800100" lvl="1" indent="-342900">
+              <a:lnSpc>
+                <a:spcPct val="150000"/>
+              </a:lnSpc>
+              <a:buFont typeface="Arial" panose="020B0604020202020204" pitchFamily="34" charset="0"/>
+              <a:buChar char="•"/>
+            </a:pPr>
+            <a:r>
+              <a:rPr lang="ko-KR" altLang="en-US" sz="1600" dirty="0">
+                <a:ln>
+                  <a:solidFill>
+                    <a:schemeClr val="bg2">
+                      <a:lumMod val="50000"/>
+                      <a:alpha val="15000"/>
+                    </a:schemeClr>
+                  </a:solidFill>
+                </a:ln>
+                <a:solidFill>
+                  <a:schemeClr val="bg2">
+                    <a:lumMod val="50000"/>
+                  </a:schemeClr>
+                </a:solidFill>
+                <a:latin typeface="나눔스퀘어" panose="020B0600000101010101" pitchFamily="50" charset="-127"/>
+                <a:ea typeface="나눔스퀘어" panose="020B0600000101010101" pitchFamily="50" charset="-127"/>
+                <a:cs typeface="조선일보명조" panose="02030304000000000000" pitchFamily="18" charset="-127"/>
+              </a:rPr>
+              <a:t>화물차 이상만 취급</a:t>
             </a:r>
             <a:endParaRPr lang="en-US" altLang="ko-KR" sz="1600" dirty="0">
               <a:ln>
@@ -6641,8 +6689,8 @@
           </a:p>
         </p:txBody>
       </p:sp>
-      <mc:AlternateContent xmlns:mc="http://schemas.openxmlformats.org/markup-compatibility/2006">
-        <mc:Choice xmlns:a14="http://schemas.microsoft.com/office/drawing/2010/main" Requires="a14">
+      <mc:AlternateContent xmlns:mc="http://schemas.openxmlformats.org/markup-compatibility/2006" xmlns:a14="http://schemas.microsoft.com/office/drawing/2010/main">
+        <mc:Choice Requires="a14">
           <p:sp>
             <p:nvSpPr>
               <p:cNvPr id="15" name="TextBox 14">
@@ -8914,7 +8962,7 @@
             </p:txBody>
           </p:sp>
         </mc:Choice>
-        <mc:Fallback>
+        <mc:Fallback xmlns="">
           <p:sp>
             <p:nvSpPr>
               <p:cNvPr id="15" name="TextBox 14">
@@ -9146,7 +9194,7 @@
         </p:nvSpPr>
         <p:spPr>
           <a:xfrm>
-            <a:off x="7793798" y="967666"/>
+            <a:off x="7352358" y="980991"/>
             <a:ext cx="2027750" cy="365204"/>
           </a:xfrm>
           <a:prstGeom prst="rect">
@@ -9198,7 +9246,7 @@
         </p:nvSpPr>
         <p:spPr>
           <a:xfrm>
-            <a:off x="7756865" y="993224"/>
+            <a:off x="7352358" y="1007641"/>
             <a:ext cx="2027749" cy="338554"/>
           </a:xfrm>
           <a:prstGeom prst="rect">
@@ -9214,7 +9262,7 @@
           <a:p>
             <a:pPr algn="ctr"/>
             <a:r>
-              <a:rPr lang="ko-KR" altLang="en-US" sz="1600">
+              <a:rPr lang="ko-KR" altLang="en-US" sz="1600" dirty="0">
                 <a:ln>
                   <a:solidFill>
                     <a:schemeClr val="bg1">
@@ -9230,20 +9278,6 @@
               </a:rPr>
               <a:t>결과 분석</a:t>
             </a:r>
-            <a:endParaRPr lang="ko-KR" altLang="en-US" sz="1600" dirty="0">
-              <a:ln>
-                <a:solidFill>
-                  <a:schemeClr val="bg1">
-                    <a:alpha val="15000"/>
-                  </a:schemeClr>
-                </a:solidFill>
-              </a:ln>
-              <a:solidFill>
-                <a:schemeClr val="bg1"/>
-              </a:solidFill>
-              <a:latin typeface="KoPub돋움체 Medium" panose="00000600000000000000" pitchFamily="2" charset="-127"/>
-              <a:ea typeface="KoPub돋움체 Medium" panose="00000600000000000000" pitchFamily="2" charset="-127"/>
-            </a:endParaRPr>
           </a:p>
         </p:txBody>
       </p:sp>
@@ -9429,6 +9463,822 @@
           </a:prstGeom>
         </p:spPr>
       </p:pic>
+      <p:sp>
+        <p:nvSpPr>
+          <p:cNvPr id="12" name="TextBox 11">
+            <a:extLst>
+              <a:ext uri="{FF2B5EF4-FFF2-40B4-BE49-F238E27FC236}">
+                <a16:creationId xmlns:a16="http://schemas.microsoft.com/office/drawing/2014/main" id="{3F99CC1B-DE87-49BD-A47C-5D8AFADFC533}"/>
+              </a:ext>
+            </a:extLst>
+          </p:cNvPr>
+          <p:cNvSpPr txBox="1"/>
+          <p:nvPr/>
+        </p:nvSpPr>
+        <p:spPr>
+          <a:xfrm>
+            <a:off x="7355485" y="1500436"/>
+            <a:ext cx="4700224" cy="4107343"/>
+          </a:xfrm>
+          <a:prstGeom prst="rect">
+            <a:avLst/>
+          </a:prstGeom>
+          <a:noFill/>
+        </p:spPr>
+        <p:txBody>
+          <a:bodyPr wrap="square" rtlCol="0">
+            <a:spAutoFit/>
+          </a:bodyPr>
+          <a:lstStyle/>
+          <a:p>
+            <a:pPr marL="285750" indent="-285750">
+              <a:lnSpc>
+                <a:spcPct val="150000"/>
+              </a:lnSpc>
+              <a:buFont typeface="Arial" panose="020B0604020202020204" pitchFamily="34" charset="0"/>
+              <a:buChar char="•"/>
+            </a:pPr>
+            <a:r>
+              <a:rPr lang="ko-KR" altLang="en-US" sz="1600" dirty="0">
+                <a:ln>
+                  <a:solidFill>
+                    <a:schemeClr val="bg2">
+                      <a:lumMod val="50000"/>
+                      <a:alpha val="15000"/>
+                    </a:schemeClr>
+                  </a:solidFill>
+                </a:ln>
+                <a:solidFill>
+                  <a:schemeClr val="bg2">
+                    <a:lumMod val="50000"/>
+                  </a:schemeClr>
+                </a:solidFill>
+                <a:latin typeface="나눔스퀘어" panose="020B0600000101010101" pitchFamily="50" charset="-127"/>
+                <a:ea typeface="나눔스퀘어" panose="020B0600000101010101" pitchFamily="50" charset="-127"/>
+                <a:cs typeface="조선일보명조" panose="02030304000000000000" pitchFamily="18" charset="-127"/>
+              </a:rPr>
+              <a:t>등록차량</a:t>
+            </a:r>
+            <a:r>
+              <a:rPr lang="en-US" altLang="ko-KR" sz="1600" dirty="0">
+                <a:ln>
+                  <a:solidFill>
+                    <a:schemeClr val="bg2">
+                      <a:lumMod val="50000"/>
+                      <a:alpha val="15000"/>
+                    </a:schemeClr>
+                  </a:solidFill>
+                </a:ln>
+                <a:solidFill>
+                  <a:schemeClr val="bg2">
+                    <a:lumMod val="50000"/>
+                  </a:schemeClr>
+                </a:solidFill>
+                <a:latin typeface="나눔스퀘어" panose="020B0600000101010101" pitchFamily="50" charset="-127"/>
+                <a:ea typeface="나눔스퀘어" panose="020B0600000101010101" pitchFamily="50" charset="-127"/>
+                <a:cs typeface="조선일보명조" panose="02030304000000000000" pitchFamily="18" charset="-127"/>
+              </a:rPr>
+              <a:t>, </a:t>
+            </a:r>
+            <a:r>
+              <a:rPr lang="ko-KR" altLang="en-US" sz="1600" dirty="0">
+                <a:ln>
+                  <a:solidFill>
+                    <a:schemeClr val="bg2">
+                      <a:lumMod val="50000"/>
+                      <a:alpha val="15000"/>
+                    </a:schemeClr>
+                  </a:solidFill>
+                </a:ln>
+                <a:solidFill>
+                  <a:schemeClr val="bg2">
+                    <a:lumMod val="50000"/>
+                  </a:schemeClr>
+                </a:solidFill>
+                <a:latin typeface="나눔스퀘어" panose="020B0600000101010101" pitchFamily="50" charset="-127"/>
+                <a:ea typeface="나눔스퀘어" panose="020B0600000101010101" pitchFamily="50" charset="-127"/>
+                <a:cs typeface="조선일보명조" panose="02030304000000000000" pitchFamily="18" charset="-127"/>
+              </a:rPr>
+              <a:t>교통량</a:t>
+            </a:r>
+            <a:r>
+              <a:rPr lang="en-US" altLang="ko-KR" sz="1600" dirty="0">
+                <a:ln>
+                  <a:solidFill>
+                    <a:schemeClr val="bg2">
+                      <a:lumMod val="50000"/>
+                      <a:alpha val="15000"/>
+                    </a:schemeClr>
+                  </a:solidFill>
+                </a:ln>
+                <a:solidFill>
+                  <a:schemeClr val="bg2">
+                    <a:lumMod val="50000"/>
+                  </a:schemeClr>
+                </a:solidFill>
+                <a:latin typeface="나눔스퀘어" panose="020B0600000101010101" pitchFamily="50" charset="-127"/>
+                <a:ea typeface="나눔스퀘어" panose="020B0600000101010101" pitchFamily="50" charset="-127"/>
+                <a:cs typeface="조선일보명조" panose="02030304000000000000" pitchFamily="18" charset="-127"/>
+              </a:rPr>
+              <a:t>, </a:t>
+            </a:r>
+            <a:r>
+              <a:rPr lang="ko-KR" altLang="en-US" sz="1600" dirty="0">
+                <a:ln>
+                  <a:solidFill>
+                    <a:schemeClr val="bg2">
+                      <a:lumMod val="50000"/>
+                      <a:alpha val="15000"/>
+                    </a:schemeClr>
+                  </a:solidFill>
+                </a:ln>
+                <a:solidFill>
+                  <a:schemeClr val="bg2">
+                    <a:lumMod val="50000"/>
+                  </a:schemeClr>
+                </a:solidFill>
+                <a:latin typeface="나눔스퀘어" panose="020B0600000101010101" pitchFamily="50" charset="-127"/>
+                <a:ea typeface="나눔스퀘어" panose="020B0600000101010101" pitchFamily="50" charset="-127"/>
+                <a:cs typeface="조선일보명조" panose="02030304000000000000" pitchFamily="18" charset="-127"/>
+              </a:rPr>
+              <a:t>물류창고 현황</a:t>
+            </a:r>
+            <a:r>
+              <a:rPr lang="en-US" altLang="ko-KR" sz="1600" dirty="0">
+                <a:ln>
+                  <a:solidFill>
+                    <a:schemeClr val="bg2">
+                      <a:lumMod val="50000"/>
+                      <a:alpha val="15000"/>
+                    </a:schemeClr>
+                  </a:solidFill>
+                </a:ln>
+                <a:solidFill>
+                  <a:schemeClr val="bg2">
+                    <a:lumMod val="50000"/>
+                  </a:schemeClr>
+                </a:solidFill>
+                <a:latin typeface="나눔스퀘어" panose="020B0600000101010101" pitchFamily="50" charset="-127"/>
+                <a:ea typeface="나눔스퀘어" panose="020B0600000101010101" pitchFamily="50" charset="-127"/>
+                <a:cs typeface="조선일보명조" panose="02030304000000000000" pitchFamily="18" charset="-127"/>
+              </a:rPr>
+              <a:t>, </a:t>
+            </a:r>
+            <a:r>
+              <a:rPr lang="ko-KR" altLang="en-US" sz="1600" dirty="0" err="1">
+                <a:ln>
+                  <a:solidFill>
+                    <a:schemeClr val="bg2">
+                      <a:lumMod val="50000"/>
+                      <a:alpha val="15000"/>
+                    </a:schemeClr>
+                  </a:solidFill>
+                </a:ln>
+                <a:solidFill>
+                  <a:schemeClr val="bg2">
+                    <a:lumMod val="50000"/>
+                  </a:schemeClr>
+                </a:solidFill>
+                <a:latin typeface="나눔스퀘어" panose="020B0600000101010101" pitchFamily="50" charset="-127"/>
+                <a:ea typeface="나눔스퀘어" panose="020B0600000101010101" pitchFamily="50" charset="-127"/>
+                <a:cs typeface="조선일보명조" panose="02030304000000000000" pitchFamily="18" charset="-127"/>
+              </a:rPr>
+              <a:t>요소수</a:t>
+            </a:r>
+            <a:r>
+              <a:rPr lang="ko-KR" altLang="en-US" sz="1600" dirty="0">
+                <a:ln>
+                  <a:solidFill>
+                    <a:schemeClr val="bg2">
+                      <a:lumMod val="50000"/>
+                      <a:alpha val="15000"/>
+                    </a:schemeClr>
+                  </a:solidFill>
+                </a:ln>
+                <a:solidFill>
+                  <a:schemeClr val="bg2">
+                    <a:lumMod val="50000"/>
+                  </a:schemeClr>
+                </a:solidFill>
+                <a:latin typeface="나눔스퀘어" panose="020B0600000101010101" pitchFamily="50" charset="-127"/>
+                <a:ea typeface="나눔스퀘어" panose="020B0600000101010101" pitchFamily="50" charset="-127"/>
+                <a:cs typeface="조선일보명조" panose="02030304000000000000" pitchFamily="18" charset="-127"/>
+              </a:rPr>
+              <a:t> 재고량</a:t>
+            </a:r>
+            <a:r>
+              <a:rPr lang="en-US" altLang="ko-KR" sz="1600" dirty="0">
+                <a:ln>
+                  <a:solidFill>
+                    <a:schemeClr val="bg2">
+                      <a:lumMod val="50000"/>
+                      <a:alpha val="15000"/>
+                    </a:schemeClr>
+                  </a:solidFill>
+                </a:ln>
+                <a:solidFill>
+                  <a:schemeClr val="bg2">
+                    <a:lumMod val="50000"/>
+                  </a:schemeClr>
+                </a:solidFill>
+                <a:latin typeface="나눔스퀘어" panose="020B0600000101010101" pitchFamily="50" charset="-127"/>
+                <a:ea typeface="나눔스퀘어" panose="020B0600000101010101" pitchFamily="50" charset="-127"/>
+                <a:cs typeface="조선일보명조" panose="02030304000000000000" pitchFamily="18" charset="-127"/>
+              </a:rPr>
+              <a:t>, </a:t>
+            </a:r>
+            <a:r>
+              <a:rPr lang="ko-KR" altLang="en-US" sz="1600" dirty="0" err="1">
+                <a:ln>
+                  <a:solidFill>
+                    <a:schemeClr val="bg2">
+                      <a:lumMod val="50000"/>
+                      <a:alpha val="15000"/>
+                    </a:schemeClr>
+                  </a:solidFill>
+                </a:ln>
+                <a:solidFill>
+                  <a:schemeClr val="bg2">
+                    <a:lumMod val="50000"/>
+                  </a:schemeClr>
+                </a:solidFill>
+                <a:latin typeface="나눔스퀘어" panose="020B0600000101010101" pitchFamily="50" charset="-127"/>
+                <a:ea typeface="나눔스퀘어" panose="020B0600000101010101" pitchFamily="50" charset="-127"/>
+                <a:cs typeface="조선일보명조" panose="02030304000000000000" pitchFamily="18" charset="-127"/>
+              </a:rPr>
+              <a:t>요소수</a:t>
+            </a:r>
+            <a:r>
+              <a:rPr lang="ko-KR" altLang="en-US" sz="1600" dirty="0">
+                <a:ln>
+                  <a:solidFill>
+                    <a:schemeClr val="bg2">
+                      <a:lumMod val="50000"/>
+                      <a:alpha val="15000"/>
+                    </a:schemeClr>
+                  </a:solidFill>
+                </a:ln>
+                <a:solidFill>
+                  <a:schemeClr val="bg2">
+                    <a:lumMod val="50000"/>
+                  </a:schemeClr>
+                </a:solidFill>
+                <a:latin typeface="나눔스퀘어" panose="020B0600000101010101" pitchFamily="50" charset="-127"/>
+                <a:ea typeface="나눔스퀘어" panose="020B0600000101010101" pitchFamily="50" charset="-127"/>
+                <a:cs typeface="조선일보명조" panose="02030304000000000000" pitchFamily="18" charset="-127"/>
+              </a:rPr>
+              <a:t> </a:t>
+            </a:r>
+            <a:r>
+              <a:rPr lang="ko-KR" altLang="en-US" sz="1600" dirty="0" err="1">
+                <a:ln>
+                  <a:solidFill>
+                    <a:schemeClr val="bg2">
+                      <a:lumMod val="50000"/>
+                      <a:alpha val="15000"/>
+                    </a:schemeClr>
+                  </a:solidFill>
+                </a:ln>
+                <a:solidFill>
+                  <a:schemeClr val="bg2">
+                    <a:lumMod val="50000"/>
+                  </a:schemeClr>
+                </a:solidFill>
+                <a:latin typeface="나눔스퀘어" panose="020B0600000101010101" pitchFamily="50" charset="-127"/>
+                <a:ea typeface="나눔스퀘어" panose="020B0600000101010101" pitchFamily="50" charset="-127"/>
+                <a:cs typeface="조선일보명조" panose="02030304000000000000" pitchFamily="18" charset="-127"/>
+              </a:rPr>
+              <a:t>입고량을</a:t>
+            </a:r>
+            <a:r>
+              <a:rPr lang="ko-KR" altLang="en-US" sz="1600" dirty="0">
+                <a:ln>
+                  <a:solidFill>
+                    <a:schemeClr val="bg2">
+                      <a:lumMod val="50000"/>
+                      <a:alpha val="15000"/>
+                    </a:schemeClr>
+                  </a:solidFill>
+                </a:ln>
+                <a:solidFill>
+                  <a:schemeClr val="bg2">
+                    <a:lumMod val="50000"/>
+                  </a:schemeClr>
+                </a:solidFill>
+                <a:latin typeface="나눔스퀘어" panose="020B0600000101010101" pitchFamily="50" charset="-127"/>
+                <a:ea typeface="나눔스퀘어" panose="020B0600000101010101" pitchFamily="50" charset="-127"/>
+                <a:cs typeface="조선일보명조" panose="02030304000000000000" pitchFamily="18" charset="-127"/>
+              </a:rPr>
+              <a:t> 바탕으로 </a:t>
+            </a:r>
+            <a:r>
+              <a:rPr lang="ko-KR" altLang="en-US" sz="1600" dirty="0" err="1">
+                <a:ln>
+                  <a:solidFill>
+                    <a:schemeClr val="bg2">
+                      <a:lumMod val="50000"/>
+                      <a:alpha val="15000"/>
+                    </a:schemeClr>
+                  </a:solidFill>
+                </a:ln>
+                <a:solidFill>
+                  <a:schemeClr val="bg2">
+                    <a:lumMod val="50000"/>
+                  </a:schemeClr>
+                </a:solidFill>
+                <a:latin typeface="나눔스퀘어" panose="020B0600000101010101" pitchFamily="50" charset="-127"/>
+                <a:ea typeface="나눔스퀘어" panose="020B0600000101010101" pitchFamily="50" charset="-127"/>
+                <a:cs typeface="조선일보명조" panose="02030304000000000000" pitchFamily="18" charset="-127"/>
+              </a:rPr>
+              <a:t>요소수</a:t>
+            </a:r>
+            <a:r>
+              <a:rPr lang="ko-KR" altLang="en-US" sz="1600" dirty="0">
+                <a:ln>
+                  <a:solidFill>
+                    <a:schemeClr val="bg2">
+                      <a:lumMod val="50000"/>
+                      <a:alpha val="15000"/>
+                    </a:schemeClr>
+                  </a:solidFill>
+                </a:ln>
+                <a:solidFill>
+                  <a:schemeClr val="bg2">
+                    <a:lumMod val="50000"/>
+                  </a:schemeClr>
+                </a:solidFill>
+                <a:latin typeface="나눔스퀘어" panose="020B0600000101010101" pitchFamily="50" charset="-127"/>
+                <a:ea typeface="나눔스퀘어" panose="020B0600000101010101" pitchFamily="50" charset="-127"/>
+                <a:cs typeface="조선일보명조" panose="02030304000000000000" pitchFamily="18" charset="-127"/>
+              </a:rPr>
+              <a:t> 배분 비율을 결정한 결과</a:t>
+            </a:r>
+            <a:endParaRPr lang="en-US" altLang="ko-KR" sz="1600" dirty="0">
+              <a:ln>
+                <a:solidFill>
+                  <a:schemeClr val="bg2">
+                    <a:lumMod val="50000"/>
+                    <a:alpha val="15000"/>
+                  </a:schemeClr>
+                </a:solidFill>
+              </a:ln>
+              <a:solidFill>
+                <a:schemeClr val="bg2">
+                  <a:lumMod val="50000"/>
+                </a:schemeClr>
+              </a:solidFill>
+              <a:latin typeface="나눔스퀘어" panose="020B0600000101010101" pitchFamily="50" charset="-127"/>
+              <a:ea typeface="나눔스퀘어" panose="020B0600000101010101" pitchFamily="50" charset="-127"/>
+              <a:cs typeface="조선일보명조" panose="02030304000000000000" pitchFamily="18" charset="-127"/>
+            </a:endParaRPr>
+          </a:p>
+          <a:p>
+            <a:pPr marL="342900" indent="-342900">
+              <a:lnSpc>
+                <a:spcPct val="150000"/>
+              </a:lnSpc>
+              <a:buFont typeface="+mj-lt"/>
+              <a:buAutoNum type="arabicPeriod"/>
+            </a:pPr>
+            <a:r>
+              <a:rPr lang="ko-KR" altLang="en-US" sz="1600" dirty="0">
+                <a:ln>
+                  <a:solidFill>
+                    <a:schemeClr val="bg2">
+                      <a:lumMod val="50000"/>
+                      <a:alpha val="15000"/>
+                    </a:schemeClr>
+                  </a:solidFill>
+                </a:ln>
+                <a:solidFill>
+                  <a:schemeClr val="bg2">
+                    <a:lumMod val="50000"/>
+                  </a:schemeClr>
+                </a:solidFill>
+                <a:latin typeface="나눔스퀘어" panose="020B0600000101010101" pitchFamily="50" charset="-127"/>
+                <a:ea typeface="나눔스퀘어" panose="020B0600000101010101" pitchFamily="50" charset="-127"/>
+                <a:cs typeface="조선일보명조" panose="02030304000000000000" pitchFamily="18" charset="-127"/>
+              </a:rPr>
+              <a:t>수도권 </a:t>
+            </a:r>
+            <a:r>
+              <a:rPr lang="en-US" altLang="ko-KR" sz="1600" dirty="0">
+                <a:ln>
+                  <a:solidFill>
+                    <a:schemeClr val="bg2">
+                      <a:lumMod val="50000"/>
+                      <a:alpha val="15000"/>
+                    </a:schemeClr>
+                  </a:solidFill>
+                </a:ln>
+                <a:solidFill>
+                  <a:schemeClr val="bg2">
+                    <a:lumMod val="50000"/>
+                  </a:schemeClr>
+                </a:solidFill>
+                <a:latin typeface="나눔스퀘어" panose="020B0600000101010101" pitchFamily="50" charset="-127"/>
+                <a:ea typeface="나눔스퀘어" panose="020B0600000101010101" pitchFamily="50" charset="-127"/>
+                <a:cs typeface="조선일보명조" panose="02030304000000000000" pitchFamily="18" charset="-127"/>
+              </a:rPr>
+              <a:t>45.13%</a:t>
+            </a:r>
+          </a:p>
+          <a:p>
+            <a:pPr marL="342900" indent="-342900">
+              <a:lnSpc>
+                <a:spcPct val="150000"/>
+              </a:lnSpc>
+              <a:buFont typeface="+mj-lt"/>
+              <a:buAutoNum type="arabicPeriod"/>
+            </a:pPr>
+            <a:r>
+              <a:rPr lang="ko-KR" altLang="en-US" sz="1600" dirty="0">
+                <a:ln>
+                  <a:solidFill>
+                    <a:schemeClr val="bg2">
+                      <a:lumMod val="50000"/>
+                      <a:alpha val="15000"/>
+                    </a:schemeClr>
+                  </a:solidFill>
+                </a:ln>
+                <a:solidFill>
+                  <a:schemeClr val="bg2">
+                    <a:lumMod val="50000"/>
+                  </a:schemeClr>
+                </a:solidFill>
+                <a:latin typeface="나눔스퀘어" panose="020B0600000101010101" pitchFamily="50" charset="-127"/>
+                <a:ea typeface="나눔스퀘어" panose="020B0600000101010101" pitchFamily="50" charset="-127"/>
+                <a:cs typeface="조선일보명조" panose="02030304000000000000" pitchFamily="18" charset="-127"/>
+              </a:rPr>
+              <a:t>광주전남 </a:t>
+            </a:r>
+            <a:r>
+              <a:rPr lang="en-US" altLang="ko-KR" sz="1600" dirty="0">
+                <a:ln>
+                  <a:solidFill>
+                    <a:schemeClr val="bg2">
+                      <a:lumMod val="50000"/>
+                      <a:alpha val="15000"/>
+                    </a:schemeClr>
+                  </a:solidFill>
+                </a:ln>
+                <a:solidFill>
+                  <a:schemeClr val="bg2">
+                    <a:lumMod val="50000"/>
+                  </a:schemeClr>
+                </a:solidFill>
+                <a:latin typeface="나눔스퀘어" panose="020B0600000101010101" pitchFamily="50" charset="-127"/>
+                <a:ea typeface="나눔스퀘어" panose="020B0600000101010101" pitchFamily="50" charset="-127"/>
+                <a:cs typeface="조선일보명조" panose="02030304000000000000" pitchFamily="18" charset="-127"/>
+              </a:rPr>
+              <a:t>12.63%</a:t>
+            </a:r>
+          </a:p>
+          <a:p>
+            <a:pPr marL="342900" indent="-342900">
+              <a:lnSpc>
+                <a:spcPct val="150000"/>
+              </a:lnSpc>
+              <a:buFont typeface="+mj-lt"/>
+              <a:buAutoNum type="arabicPeriod"/>
+            </a:pPr>
+            <a:r>
+              <a:rPr lang="ko-KR" altLang="en-US" sz="1600" dirty="0">
+                <a:ln>
+                  <a:solidFill>
+                    <a:schemeClr val="bg2">
+                      <a:lumMod val="50000"/>
+                      <a:alpha val="15000"/>
+                    </a:schemeClr>
+                  </a:solidFill>
+                </a:ln>
+                <a:solidFill>
+                  <a:schemeClr val="bg2">
+                    <a:lumMod val="50000"/>
+                  </a:schemeClr>
+                </a:solidFill>
+                <a:latin typeface="나눔스퀘어" panose="020B0600000101010101" pitchFamily="50" charset="-127"/>
+                <a:ea typeface="나눔스퀘어" panose="020B0600000101010101" pitchFamily="50" charset="-127"/>
+                <a:cs typeface="조선일보명조" panose="02030304000000000000" pitchFamily="18" charset="-127"/>
+              </a:rPr>
+              <a:t>강원 </a:t>
+            </a:r>
+            <a:r>
+              <a:rPr lang="en-US" altLang="ko-KR" sz="1600" dirty="0">
+                <a:ln>
+                  <a:solidFill>
+                    <a:schemeClr val="bg2">
+                      <a:lumMod val="50000"/>
+                      <a:alpha val="15000"/>
+                    </a:schemeClr>
+                  </a:solidFill>
+                </a:ln>
+                <a:solidFill>
+                  <a:schemeClr val="bg2">
+                    <a:lumMod val="50000"/>
+                  </a:schemeClr>
+                </a:solidFill>
+                <a:latin typeface="나눔스퀘어" panose="020B0600000101010101" pitchFamily="50" charset="-127"/>
+                <a:ea typeface="나눔스퀘어" panose="020B0600000101010101" pitchFamily="50" charset="-127"/>
+                <a:cs typeface="조선일보명조" panose="02030304000000000000" pitchFamily="18" charset="-127"/>
+              </a:rPr>
+              <a:t>10.71%</a:t>
+            </a:r>
+          </a:p>
+          <a:p>
+            <a:pPr marL="342900" indent="-342900">
+              <a:lnSpc>
+                <a:spcPct val="150000"/>
+              </a:lnSpc>
+              <a:buFont typeface="+mj-lt"/>
+              <a:buAutoNum type="arabicPeriod"/>
+            </a:pPr>
+            <a:r>
+              <a:rPr lang="ko-KR" altLang="en-US" sz="1600" dirty="0" err="1">
+                <a:ln>
+                  <a:solidFill>
+                    <a:schemeClr val="bg2">
+                      <a:lumMod val="50000"/>
+                      <a:alpha val="15000"/>
+                    </a:schemeClr>
+                  </a:solidFill>
+                </a:ln>
+                <a:solidFill>
+                  <a:schemeClr val="bg2">
+                    <a:lumMod val="50000"/>
+                  </a:schemeClr>
+                </a:solidFill>
+                <a:latin typeface="나눔스퀘어" panose="020B0600000101010101" pitchFamily="50" charset="-127"/>
+                <a:ea typeface="나눔스퀘어" panose="020B0600000101010101" pitchFamily="50" charset="-127"/>
+                <a:cs typeface="조선일보명조" panose="02030304000000000000" pitchFamily="18" charset="-127"/>
+              </a:rPr>
+              <a:t>대전충청</a:t>
+            </a:r>
+            <a:r>
+              <a:rPr lang="ko-KR" altLang="en-US" sz="1600" dirty="0">
+                <a:ln>
+                  <a:solidFill>
+                    <a:schemeClr val="bg2">
+                      <a:lumMod val="50000"/>
+                      <a:alpha val="15000"/>
+                    </a:schemeClr>
+                  </a:solidFill>
+                </a:ln>
+                <a:solidFill>
+                  <a:schemeClr val="bg2">
+                    <a:lumMod val="50000"/>
+                  </a:schemeClr>
+                </a:solidFill>
+                <a:latin typeface="나눔스퀘어" panose="020B0600000101010101" pitchFamily="50" charset="-127"/>
+                <a:ea typeface="나눔스퀘어" panose="020B0600000101010101" pitchFamily="50" charset="-127"/>
+                <a:cs typeface="조선일보명조" panose="02030304000000000000" pitchFamily="18" charset="-127"/>
+              </a:rPr>
+              <a:t> </a:t>
+            </a:r>
+            <a:r>
+              <a:rPr lang="en-US" altLang="ko-KR" sz="1600" dirty="0">
+                <a:ln>
+                  <a:solidFill>
+                    <a:schemeClr val="bg2">
+                      <a:lumMod val="50000"/>
+                      <a:alpha val="15000"/>
+                    </a:schemeClr>
+                  </a:solidFill>
+                </a:ln>
+                <a:solidFill>
+                  <a:schemeClr val="bg2">
+                    <a:lumMod val="50000"/>
+                  </a:schemeClr>
+                </a:solidFill>
+                <a:latin typeface="나눔스퀘어" panose="020B0600000101010101" pitchFamily="50" charset="-127"/>
+                <a:ea typeface="나눔스퀘어" panose="020B0600000101010101" pitchFamily="50" charset="-127"/>
+                <a:cs typeface="조선일보명조" panose="02030304000000000000" pitchFamily="18" charset="-127"/>
+              </a:rPr>
+              <a:t>8.23%</a:t>
+            </a:r>
+          </a:p>
+          <a:p>
+            <a:pPr marL="342900" indent="-342900">
+              <a:lnSpc>
+                <a:spcPct val="150000"/>
+              </a:lnSpc>
+              <a:buFont typeface="+mj-lt"/>
+              <a:buAutoNum type="arabicPeriod"/>
+            </a:pPr>
+            <a:r>
+              <a:rPr lang="ko-KR" altLang="en-US" sz="1600" dirty="0">
+                <a:ln>
+                  <a:solidFill>
+                    <a:schemeClr val="bg2">
+                      <a:lumMod val="50000"/>
+                      <a:alpha val="15000"/>
+                    </a:schemeClr>
+                  </a:solidFill>
+                </a:ln>
+                <a:solidFill>
+                  <a:schemeClr val="bg2">
+                    <a:lumMod val="50000"/>
+                  </a:schemeClr>
+                </a:solidFill>
+                <a:latin typeface="나눔스퀘어" panose="020B0600000101010101" pitchFamily="50" charset="-127"/>
+                <a:ea typeface="나눔스퀘어" panose="020B0600000101010101" pitchFamily="50" charset="-127"/>
+                <a:cs typeface="조선일보명조" panose="02030304000000000000" pitchFamily="18" charset="-127"/>
+              </a:rPr>
+              <a:t>전북 </a:t>
+            </a:r>
+            <a:r>
+              <a:rPr lang="en-US" altLang="ko-KR" sz="1600" dirty="0">
+                <a:ln>
+                  <a:solidFill>
+                    <a:schemeClr val="bg2">
+                      <a:lumMod val="50000"/>
+                      <a:alpha val="15000"/>
+                    </a:schemeClr>
+                  </a:solidFill>
+                </a:ln>
+                <a:solidFill>
+                  <a:schemeClr val="bg2">
+                    <a:lumMod val="50000"/>
+                  </a:schemeClr>
+                </a:solidFill>
+                <a:latin typeface="나눔스퀘어" panose="020B0600000101010101" pitchFamily="50" charset="-127"/>
+                <a:ea typeface="나눔스퀘어" panose="020B0600000101010101" pitchFamily="50" charset="-127"/>
+                <a:cs typeface="조선일보명조" panose="02030304000000000000" pitchFamily="18" charset="-127"/>
+              </a:rPr>
+              <a:t>7.97%</a:t>
+            </a:r>
+          </a:p>
+          <a:p>
+            <a:pPr marL="342900" indent="-342900">
+              <a:lnSpc>
+                <a:spcPct val="150000"/>
+              </a:lnSpc>
+              <a:buFont typeface="+mj-lt"/>
+              <a:buAutoNum type="arabicPeriod"/>
+            </a:pPr>
+            <a:r>
+              <a:rPr lang="ko-KR" altLang="en-US" sz="1600" dirty="0">
+                <a:ln>
+                  <a:solidFill>
+                    <a:schemeClr val="bg2">
+                      <a:lumMod val="50000"/>
+                      <a:alpha val="15000"/>
+                    </a:schemeClr>
+                  </a:solidFill>
+                </a:ln>
+                <a:solidFill>
+                  <a:schemeClr val="bg2">
+                    <a:lumMod val="50000"/>
+                  </a:schemeClr>
+                </a:solidFill>
+                <a:latin typeface="나눔스퀘어" panose="020B0600000101010101" pitchFamily="50" charset="-127"/>
+                <a:ea typeface="나눔스퀘어" panose="020B0600000101010101" pitchFamily="50" charset="-127"/>
+                <a:cs typeface="조선일보명조" panose="02030304000000000000" pitchFamily="18" charset="-127"/>
+              </a:rPr>
+              <a:t>부산경남 </a:t>
+            </a:r>
+            <a:r>
+              <a:rPr lang="en-US" altLang="ko-KR" sz="1600" dirty="0">
+                <a:ln>
+                  <a:solidFill>
+                    <a:schemeClr val="bg2">
+                      <a:lumMod val="50000"/>
+                      <a:alpha val="15000"/>
+                    </a:schemeClr>
+                  </a:solidFill>
+                </a:ln>
+                <a:solidFill>
+                  <a:schemeClr val="bg2">
+                    <a:lumMod val="50000"/>
+                  </a:schemeClr>
+                </a:solidFill>
+                <a:latin typeface="나눔스퀘어" panose="020B0600000101010101" pitchFamily="50" charset="-127"/>
+                <a:ea typeface="나눔스퀘어" panose="020B0600000101010101" pitchFamily="50" charset="-127"/>
+                <a:cs typeface="조선일보명조" panose="02030304000000000000" pitchFamily="18" charset="-127"/>
+              </a:rPr>
+              <a:t>7.74%</a:t>
+            </a:r>
+          </a:p>
+          <a:p>
+            <a:pPr marL="342900" indent="-342900">
+              <a:lnSpc>
+                <a:spcPct val="150000"/>
+              </a:lnSpc>
+              <a:buFont typeface="+mj-lt"/>
+              <a:buAutoNum type="arabicPeriod"/>
+            </a:pPr>
+            <a:r>
+              <a:rPr lang="ko-KR" altLang="en-US" sz="1600" dirty="0">
+                <a:ln>
+                  <a:solidFill>
+                    <a:schemeClr val="bg2">
+                      <a:lumMod val="50000"/>
+                      <a:alpha val="15000"/>
+                    </a:schemeClr>
+                  </a:solidFill>
+                </a:ln>
+                <a:solidFill>
+                  <a:schemeClr val="bg2">
+                    <a:lumMod val="50000"/>
+                  </a:schemeClr>
+                </a:solidFill>
+                <a:latin typeface="나눔스퀘어" panose="020B0600000101010101" pitchFamily="50" charset="-127"/>
+                <a:ea typeface="나눔스퀘어" panose="020B0600000101010101" pitchFamily="50" charset="-127"/>
+                <a:cs typeface="조선일보명조" panose="02030304000000000000" pitchFamily="18" charset="-127"/>
+              </a:rPr>
+              <a:t>대구경북 </a:t>
+            </a:r>
+            <a:r>
+              <a:rPr lang="en-US" altLang="ko-KR" sz="1600" dirty="0">
+                <a:ln>
+                  <a:solidFill>
+                    <a:schemeClr val="bg2">
+                      <a:lumMod val="50000"/>
+                      <a:alpha val="15000"/>
+                    </a:schemeClr>
+                  </a:solidFill>
+                </a:ln>
+                <a:solidFill>
+                  <a:schemeClr val="bg2">
+                    <a:lumMod val="50000"/>
+                  </a:schemeClr>
+                </a:solidFill>
+                <a:latin typeface="나눔스퀘어" panose="020B0600000101010101" pitchFamily="50" charset="-127"/>
+                <a:ea typeface="나눔스퀘어" panose="020B0600000101010101" pitchFamily="50" charset="-127"/>
+                <a:cs typeface="조선일보명조" panose="02030304000000000000" pitchFamily="18" charset="-127"/>
+              </a:rPr>
+              <a:t>7.6%</a:t>
+            </a:r>
+          </a:p>
+          <a:p>
+            <a:pPr>
+              <a:lnSpc>
+                <a:spcPct val="150000"/>
+              </a:lnSpc>
+            </a:pPr>
+            <a:r>
+              <a:rPr lang="ko-KR" altLang="en-US" sz="1600" dirty="0">
+                <a:ln>
+                  <a:solidFill>
+                    <a:schemeClr val="bg2">
+                      <a:lumMod val="50000"/>
+                      <a:alpha val="15000"/>
+                    </a:schemeClr>
+                  </a:solidFill>
+                </a:ln>
+                <a:solidFill>
+                  <a:schemeClr val="bg2">
+                    <a:lumMod val="50000"/>
+                  </a:schemeClr>
+                </a:solidFill>
+                <a:latin typeface="나눔스퀘어" panose="020B0600000101010101" pitchFamily="50" charset="-127"/>
+                <a:ea typeface="나눔스퀘어" panose="020B0600000101010101" pitchFamily="50" charset="-127"/>
+                <a:cs typeface="조선일보명조" panose="02030304000000000000" pitchFamily="18" charset="-127"/>
+              </a:rPr>
+              <a:t>로 배분하면 된다는 결론이 도출되었다</a:t>
+            </a:r>
+            <a:r>
+              <a:rPr lang="en-US" altLang="ko-KR" sz="1600" dirty="0">
+                <a:ln>
+                  <a:solidFill>
+                    <a:schemeClr val="bg2">
+                      <a:lumMod val="50000"/>
+                      <a:alpha val="15000"/>
+                    </a:schemeClr>
+                  </a:solidFill>
+                </a:ln>
+                <a:solidFill>
+                  <a:schemeClr val="bg2">
+                    <a:lumMod val="50000"/>
+                  </a:schemeClr>
+                </a:solidFill>
+                <a:latin typeface="나눔스퀘어" panose="020B0600000101010101" pitchFamily="50" charset="-127"/>
+                <a:ea typeface="나눔스퀘어" panose="020B0600000101010101" pitchFamily="50" charset="-127"/>
+                <a:cs typeface="조선일보명조" panose="02030304000000000000" pitchFamily="18" charset="-127"/>
+              </a:rPr>
+              <a:t>. </a:t>
+            </a:r>
+            <a:endParaRPr lang="ko-KR" altLang="en-US" sz="1600" dirty="0">
+              <a:ln>
+                <a:solidFill>
+                  <a:schemeClr val="bg2">
+                    <a:lumMod val="50000"/>
+                    <a:alpha val="15000"/>
+                  </a:schemeClr>
+                </a:solidFill>
+              </a:ln>
+              <a:solidFill>
+                <a:schemeClr val="bg2">
+                  <a:lumMod val="50000"/>
+                </a:schemeClr>
+              </a:solidFill>
+              <a:latin typeface="나눔스퀘어" panose="020B0600000101010101" pitchFamily="50" charset="-127"/>
+              <a:ea typeface="나눔스퀘어" panose="020B0600000101010101" pitchFamily="50" charset="-127"/>
+              <a:cs typeface="조선일보명조" panose="02030304000000000000" pitchFamily="18" charset="-127"/>
+            </a:endParaRPr>
+          </a:p>
+        </p:txBody>
+      </p:sp>
     </p:spTree>
     <p:extLst>
       <p:ext uri="{BB962C8B-B14F-4D97-AF65-F5344CB8AC3E}">

--- a/2021_UOS_Contest_1124.pptx
+++ b/2021_UOS_Contest_1124.pptx
@@ -4366,58 +4366,6 @@
       </p:sp>
       <p:sp>
         <p:nvSpPr>
-          <p:cNvPr id="5" name="TextBox 4">
-            <a:extLst>
-              <a:ext uri="{FF2B5EF4-FFF2-40B4-BE49-F238E27FC236}">
-                <a16:creationId xmlns:a16="http://schemas.microsoft.com/office/drawing/2014/main" id="{E878CB8F-1C88-4CEE-B5E4-87869F2885A6}"/>
-              </a:ext>
-            </a:extLst>
-          </p:cNvPr>
-          <p:cNvSpPr txBox="1"/>
-          <p:nvPr/>
-        </p:nvSpPr>
-        <p:spPr>
-          <a:xfrm>
-            <a:off x="861134" y="2512381"/>
-            <a:ext cx="3701988" cy="369332"/>
-          </a:xfrm>
-          <a:prstGeom prst="rect">
-            <a:avLst/>
-          </a:prstGeom>
-          <a:noFill/>
-        </p:spPr>
-        <p:txBody>
-          <a:bodyPr wrap="square" rtlCol="0">
-            <a:spAutoFit/>
-          </a:bodyPr>
-          <a:lstStyle/>
-          <a:p>
-            <a:r>
-              <a:rPr lang="ko-KR" altLang="en-US" dirty="0">
-                <a:solidFill>
-                  <a:srgbClr val="FF0000"/>
-                </a:solidFill>
-              </a:rPr>
-              <a:t>뉴스 </a:t>
-            </a:r>
-            <a:r>
-              <a:rPr lang="ko-KR" altLang="en-US">
-                <a:solidFill>
-                  <a:srgbClr val="FF0000"/>
-                </a:solidFill>
-              </a:rPr>
-              <a:t>기사 찾아보기</a:t>
-            </a:r>
-            <a:endParaRPr lang="ko-KR" altLang="en-US" dirty="0">
-              <a:solidFill>
-                <a:srgbClr val="FF0000"/>
-              </a:solidFill>
-            </a:endParaRPr>
-          </a:p>
-        </p:txBody>
-      </p:sp>
-      <p:sp>
-        <p:nvSpPr>
           <p:cNvPr id="12" name="TextBox 11">
             <a:extLst>
               <a:ext uri="{FF2B5EF4-FFF2-40B4-BE49-F238E27FC236}">
@@ -5022,6 +4970,571 @@
               </a:rPr>
               <a:t>분석 계기 및 데이터 소개</a:t>
             </a:r>
+          </a:p>
+        </p:txBody>
+      </p:sp>
+      <p:pic>
+        <p:nvPicPr>
+          <p:cNvPr id="15" name="그림 14">
+            <a:extLst>
+              <a:ext uri="{FF2B5EF4-FFF2-40B4-BE49-F238E27FC236}">
+                <a16:creationId xmlns:a16="http://schemas.microsoft.com/office/drawing/2014/main" id="{2C2E0364-D3C1-407E-8F41-B390F30F1D53}"/>
+              </a:ext>
+            </a:extLst>
+          </p:cNvPr>
+          <p:cNvPicPr>
+            <a:picLocks noChangeAspect="1"/>
+          </p:cNvPicPr>
+          <p:nvPr/>
+        </p:nvPicPr>
+        <p:blipFill>
+          <a:blip r:embed="rId2"/>
+          <a:stretch>
+            <a:fillRect/>
+          </a:stretch>
+        </p:blipFill>
+        <p:spPr>
+          <a:xfrm>
+            <a:off x="251510" y="1721428"/>
+            <a:ext cx="4743449" cy="571500"/>
+          </a:xfrm>
+          <a:prstGeom prst="rect">
+            <a:avLst/>
+          </a:prstGeom>
+        </p:spPr>
+      </p:pic>
+      <p:sp>
+        <p:nvSpPr>
+          <p:cNvPr id="16" name="TextBox 15">
+            <a:extLst>
+              <a:ext uri="{FF2B5EF4-FFF2-40B4-BE49-F238E27FC236}">
+                <a16:creationId xmlns:a16="http://schemas.microsoft.com/office/drawing/2014/main" id="{56A42E4D-E94E-46FD-B5DA-325FF64FCF12}"/>
+              </a:ext>
+            </a:extLst>
+          </p:cNvPr>
+          <p:cNvSpPr txBox="1"/>
+          <p:nvPr/>
+        </p:nvSpPr>
+        <p:spPr>
+          <a:xfrm>
+            <a:off x="286328" y="5991974"/>
+            <a:ext cx="5468356" cy="553998"/>
+          </a:xfrm>
+          <a:prstGeom prst="rect">
+            <a:avLst/>
+          </a:prstGeom>
+          <a:noFill/>
+        </p:spPr>
+        <p:txBody>
+          <a:bodyPr wrap="square" rtlCol="0">
+            <a:spAutoFit/>
+          </a:bodyPr>
+          <a:lstStyle/>
+          <a:p>
+            <a:r>
+              <a:rPr lang="ko-KR" altLang="en-US" sz="600" dirty="0" err="1"/>
+              <a:t>박치현</a:t>
+            </a:r>
+            <a:r>
+              <a:rPr lang="en-US" altLang="ko-KR" sz="600" dirty="0"/>
+              <a:t>,”</a:t>
+            </a:r>
+            <a:r>
+              <a:rPr lang="ko-KR" altLang="en-US" sz="600" i="0" dirty="0">
+                <a:solidFill>
+                  <a:srgbClr val="383838"/>
+                </a:solidFill>
+                <a:effectLst/>
+                <a:latin typeface="Roboto" panose="02000000000000000000" pitchFamily="2" charset="0"/>
+              </a:rPr>
+              <a:t> </a:t>
+            </a:r>
+            <a:r>
+              <a:rPr lang="en-US" altLang="ko-KR" sz="600" i="0" dirty="0">
+                <a:solidFill>
+                  <a:srgbClr val="383838"/>
+                </a:solidFill>
+                <a:effectLst/>
+                <a:latin typeface="Roboto" panose="02000000000000000000" pitchFamily="2" charset="0"/>
+              </a:rPr>
+              <a:t>[</a:t>
+            </a:r>
+            <a:r>
+              <a:rPr lang="ko-KR" altLang="en-US" sz="600" i="0" dirty="0">
+                <a:solidFill>
+                  <a:srgbClr val="383838"/>
+                </a:solidFill>
+                <a:effectLst/>
+                <a:latin typeface="Roboto" panose="02000000000000000000" pitchFamily="2" charset="0"/>
+              </a:rPr>
+              <a:t>르포</a:t>
+            </a:r>
+            <a:r>
+              <a:rPr lang="en-US" altLang="ko-KR" sz="600" i="0" dirty="0">
+                <a:solidFill>
+                  <a:srgbClr val="383838"/>
+                </a:solidFill>
+                <a:effectLst/>
+                <a:latin typeface="Roboto" panose="02000000000000000000" pitchFamily="2" charset="0"/>
+              </a:rPr>
+              <a:t>] </a:t>
+            </a:r>
+            <a:r>
+              <a:rPr lang="ko-KR" altLang="en-US" sz="600" i="0" dirty="0" err="1">
+                <a:solidFill>
+                  <a:srgbClr val="383838"/>
+                </a:solidFill>
+                <a:effectLst/>
+                <a:latin typeface="Roboto" panose="02000000000000000000" pitchFamily="2" charset="0"/>
+              </a:rPr>
+              <a:t>요소수</a:t>
+            </a:r>
+            <a:r>
+              <a:rPr lang="ko-KR" altLang="en-US" sz="600" i="0" dirty="0">
+                <a:solidFill>
+                  <a:srgbClr val="383838"/>
+                </a:solidFill>
+                <a:effectLst/>
+                <a:latin typeface="Roboto" panose="02000000000000000000" pitchFamily="2" charset="0"/>
+              </a:rPr>
+              <a:t> 부족</a:t>
+            </a:r>
+            <a:r>
+              <a:rPr lang="en-US" altLang="ko-KR" sz="600" i="0" dirty="0">
+                <a:solidFill>
+                  <a:srgbClr val="383838"/>
+                </a:solidFill>
+                <a:effectLst/>
+                <a:latin typeface="Roboto" panose="02000000000000000000" pitchFamily="2" charset="0"/>
+              </a:rPr>
+              <a:t>, </a:t>
+            </a:r>
+            <a:r>
+              <a:rPr lang="ko-KR" altLang="en-US" sz="600" i="0" dirty="0">
+                <a:solidFill>
+                  <a:srgbClr val="383838"/>
+                </a:solidFill>
+                <a:effectLst/>
+                <a:latin typeface="Roboto" panose="02000000000000000000" pitchFamily="2" charset="0"/>
+              </a:rPr>
+              <a:t>중국만 바라봐야 하는 ‘벌거벗은 대한민국’</a:t>
+            </a:r>
+            <a:r>
+              <a:rPr lang="en-US" altLang="ko-KR" sz="600" i="0" dirty="0">
+                <a:solidFill>
+                  <a:srgbClr val="383838"/>
+                </a:solidFill>
+                <a:effectLst/>
+                <a:latin typeface="Roboto" panose="02000000000000000000" pitchFamily="2" charset="0"/>
+              </a:rPr>
+              <a:t>”,&lt;</a:t>
+            </a:r>
+            <a:r>
+              <a:rPr lang="ko-KR" altLang="en-US" sz="600" dirty="0">
+                <a:solidFill>
+                  <a:srgbClr val="383838"/>
+                </a:solidFill>
+                <a:latin typeface="Roboto" panose="02000000000000000000" pitchFamily="2" charset="0"/>
+              </a:rPr>
+              <a:t>시사저널</a:t>
+            </a:r>
+            <a:r>
+              <a:rPr lang="en-US" altLang="ko-KR" sz="600" dirty="0">
+                <a:solidFill>
+                  <a:srgbClr val="383838"/>
+                </a:solidFill>
+                <a:latin typeface="Roboto" panose="02000000000000000000" pitchFamily="2" charset="0"/>
+              </a:rPr>
+              <a:t>&gt;,2021.11.16. </a:t>
+            </a:r>
+            <a:r>
+              <a:rPr lang="en-US" altLang="ko-KR" sz="600" dirty="0">
+                <a:solidFill>
+                  <a:srgbClr val="383838"/>
+                </a:solidFill>
+                <a:latin typeface="Roboto" panose="02000000000000000000" pitchFamily="2" charset="0"/>
+                <a:hlinkClick r:id="rId3"/>
+              </a:rPr>
+              <a:t>http://www.sisajournal.com/news/articleView.html?idxno=227553</a:t>
+            </a:r>
+            <a:endParaRPr lang="en-US" altLang="ko-KR" sz="600" dirty="0">
+              <a:solidFill>
+                <a:srgbClr val="383838"/>
+              </a:solidFill>
+              <a:latin typeface="Roboto" panose="02000000000000000000" pitchFamily="2" charset="0"/>
+            </a:endParaRPr>
+          </a:p>
+          <a:p>
+            <a:r>
+              <a:rPr lang="ko-KR" altLang="en-US" sz="600" dirty="0">
+                <a:solidFill>
+                  <a:srgbClr val="383838"/>
+                </a:solidFill>
+                <a:latin typeface="Roboto" panose="02000000000000000000" pitchFamily="2" charset="0"/>
+              </a:rPr>
+              <a:t>전형우</a:t>
+            </a:r>
+            <a:r>
+              <a:rPr lang="en-US" altLang="ko-KR" sz="600" dirty="0">
+                <a:solidFill>
+                  <a:srgbClr val="383838"/>
+                </a:solidFill>
+                <a:latin typeface="Roboto" panose="02000000000000000000" pitchFamily="2" charset="0"/>
+              </a:rPr>
+              <a:t>,”</a:t>
+            </a:r>
+            <a:r>
+              <a:rPr lang="ko-KR" altLang="en-US" sz="600" dirty="0"/>
+              <a:t> 긴급수급조치에도</a:t>
+            </a:r>
+            <a:r>
+              <a:rPr lang="en-US" altLang="ko-KR" sz="600" dirty="0"/>
+              <a:t>…"</a:t>
+            </a:r>
+            <a:r>
+              <a:rPr lang="ko-KR" altLang="en-US" sz="600" dirty="0" err="1"/>
+              <a:t>요소수</a:t>
+            </a:r>
+            <a:r>
+              <a:rPr lang="ko-KR" altLang="en-US" sz="600" dirty="0"/>
+              <a:t> 없어요</a:t>
+            </a:r>
+            <a:r>
+              <a:rPr lang="en-US" altLang="ko-KR" sz="600" dirty="0"/>
+              <a:t>" </a:t>
+            </a:r>
+            <a:r>
+              <a:rPr lang="ko-KR" altLang="en-US" sz="600" dirty="0"/>
+              <a:t>현장은 아우성</a:t>
+            </a:r>
+            <a:r>
+              <a:rPr lang="en-US" altLang="ko-KR" sz="600" dirty="0"/>
+              <a:t>”,&lt;SBS&gt;,2021.11.14.https://news.sbs.co.kr/news/endPage.do?news_id=N1006533752&amp;plink=ORI&amp;cooper=NAVER&amp;plink=COPYPASTE&amp;cooper=SBSNEWSEND</a:t>
+            </a:r>
+            <a:endParaRPr lang="ko-KR" altLang="en-US" sz="600" dirty="0"/>
+          </a:p>
+        </p:txBody>
+      </p:sp>
+      <p:pic>
+        <p:nvPicPr>
+          <p:cNvPr id="17" name="그림 16">
+            <a:extLst>
+              <a:ext uri="{FF2B5EF4-FFF2-40B4-BE49-F238E27FC236}">
+                <a16:creationId xmlns:a16="http://schemas.microsoft.com/office/drawing/2014/main" id="{563B9186-94EB-42CA-8680-F3B5DB065031}"/>
+              </a:ext>
+            </a:extLst>
+          </p:cNvPr>
+          <p:cNvPicPr>
+            <a:picLocks noChangeAspect="1"/>
+          </p:cNvPicPr>
+          <p:nvPr/>
+        </p:nvPicPr>
+        <p:blipFill>
+          <a:blip r:embed="rId4"/>
+          <a:stretch>
+            <a:fillRect/>
+          </a:stretch>
+        </p:blipFill>
+        <p:spPr>
+          <a:xfrm>
+            <a:off x="208972" y="2428309"/>
+            <a:ext cx="5739245" cy="694264"/>
+          </a:xfrm>
+          <a:prstGeom prst="rect">
+            <a:avLst/>
+          </a:prstGeom>
+        </p:spPr>
+      </p:pic>
+      <p:sp>
+        <p:nvSpPr>
+          <p:cNvPr id="18" name="TextBox 17">
+            <a:extLst>
+              <a:ext uri="{FF2B5EF4-FFF2-40B4-BE49-F238E27FC236}">
+                <a16:creationId xmlns:a16="http://schemas.microsoft.com/office/drawing/2014/main" id="{F8CE19C9-0DBC-405F-A5A7-D536F6D1AF2C}"/>
+              </a:ext>
+            </a:extLst>
+          </p:cNvPr>
+          <p:cNvSpPr txBox="1"/>
+          <p:nvPr/>
+        </p:nvSpPr>
+        <p:spPr>
+          <a:xfrm>
+            <a:off x="260746" y="4097076"/>
+            <a:ext cx="4267199" cy="1200329"/>
+          </a:xfrm>
+          <a:prstGeom prst="rect">
+            <a:avLst/>
+          </a:prstGeom>
+          <a:noFill/>
+        </p:spPr>
+        <p:txBody>
+          <a:bodyPr wrap="square" rtlCol="0">
+            <a:spAutoFit/>
+          </a:bodyPr>
+          <a:lstStyle/>
+          <a:p>
+            <a:pPr marL="285750" indent="-285750">
+              <a:buFont typeface="Arial" panose="020B0604020202020204" pitchFamily="34" charset="0"/>
+              <a:buChar char="•"/>
+            </a:pPr>
+            <a:r>
+              <a:rPr lang="ko-KR" altLang="en-US" b="1" dirty="0">
+                <a:ln>
+                  <a:solidFill>
+                    <a:schemeClr val="bg2">
+                      <a:lumMod val="50000"/>
+                      <a:alpha val="15000"/>
+                    </a:schemeClr>
+                  </a:solidFill>
+                </a:ln>
+                <a:solidFill>
+                  <a:schemeClr val="bg2">
+                    <a:lumMod val="50000"/>
+                  </a:schemeClr>
+                </a:solidFill>
+                <a:latin typeface="나눔스퀘어" panose="020B0600000101010101" pitchFamily="50" charset="-127"/>
+                <a:ea typeface="나눔스퀘어" panose="020B0600000101010101" pitchFamily="50" charset="-127"/>
+                <a:cs typeface="조선일보명조" panose="02030304000000000000" pitchFamily="18" charset="-127"/>
+              </a:rPr>
+              <a:t>전국적으로 </a:t>
+            </a:r>
+            <a:r>
+              <a:rPr lang="ko-KR" altLang="en-US" b="1" dirty="0" err="1">
+                <a:ln>
+                  <a:solidFill>
+                    <a:schemeClr val="bg2">
+                      <a:lumMod val="50000"/>
+                      <a:alpha val="15000"/>
+                    </a:schemeClr>
+                  </a:solidFill>
+                </a:ln>
+                <a:solidFill>
+                  <a:schemeClr val="bg2">
+                    <a:lumMod val="50000"/>
+                  </a:schemeClr>
+                </a:solidFill>
+                <a:latin typeface="나눔스퀘어" panose="020B0600000101010101" pitchFamily="50" charset="-127"/>
+                <a:ea typeface="나눔스퀘어" panose="020B0600000101010101" pitchFamily="50" charset="-127"/>
+                <a:cs typeface="조선일보명조" panose="02030304000000000000" pitchFamily="18" charset="-127"/>
+              </a:rPr>
+              <a:t>요소수</a:t>
+            </a:r>
+            <a:r>
+              <a:rPr lang="ko-KR" altLang="en-US" b="1" dirty="0">
+                <a:ln>
+                  <a:solidFill>
+                    <a:schemeClr val="bg2">
+                      <a:lumMod val="50000"/>
+                      <a:alpha val="15000"/>
+                    </a:schemeClr>
+                  </a:solidFill>
+                </a:ln>
+                <a:solidFill>
+                  <a:schemeClr val="bg2">
+                    <a:lumMod val="50000"/>
+                  </a:schemeClr>
+                </a:solidFill>
+                <a:latin typeface="나눔스퀘어" panose="020B0600000101010101" pitchFamily="50" charset="-127"/>
+                <a:ea typeface="나눔스퀘어" panose="020B0600000101010101" pitchFamily="50" charset="-127"/>
+                <a:cs typeface="조선일보명조" panose="02030304000000000000" pitchFamily="18" charset="-127"/>
+              </a:rPr>
+              <a:t> </a:t>
+            </a:r>
+            <a:r>
+              <a:rPr lang="en-US" altLang="ko-KR" b="1" dirty="0">
+                <a:ln>
+                  <a:solidFill>
+                    <a:schemeClr val="bg2">
+                      <a:lumMod val="50000"/>
+                      <a:alpha val="15000"/>
+                    </a:schemeClr>
+                  </a:solidFill>
+                </a:ln>
+                <a:solidFill>
+                  <a:schemeClr val="bg2">
+                    <a:lumMod val="50000"/>
+                  </a:schemeClr>
+                </a:solidFill>
+                <a:latin typeface="나눔스퀘어" panose="020B0600000101010101" pitchFamily="50" charset="-127"/>
+                <a:ea typeface="나눔스퀘어" panose="020B0600000101010101" pitchFamily="50" charset="-127"/>
+                <a:cs typeface="조선일보명조" panose="02030304000000000000" pitchFamily="18" charset="-127"/>
+              </a:rPr>
+              <a:t>‘</a:t>
+            </a:r>
+            <a:r>
+              <a:rPr lang="ko-KR" altLang="en-US" b="1" dirty="0">
+                <a:ln>
+                  <a:solidFill>
+                    <a:schemeClr val="bg2">
+                      <a:lumMod val="50000"/>
+                      <a:alpha val="15000"/>
+                    </a:schemeClr>
+                  </a:solidFill>
+                </a:ln>
+                <a:solidFill>
+                  <a:schemeClr val="bg2">
+                    <a:lumMod val="50000"/>
+                  </a:schemeClr>
+                </a:solidFill>
+                <a:latin typeface="나눔스퀘어" panose="020B0600000101010101" pitchFamily="50" charset="-127"/>
+                <a:ea typeface="나눔스퀘어" panose="020B0600000101010101" pitchFamily="50" charset="-127"/>
+                <a:cs typeface="조선일보명조" panose="02030304000000000000" pitchFamily="18" charset="-127"/>
+              </a:rPr>
+              <a:t>대란</a:t>
+            </a:r>
+            <a:r>
+              <a:rPr lang="en-US" altLang="ko-KR" b="1" dirty="0">
+                <a:ln>
+                  <a:solidFill>
+                    <a:schemeClr val="bg2">
+                      <a:lumMod val="50000"/>
+                      <a:alpha val="15000"/>
+                    </a:schemeClr>
+                  </a:solidFill>
+                </a:ln>
+                <a:solidFill>
+                  <a:schemeClr val="bg2">
+                    <a:lumMod val="50000"/>
+                  </a:schemeClr>
+                </a:solidFill>
+                <a:latin typeface="나눔스퀘어" panose="020B0600000101010101" pitchFamily="50" charset="-127"/>
+                <a:ea typeface="나눔스퀘어" panose="020B0600000101010101" pitchFamily="50" charset="-127"/>
+                <a:cs typeface="조선일보명조" panose="02030304000000000000" pitchFamily="18" charset="-127"/>
+              </a:rPr>
+              <a:t>＇</a:t>
+            </a:r>
+            <a:r>
+              <a:rPr lang="ko-KR" altLang="en-US" b="1" dirty="0">
+                <a:ln>
+                  <a:solidFill>
+                    <a:schemeClr val="bg2">
+                      <a:lumMod val="50000"/>
+                      <a:alpha val="15000"/>
+                    </a:schemeClr>
+                  </a:solidFill>
+                </a:ln>
+                <a:solidFill>
+                  <a:schemeClr val="bg2">
+                    <a:lumMod val="50000"/>
+                  </a:schemeClr>
+                </a:solidFill>
+                <a:latin typeface="나눔스퀘어" panose="020B0600000101010101" pitchFamily="50" charset="-127"/>
+                <a:ea typeface="나눔스퀘어" panose="020B0600000101010101" pitchFamily="50" charset="-127"/>
+                <a:cs typeface="조선일보명조" panose="02030304000000000000" pitchFamily="18" charset="-127"/>
+              </a:rPr>
+              <a:t>인 상황</a:t>
+            </a:r>
+            <a:endParaRPr lang="en-US" altLang="ko-KR" b="1" dirty="0">
+              <a:ln>
+                <a:solidFill>
+                  <a:schemeClr val="bg2">
+                    <a:lumMod val="50000"/>
+                    <a:alpha val="15000"/>
+                  </a:schemeClr>
+                </a:solidFill>
+              </a:ln>
+              <a:solidFill>
+                <a:schemeClr val="bg2">
+                  <a:lumMod val="50000"/>
+                </a:schemeClr>
+              </a:solidFill>
+              <a:latin typeface="나눔스퀘어" panose="020B0600000101010101" pitchFamily="50" charset="-127"/>
+              <a:ea typeface="나눔스퀘어" panose="020B0600000101010101" pitchFamily="50" charset="-127"/>
+              <a:cs typeface="조선일보명조" panose="02030304000000000000" pitchFamily="18" charset="-127"/>
+            </a:endParaRPr>
+          </a:p>
+          <a:p>
+            <a:endParaRPr lang="en-US" altLang="ko-KR" b="1" dirty="0">
+              <a:ln>
+                <a:solidFill>
+                  <a:schemeClr val="bg2">
+                    <a:lumMod val="50000"/>
+                    <a:alpha val="15000"/>
+                  </a:schemeClr>
+                </a:solidFill>
+              </a:ln>
+              <a:solidFill>
+                <a:schemeClr val="bg2">
+                  <a:lumMod val="50000"/>
+                </a:schemeClr>
+              </a:solidFill>
+              <a:latin typeface="나눔스퀘어" panose="020B0600000101010101" pitchFamily="50" charset="-127"/>
+              <a:ea typeface="나눔스퀘어" panose="020B0600000101010101" pitchFamily="50" charset="-127"/>
+              <a:cs typeface="조선일보명조" panose="02030304000000000000" pitchFamily="18" charset="-127"/>
+            </a:endParaRPr>
+          </a:p>
+          <a:p>
+            <a:pPr marL="285750" indent="-285750">
+              <a:buFont typeface="Arial" panose="020B0604020202020204" pitchFamily="34" charset="0"/>
+              <a:buChar char="•"/>
+            </a:pPr>
+            <a:r>
+              <a:rPr lang="ko-KR" altLang="en-US" sz="1800" b="1" dirty="0">
+                <a:ln>
+                  <a:solidFill>
+                    <a:schemeClr val="bg2">
+                      <a:lumMod val="50000"/>
+                      <a:alpha val="15000"/>
+                    </a:schemeClr>
+                  </a:solidFill>
+                </a:ln>
+                <a:solidFill>
+                  <a:schemeClr val="bg2">
+                    <a:lumMod val="50000"/>
+                  </a:schemeClr>
+                </a:solidFill>
+                <a:latin typeface="나눔스퀘어" panose="020B0600000101010101" pitchFamily="50" charset="-127"/>
+                <a:ea typeface="나눔스퀘어" panose="020B0600000101010101" pitchFamily="50" charset="-127"/>
+                <a:cs typeface="조선일보명조" panose="02030304000000000000" pitchFamily="18" charset="-127"/>
+              </a:rPr>
+              <a:t>요소수</a:t>
+            </a:r>
+            <a:r>
+              <a:rPr lang="ko-KR" altLang="en-US" b="1" dirty="0">
+                <a:ln>
+                  <a:solidFill>
+                    <a:schemeClr val="bg2">
+                      <a:lumMod val="50000"/>
+                      <a:alpha val="15000"/>
+                    </a:schemeClr>
+                  </a:solidFill>
+                </a:ln>
+                <a:solidFill>
+                  <a:schemeClr val="bg2">
+                    <a:lumMod val="50000"/>
+                  </a:schemeClr>
+                </a:solidFill>
+                <a:latin typeface="나눔스퀘어" panose="020B0600000101010101" pitchFamily="50" charset="-127"/>
+                <a:ea typeface="나눔스퀘어" panose="020B0600000101010101" pitchFamily="50" charset="-127"/>
+                <a:cs typeface="조선일보명조" panose="02030304000000000000" pitchFamily="18" charset="-127"/>
+              </a:rPr>
+              <a:t>의 적절한 배분이 필요한 상황</a:t>
+            </a:r>
+            <a:endParaRPr lang="en-US" altLang="ko-KR" sz="1800" b="1" dirty="0">
+              <a:ln>
+                <a:solidFill>
+                  <a:schemeClr val="bg2">
+                    <a:lumMod val="50000"/>
+                    <a:alpha val="15000"/>
+                  </a:schemeClr>
+                </a:solidFill>
+              </a:ln>
+              <a:solidFill>
+                <a:schemeClr val="bg2">
+                  <a:lumMod val="50000"/>
+                </a:schemeClr>
+              </a:solidFill>
+              <a:latin typeface="나눔스퀘어" panose="020B0600000101010101" pitchFamily="50" charset="-127"/>
+              <a:ea typeface="나눔스퀘어" panose="020B0600000101010101" pitchFamily="50" charset="-127"/>
+              <a:cs typeface="조선일보명조" panose="02030304000000000000" pitchFamily="18" charset="-127"/>
+            </a:endParaRPr>
+          </a:p>
+          <a:p>
+            <a:pPr marL="285750" indent="-285750">
+              <a:buFont typeface="Arial" panose="020B0604020202020204" pitchFamily="34" charset="0"/>
+              <a:buChar char="•"/>
+            </a:pPr>
+            <a:endParaRPr lang="ko-KR" altLang="en-US" b="1" dirty="0"/>
           </a:p>
         </p:txBody>
       </p:sp>

--- a/2021_UOS_Contest_1124.pptx
+++ b/2021_UOS_Contest_1124.pptx
@@ -4746,7 +4746,7 @@
                 <a:ea typeface="나눔스퀘어" panose="020B0600000101010101" pitchFamily="50" charset="-127"/>
                 <a:cs typeface="조선일보명조" panose="02030304000000000000" pitchFamily="18" charset="-127"/>
               </a:rPr>
-              <a:t> 중점 유통 주유소 재고현황</a:t>
+              <a:t> 중점 유통 주유소 재고 현황</a:t>
             </a:r>
             <a:endParaRPr lang="en-US" altLang="ko-KR" sz="1600" dirty="0">
               <a:ln>
@@ -4975,10 +4975,10 @@
       </p:sp>
       <p:pic>
         <p:nvPicPr>
-          <p:cNvPr id="15" name="그림 14">
+          <p:cNvPr id="18" name="그림 17">
             <a:extLst>
               <a:ext uri="{FF2B5EF4-FFF2-40B4-BE49-F238E27FC236}">
-                <a16:creationId xmlns:a16="http://schemas.microsoft.com/office/drawing/2014/main" id="{2C2E0364-D3C1-407E-8F41-B390F30F1D53}"/>
+                <a16:creationId xmlns:a16="http://schemas.microsoft.com/office/drawing/2014/main" id="{B57F8D01-9907-4E8A-B727-DF98BA85FB44}"/>
               </a:ext>
             </a:extLst>
           </p:cNvPr>
@@ -4995,7 +4995,7 @@
         </p:blipFill>
         <p:spPr>
           <a:xfrm>
-            <a:off x="251510" y="1721428"/>
+            <a:off x="251510" y="1776845"/>
             <a:ext cx="4743449" cy="571500"/>
           </a:xfrm>
           <a:prstGeom prst="rect">
@@ -5005,10 +5005,10 @@
       </p:pic>
       <p:sp>
         <p:nvSpPr>
-          <p:cNvPr id="16" name="TextBox 15">
+          <p:cNvPr id="19" name="TextBox 18">
             <a:extLst>
               <a:ext uri="{FF2B5EF4-FFF2-40B4-BE49-F238E27FC236}">
-                <a16:creationId xmlns:a16="http://schemas.microsoft.com/office/drawing/2014/main" id="{56A42E4D-E94E-46FD-B5DA-325FF64FCF12}"/>
+                <a16:creationId xmlns:a16="http://schemas.microsoft.com/office/drawing/2014/main" id="{247C747E-E368-4373-81D0-B4AE30B2535E}"/>
               </a:ext>
             </a:extLst>
           </p:cNvPr>
@@ -5017,7 +5017,7 @@
         </p:nvSpPr>
         <p:spPr>
           <a:xfrm>
-            <a:off x="286328" y="5991974"/>
+            <a:off x="286328" y="6047391"/>
             <a:ext cx="5468356" cy="553998"/>
           </a:xfrm>
           <a:prstGeom prst="rect">
@@ -5217,10 +5217,10 @@
       </p:sp>
       <p:pic>
         <p:nvPicPr>
-          <p:cNvPr id="17" name="그림 16">
+          <p:cNvPr id="20" name="그림 19">
             <a:extLst>
               <a:ext uri="{FF2B5EF4-FFF2-40B4-BE49-F238E27FC236}">
-                <a16:creationId xmlns:a16="http://schemas.microsoft.com/office/drawing/2014/main" id="{563B9186-94EB-42CA-8680-F3B5DB065031}"/>
+                <a16:creationId xmlns:a16="http://schemas.microsoft.com/office/drawing/2014/main" id="{DEEC2674-F502-493F-895B-E458960DBE19}"/>
               </a:ext>
             </a:extLst>
           </p:cNvPr>
@@ -5237,7 +5237,7 @@
         </p:blipFill>
         <p:spPr>
           <a:xfrm>
-            <a:off x="208972" y="2428309"/>
+            <a:off x="208972" y="2483726"/>
             <a:ext cx="5739245" cy="694264"/>
           </a:xfrm>
           <a:prstGeom prst="rect">
@@ -5247,10 +5247,10 @@
       </p:pic>
       <p:sp>
         <p:nvSpPr>
-          <p:cNvPr id="18" name="TextBox 17">
+          <p:cNvPr id="21" name="TextBox 20">
             <a:extLst>
               <a:ext uri="{FF2B5EF4-FFF2-40B4-BE49-F238E27FC236}">
-                <a16:creationId xmlns:a16="http://schemas.microsoft.com/office/drawing/2014/main" id="{F8CE19C9-0DBC-405F-A5A7-D536F6D1AF2C}"/>
+                <a16:creationId xmlns:a16="http://schemas.microsoft.com/office/drawing/2014/main" id="{A5D8AAFE-A49C-4431-A013-D7EB786DBAA4}"/>
               </a:ext>
             </a:extLst>
           </p:cNvPr>
@@ -5259,7 +5259,7 @@
         </p:nvSpPr>
         <p:spPr>
           <a:xfrm>
-            <a:off x="260746" y="4097076"/>
+            <a:off x="260746" y="4152493"/>
             <a:ext cx="4267199" cy="1200329"/>
           </a:xfrm>
           <a:prstGeom prst="rect">
@@ -6329,6 +6329,3197 @@
           </a:p>
         </p:txBody>
       </p:sp>
+      <p:sp>
+        <p:nvSpPr>
+          <p:cNvPr id="11" name="TextBox 10">
+            <a:extLst>
+              <a:ext uri="{FF2B5EF4-FFF2-40B4-BE49-F238E27FC236}">
+                <a16:creationId xmlns:a16="http://schemas.microsoft.com/office/drawing/2014/main" id="{FD163C1C-3AB4-4452-A88E-05F10E8A1BCC}"/>
+              </a:ext>
+            </a:extLst>
+          </p:cNvPr>
+          <p:cNvSpPr txBox="1"/>
+          <p:nvPr/>
+        </p:nvSpPr>
+        <p:spPr>
+          <a:xfrm>
+            <a:off x="439779" y="1754848"/>
+            <a:ext cx="5446113" cy="2260683"/>
+          </a:xfrm>
+          <a:prstGeom prst="rect">
+            <a:avLst/>
+          </a:prstGeom>
+          <a:noFill/>
+        </p:spPr>
+        <p:txBody>
+          <a:bodyPr wrap="square" rtlCol="0">
+            <a:spAutoFit/>
+          </a:bodyPr>
+          <a:lstStyle/>
+          <a:p>
+            <a:pPr marL="342900" indent="-342900">
+              <a:lnSpc>
+                <a:spcPct val="150000"/>
+              </a:lnSpc>
+              <a:buFont typeface="+mj-lt"/>
+              <a:buAutoNum type="arabicPeriod"/>
+            </a:pPr>
+            <a:r>
+              <a:rPr lang="ko-KR" altLang="en-US" sz="1600" dirty="0">
+                <a:ln>
+                  <a:solidFill>
+                    <a:schemeClr val="bg2">
+                      <a:lumMod val="50000"/>
+                      <a:alpha val="15000"/>
+                    </a:schemeClr>
+                  </a:solidFill>
+                </a:ln>
+                <a:solidFill>
+                  <a:schemeClr val="bg2">
+                    <a:lumMod val="50000"/>
+                  </a:schemeClr>
+                </a:solidFill>
+                <a:latin typeface="나눔스퀘어" panose="020B0600000101010101" pitchFamily="50" charset="-127"/>
+                <a:ea typeface="나눔스퀘어" panose="020B0600000101010101" pitchFamily="50" charset="-127"/>
+                <a:cs typeface="조선일보명조" panose="02030304000000000000" pitchFamily="18" charset="-127"/>
+              </a:rPr>
+              <a:t>차량 등록 현황</a:t>
+            </a:r>
+            <a:endParaRPr lang="en-US" altLang="ko-KR" sz="1600" dirty="0">
+              <a:ln>
+                <a:solidFill>
+                  <a:schemeClr val="bg2">
+                    <a:lumMod val="50000"/>
+                    <a:alpha val="15000"/>
+                  </a:schemeClr>
+                </a:solidFill>
+              </a:ln>
+              <a:solidFill>
+                <a:schemeClr val="bg2">
+                  <a:lumMod val="50000"/>
+                </a:schemeClr>
+              </a:solidFill>
+              <a:latin typeface="나눔스퀘어" panose="020B0600000101010101" pitchFamily="50" charset="-127"/>
+              <a:ea typeface="나눔스퀘어" panose="020B0600000101010101" pitchFamily="50" charset="-127"/>
+              <a:cs typeface="조선일보명조" panose="02030304000000000000" pitchFamily="18" charset="-127"/>
+            </a:endParaRPr>
+          </a:p>
+          <a:p>
+            <a:pPr marL="800100" lvl="1" indent="-342900">
+              <a:lnSpc>
+                <a:spcPct val="150000"/>
+              </a:lnSpc>
+              <a:buFont typeface="Arial" panose="020B0604020202020204" pitchFamily="34" charset="0"/>
+              <a:buChar char="•"/>
+            </a:pPr>
+            <a:r>
+              <a:rPr lang="ko-KR" altLang="en-US" sz="1600" dirty="0">
+                <a:ln>
+                  <a:solidFill>
+                    <a:schemeClr val="bg2">
+                      <a:lumMod val="50000"/>
+                      <a:alpha val="15000"/>
+                    </a:schemeClr>
+                  </a:solidFill>
+                </a:ln>
+                <a:solidFill>
+                  <a:schemeClr val="bg2">
+                    <a:lumMod val="50000"/>
+                  </a:schemeClr>
+                </a:solidFill>
+                <a:latin typeface="나눔스퀘어" panose="020B0600000101010101" pitchFamily="50" charset="-127"/>
+                <a:ea typeface="나눔스퀘어" panose="020B0600000101010101" pitchFamily="50" charset="-127"/>
+                <a:cs typeface="조선일보명조" panose="02030304000000000000" pitchFamily="18" charset="-127"/>
+              </a:rPr>
+              <a:t>화물차 이상만 취급</a:t>
+            </a:r>
+            <a:endParaRPr lang="en-US" altLang="ko-KR" sz="1600" dirty="0">
+              <a:ln>
+                <a:solidFill>
+                  <a:schemeClr val="bg2">
+                    <a:lumMod val="50000"/>
+                    <a:alpha val="15000"/>
+                  </a:schemeClr>
+                </a:solidFill>
+              </a:ln>
+              <a:solidFill>
+                <a:schemeClr val="bg2">
+                  <a:lumMod val="50000"/>
+                </a:schemeClr>
+              </a:solidFill>
+              <a:latin typeface="나눔스퀘어" panose="020B0600000101010101" pitchFamily="50" charset="-127"/>
+              <a:ea typeface="나눔스퀘어" panose="020B0600000101010101" pitchFamily="50" charset="-127"/>
+              <a:cs typeface="조선일보명조" panose="02030304000000000000" pitchFamily="18" charset="-127"/>
+            </a:endParaRPr>
+          </a:p>
+          <a:p>
+            <a:pPr marL="342900" indent="-342900">
+              <a:lnSpc>
+                <a:spcPct val="150000"/>
+              </a:lnSpc>
+              <a:buFont typeface="+mj-lt"/>
+              <a:buAutoNum type="arabicPeriod"/>
+            </a:pPr>
+            <a:r>
+              <a:rPr lang="ko-KR" altLang="en-US" sz="1600" dirty="0">
+                <a:ln>
+                  <a:solidFill>
+                    <a:schemeClr val="bg2">
+                      <a:lumMod val="50000"/>
+                      <a:alpha val="15000"/>
+                    </a:schemeClr>
+                  </a:solidFill>
+                </a:ln>
+                <a:solidFill>
+                  <a:schemeClr val="bg2">
+                    <a:lumMod val="50000"/>
+                  </a:schemeClr>
+                </a:solidFill>
+                <a:latin typeface="나눔스퀘어" panose="020B0600000101010101" pitchFamily="50" charset="-127"/>
+                <a:ea typeface="나눔스퀘어" panose="020B0600000101010101" pitchFamily="50" charset="-127"/>
+                <a:cs typeface="조선일보명조" panose="02030304000000000000" pitchFamily="18" charset="-127"/>
+              </a:rPr>
+              <a:t>고속도로 통행량</a:t>
+            </a:r>
+            <a:r>
+              <a:rPr lang="en-US" altLang="ko-KR" sz="1600" dirty="0">
+                <a:ln>
+                  <a:solidFill>
+                    <a:schemeClr val="bg2">
+                      <a:lumMod val="50000"/>
+                      <a:alpha val="15000"/>
+                    </a:schemeClr>
+                  </a:solidFill>
+                </a:ln>
+                <a:solidFill>
+                  <a:schemeClr val="bg2">
+                    <a:lumMod val="50000"/>
+                  </a:schemeClr>
+                </a:solidFill>
+                <a:latin typeface="나눔스퀘어" panose="020B0600000101010101" pitchFamily="50" charset="-127"/>
+                <a:ea typeface="나눔스퀘어" panose="020B0600000101010101" pitchFamily="50" charset="-127"/>
+                <a:cs typeface="조선일보명조" panose="02030304000000000000" pitchFamily="18" charset="-127"/>
+              </a:rPr>
+              <a:t>(</a:t>
+            </a:r>
+            <a:r>
+              <a:rPr lang="ko-KR" altLang="en-US" sz="1600" dirty="0" err="1">
+                <a:ln>
+                  <a:solidFill>
+                    <a:schemeClr val="bg2">
+                      <a:lumMod val="50000"/>
+                      <a:alpha val="15000"/>
+                    </a:schemeClr>
+                  </a:solidFill>
+                </a:ln>
+                <a:solidFill>
+                  <a:schemeClr val="bg2">
+                    <a:lumMod val="50000"/>
+                  </a:schemeClr>
+                </a:solidFill>
+                <a:latin typeface="나눔스퀘어" panose="020B0600000101010101" pitchFamily="50" charset="-127"/>
+                <a:ea typeface="나눔스퀘어" panose="020B0600000101010101" pitchFamily="50" charset="-127"/>
+                <a:cs typeface="조선일보명조" panose="02030304000000000000" pitchFamily="18" charset="-127"/>
+              </a:rPr>
+              <a:t>도시별</a:t>
+            </a:r>
+            <a:r>
+              <a:rPr lang="ko-KR" altLang="en-US" sz="1600" dirty="0">
+                <a:ln>
+                  <a:solidFill>
+                    <a:schemeClr val="bg2">
+                      <a:lumMod val="50000"/>
+                      <a:alpha val="15000"/>
+                    </a:schemeClr>
+                  </a:solidFill>
+                </a:ln>
+                <a:solidFill>
+                  <a:schemeClr val="bg2">
+                    <a:lumMod val="50000"/>
+                  </a:schemeClr>
+                </a:solidFill>
+                <a:latin typeface="나눔스퀘어" panose="020B0600000101010101" pitchFamily="50" charset="-127"/>
+                <a:ea typeface="나눔스퀘어" panose="020B0600000101010101" pitchFamily="50" charset="-127"/>
+                <a:cs typeface="조선일보명조" panose="02030304000000000000" pitchFamily="18" charset="-127"/>
+              </a:rPr>
+              <a:t> 물류 이동 현황</a:t>
+            </a:r>
+            <a:r>
+              <a:rPr lang="en-US" altLang="ko-KR" sz="1600" dirty="0">
+                <a:ln>
+                  <a:solidFill>
+                    <a:schemeClr val="bg2">
+                      <a:lumMod val="50000"/>
+                      <a:alpha val="15000"/>
+                    </a:schemeClr>
+                  </a:solidFill>
+                </a:ln>
+                <a:solidFill>
+                  <a:schemeClr val="bg2">
+                    <a:lumMod val="50000"/>
+                  </a:schemeClr>
+                </a:solidFill>
+                <a:latin typeface="나눔스퀘어" panose="020B0600000101010101" pitchFamily="50" charset="-127"/>
+                <a:ea typeface="나눔스퀘어" panose="020B0600000101010101" pitchFamily="50" charset="-127"/>
+                <a:cs typeface="조선일보명조" panose="02030304000000000000" pitchFamily="18" charset="-127"/>
+              </a:rPr>
+              <a:t>)</a:t>
+            </a:r>
+          </a:p>
+          <a:p>
+            <a:pPr marL="800100" lvl="1" indent="-342900">
+              <a:lnSpc>
+                <a:spcPct val="150000"/>
+              </a:lnSpc>
+              <a:buFont typeface="Arial" panose="020B0604020202020204" pitchFamily="34" charset="0"/>
+              <a:buChar char="•"/>
+            </a:pPr>
+            <a:r>
+              <a:rPr lang="en-US" altLang="ko-KR" sz="1600" dirty="0">
+                <a:ln>
+                  <a:solidFill>
+                    <a:schemeClr val="bg2">
+                      <a:lumMod val="50000"/>
+                      <a:alpha val="15000"/>
+                    </a:schemeClr>
+                  </a:solidFill>
+                </a:ln>
+                <a:solidFill>
+                  <a:schemeClr val="bg2">
+                    <a:lumMod val="50000"/>
+                  </a:schemeClr>
+                </a:solidFill>
+                <a:latin typeface="나눔스퀘어" panose="020B0600000101010101" pitchFamily="50" charset="-127"/>
+                <a:ea typeface="나눔스퀘어" panose="020B0600000101010101" pitchFamily="50" charset="-127"/>
+                <a:cs typeface="조선일보명조" panose="02030304000000000000" pitchFamily="18" charset="-127"/>
+              </a:rPr>
+              <a:t>3</a:t>
+            </a:r>
+            <a:r>
+              <a:rPr lang="ko-KR" altLang="en-US" sz="1600" dirty="0">
+                <a:ln>
+                  <a:solidFill>
+                    <a:schemeClr val="bg2">
+                      <a:lumMod val="50000"/>
+                      <a:alpha val="15000"/>
+                    </a:schemeClr>
+                  </a:solidFill>
+                </a:ln>
+                <a:solidFill>
+                  <a:schemeClr val="bg2">
+                    <a:lumMod val="50000"/>
+                  </a:schemeClr>
+                </a:solidFill>
+                <a:latin typeface="나눔스퀘어" panose="020B0600000101010101" pitchFamily="50" charset="-127"/>
+                <a:ea typeface="나눔스퀘어" panose="020B0600000101010101" pitchFamily="50" charset="-127"/>
+                <a:cs typeface="조선일보명조" panose="02030304000000000000" pitchFamily="18" charset="-127"/>
+              </a:rPr>
+              <a:t>종  이상 트럭만 취급</a:t>
+            </a:r>
+            <a:endParaRPr lang="en-US" altLang="ko-KR" sz="1600" dirty="0">
+              <a:ln>
+                <a:solidFill>
+                  <a:schemeClr val="bg2">
+                    <a:lumMod val="50000"/>
+                    <a:alpha val="15000"/>
+                  </a:schemeClr>
+                </a:solidFill>
+              </a:ln>
+              <a:solidFill>
+                <a:schemeClr val="bg2">
+                  <a:lumMod val="50000"/>
+                </a:schemeClr>
+              </a:solidFill>
+              <a:latin typeface="나눔스퀘어" panose="020B0600000101010101" pitchFamily="50" charset="-127"/>
+              <a:ea typeface="나눔스퀘어" panose="020B0600000101010101" pitchFamily="50" charset="-127"/>
+              <a:cs typeface="조선일보명조" panose="02030304000000000000" pitchFamily="18" charset="-127"/>
+            </a:endParaRPr>
+          </a:p>
+          <a:p>
+            <a:pPr marL="342900" indent="-342900">
+              <a:lnSpc>
+                <a:spcPct val="150000"/>
+              </a:lnSpc>
+              <a:buFont typeface="+mj-lt"/>
+              <a:buAutoNum type="arabicPeriod"/>
+            </a:pPr>
+            <a:r>
+              <a:rPr lang="ko-KR" altLang="en-US" sz="1600" dirty="0" err="1">
+                <a:ln>
+                  <a:solidFill>
+                    <a:schemeClr val="bg2">
+                      <a:lumMod val="50000"/>
+                      <a:alpha val="15000"/>
+                    </a:schemeClr>
+                  </a:solidFill>
+                </a:ln>
+                <a:solidFill>
+                  <a:schemeClr val="bg2">
+                    <a:lumMod val="50000"/>
+                  </a:schemeClr>
+                </a:solidFill>
+                <a:latin typeface="나눔스퀘어" panose="020B0600000101010101" pitchFamily="50" charset="-127"/>
+                <a:ea typeface="나눔스퀘어" panose="020B0600000101010101" pitchFamily="50" charset="-127"/>
+                <a:cs typeface="조선일보명조" panose="02030304000000000000" pitchFamily="18" charset="-127"/>
+              </a:rPr>
+              <a:t>요소수</a:t>
+            </a:r>
+            <a:r>
+              <a:rPr lang="ko-KR" altLang="en-US" sz="1600" dirty="0">
+                <a:ln>
+                  <a:solidFill>
+                    <a:schemeClr val="bg2">
+                      <a:lumMod val="50000"/>
+                      <a:alpha val="15000"/>
+                    </a:schemeClr>
+                  </a:solidFill>
+                </a:ln>
+                <a:solidFill>
+                  <a:schemeClr val="bg2">
+                    <a:lumMod val="50000"/>
+                  </a:schemeClr>
+                </a:solidFill>
+                <a:latin typeface="나눔스퀘어" panose="020B0600000101010101" pitchFamily="50" charset="-127"/>
+                <a:ea typeface="나눔스퀘어" panose="020B0600000101010101" pitchFamily="50" charset="-127"/>
+                <a:cs typeface="조선일보명조" panose="02030304000000000000" pitchFamily="18" charset="-127"/>
+              </a:rPr>
+              <a:t> 중점 유통 주유소 재고 현황</a:t>
+            </a:r>
+            <a:endParaRPr lang="en-US" altLang="ko-KR" sz="1600" dirty="0">
+              <a:ln>
+                <a:solidFill>
+                  <a:schemeClr val="bg2">
+                    <a:lumMod val="50000"/>
+                    <a:alpha val="15000"/>
+                  </a:schemeClr>
+                </a:solidFill>
+              </a:ln>
+              <a:solidFill>
+                <a:schemeClr val="bg2">
+                  <a:lumMod val="50000"/>
+                </a:schemeClr>
+              </a:solidFill>
+              <a:latin typeface="나눔스퀘어" panose="020B0600000101010101" pitchFamily="50" charset="-127"/>
+              <a:ea typeface="나눔스퀘어" panose="020B0600000101010101" pitchFamily="50" charset="-127"/>
+              <a:cs typeface="조선일보명조" panose="02030304000000000000" pitchFamily="18" charset="-127"/>
+            </a:endParaRPr>
+          </a:p>
+          <a:p>
+            <a:pPr marL="342900" indent="-342900">
+              <a:lnSpc>
+                <a:spcPct val="150000"/>
+              </a:lnSpc>
+              <a:buFont typeface="+mj-lt"/>
+              <a:buAutoNum type="arabicPeriod"/>
+            </a:pPr>
+            <a:r>
+              <a:rPr lang="ko-KR" altLang="en-US" sz="1600" dirty="0">
+                <a:ln>
+                  <a:solidFill>
+                    <a:schemeClr val="bg2">
+                      <a:lumMod val="50000"/>
+                      <a:alpha val="15000"/>
+                    </a:schemeClr>
+                  </a:solidFill>
+                </a:ln>
+                <a:solidFill>
+                  <a:schemeClr val="bg2">
+                    <a:lumMod val="50000"/>
+                  </a:schemeClr>
+                </a:solidFill>
+                <a:latin typeface="나눔스퀘어" panose="020B0600000101010101" pitchFamily="50" charset="-127"/>
+                <a:ea typeface="나눔스퀘어" panose="020B0600000101010101" pitchFamily="50" charset="-127"/>
+                <a:cs typeface="조선일보명조" panose="02030304000000000000" pitchFamily="18" charset="-127"/>
+              </a:rPr>
+              <a:t>전국 물류 창고업 현황</a:t>
+            </a:r>
+          </a:p>
+        </p:txBody>
+      </p:sp>
+      <p:sp>
+        <p:nvSpPr>
+          <p:cNvPr id="12" name="TextBox 11">
+            <a:extLst>
+              <a:ext uri="{FF2B5EF4-FFF2-40B4-BE49-F238E27FC236}">
+                <a16:creationId xmlns:a16="http://schemas.microsoft.com/office/drawing/2014/main" id="{1721E9ED-B670-4E2E-B32A-EDDD9E3A6516}"/>
+              </a:ext>
+            </a:extLst>
+          </p:cNvPr>
+          <p:cNvSpPr txBox="1"/>
+          <p:nvPr/>
+        </p:nvSpPr>
+        <p:spPr>
+          <a:xfrm>
+            <a:off x="439779" y="4625669"/>
+            <a:ext cx="5446113" cy="783356"/>
+          </a:xfrm>
+          <a:prstGeom prst="rect">
+            <a:avLst/>
+          </a:prstGeom>
+          <a:noFill/>
+        </p:spPr>
+        <p:txBody>
+          <a:bodyPr wrap="square" rtlCol="0">
+            <a:spAutoFit/>
+          </a:bodyPr>
+          <a:lstStyle/>
+          <a:p>
+            <a:pPr>
+              <a:lnSpc>
+                <a:spcPct val="150000"/>
+              </a:lnSpc>
+            </a:pPr>
+            <a:r>
+              <a:rPr lang="en-US" altLang="ko-KR" sz="1600" dirty="0">
+                <a:ln>
+                  <a:solidFill>
+                    <a:schemeClr val="bg2">
+                      <a:lumMod val="50000"/>
+                      <a:alpha val="15000"/>
+                    </a:schemeClr>
+                  </a:solidFill>
+                </a:ln>
+                <a:solidFill>
+                  <a:schemeClr val="bg2">
+                    <a:lumMod val="50000"/>
+                  </a:schemeClr>
+                </a:solidFill>
+                <a:latin typeface="나눔스퀘어" panose="020B0600000101010101" pitchFamily="50" charset="-127"/>
+                <a:ea typeface="나눔스퀘어" panose="020B0600000101010101" pitchFamily="50" charset="-127"/>
+                <a:cs typeface="조선일보명조" panose="02030304000000000000" pitchFamily="18" charset="-127"/>
+              </a:rPr>
+              <a:t>7</a:t>
+            </a:r>
+            <a:r>
+              <a:rPr lang="ko-KR" altLang="en-US" sz="1600" dirty="0">
+                <a:ln>
+                  <a:solidFill>
+                    <a:schemeClr val="bg2">
+                      <a:lumMod val="50000"/>
+                      <a:alpha val="15000"/>
+                    </a:schemeClr>
+                  </a:solidFill>
+                </a:ln>
+                <a:solidFill>
+                  <a:schemeClr val="bg2">
+                    <a:lumMod val="50000"/>
+                  </a:schemeClr>
+                </a:solidFill>
+                <a:latin typeface="나눔스퀘어" panose="020B0600000101010101" pitchFamily="50" charset="-127"/>
+                <a:ea typeface="나눔스퀘어" panose="020B0600000101010101" pitchFamily="50" charset="-127"/>
+                <a:cs typeface="조선일보명조" panose="02030304000000000000" pitchFamily="18" charset="-127"/>
+              </a:rPr>
+              <a:t>개 지역</a:t>
+            </a:r>
+            <a:r>
+              <a:rPr lang="en-US" altLang="ko-KR" sz="1600" dirty="0">
+                <a:ln>
+                  <a:solidFill>
+                    <a:schemeClr val="bg2">
+                      <a:lumMod val="50000"/>
+                      <a:alpha val="15000"/>
+                    </a:schemeClr>
+                  </a:solidFill>
+                </a:ln>
+                <a:solidFill>
+                  <a:schemeClr val="bg2">
+                    <a:lumMod val="50000"/>
+                  </a:schemeClr>
+                </a:solidFill>
+                <a:latin typeface="나눔스퀘어" panose="020B0600000101010101" pitchFamily="50" charset="-127"/>
+                <a:ea typeface="나눔스퀘어" panose="020B0600000101010101" pitchFamily="50" charset="-127"/>
+                <a:cs typeface="조선일보명조" panose="02030304000000000000" pitchFamily="18" charset="-127"/>
+              </a:rPr>
+              <a:t>(</a:t>
+            </a:r>
+            <a:r>
+              <a:rPr lang="ko-KR" altLang="en-US" sz="1600" dirty="0">
+                <a:ln>
+                  <a:solidFill>
+                    <a:schemeClr val="bg2">
+                      <a:lumMod val="50000"/>
+                      <a:alpha val="15000"/>
+                    </a:schemeClr>
+                  </a:solidFill>
+                </a:ln>
+                <a:solidFill>
+                  <a:schemeClr val="bg2">
+                    <a:lumMod val="50000"/>
+                  </a:schemeClr>
+                </a:solidFill>
+                <a:latin typeface="나눔스퀘어" panose="020B0600000101010101" pitchFamily="50" charset="-127"/>
+                <a:ea typeface="나눔스퀘어" panose="020B0600000101010101" pitchFamily="50" charset="-127"/>
+                <a:cs typeface="조선일보명조" panose="02030304000000000000" pitchFamily="18" charset="-127"/>
+              </a:rPr>
+              <a:t>수도권</a:t>
+            </a:r>
+            <a:r>
+              <a:rPr lang="en-US" altLang="ko-KR" sz="1600" dirty="0">
+                <a:ln>
+                  <a:solidFill>
+                    <a:schemeClr val="bg2">
+                      <a:lumMod val="50000"/>
+                      <a:alpha val="15000"/>
+                    </a:schemeClr>
+                  </a:solidFill>
+                </a:ln>
+                <a:solidFill>
+                  <a:schemeClr val="bg2">
+                    <a:lumMod val="50000"/>
+                  </a:schemeClr>
+                </a:solidFill>
+                <a:latin typeface="나눔스퀘어" panose="020B0600000101010101" pitchFamily="50" charset="-127"/>
+                <a:ea typeface="나눔스퀘어" panose="020B0600000101010101" pitchFamily="50" charset="-127"/>
+                <a:cs typeface="조선일보명조" panose="02030304000000000000" pitchFamily="18" charset="-127"/>
+              </a:rPr>
+              <a:t>, </a:t>
+            </a:r>
+            <a:r>
+              <a:rPr lang="ko-KR" altLang="en-US" sz="1600" dirty="0">
+                <a:ln>
+                  <a:solidFill>
+                    <a:schemeClr val="bg2">
+                      <a:lumMod val="50000"/>
+                      <a:alpha val="15000"/>
+                    </a:schemeClr>
+                  </a:solidFill>
+                </a:ln>
+                <a:solidFill>
+                  <a:schemeClr val="bg2">
+                    <a:lumMod val="50000"/>
+                  </a:schemeClr>
+                </a:solidFill>
+                <a:latin typeface="나눔스퀘어" panose="020B0600000101010101" pitchFamily="50" charset="-127"/>
+                <a:ea typeface="나눔스퀘어" panose="020B0600000101010101" pitchFamily="50" charset="-127"/>
+                <a:cs typeface="조선일보명조" panose="02030304000000000000" pitchFamily="18" charset="-127"/>
+              </a:rPr>
+              <a:t>강원</a:t>
+            </a:r>
+            <a:r>
+              <a:rPr lang="en-US" altLang="ko-KR" sz="1600" dirty="0">
+                <a:ln>
+                  <a:solidFill>
+                    <a:schemeClr val="bg2">
+                      <a:lumMod val="50000"/>
+                      <a:alpha val="15000"/>
+                    </a:schemeClr>
+                  </a:solidFill>
+                </a:ln>
+                <a:solidFill>
+                  <a:schemeClr val="bg2">
+                    <a:lumMod val="50000"/>
+                  </a:schemeClr>
+                </a:solidFill>
+                <a:latin typeface="나눔스퀘어" panose="020B0600000101010101" pitchFamily="50" charset="-127"/>
+                <a:ea typeface="나눔스퀘어" panose="020B0600000101010101" pitchFamily="50" charset="-127"/>
+                <a:cs typeface="조선일보명조" panose="02030304000000000000" pitchFamily="18" charset="-127"/>
+              </a:rPr>
+              <a:t>, </a:t>
+            </a:r>
+            <a:r>
+              <a:rPr lang="ko-KR" altLang="en-US" sz="1600" dirty="0" err="1">
+                <a:ln>
+                  <a:solidFill>
+                    <a:schemeClr val="bg2">
+                      <a:lumMod val="50000"/>
+                      <a:alpha val="15000"/>
+                    </a:schemeClr>
+                  </a:solidFill>
+                </a:ln>
+                <a:solidFill>
+                  <a:schemeClr val="bg2">
+                    <a:lumMod val="50000"/>
+                  </a:schemeClr>
+                </a:solidFill>
+                <a:latin typeface="나눔스퀘어" panose="020B0600000101010101" pitchFamily="50" charset="-127"/>
+                <a:ea typeface="나눔스퀘어" panose="020B0600000101010101" pitchFamily="50" charset="-127"/>
+                <a:cs typeface="조선일보명조" panose="02030304000000000000" pitchFamily="18" charset="-127"/>
+              </a:rPr>
+              <a:t>대전충청</a:t>
+            </a:r>
+            <a:r>
+              <a:rPr lang="en-US" altLang="ko-KR" sz="1600" dirty="0">
+                <a:ln>
+                  <a:solidFill>
+                    <a:schemeClr val="bg2">
+                      <a:lumMod val="50000"/>
+                      <a:alpha val="15000"/>
+                    </a:schemeClr>
+                  </a:solidFill>
+                </a:ln>
+                <a:solidFill>
+                  <a:schemeClr val="bg2">
+                    <a:lumMod val="50000"/>
+                  </a:schemeClr>
+                </a:solidFill>
+                <a:latin typeface="나눔스퀘어" panose="020B0600000101010101" pitchFamily="50" charset="-127"/>
+                <a:ea typeface="나눔스퀘어" panose="020B0600000101010101" pitchFamily="50" charset="-127"/>
+                <a:cs typeface="조선일보명조" panose="02030304000000000000" pitchFamily="18" charset="-127"/>
+              </a:rPr>
+              <a:t>, </a:t>
+            </a:r>
+            <a:r>
+              <a:rPr lang="ko-KR" altLang="en-US" sz="1600" dirty="0">
+                <a:ln>
+                  <a:solidFill>
+                    <a:schemeClr val="bg2">
+                      <a:lumMod val="50000"/>
+                      <a:alpha val="15000"/>
+                    </a:schemeClr>
+                  </a:solidFill>
+                </a:ln>
+                <a:solidFill>
+                  <a:schemeClr val="bg2">
+                    <a:lumMod val="50000"/>
+                  </a:schemeClr>
+                </a:solidFill>
+                <a:latin typeface="나눔스퀘어" panose="020B0600000101010101" pitchFamily="50" charset="-127"/>
+                <a:ea typeface="나눔스퀘어" panose="020B0600000101010101" pitchFamily="50" charset="-127"/>
+                <a:cs typeface="조선일보명조" panose="02030304000000000000" pitchFamily="18" charset="-127"/>
+              </a:rPr>
+              <a:t>전북</a:t>
+            </a:r>
+            <a:r>
+              <a:rPr lang="en-US" altLang="ko-KR" sz="1600" dirty="0">
+                <a:ln>
+                  <a:solidFill>
+                    <a:schemeClr val="bg2">
+                      <a:lumMod val="50000"/>
+                      <a:alpha val="15000"/>
+                    </a:schemeClr>
+                  </a:solidFill>
+                </a:ln>
+                <a:solidFill>
+                  <a:schemeClr val="bg2">
+                    <a:lumMod val="50000"/>
+                  </a:schemeClr>
+                </a:solidFill>
+                <a:latin typeface="나눔스퀘어" panose="020B0600000101010101" pitchFamily="50" charset="-127"/>
+                <a:ea typeface="나눔스퀘어" panose="020B0600000101010101" pitchFamily="50" charset="-127"/>
+                <a:cs typeface="조선일보명조" panose="02030304000000000000" pitchFamily="18" charset="-127"/>
+              </a:rPr>
+              <a:t>, </a:t>
+            </a:r>
+            <a:r>
+              <a:rPr lang="ko-KR" altLang="en-US" sz="1600" dirty="0">
+                <a:ln>
+                  <a:solidFill>
+                    <a:schemeClr val="bg2">
+                      <a:lumMod val="50000"/>
+                      <a:alpha val="15000"/>
+                    </a:schemeClr>
+                  </a:solidFill>
+                </a:ln>
+                <a:solidFill>
+                  <a:schemeClr val="bg2">
+                    <a:lumMod val="50000"/>
+                  </a:schemeClr>
+                </a:solidFill>
+                <a:latin typeface="나눔스퀘어" panose="020B0600000101010101" pitchFamily="50" charset="-127"/>
+                <a:ea typeface="나눔스퀘어" panose="020B0600000101010101" pitchFamily="50" charset="-127"/>
+                <a:cs typeface="조선일보명조" panose="02030304000000000000" pitchFamily="18" charset="-127"/>
+              </a:rPr>
+              <a:t>대구경북</a:t>
+            </a:r>
+            <a:r>
+              <a:rPr lang="en-US" altLang="ko-KR" sz="1600" dirty="0">
+                <a:ln>
+                  <a:solidFill>
+                    <a:schemeClr val="bg2">
+                      <a:lumMod val="50000"/>
+                      <a:alpha val="15000"/>
+                    </a:schemeClr>
+                  </a:solidFill>
+                </a:ln>
+                <a:solidFill>
+                  <a:schemeClr val="bg2">
+                    <a:lumMod val="50000"/>
+                  </a:schemeClr>
+                </a:solidFill>
+                <a:latin typeface="나눔스퀘어" panose="020B0600000101010101" pitchFamily="50" charset="-127"/>
+                <a:ea typeface="나눔스퀘어" panose="020B0600000101010101" pitchFamily="50" charset="-127"/>
+                <a:cs typeface="조선일보명조" panose="02030304000000000000" pitchFamily="18" charset="-127"/>
+              </a:rPr>
+              <a:t>, </a:t>
+            </a:r>
+            <a:r>
+              <a:rPr lang="ko-KR" altLang="en-US" sz="1600" dirty="0">
+                <a:ln>
+                  <a:solidFill>
+                    <a:schemeClr val="bg2">
+                      <a:lumMod val="50000"/>
+                      <a:alpha val="15000"/>
+                    </a:schemeClr>
+                  </a:solidFill>
+                </a:ln>
+                <a:solidFill>
+                  <a:schemeClr val="bg2">
+                    <a:lumMod val="50000"/>
+                  </a:schemeClr>
+                </a:solidFill>
+                <a:latin typeface="나눔스퀘어" panose="020B0600000101010101" pitchFamily="50" charset="-127"/>
+                <a:ea typeface="나눔스퀘어" panose="020B0600000101010101" pitchFamily="50" charset="-127"/>
+                <a:cs typeface="조선일보명조" panose="02030304000000000000" pitchFamily="18" charset="-127"/>
+              </a:rPr>
+              <a:t>광주전남</a:t>
+            </a:r>
+            <a:r>
+              <a:rPr lang="en-US" altLang="ko-KR" sz="1600" dirty="0">
+                <a:ln>
+                  <a:solidFill>
+                    <a:schemeClr val="bg2">
+                      <a:lumMod val="50000"/>
+                      <a:alpha val="15000"/>
+                    </a:schemeClr>
+                  </a:solidFill>
+                </a:ln>
+                <a:solidFill>
+                  <a:schemeClr val="bg2">
+                    <a:lumMod val="50000"/>
+                  </a:schemeClr>
+                </a:solidFill>
+                <a:latin typeface="나눔스퀘어" panose="020B0600000101010101" pitchFamily="50" charset="-127"/>
+                <a:ea typeface="나눔스퀘어" panose="020B0600000101010101" pitchFamily="50" charset="-127"/>
+                <a:cs typeface="조선일보명조" panose="02030304000000000000" pitchFamily="18" charset="-127"/>
+              </a:rPr>
+              <a:t>, </a:t>
+            </a:r>
+            <a:r>
+              <a:rPr lang="ko-KR" altLang="en-US" sz="1600" dirty="0">
+                <a:ln>
+                  <a:solidFill>
+                    <a:schemeClr val="bg2">
+                      <a:lumMod val="50000"/>
+                      <a:alpha val="15000"/>
+                    </a:schemeClr>
+                  </a:solidFill>
+                </a:ln>
+                <a:solidFill>
+                  <a:schemeClr val="bg2">
+                    <a:lumMod val="50000"/>
+                  </a:schemeClr>
+                </a:solidFill>
+                <a:latin typeface="나눔스퀘어" panose="020B0600000101010101" pitchFamily="50" charset="-127"/>
+                <a:ea typeface="나눔스퀘어" panose="020B0600000101010101" pitchFamily="50" charset="-127"/>
+                <a:cs typeface="조선일보명조" panose="02030304000000000000" pitchFamily="18" charset="-127"/>
+              </a:rPr>
+              <a:t>부산경남</a:t>
+            </a:r>
+            <a:r>
+              <a:rPr lang="en-US" altLang="ko-KR" sz="1600" dirty="0">
+                <a:ln>
+                  <a:solidFill>
+                    <a:schemeClr val="bg2">
+                      <a:lumMod val="50000"/>
+                      <a:alpha val="15000"/>
+                    </a:schemeClr>
+                  </a:solidFill>
+                </a:ln>
+                <a:solidFill>
+                  <a:schemeClr val="bg2">
+                    <a:lumMod val="50000"/>
+                  </a:schemeClr>
+                </a:solidFill>
+                <a:latin typeface="나눔스퀘어" panose="020B0600000101010101" pitchFamily="50" charset="-127"/>
+                <a:ea typeface="나눔스퀘어" panose="020B0600000101010101" pitchFamily="50" charset="-127"/>
+                <a:cs typeface="조선일보명조" panose="02030304000000000000" pitchFamily="18" charset="-127"/>
+              </a:rPr>
+              <a:t>)</a:t>
+            </a:r>
+            <a:r>
+              <a:rPr lang="ko-KR" altLang="en-US" sz="1600" dirty="0">
+                <a:ln>
+                  <a:solidFill>
+                    <a:schemeClr val="bg2">
+                      <a:lumMod val="50000"/>
+                      <a:alpha val="15000"/>
+                    </a:schemeClr>
+                  </a:solidFill>
+                </a:ln>
+                <a:solidFill>
+                  <a:schemeClr val="bg2">
+                    <a:lumMod val="50000"/>
+                  </a:schemeClr>
+                </a:solidFill>
+                <a:latin typeface="나눔스퀘어" panose="020B0600000101010101" pitchFamily="50" charset="-127"/>
+                <a:ea typeface="나눔스퀘어" panose="020B0600000101010101" pitchFamily="50" charset="-127"/>
+                <a:cs typeface="조선일보명조" panose="02030304000000000000" pitchFamily="18" charset="-127"/>
+              </a:rPr>
+              <a:t>을 기준으로 하나의 데이터셋으로 병합</a:t>
+            </a:r>
+          </a:p>
+        </p:txBody>
+      </p:sp>
+      <p:sp>
+        <p:nvSpPr>
+          <p:cNvPr id="2" name="화살표: 아래쪽 1">
+            <a:extLst>
+              <a:ext uri="{FF2B5EF4-FFF2-40B4-BE49-F238E27FC236}">
+                <a16:creationId xmlns:a16="http://schemas.microsoft.com/office/drawing/2014/main" id="{4F2F07A9-C6CC-4645-A5F3-0C7902BB9A30}"/>
+              </a:ext>
+            </a:extLst>
+          </p:cNvPr>
+          <p:cNvSpPr/>
+          <p:nvPr/>
+        </p:nvSpPr>
+        <p:spPr>
+          <a:xfrm>
+            <a:off x="2627791" y="3817403"/>
+            <a:ext cx="745722" cy="659263"/>
+          </a:xfrm>
+          <a:prstGeom prst="downArrow">
+            <a:avLst/>
+          </a:prstGeom>
+          <a:solidFill>
+            <a:srgbClr val="152B39"/>
+          </a:solidFill>
+          <a:ln>
+            <a:solidFill>
+              <a:srgbClr val="152B39"/>
+            </a:solidFill>
+          </a:ln>
+        </p:spPr>
+        <p:style>
+          <a:lnRef idx="0">
+            <a:schemeClr val="accent5"/>
+          </a:lnRef>
+          <a:fillRef idx="3">
+            <a:schemeClr val="accent5"/>
+          </a:fillRef>
+          <a:effectRef idx="3">
+            <a:schemeClr val="accent5"/>
+          </a:effectRef>
+          <a:fontRef idx="minor">
+            <a:schemeClr val="lt1"/>
+          </a:fontRef>
+        </p:style>
+        <p:txBody>
+          <a:bodyPr rtlCol="0" anchor="ctr"/>
+          <a:lstStyle/>
+          <a:p>
+            <a:pPr algn="ctr"/>
+            <a:endParaRPr lang="ko-KR" altLang="en-US" dirty="0"/>
+          </a:p>
+        </p:txBody>
+      </p:sp>
+      <mc:AlternateContent xmlns:mc="http://schemas.openxmlformats.org/markup-compatibility/2006" xmlns:a14="http://schemas.microsoft.com/office/drawing/2010/main">
+        <mc:Choice Requires="a14">
+          <p:sp>
+            <p:nvSpPr>
+              <p:cNvPr id="15" name="TextBox 14">
+                <a:extLst>
+                  <a:ext uri="{FF2B5EF4-FFF2-40B4-BE49-F238E27FC236}">
+                    <a16:creationId xmlns:a16="http://schemas.microsoft.com/office/drawing/2014/main" id="{DE2B6FF6-ECA4-44AB-AA27-2193DB652C8B}"/>
+                  </a:ext>
+                </a:extLst>
+              </p:cNvPr>
+              <p:cNvSpPr txBox="1"/>
+              <p:nvPr/>
+            </p:nvSpPr>
+            <p:spPr>
+              <a:xfrm>
+                <a:off x="6489581" y="1754848"/>
+                <a:ext cx="5446113" cy="4110036"/>
+              </a:xfrm>
+              <a:prstGeom prst="rect">
+                <a:avLst/>
+              </a:prstGeom>
+              <a:noFill/>
+            </p:spPr>
+            <p:txBody>
+              <a:bodyPr wrap="square" rtlCol="0">
+                <a:spAutoFit/>
+              </a:bodyPr>
+              <a:lstStyle/>
+              <a:p>
+                <a:pPr>
+                  <a:lnSpc>
+                    <a:spcPct val="150000"/>
+                  </a:lnSpc>
+                </a:pPr>
+                <a:r>
+                  <a:rPr lang="en-US" altLang="ko-KR" sz="1600" dirty="0">
+                    <a:ln>
+                      <a:solidFill>
+                        <a:schemeClr val="bg2">
+                          <a:lumMod val="50000"/>
+                          <a:alpha val="15000"/>
+                        </a:schemeClr>
+                      </a:solidFill>
+                    </a:ln>
+                    <a:solidFill>
+                      <a:schemeClr val="bg2">
+                        <a:lumMod val="50000"/>
+                      </a:schemeClr>
+                    </a:solidFill>
+                    <a:latin typeface="나눔스퀘어" panose="020B0600000101010101" pitchFamily="50" charset="-127"/>
+                    <a:ea typeface="나눔스퀘어" panose="020B0600000101010101" pitchFamily="50" charset="-127"/>
+                    <a:cs typeface="조선일보명조" panose="02030304000000000000" pitchFamily="18" charset="-127"/>
+                  </a:rPr>
+                  <a:t>Step</a:t>
+                </a:r>
+                <a:r>
+                  <a:rPr lang="ko-KR" altLang="en-US" sz="1600" dirty="0">
+                    <a:ln>
+                      <a:solidFill>
+                        <a:schemeClr val="bg2">
+                          <a:lumMod val="50000"/>
+                          <a:alpha val="15000"/>
+                        </a:schemeClr>
+                      </a:solidFill>
+                    </a:ln>
+                    <a:solidFill>
+                      <a:schemeClr val="bg2">
+                        <a:lumMod val="50000"/>
+                      </a:schemeClr>
+                    </a:solidFill>
+                    <a:latin typeface="나눔스퀘어" panose="020B0600000101010101" pitchFamily="50" charset="-127"/>
+                    <a:ea typeface="나눔스퀘어" panose="020B0600000101010101" pitchFamily="50" charset="-127"/>
+                    <a:cs typeface="조선일보명조" panose="02030304000000000000" pitchFamily="18" charset="-127"/>
+                  </a:rPr>
+                  <a:t> </a:t>
+                </a:r>
+                <a:r>
+                  <a:rPr lang="en-US" altLang="ko-KR" sz="1600" dirty="0">
+                    <a:ln>
+                      <a:solidFill>
+                        <a:schemeClr val="bg2">
+                          <a:lumMod val="50000"/>
+                          <a:alpha val="15000"/>
+                        </a:schemeClr>
+                      </a:solidFill>
+                    </a:ln>
+                    <a:solidFill>
+                      <a:schemeClr val="bg2">
+                        <a:lumMod val="50000"/>
+                      </a:schemeClr>
+                    </a:solidFill>
+                    <a:latin typeface="나눔스퀘어" panose="020B0600000101010101" pitchFamily="50" charset="-127"/>
+                    <a:ea typeface="나눔스퀘어" panose="020B0600000101010101" pitchFamily="50" charset="-127"/>
+                    <a:cs typeface="조선일보명조" panose="02030304000000000000" pitchFamily="18" charset="-127"/>
+                  </a:rPr>
+                  <a:t>1.</a:t>
+                </a:r>
+                <a:r>
+                  <a:rPr lang="ko-KR" altLang="en-US" sz="1600" dirty="0">
+                    <a:ln>
+                      <a:solidFill>
+                        <a:schemeClr val="bg2">
+                          <a:lumMod val="50000"/>
+                          <a:alpha val="15000"/>
+                        </a:schemeClr>
+                      </a:solidFill>
+                    </a:ln>
+                    <a:solidFill>
+                      <a:schemeClr val="bg2">
+                        <a:lumMod val="50000"/>
+                      </a:schemeClr>
+                    </a:solidFill>
+                    <a:latin typeface="나눔스퀘어" panose="020B0600000101010101" pitchFamily="50" charset="-127"/>
+                    <a:ea typeface="나눔스퀘어" panose="020B0600000101010101" pitchFamily="50" charset="-127"/>
+                    <a:cs typeface="조선일보명조" panose="02030304000000000000" pitchFamily="18" charset="-127"/>
+                  </a:rPr>
+                  <a:t> </a:t>
+                </a:r>
+                <a:r>
+                  <a:rPr lang="en-US" altLang="ko-KR" sz="1600" dirty="0">
+                    <a:ln>
+                      <a:solidFill>
+                        <a:schemeClr val="bg2">
+                          <a:lumMod val="50000"/>
+                          <a:alpha val="15000"/>
+                        </a:schemeClr>
+                      </a:solidFill>
+                    </a:ln>
+                    <a:solidFill>
+                      <a:schemeClr val="bg2">
+                        <a:lumMod val="50000"/>
+                      </a:schemeClr>
+                    </a:solidFill>
+                    <a:latin typeface="나눔스퀘어" panose="020B0600000101010101" pitchFamily="50" charset="-127"/>
+                    <a:ea typeface="나눔스퀘어" panose="020B0600000101010101" pitchFamily="50" charset="-127"/>
+                    <a:cs typeface="조선일보명조" panose="02030304000000000000" pitchFamily="18" charset="-127"/>
+                  </a:rPr>
+                  <a:t>5</a:t>
+                </a:r>
+                <a:r>
+                  <a:rPr lang="ko-KR" altLang="en-US" sz="1600" dirty="0">
+                    <a:ln>
+                      <a:solidFill>
+                        <a:schemeClr val="bg2">
+                          <a:lumMod val="50000"/>
+                          <a:alpha val="15000"/>
+                        </a:schemeClr>
+                      </a:solidFill>
+                    </a:ln>
+                    <a:solidFill>
+                      <a:schemeClr val="bg2">
+                        <a:lumMod val="50000"/>
+                      </a:schemeClr>
+                    </a:solidFill>
+                    <a:latin typeface="나눔스퀘어" panose="020B0600000101010101" pitchFamily="50" charset="-127"/>
+                    <a:ea typeface="나눔스퀘어" panose="020B0600000101010101" pitchFamily="50" charset="-127"/>
+                    <a:cs typeface="조선일보명조" panose="02030304000000000000" pitchFamily="18" charset="-127"/>
+                  </a:rPr>
+                  <a:t>개 요소에 대해 각각 </a:t>
+                </a:r>
+                <a:r>
+                  <a:rPr lang="en-US" altLang="ko-KR" sz="1600" dirty="0">
+                    <a:ln>
+                      <a:solidFill>
+                        <a:schemeClr val="bg2">
+                          <a:lumMod val="50000"/>
+                          <a:alpha val="15000"/>
+                        </a:schemeClr>
+                      </a:solidFill>
+                    </a:ln>
+                    <a:solidFill>
+                      <a:schemeClr val="bg2">
+                        <a:lumMod val="50000"/>
+                      </a:schemeClr>
+                    </a:solidFill>
+                    <a:latin typeface="나눔스퀘어" panose="020B0600000101010101" pitchFamily="50" charset="-127"/>
+                    <a:ea typeface="나눔스퀘어" panose="020B0600000101010101" pitchFamily="50" charset="-127"/>
+                    <a:cs typeface="조선일보명조" panose="02030304000000000000" pitchFamily="18" charset="-127"/>
+                  </a:rPr>
+                  <a:t>Min-Max Scaling </a:t>
+                </a:r>
+                <a:r>
+                  <a:rPr lang="ko-KR" altLang="en-US" sz="1600" dirty="0">
+                    <a:ln>
+                      <a:solidFill>
+                        <a:schemeClr val="bg2">
+                          <a:lumMod val="50000"/>
+                          <a:alpha val="15000"/>
+                        </a:schemeClr>
+                      </a:solidFill>
+                    </a:ln>
+                    <a:solidFill>
+                      <a:schemeClr val="bg2">
+                        <a:lumMod val="50000"/>
+                      </a:schemeClr>
+                    </a:solidFill>
+                    <a:latin typeface="나눔스퀘어" panose="020B0600000101010101" pitchFamily="50" charset="-127"/>
+                    <a:ea typeface="나눔스퀘어" panose="020B0600000101010101" pitchFamily="50" charset="-127"/>
+                    <a:cs typeface="조선일보명조" panose="02030304000000000000" pitchFamily="18" charset="-127"/>
+                  </a:rPr>
+                  <a:t>적용</a:t>
+                </a:r>
+                <a:endParaRPr lang="en-US" altLang="ko-KR" sz="1600" dirty="0">
+                  <a:ln>
+                    <a:solidFill>
+                      <a:schemeClr val="bg2">
+                        <a:lumMod val="50000"/>
+                        <a:alpha val="15000"/>
+                      </a:schemeClr>
+                    </a:solidFill>
+                  </a:ln>
+                  <a:solidFill>
+                    <a:schemeClr val="bg2">
+                      <a:lumMod val="50000"/>
+                    </a:schemeClr>
+                  </a:solidFill>
+                  <a:latin typeface="나눔스퀘어" panose="020B0600000101010101" pitchFamily="50" charset="-127"/>
+                  <a:ea typeface="나눔스퀘어" panose="020B0600000101010101" pitchFamily="50" charset="-127"/>
+                  <a:cs typeface="조선일보명조" panose="02030304000000000000" pitchFamily="18" charset="-127"/>
+                </a:endParaRPr>
+              </a:p>
+              <a:p>
+                <a:pPr>
+                  <a:lnSpc>
+                    <a:spcPct val="150000"/>
+                  </a:lnSpc>
+                </a:pPr>
+                <a:endParaRPr lang="en-US" altLang="ko-KR" sz="1600" dirty="0">
+                  <a:ln>
+                    <a:solidFill>
+                      <a:schemeClr val="bg2">
+                        <a:lumMod val="50000"/>
+                        <a:alpha val="15000"/>
+                      </a:schemeClr>
+                    </a:solidFill>
+                  </a:ln>
+                  <a:solidFill>
+                    <a:schemeClr val="bg2">
+                      <a:lumMod val="50000"/>
+                    </a:schemeClr>
+                  </a:solidFill>
+                  <a:latin typeface="나눔스퀘어" panose="020B0600000101010101" pitchFamily="50" charset="-127"/>
+                  <a:ea typeface="나눔스퀘어" panose="020B0600000101010101" pitchFamily="50" charset="-127"/>
+                  <a:cs typeface="조선일보명조" panose="02030304000000000000" pitchFamily="18" charset="-127"/>
+                </a:endParaRPr>
+              </a:p>
+              <a:p>
+                <a:pPr>
+                  <a:lnSpc>
+                    <a:spcPct val="150000"/>
+                  </a:lnSpc>
+                </a:pPr>
+                <a:r>
+                  <a:rPr lang="en-US" altLang="ko-KR" sz="1600" dirty="0">
+                    <a:ln>
+                      <a:solidFill>
+                        <a:schemeClr val="bg2">
+                          <a:lumMod val="50000"/>
+                          <a:alpha val="15000"/>
+                        </a:schemeClr>
+                      </a:solidFill>
+                    </a:ln>
+                    <a:solidFill>
+                      <a:schemeClr val="bg2">
+                        <a:lumMod val="50000"/>
+                      </a:schemeClr>
+                    </a:solidFill>
+                    <a:latin typeface="나눔스퀘어" panose="020B0600000101010101" pitchFamily="50" charset="-127"/>
+                    <a:ea typeface="나눔스퀘어" panose="020B0600000101010101" pitchFamily="50" charset="-127"/>
+                    <a:cs typeface="조선일보명조" panose="02030304000000000000" pitchFamily="18" charset="-127"/>
+                  </a:rPr>
+                  <a:t>Step 2. scaling</a:t>
+                </a:r>
+                <a:r>
+                  <a:rPr lang="ko-KR" altLang="en-US" sz="1600" dirty="0">
+                    <a:ln>
+                      <a:solidFill>
+                        <a:schemeClr val="bg2">
+                          <a:lumMod val="50000"/>
+                          <a:alpha val="15000"/>
+                        </a:schemeClr>
+                      </a:solidFill>
+                    </a:ln>
+                    <a:solidFill>
+                      <a:schemeClr val="bg2">
+                        <a:lumMod val="50000"/>
+                      </a:schemeClr>
+                    </a:solidFill>
+                    <a:latin typeface="나눔스퀘어" panose="020B0600000101010101" pitchFamily="50" charset="-127"/>
+                    <a:ea typeface="나눔스퀘어" panose="020B0600000101010101" pitchFamily="50" charset="-127"/>
+                    <a:cs typeface="조선일보명조" panose="02030304000000000000" pitchFamily="18" charset="-127"/>
+                  </a:rPr>
+                  <a:t>한 </a:t>
+                </a:r>
+                <a:r>
+                  <a:rPr lang="en-US" altLang="ko-KR" sz="1600" dirty="0">
+                    <a:ln>
+                      <a:solidFill>
+                        <a:schemeClr val="bg2">
+                          <a:lumMod val="50000"/>
+                          <a:alpha val="15000"/>
+                        </a:schemeClr>
+                      </a:solidFill>
+                    </a:ln>
+                    <a:solidFill>
+                      <a:schemeClr val="bg2">
+                        <a:lumMod val="50000"/>
+                      </a:schemeClr>
+                    </a:solidFill>
+                    <a:latin typeface="나눔스퀘어" panose="020B0600000101010101" pitchFamily="50" charset="-127"/>
+                    <a:ea typeface="나눔스퀘어" panose="020B0600000101010101" pitchFamily="50" charset="-127"/>
+                    <a:cs typeface="조선일보명조" panose="02030304000000000000" pitchFamily="18" charset="-127"/>
+                  </a:rPr>
+                  <a:t>5</a:t>
+                </a:r>
+                <a:r>
+                  <a:rPr lang="ko-KR" altLang="en-US" sz="1600" dirty="0">
+                    <a:ln>
+                      <a:solidFill>
+                        <a:schemeClr val="bg2">
+                          <a:lumMod val="50000"/>
+                          <a:alpha val="15000"/>
+                        </a:schemeClr>
+                      </a:solidFill>
+                    </a:ln>
+                    <a:solidFill>
+                      <a:schemeClr val="bg2">
+                        <a:lumMod val="50000"/>
+                      </a:schemeClr>
+                    </a:solidFill>
+                    <a:latin typeface="나눔스퀘어" panose="020B0600000101010101" pitchFamily="50" charset="-127"/>
+                    <a:ea typeface="나눔스퀘어" panose="020B0600000101010101" pitchFamily="50" charset="-127"/>
+                    <a:cs typeface="조선일보명조" panose="02030304000000000000" pitchFamily="18" charset="-127"/>
+                  </a:rPr>
+                  <a:t>개 요소에 대해 각 지역별 비중 계산</a:t>
+                </a:r>
+                <a:endParaRPr lang="en-US" altLang="ko-KR" sz="1600" dirty="0">
+                  <a:ln>
+                    <a:solidFill>
+                      <a:schemeClr val="bg2">
+                        <a:lumMod val="50000"/>
+                        <a:alpha val="15000"/>
+                      </a:schemeClr>
+                    </a:solidFill>
+                  </a:ln>
+                  <a:solidFill>
+                    <a:schemeClr val="bg2">
+                      <a:lumMod val="50000"/>
+                    </a:schemeClr>
+                  </a:solidFill>
+                  <a:latin typeface="나눔스퀘어" panose="020B0600000101010101" pitchFamily="50" charset="-127"/>
+                  <a:ea typeface="나눔스퀘어" panose="020B0600000101010101" pitchFamily="50" charset="-127"/>
+                  <a:cs typeface="조선일보명조" panose="02030304000000000000" pitchFamily="18" charset="-127"/>
+                </a:endParaRPr>
+              </a:p>
+              <a:p>
+                <a:pPr>
+                  <a:lnSpc>
+                    <a:spcPct val="150000"/>
+                  </a:lnSpc>
+                </a:pPr>
+                <a:r>
+                  <a:rPr lang="en-US" altLang="ko-KR" sz="1600" dirty="0">
+                    <a:ln>
+                      <a:solidFill>
+                        <a:schemeClr val="bg2">
+                          <a:lumMod val="50000"/>
+                          <a:alpha val="15000"/>
+                        </a:schemeClr>
+                      </a:solidFill>
+                    </a:ln>
+                    <a:solidFill>
+                      <a:schemeClr val="bg2">
+                        <a:lumMod val="50000"/>
+                      </a:schemeClr>
+                    </a:solidFill>
+                    <a:latin typeface="나눔스퀘어" panose="020B0600000101010101" pitchFamily="50" charset="-127"/>
+                    <a:ea typeface="나눔스퀘어" panose="020B0600000101010101" pitchFamily="50" charset="-127"/>
+                    <a:cs typeface="조선일보명조" panose="02030304000000000000" pitchFamily="18" charset="-127"/>
+                  </a:rPr>
+                  <a:t>	(</a:t>
+                </a:r>
+                <a14:m>
+                  <m:oMath xmlns:m="http://schemas.openxmlformats.org/officeDocument/2006/math">
+                    <m:sSub>
+                      <m:sSubPr>
+                        <m:ctrlPr>
+                          <a:rPr lang="en-US" altLang="ko-KR" sz="1600" b="0" i="1" smtClean="0">
+                            <a:ln>
+                              <a:solidFill>
+                                <a:schemeClr val="bg2">
+                                  <a:lumMod val="50000"/>
+                                  <a:alpha val="15000"/>
+                                </a:schemeClr>
+                              </a:solidFill>
+                            </a:ln>
+                            <a:solidFill>
+                              <a:schemeClr val="bg2">
+                                <a:lumMod val="50000"/>
+                              </a:schemeClr>
+                            </a:solidFill>
+                            <a:latin typeface="Cambria Math" panose="02040503050406030204" pitchFamily="18" charset="0"/>
+                            <a:ea typeface="나눔스퀘어" panose="020B0600000101010101" pitchFamily="50" charset="-127"/>
+                          </a:rPr>
+                        </m:ctrlPr>
+                      </m:sSubPr>
+                      <m:e>
+                        <m:r>
+                          <a:rPr lang="en-US" altLang="ko-KR" sz="1600" b="0" i="1" smtClean="0">
+                            <a:ln>
+                              <a:solidFill>
+                                <a:schemeClr val="bg2">
+                                  <a:lumMod val="50000"/>
+                                  <a:alpha val="15000"/>
+                                </a:schemeClr>
+                              </a:solidFill>
+                            </a:ln>
+                            <a:solidFill>
+                              <a:schemeClr val="bg2">
+                                <a:lumMod val="50000"/>
+                              </a:schemeClr>
+                            </a:solidFill>
+                            <a:latin typeface="Cambria Math" panose="02040503050406030204" pitchFamily="18" charset="0"/>
+                            <a:ea typeface="나눔스퀘어" panose="020B0600000101010101" pitchFamily="50" charset="-127"/>
+                          </a:rPr>
+                          <m:t>𝑤</m:t>
+                        </m:r>
+                      </m:e>
+                      <m:sub>
+                        <m:r>
+                          <a:rPr lang="en-US" altLang="ko-KR" sz="1600" b="0" i="1" smtClean="0">
+                            <a:ln>
+                              <a:solidFill>
+                                <a:schemeClr val="bg2">
+                                  <a:lumMod val="50000"/>
+                                  <a:alpha val="15000"/>
+                                </a:schemeClr>
+                              </a:solidFill>
+                            </a:ln>
+                            <a:solidFill>
+                              <a:schemeClr val="bg2">
+                                <a:lumMod val="50000"/>
+                              </a:schemeClr>
+                            </a:solidFill>
+                            <a:latin typeface="Cambria Math" panose="02040503050406030204" pitchFamily="18" charset="0"/>
+                            <a:ea typeface="나눔스퀘어" panose="020B0600000101010101" pitchFamily="50" charset="-127"/>
+                          </a:rPr>
+                          <m:t>.</m:t>
+                        </m:r>
+                        <m:r>
+                          <a:rPr lang="en-US" altLang="ko-KR" sz="1600" b="0" i="1" smtClean="0">
+                            <a:ln>
+                              <a:solidFill>
+                                <a:schemeClr val="bg2">
+                                  <a:lumMod val="50000"/>
+                                  <a:alpha val="15000"/>
+                                </a:schemeClr>
+                              </a:solidFill>
+                            </a:ln>
+                            <a:solidFill>
+                              <a:schemeClr val="bg2">
+                                <a:lumMod val="50000"/>
+                              </a:schemeClr>
+                            </a:solidFill>
+                            <a:latin typeface="Cambria Math" panose="02040503050406030204" pitchFamily="18" charset="0"/>
+                            <a:ea typeface="나눔스퀘어" panose="020B0600000101010101" pitchFamily="50" charset="-127"/>
+                          </a:rPr>
+                          <m:t>𝑗</m:t>
+                        </m:r>
+                      </m:sub>
+                    </m:sSub>
+                    <m:r>
+                      <a:rPr lang="en-US" altLang="ko-KR" sz="1600" b="0" i="1" smtClean="0">
+                        <a:ln>
+                          <a:solidFill>
+                            <a:schemeClr val="bg2">
+                              <a:lumMod val="50000"/>
+                              <a:alpha val="15000"/>
+                            </a:schemeClr>
+                          </a:solidFill>
+                        </a:ln>
+                        <a:solidFill>
+                          <a:schemeClr val="bg2">
+                            <a:lumMod val="50000"/>
+                          </a:schemeClr>
+                        </a:solidFill>
+                        <a:latin typeface="Cambria Math" panose="02040503050406030204" pitchFamily="18" charset="0"/>
+                        <a:ea typeface="나눔스퀘어" panose="020B0600000101010101" pitchFamily="50" charset="-127"/>
+                      </a:rPr>
+                      <m:t>=</m:t>
+                    </m:r>
+                    <m:nary>
+                      <m:naryPr>
+                        <m:chr m:val="∑"/>
+                        <m:ctrlPr>
+                          <a:rPr lang="en-US" altLang="ko-KR" sz="1600" i="1" smtClean="0">
+                            <a:ln>
+                              <a:solidFill>
+                                <a:schemeClr val="bg2">
+                                  <a:lumMod val="50000"/>
+                                  <a:alpha val="15000"/>
+                                </a:schemeClr>
+                              </a:solidFill>
+                            </a:ln>
+                            <a:solidFill>
+                              <a:schemeClr val="bg2">
+                                <a:lumMod val="50000"/>
+                              </a:schemeClr>
+                            </a:solidFill>
+                            <a:latin typeface="Cambria Math" panose="02040503050406030204" pitchFamily="18" charset="0"/>
+                            <a:ea typeface="나눔스퀘어" panose="020B0600000101010101" pitchFamily="50" charset="-127"/>
+                          </a:rPr>
+                        </m:ctrlPr>
+                      </m:naryPr>
+                      <m:sub>
+                        <m:r>
+                          <m:rPr>
+                            <m:brk m:alnAt="23"/>
+                          </m:rPr>
+                          <a:rPr lang="en-US" altLang="ko-KR" sz="1600" b="0" i="1" smtClean="0">
+                            <a:ln>
+                              <a:solidFill>
+                                <a:schemeClr val="bg2">
+                                  <a:lumMod val="50000"/>
+                                  <a:alpha val="15000"/>
+                                </a:schemeClr>
+                              </a:solidFill>
+                            </a:ln>
+                            <a:solidFill>
+                              <a:schemeClr val="bg2">
+                                <a:lumMod val="50000"/>
+                              </a:schemeClr>
+                            </a:solidFill>
+                            <a:latin typeface="Cambria Math" panose="02040503050406030204" pitchFamily="18" charset="0"/>
+                            <a:ea typeface="나눔스퀘어" panose="020B0600000101010101" pitchFamily="50" charset="-127"/>
+                          </a:rPr>
+                          <m:t>𝑖</m:t>
+                        </m:r>
+                        <m:r>
+                          <a:rPr lang="en-US" altLang="ko-KR" sz="1600" b="0" i="1" smtClean="0">
+                            <a:ln>
+                              <a:solidFill>
+                                <a:schemeClr val="bg2">
+                                  <a:lumMod val="50000"/>
+                                  <a:alpha val="15000"/>
+                                </a:schemeClr>
+                              </a:solidFill>
+                            </a:ln>
+                            <a:solidFill>
+                              <a:schemeClr val="bg2">
+                                <a:lumMod val="50000"/>
+                              </a:schemeClr>
+                            </a:solidFill>
+                            <a:latin typeface="Cambria Math" panose="02040503050406030204" pitchFamily="18" charset="0"/>
+                            <a:ea typeface="나눔스퀘어" panose="020B0600000101010101" pitchFamily="50" charset="-127"/>
+                          </a:rPr>
+                          <m:t>=1</m:t>
+                        </m:r>
+                      </m:sub>
+                      <m:sup>
+                        <m:r>
+                          <a:rPr lang="en-US" altLang="ko-KR" sz="1600" b="0" i="1" smtClean="0">
+                            <a:ln>
+                              <a:solidFill>
+                                <a:schemeClr val="bg2">
+                                  <a:lumMod val="50000"/>
+                                  <a:alpha val="15000"/>
+                                </a:schemeClr>
+                              </a:solidFill>
+                            </a:ln>
+                            <a:solidFill>
+                              <a:schemeClr val="bg2">
+                                <a:lumMod val="50000"/>
+                              </a:schemeClr>
+                            </a:solidFill>
+                            <a:latin typeface="Cambria Math" panose="02040503050406030204" pitchFamily="18" charset="0"/>
+                            <a:ea typeface="나눔스퀘어" panose="020B0600000101010101" pitchFamily="50" charset="-127"/>
+                          </a:rPr>
+                          <m:t>7</m:t>
+                        </m:r>
+                      </m:sup>
+                      <m:e>
+                        <m:sSub>
+                          <m:sSubPr>
+                            <m:ctrlPr>
+                              <a:rPr lang="en-US" altLang="ko-KR" sz="1600" b="0" i="1" smtClean="0">
+                                <a:ln>
+                                  <a:solidFill>
+                                    <a:schemeClr val="bg2">
+                                      <a:lumMod val="50000"/>
+                                      <a:alpha val="15000"/>
+                                    </a:schemeClr>
+                                  </a:solidFill>
+                                </a:ln>
+                                <a:solidFill>
+                                  <a:schemeClr val="bg2">
+                                    <a:lumMod val="50000"/>
+                                  </a:schemeClr>
+                                </a:solidFill>
+                                <a:latin typeface="Cambria Math" panose="02040503050406030204" pitchFamily="18" charset="0"/>
+                                <a:ea typeface="나눔스퀘어" panose="020B0600000101010101" pitchFamily="50" charset="-127"/>
+                              </a:rPr>
+                            </m:ctrlPr>
+                          </m:sSubPr>
+                          <m:e>
+                            <m:r>
+                              <a:rPr lang="en-US" altLang="ko-KR" sz="1600" b="0" i="1" smtClean="0">
+                                <a:ln>
+                                  <a:solidFill>
+                                    <a:schemeClr val="bg2">
+                                      <a:lumMod val="50000"/>
+                                      <a:alpha val="15000"/>
+                                    </a:schemeClr>
+                                  </a:solidFill>
+                                </a:ln>
+                                <a:solidFill>
+                                  <a:schemeClr val="bg2">
+                                    <a:lumMod val="50000"/>
+                                  </a:schemeClr>
+                                </a:solidFill>
+                                <a:latin typeface="Cambria Math" panose="02040503050406030204" pitchFamily="18" charset="0"/>
+                                <a:ea typeface="나눔스퀘어" panose="020B0600000101010101" pitchFamily="50" charset="-127"/>
+                              </a:rPr>
+                              <m:t>𝑤</m:t>
+                            </m:r>
+                          </m:e>
+                          <m:sub>
+                            <m:r>
+                              <a:rPr lang="en-US" altLang="ko-KR" sz="1600" b="0" i="1" smtClean="0">
+                                <a:ln>
+                                  <a:solidFill>
+                                    <a:schemeClr val="bg2">
+                                      <a:lumMod val="50000"/>
+                                      <a:alpha val="15000"/>
+                                    </a:schemeClr>
+                                  </a:solidFill>
+                                </a:ln>
+                                <a:solidFill>
+                                  <a:schemeClr val="bg2">
+                                    <a:lumMod val="50000"/>
+                                  </a:schemeClr>
+                                </a:solidFill>
+                                <a:latin typeface="Cambria Math" panose="02040503050406030204" pitchFamily="18" charset="0"/>
+                                <a:ea typeface="나눔스퀘어" panose="020B0600000101010101" pitchFamily="50" charset="-127"/>
+                              </a:rPr>
+                              <m:t>𝑖𝑗</m:t>
+                            </m:r>
+                          </m:sub>
+                        </m:sSub>
+                      </m:e>
+                    </m:nary>
+                  </m:oMath>
+                </a14:m>
+                <a:r>
+                  <a:rPr lang="en-US" altLang="ko-KR" sz="1600" dirty="0">
+                    <a:ln>
+                      <a:solidFill>
+                        <a:schemeClr val="bg2">
+                          <a:lumMod val="50000"/>
+                          <a:alpha val="15000"/>
+                        </a:schemeClr>
+                      </a:solidFill>
+                    </a:ln>
+                    <a:solidFill>
+                      <a:schemeClr val="bg2">
+                        <a:lumMod val="50000"/>
+                      </a:schemeClr>
+                    </a:solidFill>
+                    <a:latin typeface="나눔스퀘어" panose="020B0600000101010101" pitchFamily="50" charset="-127"/>
+                    <a:ea typeface="나눔스퀘어" panose="020B0600000101010101" pitchFamily="50" charset="-127"/>
+                    <a:cs typeface="조선일보명조" panose="02030304000000000000" pitchFamily="18" charset="-127"/>
+                  </a:rPr>
+                  <a:t>=1, j: 5</a:t>
+                </a:r>
+                <a:r>
+                  <a:rPr lang="ko-KR" altLang="en-US" sz="1600" dirty="0">
+                    <a:ln>
+                      <a:solidFill>
+                        <a:schemeClr val="bg2">
+                          <a:lumMod val="50000"/>
+                          <a:alpha val="15000"/>
+                        </a:schemeClr>
+                      </a:solidFill>
+                    </a:ln>
+                    <a:solidFill>
+                      <a:schemeClr val="bg2">
+                        <a:lumMod val="50000"/>
+                      </a:schemeClr>
+                    </a:solidFill>
+                    <a:latin typeface="나눔스퀘어" panose="020B0600000101010101" pitchFamily="50" charset="-127"/>
+                    <a:ea typeface="나눔스퀘어" panose="020B0600000101010101" pitchFamily="50" charset="-127"/>
+                    <a:cs typeface="조선일보명조" panose="02030304000000000000" pitchFamily="18" charset="-127"/>
+                  </a:rPr>
+                  <a:t>가지 요소</a:t>
+                </a:r>
+                <a:r>
+                  <a:rPr lang="en-US" altLang="ko-KR" sz="1600" dirty="0">
+                    <a:ln>
+                      <a:solidFill>
+                        <a:schemeClr val="bg2">
+                          <a:lumMod val="50000"/>
+                          <a:alpha val="15000"/>
+                        </a:schemeClr>
+                      </a:solidFill>
+                    </a:ln>
+                    <a:solidFill>
+                      <a:schemeClr val="bg2">
+                        <a:lumMod val="50000"/>
+                      </a:schemeClr>
+                    </a:solidFill>
+                    <a:latin typeface="나눔스퀘어" panose="020B0600000101010101" pitchFamily="50" charset="-127"/>
+                    <a:ea typeface="나눔스퀘어" panose="020B0600000101010101" pitchFamily="50" charset="-127"/>
+                    <a:cs typeface="조선일보명조" panose="02030304000000000000" pitchFamily="18" charset="-127"/>
+                  </a:rPr>
+                  <a:t>)</a:t>
+                </a:r>
+              </a:p>
+              <a:p>
+                <a:pPr>
+                  <a:lnSpc>
+                    <a:spcPct val="150000"/>
+                  </a:lnSpc>
+                </a:pPr>
+                <a:endParaRPr lang="en-US" altLang="ko-KR" sz="1600" dirty="0">
+                  <a:ln>
+                    <a:solidFill>
+                      <a:schemeClr val="bg2">
+                        <a:lumMod val="50000"/>
+                        <a:alpha val="15000"/>
+                      </a:schemeClr>
+                    </a:solidFill>
+                  </a:ln>
+                  <a:solidFill>
+                    <a:schemeClr val="bg2">
+                      <a:lumMod val="50000"/>
+                    </a:schemeClr>
+                  </a:solidFill>
+                  <a:latin typeface="나눔스퀘어" panose="020B0600000101010101" pitchFamily="50" charset="-127"/>
+                  <a:ea typeface="나눔스퀘어" panose="020B0600000101010101" pitchFamily="50" charset="-127"/>
+                  <a:cs typeface="조선일보명조" panose="02030304000000000000" pitchFamily="18" charset="-127"/>
+                </a:endParaRPr>
+              </a:p>
+              <a:p>
+                <a:pPr>
+                  <a:lnSpc>
+                    <a:spcPct val="150000"/>
+                  </a:lnSpc>
+                </a:pPr>
+                <a:r>
+                  <a:rPr lang="en-US" altLang="ko-KR" sz="1600" dirty="0">
+                    <a:ln>
+                      <a:solidFill>
+                        <a:schemeClr val="bg2">
+                          <a:lumMod val="50000"/>
+                          <a:alpha val="15000"/>
+                        </a:schemeClr>
+                      </a:solidFill>
+                    </a:ln>
+                    <a:solidFill>
+                      <a:schemeClr val="bg2">
+                        <a:lumMod val="50000"/>
+                      </a:schemeClr>
+                    </a:solidFill>
+                    <a:latin typeface="나눔스퀘어" panose="020B0600000101010101" pitchFamily="50" charset="-127"/>
+                    <a:ea typeface="나눔스퀘어" panose="020B0600000101010101" pitchFamily="50" charset="-127"/>
+                    <a:cs typeface="조선일보명조" panose="02030304000000000000" pitchFamily="18" charset="-127"/>
+                  </a:rPr>
+                  <a:t>Step 3. </a:t>
+                </a:r>
+                <a:r>
+                  <a:rPr lang="ko-KR" altLang="en-US" sz="1600" dirty="0">
+                    <a:ln>
+                      <a:solidFill>
+                        <a:schemeClr val="bg2">
+                          <a:lumMod val="50000"/>
+                          <a:alpha val="15000"/>
+                        </a:schemeClr>
+                      </a:solidFill>
+                    </a:ln>
+                    <a:solidFill>
+                      <a:schemeClr val="bg2">
+                        <a:lumMod val="50000"/>
+                      </a:schemeClr>
+                    </a:solidFill>
+                    <a:latin typeface="나눔스퀘어" panose="020B0600000101010101" pitchFamily="50" charset="-127"/>
+                    <a:ea typeface="나눔스퀘어" panose="020B0600000101010101" pitchFamily="50" charset="-127"/>
+                    <a:cs typeface="조선일보명조" panose="02030304000000000000" pitchFamily="18" charset="-127"/>
+                  </a:rPr>
+                  <a:t>각 지역별로 </a:t>
+                </a:r>
+                <a:r>
+                  <a:rPr lang="en-US" altLang="ko-KR" sz="1600" dirty="0">
+                    <a:ln>
+                      <a:solidFill>
+                        <a:schemeClr val="bg2">
+                          <a:lumMod val="50000"/>
+                          <a:alpha val="15000"/>
+                        </a:schemeClr>
+                      </a:solidFill>
+                    </a:ln>
+                    <a:solidFill>
+                      <a:schemeClr val="bg2">
+                        <a:lumMod val="50000"/>
+                      </a:schemeClr>
+                    </a:solidFill>
+                    <a:latin typeface="나눔스퀘어" panose="020B0600000101010101" pitchFamily="50" charset="-127"/>
+                    <a:ea typeface="나눔스퀘어" panose="020B0600000101010101" pitchFamily="50" charset="-127"/>
+                    <a:cs typeface="조선일보명조" panose="02030304000000000000" pitchFamily="18" charset="-127"/>
+                  </a:rPr>
+                  <a:t>5</a:t>
+                </a:r>
+                <a:r>
+                  <a:rPr lang="ko-KR" altLang="en-US" sz="1600" dirty="0">
+                    <a:ln>
+                      <a:solidFill>
+                        <a:schemeClr val="bg2">
+                          <a:lumMod val="50000"/>
+                          <a:alpha val="15000"/>
+                        </a:schemeClr>
+                      </a:solidFill>
+                    </a:ln>
+                    <a:solidFill>
+                      <a:schemeClr val="bg2">
+                        <a:lumMod val="50000"/>
+                      </a:schemeClr>
+                    </a:solidFill>
+                    <a:latin typeface="나눔스퀘어" panose="020B0600000101010101" pitchFamily="50" charset="-127"/>
+                    <a:ea typeface="나눔스퀘어" panose="020B0600000101010101" pitchFamily="50" charset="-127"/>
+                    <a:cs typeface="조선일보명조" panose="02030304000000000000" pitchFamily="18" charset="-127"/>
+                  </a:rPr>
+                  <a:t>개 요소에 대해 계산</a:t>
+                </a:r>
+                <a:endParaRPr lang="en-US" altLang="ko-KR" sz="1600" dirty="0">
+                  <a:ln>
+                    <a:solidFill>
+                      <a:schemeClr val="bg2">
+                        <a:lumMod val="50000"/>
+                        <a:alpha val="15000"/>
+                      </a:schemeClr>
+                    </a:solidFill>
+                  </a:ln>
+                  <a:solidFill>
+                    <a:schemeClr val="bg2">
+                      <a:lumMod val="50000"/>
+                    </a:schemeClr>
+                  </a:solidFill>
+                  <a:latin typeface="나눔스퀘어" panose="020B0600000101010101" pitchFamily="50" charset="-127"/>
+                  <a:ea typeface="나눔스퀘어" panose="020B0600000101010101" pitchFamily="50" charset="-127"/>
+                  <a:cs typeface="조선일보명조" panose="02030304000000000000" pitchFamily="18" charset="-127"/>
+                </a:endParaRPr>
+              </a:p>
+              <a:p>
+                <a:pPr>
+                  <a:lnSpc>
+                    <a:spcPct val="150000"/>
+                  </a:lnSpc>
+                </a:pPr>
+                <a:r>
+                  <a:rPr lang="en-US" altLang="ko-KR" sz="1600" dirty="0">
+                    <a:ln>
+                      <a:solidFill>
+                        <a:schemeClr val="bg2">
+                          <a:lumMod val="50000"/>
+                          <a:alpha val="15000"/>
+                        </a:schemeClr>
+                      </a:solidFill>
+                    </a:ln>
+                    <a:solidFill>
+                      <a:schemeClr val="bg2">
+                        <a:lumMod val="50000"/>
+                      </a:schemeClr>
+                    </a:solidFill>
+                    <a:latin typeface="나눔스퀘어" panose="020B0600000101010101" pitchFamily="50" charset="-127"/>
+                    <a:ea typeface="나눔스퀘어" panose="020B0600000101010101" pitchFamily="50" charset="-127"/>
+                    <a:cs typeface="조선일보명조" panose="02030304000000000000" pitchFamily="18" charset="-127"/>
+                  </a:rPr>
+                  <a:t>	(</a:t>
+                </a:r>
+                <a14:m>
+                  <m:oMath xmlns:m="http://schemas.openxmlformats.org/officeDocument/2006/math">
+                    <m:sSub>
+                      <m:sSubPr>
+                        <m:ctrlPr>
+                          <a:rPr lang="en-US" altLang="ko-KR" sz="1600" i="1" smtClean="0">
+                            <a:ln>
+                              <a:solidFill>
+                                <a:schemeClr val="bg2">
+                                  <a:lumMod val="50000"/>
+                                  <a:alpha val="15000"/>
+                                </a:schemeClr>
+                              </a:solidFill>
+                            </a:ln>
+                            <a:solidFill>
+                              <a:schemeClr val="bg2">
+                                <a:lumMod val="50000"/>
+                              </a:schemeClr>
+                            </a:solidFill>
+                            <a:latin typeface="Cambria Math" panose="02040503050406030204" pitchFamily="18" charset="0"/>
+                            <a:ea typeface="나눔스퀘어" panose="020B0600000101010101" pitchFamily="50" charset="-127"/>
+                          </a:rPr>
+                        </m:ctrlPr>
+                      </m:sSubPr>
+                      <m:e>
+                        <m:r>
+                          <a:rPr lang="en-US" altLang="ko-KR" sz="1600" b="0" i="1" smtClean="0">
+                            <a:ln>
+                              <a:solidFill>
+                                <a:schemeClr val="bg2">
+                                  <a:lumMod val="50000"/>
+                                  <a:alpha val="15000"/>
+                                </a:schemeClr>
+                              </a:solidFill>
+                            </a:ln>
+                            <a:solidFill>
+                              <a:schemeClr val="bg2">
+                                <a:lumMod val="50000"/>
+                              </a:schemeClr>
+                            </a:solidFill>
+                            <a:latin typeface="Cambria Math" panose="02040503050406030204" pitchFamily="18" charset="0"/>
+                            <a:ea typeface="나눔스퀘어" panose="020B0600000101010101" pitchFamily="50" charset="-127"/>
+                          </a:rPr>
+                          <m:t>𝑤</m:t>
+                        </m:r>
+                      </m:e>
+                      <m:sub>
+                        <m:r>
+                          <a:rPr lang="en-US" altLang="ko-KR" sz="1600" b="0" i="1" smtClean="0">
+                            <a:ln>
+                              <a:solidFill>
+                                <a:schemeClr val="bg2">
+                                  <a:lumMod val="50000"/>
+                                  <a:alpha val="15000"/>
+                                </a:schemeClr>
+                              </a:solidFill>
+                            </a:ln>
+                            <a:solidFill>
+                              <a:schemeClr val="bg2">
+                                <a:lumMod val="50000"/>
+                              </a:schemeClr>
+                            </a:solidFill>
+                            <a:latin typeface="Cambria Math" panose="02040503050406030204" pitchFamily="18" charset="0"/>
+                            <a:ea typeface="나눔스퀘어" panose="020B0600000101010101" pitchFamily="50" charset="-127"/>
+                          </a:rPr>
+                          <m:t>𝑖</m:t>
+                        </m:r>
+                        <m:r>
+                          <a:rPr lang="en-US" altLang="ko-KR" sz="1600" b="0" i="1" smtClean="0">
+                            <a:ln>
+                              <a:solidFill>
+                                <a:schemeClr val="bg2">
+                                  <a:lumMod val="50000"/>
+                                  <a:alpha val="15000"/>
+                                </a:schemeClr>
+                              </a:solidFill>
+                            </a:ln>
+                            <a:solidFill>
+                              <a:schemeClr val="bg2">
+                                <a:lumMod val="50000"/>
+                              </a:schemeClr>
+                            </a:solidFill>
+                            <a:latin typeface="Cambria Math" panose="02040503050406030204" pitchFamily="18" charset="0"/>
+                            <a:ea typeface="나눔스퀘어" panose="020B0600000101010101" pitchFamily="50" charset="-127"/>
+                          </a:rPr>
+                          <m:t>.</m:t>
+                        </m:r>
+                      </m:sub>
+                    </m:sSub>
+                  </m:oMath>
+                </a14:m>
+                <a:r>
+                  <a:rPr lang="en-US" altLang="ko-KR" sz="1600" dirty="0">
+                    <a:ln>
+                      <a:solidFill>
+                        <a:schemeClr val="bg2">
+                          <a:lumMod val="50000"/>
+                          <a:alpha val="15000"/>
+                        </a:schemeClr>
+                      </a:solidFill>
+                    </a:ln>
+                    <a:solidFill>
+                      <a:schemeClr val="bg2">
+                        <a:lumMod val="50000"/>
+                      </a:schemeClr>
+                    </a:solidFill>
+                    <a:latin typeface="나눔스퀘어" panose="020B0600000101010101" pitchFamily="50" charset="-127"/>
+                    <a:ea typeface="나눔스퀘어" panose="020B0600000101010101" pitchFamily="50" charset="-127"/>
+                    <a:cs typeface="조선일보명조" panose="02030304000000000000" pitchFamily="18" charset="-127"/>
+                  </a:rPr>
+                  <a:t>=</a:t>
+                </a:r>
+                <a14:m>
+                  <m:oMath xmlns:m="http://schemas.openxmlformats.org/officeDocument/2006/math">
+                    <m:sSub>
+                      <m:sSubPr>
+                        <m:ctrlPr>
+                          <a:rPr lang="en-US" altLang="ko-KR" sz="1600" i="1" dirty="0" smtClean="0">
+                            <a:ln>
+                              <a:solidFill>
+                                <a:schemeClr val="bg2">
+                                  <a:lumMod val="50000"/>
+                                  <a:alpha val="15000"/>
+                                </a:schemeClr>
+                              </a:solidFill>
+                            </a:ln>
+                            <a:solidFill>
+                              <a:schemeClr val="bg2">
+                                <a:lumMod val="50000"/>
+                              </a:schemeClr>
+                            </a:solidFill>
+                            <a:latin typeface="Cambria Math" panose="02040503050406030204" pitchFamily="18" charset="0"/>
+                            <a:ea typeface="나눔스퀘어" panose="020B0600000101010101" pitchFamily="50" charset="-127"/>
+                          </a:rPr>
+                        </m:ctrlPr>
+                      </m:sSubPr>
+                      <m:e>
+                        <m:r>
+                          <a:rPr lang="en-US" altLang="ko-KR" sz="1600" b="0" i="1" dirty="0" smtClean="0">
+                            <a:ln>
+                              <a:solidFill>
+                                <a:schemeClr val="bg2">
+                                  <a:lumMod val="50000"/>
+                                  <a:alpha val="15000"/>
+                                </a:schemeClr>
+                              </a:solidFill>
+                            </a:ln>
+                            <a:solidFill>
+                              <a:schemeClr val="bg2">
+                                <a:lumMod val="50000"/>
+                              </a:schemeClr>
+                            </a:solidFill>
+                            <a:latin typeface="Cambria Math" panose="02040503050406030204" pitchFamily="18" charset="0"/>
+                            <a:ea typeface="나눔스퀘어" panose="020B0600000101010101" pitchFamily="50" charset="-127"/>
+                          </a:rPr>
+                          <m:t>𝑤</m:t>
+                        </m:r>
+                      </m:e>
+                      <m:sub>
+                        <m:r>
+                          <a:rPr lang="en-US" altLang="ko-KR" sz="1600" b="0" i="1" dirty="0" smtClean="0">
+                            <a:ln>
+                              <a:solidFill>
+                                <a:schemeClr val="bg2">
+                                  <a:lumMod val="50000"/>
+                                  <a:alpha val="15000"/>
+                                </a:schemeClr>
+                              </a:solidFill>
+                            </a:ln>
+                            <a:solidFill>
+                              <a:schemeClr val="bg2">
+                                <a:lumMod val="50000"/>
+                              </a:schemeClr>
+                            </a:solidFill>
+                            <a:latin typeface="Cambria Math" panose="02040503050406030204" pitchFamily="18" charset="0"/>
+                            <a:ea typeface="나눔스퀘어" panose="020B0600000101010101" pitchFamily="50" charset="-127"/>
+                          </a:rPr>
+                          <m:t>𝑖</m:t>
+                        </m:r>
+                        <m:r>
+                          <a:rPr lang="en-US" altLang="ko-KR" sz="1600" b="0" i="1" dirty="0" smtClean="0">
+                            <a:ln>
+                              <a:solidFill>
+                                <a:schemeClr val="bg2">
+                                  <a:lumMod val="50000"/>
+                                  <a:alpha val="15000"/>
+                                </a:schemeClr>
+                              </a:solidFill>
+                            </a:ln>
+                            <a:solidFill>
+                              <a:schemeClr val="bg2">
+                                <a:lumMod val="50000"/>
+                              </a:schemeClr>
+                            </a:solidFill>
+                            <a:latin typeface="Cambria Math" panose="02040503050406030204" pitchFamily="18" charset="0"/>
+                            <a:ea typeface="나눔스퀘어" panose="020B0600000101010101" pitchFamily="50" charset="-127"/>
+                          </a:rPr>
+                          <m:t>1</m:t>
+                        </m:r>
+                      </m:sub>
+                    </m:sSub>
+                    <m:r>
+                      <a:rPr lang="en-US" altLang="ko-KR" sz="1600" b="0" i="1" dirty="0" smtClean="0">
+                        <a:ln>
+                          <a:solidFill>
+                            <a:schemeClr val="bg2">
+                              <a:lumMod val="50000"/>
+                              <a:alpha val="15000"/>
+                            </a:schemeClr>
+                          </a:solidFill>
+                        </a:ln>
+                        <a:solidFill>
+                          <a:schemeClr val="bg2">
+                            <a:lumMod val="50000"/>
+                          </a:schemeClr>
+                        </a:solidFill>
+                        <a:latin typeface="Cambria Math" panose="02040503050406030204" pitchFamily="18" charset="0"/>
+                        <a:ea typeface="나눔스퀘어" panose="020B0600000101010101" pitchFamily="50" charset="-127"/>
+                      </a:rPr>
+                      <m:t>+</m:t>
+                    </m:r>
+                    <m:sSub>
+                      <m:sSubPr>
+                        <m:ctrlPr>
+                          <a:rPr lang="en-US" altLang="ko-KR" sz="1600" i="1" dirty="0" smtClean="0">
+                            <a:ln>
+                              <a:solidFill>
+                                <a:schemeClr val="bg2">
+                                  <a:lumMod val="50000"/>
+                                  <a:alpha val="15000"/>
+                                </a:schemeClr>
+                              </a:solidFill>
+                            </a:ln>
+                            <a:solidFill>
+                              <a:schemeClr val="bg2">
+                                <a:lumMod val="50000"/>
+                              </a:schemeClr>
+                            </a:solidFill>
+                            <a:latin typeface="Cambria Math" panose="02040503050406030204" pitchFamily="18" charset="0"/>
+                            <a:ea typeface="나눔스퀘어" panose="020B0600000101010101" pitchFamily="50" charset="-127"/>
+                          </a:rPr>
+                        </m:ctrlPr>
+                      </m:sSubPr>
+                      <m:e>
+                        <m:r>
+                          <a:rPr lang="en-US" altLang="ko-KR" sz="1600" b="0" i="1" dirty="0" smtClean="0">
+                            <a:ln>
+                              <a:solidFill>
+                                <a:schemeClr val="bg2">
+                                  <a:lumMod val="50000"/>
+                                  <a:alpha val="15000"/>
+                                </a:schemeClr>
+                              </a:solidFill>
+                            </a:ln>
+                            <a:solidFill>
+                              <a:schemeClr val="bg2">
+                                <a:lumMod val="50000"/>
+                              </a:schemeClr>
+                            </a:solidFill>
+                            <a:latin typeface="Cambria Math" panose="02040503050406030204" pitchFamily="18" charset="0"/>
+                            <a:ea typeface="나눔스퀘어" panose="020B0600000101010101" pitchFamily="50" charset="-127"/>
+                          </a:rPr>
+                          <m:t>𝑤</m:t>
+                        </m:r>
+                      </m:e>
+                      <m:sub>
+                        <m:r>
+                          <a:rPr lang="en-US" altLang="ko-KR" sz="1600" b="0" i="1" dirty="0" smtClean="0">
+                            <a:ln>
+                              <a:solidFill>
+                                <a:schemeClr val="bg2">
+                                  <a:lumMod val="50000"/>
+                                  <a:alpha val="15000"/>
+                                </a:schemeClr>
+                              </a:solidFill>
+                            </a:ln>
+                            <a:solidFill>
+                              <a:schemeClr val="bg2">
+                                <a:lumMod val="50000"/>
+                              </a:schemeClr>
+                            </a:solidFill>
+                            <a:latin typeface="Cambria Math" panose="02040503050406030204" pitchFamily="18" charset="0"/>
+                            <a:ea typeface="나눔스퀘어" panose="020B0600000101010101" pitchFamily="50" charset="-127"/>
+                          </a:rPr>
+                          <m:t>𝑖</m:t>
+                        </m:r>
+                        <m:r>
+                          <a:rPr lang="en-US" altLang="ko-KR" sz="1600" b="0" i="1" dirty="0" smtClean="0">
+                            <a:ln>
+                              <a:solidFill>
+                                <a:schemeClr val="bg2">
+                                  <a:lumMod val="50000"/>
+                                  <a:alpha val="15000"/>
+                                </a:schemeClr>
+                              </a:solidFill>
+                            </a:ln>
+                            <a:solidFill>
+                              <a:schemeClr val="bg2">
+                                <a:lumMod val="50000"/>
+                              </a:schemeClr>
+                            </a:solidFill>
+                            <a:latin typeface="Cambria Math" panose="02040503050406030204" pitchFamily="18" charset="0"/>
+                            <a:ea typeface="나눔스퀘어" panose="020B0600000101010101" pitchFamily="50" charset="-127"/>
+                          </a:rPr>
+                          <m:t>2</m:t>
+                        </m:r>
+                      </m:sub>
+                    </m:sSub>
+                    <m:r>
+                      <a:rPr lang="en-US" altLang="ko-KR" sz="1600" b="0" i="1" dirty="0" smtClean="0">
+                        <a:ln>
+                          <a:solidFill>
+                            <a:schemeClr val="bg2">
+                              <a:lumMod val="50000"/>
+                              <a:alpha val="15000"/>
+                            </a:schemeClr>
+                          </a:solidFill>
+                        </a:ln>
+                        <a:solidFill>
+                          <a:schemeClr val="bg2">
+                            <a:lumMod val="50000"/>
+                          </a:schemeClr>
+                        </a:solidFill>
+                        <a:latin typeface="Cambria Math" panose="02040503050406030204" pitchFamily="18" charset="0"/>
+                        <a:ea typeface="나눔스퀘어" panose="020B0600000101010101" pitchFamily="50" charset="-127"/>
+                      </a:rPr>
+                      <m:t>+</m:t>
+                    </m:r>
+                    <m:sSub>
+                      <m:sSubPr>
+                        <m:ctrlPr>
+                          <a:rPr lang="en-US" altLang="ko-KR" sz="1600" i="1" dirty="0" smtClean="0">
+                            <a:ln>
+                              <a:solidFill>
+                                <a:schemeClr val="bg2">
+                                  <a:lumMod val="50000"/>
+                                  <a:alpha val="15000"/>
+                                </a:schemeClr>
+                              </a:solidFill>
+                            </a:ln>
+                            <a:solidFill>
+                              <a:schemeClr val="bg2">
+                                <a:lumMod val="50000"/>
+                              </a:schemeClr>
+                            </a:solidFill>
+                            <a:latin typeface="Cambria Math" panose="02040503050406030204" pitchFamily="18" charset="0"/>
+                            <a:ea typeface="나눔스퀘어" panose="020B0600000101010101" pitchFamily="50" charset="-127"/>
+                          </a:rPr>
+                        </m:ctrlPr>
+                      </m:sSubPr>
+                      <m:e>
+                        <m:r>
+                          <a:rPr lang="en-US" altLang="ko-KR" sz="1600" b="0" i="1" dirty="0" smtClean="0">
+                            <a:ln>
+                              <a:solidFill>
+                                <a:schemeClr val="bg2">
+                                  <a:lumMod val="50000"/>
+                                  <a:alpha val="15000"/>
+                                </a:schemeClr>
+                              </a:solidFill>
+                            </a:ln>
+                            <a:solidFill>
+                              <a:schemeClr val="bg2">
+                                <a:lumMod val="50000"/>
+                              </a:schemeClr>
+                            </a:solidFill>
+                            <a:latin typeface="Cambria Math" panose="02040503050406030204" pitchFamily="18" charset="0"/>
+                            <a:ea typeface="나눔스퀘어" panose="020B0600000101010101" pitchFamily="50" charset="-127"/>
+                          </a:rPr>
+                          <m:t>𝑤</m:t>
+                        </m:r>
+                      </m:e>
+                      <m:sub>
+                        <m:r>
+                          <a:rPr lang="en-US" altLang="ko-KR" sz="1600" b="0" i="1" dirty="0" smtClean="0">
+                            <a:ln>
+                              <a:solidFill>
+                                <a:schemeClr val="bg2">
+                                  <a:lumMod val="50000"/>
+                                  <a:alpha val="15000"/>
+                                </a:schemeClr>
+                              </a:solidFill>
+                            </a:ln>
+                            <a:solidFill>
+                              <a:schemeClr val="bg2">
+                                <a:lumMod val="50000"/>
+                              </a:schemeClr>
+                            </a:solidFill>
+                            <a:latin typeface="Cambria Math" panose="02040503050406030204" pitchFamily="18" charset="0"/>
+                            <a:ea typeface="나눔스퀘어" panose="020B0600000101010101" pitchFamily="50" charset="-127"/>
+                          </a:rPr>
+                          <m:t>𝑖</m:t>
+                        </m:r>
+                        <m:r>
+                          <a:rPr lang="en-US" altLang="ko-KR" sz="1600" b="0" i="1" dirty="0" smtClean="0">
+                            <a:ln>
+                              <a:solidFill>
+                                <a:schemeClr val="bg2">
+                                  <a:lumMod val="50000"/>
+                                  <a:alpha val="15000"/>
+                                </a:schemeClr>
+                              </a:solidFill>
+                            </a:ln>
+                            <a:solidFill>
+                              <a:schemeClr val="bg2">
+                                <a:lumMod val="50000"/>
+                              </a:schemeClr>
+                            </a:solidFill>
+                            <a:latin typeface="Cambria Math" panose="02040503050406030204" pitchFamily="18" charset="0"/>
+                            <a:ea typeface="나눔스퀘어" panose="020B0600000101010101" pitchFamily="50" charset="-127"/>
+                          </a:rPr>
+                          <m:t>3</m:t>
+                        </m:r>
+                      </m:sub>
+                    </m:sSub>
+                    <m:r>
+                      <a:rPr lang="en-US" altLang="ko-KR" sz="1600" b="0" i="1" dirty="0" smtClean="0">
+                        <a:ln>
+                          <a:solidFill>
+                            <a:schemeClr val="bg2">
+                              <a:lumMod val="50000"/>
+                              <a:alpha val="15000"/>
+                            </a:schemeClr>
+                          </a:solidFill>
+                        </a:ln>
+                        <a:solidFill>
+                          <a:schemeClr val="bg2">
+                            <a:lumMod val="50000"/>
+                          </a:schemeClr>
+                        </a:solidFill>
+                        <a:latin typeface="Cambria Math" panose="02040503050406030204" pitchFamily="18" charset="0"/>
+                        <a:ea typeface="나눔스퀘어" panose="020B0600000101010101" pitchFamily="50" charset="-127"/>
+                      </a:rPr>
+                      <m:t>−</m:t>
+                    </m:r>
+                    <m:sSub>
+                      <m:sSubPr>
+                        <m:ctrlPr>
+                          <a:rPr lang="en-US" altLang="ko-KR" sz="1600" i="1" dirty="0" smtClean="0">
+                            <a:ln>
+                              <a:solidFill>
+                                <a:schemeClr val="bg2">
+                                  <a:lumMod val="50000"/>
+                                  <a:alpha val="15000"/>
+                                </a:schemeClr>
+                              </a:solidFill>
+                            </a:ln>
+                            <a:solidFill>
+                              <a:schemeClr val="bg2">
+                                <a:lumMod val="50000"/>
+                              </a:schemeClr>
+                            </a:solidFill>
+                            <a:latin typeface="Cambria Math" panose="02040503050406030204" pitchFamily="18" charset="0"/>
+                            <a:ea typeface="나눔스퀘어" panose="020B0600000101010101" pitchFamily="50" charset="-127"/>
+                          </a:rPr>
+                        </m:ctrlPr>
+                      </m:sSubPr>
+                      <m:e>
+                        <m:r>
+                          <a:rPr lang="en-US" altLang="ko-KR" sz="1600" b="0" i="1" dirty="0" smtClean="0">
+                            <a:ln>
+                              <a:solidFill>
+                                <a:schemeClr val="bg2">
+                                  <a:lumMod val="50000"/>
+                                  <a:alpha val="15000"/>
+                                </a:schemeClr>
+                              </a:solidFill>
+                            </a:ln>
+                            <a:solidFill>
+                              <a:schemeClr val="bg2">
+                                <a:lumMod val="50000"/>
+                              </a:schemeClr>
+                            </a:solidFill>
+                            <a:latin typeface="Cambria Math" panose="02040503050406030204" pitchFamily="18" charset="0"/>
+                            <a:ea typeface="나눔스퀘어" panose="020B0600000101010101" pitchFamily="50" charset="-127"/>
+                          </a:rPr>
+                          <m:t>𝑤</m:t>
+                        </m:r>
+                      </m:e>
+                      <m:sub>
+                        <m:r>
+                          <a:rPr lang="en-US" altLang="ko-KR" sz="1600" b="0" i="1" dirty="0" smtClean="0">
+                            <a:ln>
+                              <a:solidFill>
+                                <a:schemeClr val="bg2">
+                                  <a:lumMod val="50000"/>
+                                  <a:alpha val="15000"/>
+                                </a:schemeClr>
+                              </a:solidFill>
+                            </a:ln>
+                            <a:solidFill>
+                              <a:schemeClr val="bg2">
+                                <a:lumMod val="50000"/>
+                              </a:schemeClr>
+                            </a:solidFill>
+                            <a:latin typeface="Cambria Math" panose="02040503050406030204" pitchFamily="18" charset="0"/>
+                            <a:ea typeface="나눔스퀘어" panose="020B0600000101010101" pitchFamily="50" charset="-127"/>
+                          </a:rPr>
+                          <m:t>𝑖</m:t>
+                        </m:r>
+                        <m:r>
+                          <a:rPr lang="en-US" altLang="ko-KR" sz="1600" b="0" i="1" dirty="0" smtClean="0">
+                            <a:ln>
+                              <a:solidFill>
+                                <a:schemeClr val="bg2">
+                                  <a:lumMod val="50000"/>
+                                  <a:alpha val="15000"/>
+                                </a:schemeClr>
+                              </a:solidFill>
+                            </a:ln>
+                            <a:solidFill>
+                              <a:schemeClr val="bg2">
+                                <a:lumMod val="50000"/>
+                              </a:schemeClr>
+                            </a:solidFill>
+                            <a:latin typeface="Cambria Math" panose="02040503050406030204" pitchFamily="18" charset="0"/>
+                            <a:ea typeface="나눔스퀘어" panose="020B0600000101010101" pitchFamily="50" charset="-127"/>
+                          </a:rPr>
+                          <m:t>4</m:t>
+                        </m:r>
+                      </m:sub>
+                    </m:sSub>
+                    <m:sSub>
+                      <m:sSubPr>
+                        <m:ctrlPr>
+                          <a:rPr lang="en-US" altLang="ko-KR" sz="1600" i="1" dirty="0" smtClean="0">
+                            <a:ln>
+                              <a:solidFill>
+                                <a:schemeClr val="bg2">
+                                  <a:lumMod val="50000"/>
+                                  <a:alpha val="15000"/>
+                                </a:schemeClr>
+                              </a:solidFill>
+                            </a:ln>
+                            <a:solidFill>
+                              <a:schemeClr val="bg2">
+                                <a:lumMod val="50000"/>
+                              </a:schemeClr>
+                            </a:solidFill>
+                            <a:latin typeface="Cambria Math" panose="02040503050406030204" pitchFamily="18" charset="0"/>
+                            <a:ea typeface="나눔스퀘어" panose="020B0600000101010101" pitchFamily="50" charset="-127"/>
+                          </a:rPr>
+                        </m:ctrlPr>
+                      </m:sSubPr>
+                      <m:e>
+                        <m:r>
+                          <a:rPr lang="en-US" altLang="ko-KR" sz="1600" b="0" i="1" dirty="0" smtClean="0">
+                            <a:ln>
+                              <a:solidFill>
+                                <a:schemeClr val="bg2">
+                                  <a:lumMod val="50000"/>
+                                  <a:alpha val="15000"/>
+                                </a:schemeClr>
+                              </a:solidFill>
+                            </a:ln>
+                            <a:solidFill>
+                              <a:schemeClr val="bg2">
+                                <a:lumMod val="50000"/>
+                              </a:schemeClr>
+                            </a:solidFill>
+                            <a:latin typeface="Cambria Math" panose="02040503050406030204" pitchFamily="18" charset="0"/>
+                            <a:ea typeface="나눔스퀘어" panose="020B0600000101010101" pitchFamily="50" charset="-127"/>
+                          </a:rPr>
+                          <m:t>−</m:t>
+                        </m:r>
+                        <m:r>
+                          <a:rPr lang="en-US" altLang="ko-KR" sz="1600" b="0" i="1" dirty="0" smtClean="0">
+                            <a:ln>
+                              <a:solidFill>
+                                <a:schemeClr val="bg2">
+                                  <a:lumMod val="50000"/>
+                                  <a:alpha val="15000"/>
+                                </a:schemeClr>
+                              </a:solidFill>
+                            </a:ln>
+                            <a:solidFill>
+                              <a:schemeClr val="bg2">
+                                <a:lumMod val="50000"/>
+                              </a:schemeClr>
+                            </a:solidFill>
+                            <a:latin typeface="Cambria Math" panose="02040503050406030204" pitchFamily="18" charset="0"/>
+                            <a:ea typeface="나눔스퀘어" panose="020B0600000101010101" pitchFamily="50" charset="-127"/>
+                          </a:rPr>
+                          <m:t>𝑤</m:t>
+                        </m:r>
+                      </m:e>
+                      <m:sub>
+                        <m:r>
+                          <a:rPr lang="en-US" altLang="ko-KR" sz="1600" b="0" i="1" dirty="0" smtClean="0">
+                            <a:ln>
+                              <a:solidFill>
+                                <a:schemeClr val="bg2">
+                                  <a:lumMod val="50000"/>
+                                  <a:alpha val="15000"/>
+                                </a:schemeClr>
+                              </a:solidFill>
+                            </a:ln>
+                            <a:solidFill>
+                              <a:schemeClr val="bg2">
+                                <a:lumMod val="50000"/>
+                              </a:schemeClr>
+                            </a:solidFill>
+                            <a:latin typeface="Cambria Math" panose="02040503050406030204" pitchFamily="18" charset="0"/>
+                            <a:ea typeface="나눔스퀘어" panose="020B0600000101010101" pitchFamily="50" charset="-127"/>
+                          </a:rPr>
+                          <m:t>𝑖</m:t>
+                        </m:r>
+                        <m:r>
+                          <a:rPr lang="en-US" altLang="ko-KR" sz="1600" b="0" i="1" dirty="0" smtClean="0">
+                            <a:ln>
+                              <a:solidFill>
+                                <a:schemeClr val="bg2">
+                                  <a:lumMod val="50000"/>
+                                  <a:alpha val="15000"/>
+                                </a:schemeClr>
+                              </a:solidFill>
+                            </a:ln>
+                            <a:solidFill>
+                              <a:schemeClr val="bg2">
+                                <a:lumMod val="50000"/>
+                              </a:schemeClr>
+                            </a:solidFill>
+                            <a:latin typeface="Cambria Math" panose="02040503050406030204" pitchFamily="18" charset="0"/>
+                            <a:ea typeface="나눔스퀘어" panose="020B0600000101010101" pitchFamily="50" charset="-127"/>
+                          </a:rPr>
+                          <m:t>5</m:t>
+                        </m:r>
+                      </m:sub>
+                    </m:sSub>
+                    <m:r>
+                      <a:rPr lang="en-US" altLang="ko-KR" sz="1600" b="0" i="1" dirty="0" smtClean="0">
+                        <a:ln>
+                          <a:solidFill>
+                            <a:schemeClr val="bg2">
+                              <a:lumMod val="50000"/>
+                              <a:alpha val="15000"/>
+                            </a:schemeClr>
+                          </a:solidFill>
+                        </a:ln>
+                        <a:solidFill>
+                          <a:schemeClr val="bg2">
+                            <a:lumMod val="50000"/>
+                          </a:schemeClr>
+                        </a:solidFill>
+                        <a:latin typeface="Cambria Math" panose="02040503050406030204" pitchFamily="18" charset="0"/>
+                        <a:ea typeface="나눔스퀘어" panose="020B0600000101010101" pitchFamily="50" charset="-127"/>
+                      </a:rPr>
+                      <m:t>)</m:t>
+                    </m:r>
+                  </m:oMath>
+                </a14:m>
+                <a:endParaRPr lang="en-US" altLang="ko-KR" sz="1600" dirty="0">
+                  <a:ln>
+                    <a:solidFill>
+                      <a:schemeClr val="bg2">
+                        <a:lumMod val="50000"/>
+                        <a:alpha val="15000"/>
+                      </a:schemeClr>
+                    </a:solidFill>
+                  </a:ln>
+                  <a:solidFill>
+                    <a:schemeClr val="bg2">
+                      <a:lumMod val="50000"/>
+                    </a:schemeClr>
+                  </a:solidFill>
+                  <a:latin typeface="나눔스퀘어" panose="020B0600000101010101" pitchFamily="50" charset="-127"/>
+                  <a:ea typeface="나눔스퀘어" panose="020B0600000101010101" pitchFamily="50" charset="-127"/>
+                  <a:cs typeface="조선일보명조" panose="02030304000000000000" pitchFamily="18" charset="-127"/>
+                </a:endParaRPr>
+              </a:p>
+              <a:p>
+                <a:pPr>
+                  <a:lnSpc>
+                    <a:spcPct val="150000"/>
+                  </a:lnSpc>
+                </a:pPr>
+                <a:endParaRPr lang="en-US" altLang="ko-KR" sz="1600" dirty="0">
+                  <a:ln>
+                    <a:solidFill>
+                      <a:schemeClr val="bg2">
+                        <a:lumMod val="50000"/>
+                        <a:alpha val="15000"/>
+                      </a:schemeClr>
+                    </a:solidFill>
+                  </a:ln>
+                  <a:solidFill>
+                    <a:schemeClr val="bg2">
+                      <a:lumMod val="50000"/>
+                    </a:schemeClr>
+                  </a:solidFill>
+                  <a:latin typeface="나눔스퀘어" panose="020B0600000101010101" pitchFamily="50" charset="-127"/>
+                  <a:ea typeface="나눔스퀘어" panose="020B0600000101010101" pitchFamily="50" charset="-127"/>
+                  <a:cs typeface="조선일보명조" panose="02030304000000000000" pitchFamily="18" charset="-127"/>
+                </a:endParaRPr>
+              </a:p>
+              <a:p>
+                <a:pPr>
+                  <a:lnSpc>
+                    <a:spcPct val="150000"/>
+                  </a:lnSpc>
+                </a:pPr>
+                <a:r>
+                  <a:rPr lang="en-US" altLang="ko-KR" sz="1600" dirty="0">
+                    <a:ln>
+                      <a:solidFill>
+                        <a:schemeClr val="bg2">
+                          <a:lumMod val="50000"/>
+                          <a:alpha val="15000"/>
+                        </a:schemeClr>
+                      </a:solidFill>
+                    </a:ln>
+                    <a:solidFill>
+                      <a:schemeClr val="bg2">
+                        <a:lumMod val="50000"/>
+                      </a:schemeClr>
+                    </a:solidFill>
+                    <a:latin typeface="나눔스퀘어" panose="020B0600000101010101" pitchFamily="50" charset="-127"/>
+                    <a:ea typeface="나눔스퀘어" panose="020B0600000101010101" pitchFamily="50" charset="-127"/>
+                    <a:cs typeface="조선일보명조" panose="02030304000000000000" pitchFamily="18" charset="-127"/>
+                  </a:rPr>
+                  <a:t>Step 4. </a:t>
+                </a:r>
+                <a:r>
+                  <a:rPr lang="en-US" altLang="ko-KR" sz="1600" dirty="0" err="1">
+                    <a:ln>
+                      <a:solidFill>
+                        <a:schemeClr val="bg2">
+                          <a:lumMod val="50000"/>
+                          <a:alpha val="15000"/>
+                        </a:schemeClr>
+                      </a:solidFill>
+                    </a:ln>
+                    <a:solidFill>
+                      <a:schemeClr val="bg2">
+                        <a:lumMod val="50000"/>
+                      </a:schemeClr>
+                    </a:solidFill>
+                    <a:latin typeface="나눔스퀘어" panose="020B0600000101010101" pitchFamily="50" charset="-127"/>
+                    <a:ea typeface="나눔스퀘어" panose="020B0600000101010101" pitchFamily="50" charset="-127"/>
+                    <a:cs typeface="조선일보명조" panose="02030304000000000000" pitchFamily="18" charset="-127"/>
+                  </a:rPr>
+                  <a:t>Softmax</a:t>
+                </a:r>
+                <a:r>
+                  <a:rPr lang="en-US" altLang="ko-KR" sz="1600" dirty="0">
+                    <a:ln>
+                      <a:solidFill>
+                        <a:schemeClr val="bg2">
+                          <a:lumMod val="50000"/>
+                          <a:alpha val="15000"/>
+                        </a:schemeClr>
+                      </a:solidFill>
+                    </a:ln>
+                    <a:solidFill>
+                      <a:schemeClr val="bg2">
+                        <a:lumMod val="50000"/>
+                      </a:schemeClr>
+                    </a:solidFill>
+                    <a:latin typeface="나눔스퀘어" panose="020B0600000101010101" pitchFamily="50" charset="-127"/>
+                    <a:ea typeface="나눔스퀘어" panose="020B0600000101010101" pitchFamily="50" charset="-127"/>
+                    <a:cs typeface="조선일보명조" panose="02030304000000000000" pitchFamily="18" charset="-127"/>
+                  </a:rPr>
+                  <a:t> </a:t>
+                </a:r>
+                <a:r>
+                  <a:rPr lang="ko-KR" altLang="en-US" sz="1600" dirty="0">
+                    <a:ln>
+                      <a:solidFill>
+                        <a:schemeClr val="bg2">
+                          <a:lumMod val="50000"/>
+                          <a:alpha val="15000"/>
+                        </a:schemeClr>
+                      </a:solidFill>
+                    </a:ln>
+                    <a:solidFill>
+                      <a:schemeClr val="bg2">
+                        <a:lumMod val="50000"/>
+                      </a:schemeClr>
+                    </a:solidFill>
+                    <a:latin typeface="나눔스퀘어" panose="020B0600000101010101" pitchFamily="50" charset="-127"/>
+                    <a:ea typeface="나눔스퀘어" panose="020B0600000101010101" pitchFamily="50" charset="-127"/>
+                    <a:cs typeface="조선일보명조" panose="02030304000000000000" pitchFamily="18" charset="-127"/>
+                  </a:rPr>
+                  <a:t>함수를 이용해 각 지역의 비율 계산</a:t>
+                </a:r>
+                <a:endParaRPr lang="en-US" altLang="ko-KR" sz="1600" dirty="0">
+                  <a:ln>
+                    <a:solidFill>
+                      <a:schemeClr val="bg2">
+                        <a:lumMod val="50000"/>
+                        <a:alpha val="15000"/>
+                      </a:schemeClr>
+                    </a:solidFill>
+                  </a:ln>
+                  <a:solidFill>
+                    <a:schemeClr val="bg2">
+                      <a:lumMod val="50000"/>
+                    </a:schemeClr>
+                  </a:solidFill>
+                  <a:latin typeface="나눔스퀘어" panose="020B0600000101010101" pitchFamily="50" charset="-127"/>
+                  <a:ea typeface="나눔스퀘어" panose="020B0600000101010101" pitchFamily="50" charset="-127"/>
+                  <a:cs typeface="조선일보명조" panose="02030304000000000000" pitchFamily="18" charset="-127"/>
+                </a:endParaRPr>
+              </a:p>
+              <a:p>
+                <a:pPr>
+                  <a:lnSpc>
+                    <a:spcPct val="150000"/>
+                  </a:lnSpc>
+                </a:pPr>
+                <a:r>
+                  <a:rPr lang="en-US" altLang="ko-KR" sz="1600" dirty="0">
+                    <a:ln>
+                      <a:solidFill>
+                        <a:schemeClr val="bg2">
+                          <a:lumMod val="50000"/>
+                          <a:alpha val="15000"/>
+                        </a:schemeClr>
+                      </a:solidFill>
+                    </a:ln>
+                    <a:solidFill>
+                      <a:schemeClr val="bg2">
+                        <a:lumMod val="50000"/>
+                      </a:schemeClr>
+                    </a:solidFill>
+                    <a:latin typeface="나눔스퀘어" panose="020B0600000101010101" pitchFamily="50" charset="-127"/>
+                    <a:ea typeface="나눔스퀘어" panose="020B0600000101010101" pitchFamily="50" charset="-127"/>
+                    <a:cs typeface="조선일보명조" panose="02030304000000000000" pitchFamily="18" charset="-127"/>
+                  </a:rPr>
+                  <a:t>	(</a:t>
+                </a:r>
+                <a14:m>
+                  <m:oMath xmlns:m="http://schemas.openxmlformats.org/officeDocument/2006/math">
+                    <m:sSub>
+                      <m:sSubPr>
+                        <m:ctrlPr>
+                          <a:rPr lang="en-US" altLang="ko-KR" sz="1600" i="1" smtClean="0">
+                            <a:ln>
+                              <a:solidFill>
+                                <a:schemeClr val="bg2">
+                                  <a:lumMod val="50000"/>
+                                  <a:alpha val="15000"/>
+                                </a:schemeClr>
+                              </a:solidFill>
+                            </a:ln>
+                            <a:solidFill>
+                              <a:schemeClr val="bg2">
+                                <a:lumMod val="50000"/>
+                              </a:schemeClr>
+                            </a:solidFill>
+                            <a:latin typeface="Cambria Math" panose="02040503050406030204" pitchFamily="18" charset="0"/>
+                            <a:ea typeface="나눔스퀘어" panose="020B0600000101010101" pitchFamily="50" charset="-127"/>
+                          </a:rPr>
+                        </m:ctrlPr>
+                      </m:sSubPr>
+                      <m:e>
+                        <m:r>
+                          <a:rPr lang="en-US" altLang="ko-KR" sz="1600" b="0" i="1" smtClean="0">
+                            <a:ln>
+                              <a:solidFill>
+                                <a:schemeClr val="bg2">
+                                  <a:lumMod val="50000"/>
+                                  <a:alpha val="15000"/>
+                                </a:schemeClr>
+                              </a:solidFill>
+                            </a:ln>
+                            <a:solidFill>
+                              <a:schemeClr val="bg2">
+                                <a:lumMod val="50000"/>
+                              </a:schemeClr>
+                            </a:solidFill>
+                            <a:latin typeface="Cambria Math" panose="02040503050406030204" pitchFamily="18" charset="0"/>
+                            <a:ea typeface="나눔스퀘어" panose="020B0600000101010101" pitchFamily="50" charset="-127"/>
+                          </a:rPr>
+                          <m:t>𝑆</m:t>
+                        </m:r>
+                      </m:e>
+                      <m:sub>
+                        <m:r>
+                          <a:rPr lang="en-US" altLang="ko-KR" sz="1600" b="0" i="1" smtClean="0">
+                            <a:ln>
+                              <a:solidFill>
+                                <a:schemeClr val="bg2">
+                                  <a:lumMod val="50000"/>
+                                  <a:alpha val="15000"/>
+                                </a:schemeClr>
+                              </a:solidFill>
+                            </a:ln>
+                            <a:solidFill>
+                              <a:schemeClr val="bg2">
+                                <a:lumMod val="50000"/>
+                              </a:schemeClr>
+                            </a:solidFill>
+                            <a:latin typeface="Cambria Math" panose="02040503050406030204" pitchFamily="18" charset="0"/>
+                            <a:ea typeface="나눔스퀘어" panose="020B0600000101010101" pitchFamily="50" charset="-127"/>
+                          </a:rPr>
+                          <m:t>𝑘</m:t>
+                        </m:r>
+                      </m:sub>
+                    </m:sSub>
+                    <m:r>
+                      <a:rPr lang="en-US" altLang="ko-KR" sz="1600" b="0" i="1" smtClean="0">
+                        <a:ln>
+                          <a:solidFill>
+                            <a:schemeClr val="bg2">
+                              <a:lumMod val="50000"/>
+                              <a:alpha val="15000"/>
+                            </a:schemeClr>
+                          </a:solidFill>
+                        </a:ln>
+                        <a:solidFill>
+                          <a:schemeClr val="bg2">
+                            <a:lumMod val="50000"/>
+                          </a:schemeClr>
+                        </a:solidFill>
+                        <a:latin typeface="Cambria Math" panose="02040503050406030204" pitchFamily="18" charset="0"/>
+                        <a:ea typeface="나눔스퀘어" panose="020B0600000101010101" pitchFamily="50" charset="-127"/>
+                      </a:rPr>
+                      <m:t>=</m:t>
+                    </m:r>
+                    <m:f>
+                      <m:fPr>
+                        <m:ctrlPr>
+                          <a:rPr lang="en-US" altLang="ko-KR" sz="1600" b="0" i="1" smtClean="0">
+                            <a:ln>
+                              <a:solidFill>
+                                <a:schemeClr val="bg2">
+                                  <a:lumMod val="50000"/>
+                                  <a:alpha val="15000"/>
+                                </a:schemeClr>
+                              </a:solidFill>
+                            </a:ln>
+                            <a:solidFill>
+                              <a:schemeClr val="bg2">
+                                <a:lumMod val="50000"/>
+                              </a:schemeClr>
+                            </a:solidFill>
+                            <a:latin typeface="Cambria Math" panose="02040503050406030204" pitchFamily="18" charset="0"/>
+                            <a:ea typeface="나눔스퀘어" panose="020B0600000101010101" pitchFamily="50" charset="-127"/>
+                          </a:rPr>
+                        </m:ctrlPr>
+                      </m:fPr>
+                      <m:num>
+                        <m:r>
+                          <m:rPr>
+                            <m:sty m:val="p"/>
+                          </m:rPr>
+                          <a:rPr lang="en-US" altLang="ko-KR" sz="1600" b="0" i="0" smtClean="0">
+                            <a:ln>
+                              <a:solidFill>
+                                <a:schemeClr val="bg2">
+                                  <a:lumMod val="50000"/>
+                                  <a:alpha val="15000"/>
+                                </a:schemeClr>
+                              </a:solidFill>
+                            </a:ln>
+                            <a:solidFill>
+                              <a:schemeClr val="bg2">
+                                <a:lumMod val="50000"/>
+                              </a:schemeClr>
+                            </a:solidFill>
+                            <a:latin typeface="Cambria Math" panose="02040503050406030204" pitchFamily="18" charset="0"/>
+                            <a:ea typeface="나눔스퀘어" panose="020B0600000101010101" pitchFamily="50" charset="-127"/>
+                          </a:rPr>
+                          <m:t>exp</m:t>
+                        </m:r>
+                        <m:r>
+                          <a:rPr lang="en-US" altLang="ko-KR" sz="1600" b="0" i="1" smtClean="0">
+                            <a:ln>
+                              <a:solidFill>
+                                <a:schemeClr val="bg2">
+                                  <a:lumMod val="50000"/>
+                                  <a:alpha val="15000"/>
+                                </a:schemeClr>
+                              </a:solidFill>
+                            </a:ln>
+                            <a:solidFill>
+                              <a:schemeClr val="bg2">
+                                <a:lumMod val="50000"/>
+                              </a:schemeClr>
+                            </a:solidFill>
+                            <a:latin typeface="Cambria Math" panose="02040503050406030204" pitchFamily="18" charset="0"/>
+                            <a:ea typeface="나눔스퀘어" panose="020B0600000101010101" pitchFamily="50" charset="-127"/>
+                          </a:rPr>
+                          <m:t>⁡(</m:t>
+                        </m:r>
+                        <m:sSub>
+                          <m:sSubPr>
+                            <m:ctrlPr>
+                              <a:rPr lang="en-US" altLang="ko-KR" sz="1600" b="0" i="1" smtClean="0">
+                                <a:ln>
+                                  <a:solidFill>
+                                    <a:schemeClr val="bg2">
+                                      <a:lumMod val="50000"/>
+                                      <a:alpha val="15000"/>
+                                    </a:schemeClr>
+                                  </a:solidFill>
+                                </a:ln>
+                                <a:solidFill>
+                                  <a:schemeClr val="bg2">
+                                    <a:lumMod val="50000"/>
+                                  </a:schemeClr>
+                                </a:solidFill>
+                                <a:latin typeface="Cambria Math" panose="02040503050406030204" pitchFamily="18" charset="0"/>
+                                <a:ea typeface="나눔스퀘어" panose="020B0600000101010101" pitchFamily="50" charset="-127"/>
+                              </a:rPr>
+                            </m:ctrlPr>
+                          </m:sSubPr>
+                          <m:e>
+                            <m:r>
+                              <a:rPr lang="en-US" altLang="ko-KR" sz="1600" b="0" i="1" smtClean="0">
+                                <a:ln>
+                                  <a:solidFill>
+                                    <a:schemeClr val="bg2">
+                                      <a:lumMod val="50000"/>
+                                      <a:alpha val="15000"/>
+                                    </a:schemeClr>
+                                  </a:solidFill>
+                                </a:ln>
+                                <a:solidFill>
+                                  <a:schemeClr val="bg2">
+                                    <a:lumMod val="50000"/>
+                                  </a:schemeClr>
+                                </a:solidFill>
+                                <a:latin typeface="Cambria Math" panose="02040503050406030204" pitchFamily="18" charset="0"/>
+                                <a:ea typeface="나눔스퀘어" panose="020B0600000101010101" pitchFamily="50" charset="-127"/>
+                              </a:rPr>
+                              <m:t>𝑤</m:t>
+                            </m:r>
+                          </m:e>
+                          <m:sub>
+                            <m:r>
+                              <a:rPr lang="en-US" altLang="ko-KR" sz="1600" b="0" i="1" smtClean="0">
+                                <a:ln>
+                                  <a:solidFill>
+                                    <a:schemeClr val="bg2">
+                                      <a:lumMod val="50000"/>
+                                      <a:alpha val="15000"/>
+                                    </a:schemeClr>
+                                  </a:solidFill>
+                                </a:ln>
+                                <a:solidFill>
+                                  <a:schemeClr val="bg2">
+                                    <a:lumMod val="50000"/>
+                                  </a:schemeClr>
+                                </a:solidFill>
+                                <a:latin typeface="Cambria Math" panose="02040503050406030204" pitchFamily="18" charset="0"/>
+                                <a:ea typeface="나눔스퀘어" panose="020B0600000101010101" pitchFamily="50" charset="-127"/>
+                              </a:rPr>
+                              <m:t>𝑘</m:t>
+                            </m:r>
+                          </m:sub>
+                        </m:sSub>
+                        <m:r>
+                          <a:rPr lang="en-US" altLang="ko-KR" sz="1600" b="0" i="1" smtClean="0">
+                            <a:ln>
+                              <a:solidFill>
+                                <a:schemeClr val="bg2">
+                                  <a:lumMod val="50000"/>
+                                  <a:alpha val="15000"/>
+                                </a:schemeClr>
+                              </a:solidFill>
+                            </a:ln>
+                            <a:solidFill>
+                              <a:schemeClr val="bg2">
+                                <a:lumMod val="50000"/>
+                              </a:schemeClr>
+                            </a:solidFill>
+                            <a:latin typeface="Cambria Math" panose="02040503050406030204" pitchFamily="18" charset="0"/>
+                            <a:ea typeface="나눔스퀘어" panose="020B0600000101010101" pitchFamily="50" charset="-127"/>
+                          </a:rPr>
+                          <m:t>)</m:t>
+                        </m:r>
+                      </m:num>
+                      <m:den>
+                        <m:nary>
+                          <m:naryPr>
+                            <m:chr m:val="∑"/>
+                            <m:ctrlPr>
+                              <a:rPr lang="en-US" altLang="ko-KR" sz="1600" b="0" i="1" smtClean="0">
+                                <a:ln>
+                                  <a:solidFill>
+                                    <a:schemeClr val="bg2">
+                                      <a:lumMod val="50000"/>
+                                      <a:alpha val="15000"/>
+                                    </a:schemeClr>
+                                  </a:solidFill>
+                                </a:ln>
+                                <a:solidFill>
+                                  <a:schemeClr val="bg2">
+                                    <a:lumMod val="50000"/>
+                                  </a:schemeClr>
+                                </a:solidFill>
+                                <a:latin typeface="Cambria Math" panose="02040503050406030204" pitchFamily="18" charset="0"/>
+                                <a:ea typeface="나눔스퀘어" panose="020B0600000101010101" pitchFamily="50" charset="-127"/>
+                              </a:rPr>
+                            </m:ctrlPr>
+                          </m:naryPr>
+                          <m:sub>
+                            <m:r>
+                              <m:rPr>
+                                <m:brk m:alnAt="23"/>
+                              </m:rPr>
+                              <a:rPr lang="en-US" altLang="ko-KR" sz="1600" b="0" i="1" smtClean="0">
+                                <a:ln>
+                                  <a:solidFill>
+                                    <a:schemeClr val="bg2">
+                                      <a:lumMod val="50000"/>
+                                      <a:alpha val="15000"/>
+                                    </a:schemeClr>
+                                  </a:solidFill>
+                                </a:ln>
+                                <a:solidFill>
+                                  <a:schemeClr val="bg2">
+                                    <a:lumMod val="50000"/>
+                                  </a:schemeClr>
+                                </a:solidFill>
+                                <a:latin typeface="Cambria Math" panose="02040503050406030204" pitchFamily="18" charset="0"/>
+                                <a:ea typeface="나눔스퀘어" panose="020B0600000101010101" pitchFamily="50" charset="-127"/>
+                              </a:rPr>
+                              <m:t>𝑖</m:t>
+                            </m:r>
+                            <m:r>
+                              <a:rPr lang="en-US" altLang="ko-KR" sz="1600" b="0" i="1" smtClean="0">
+                                <a:ln>
+                                  <a:solidFill>
+                                    <a:schemeClr val="bg2">
+                                      <a:lumMod val="50000"/>
+                                      <a:alpha val="15000"/>
+                                    </a:schemeClr>
+                                  </a:solidFill>
+                                </a:ln>
+                                <a:solidFill>
+                                  <a:schemeClr val="bg2">
+                                    <a:lumMod val="50000"/>
+                                  </a:schemeClr>
+                                </a:solidFill>
+                                <a:latin typeface="Cambria Math" panose="02040503050406030204" pitchFamily="18" charset="0"/>
+                                <a:ea typeface="나눔스퀘어" panose="020B0600000101010101" pitchFamily="50" charset="-127"/>
+                              </a:rPr>
+                              <m:t>=1</m:t>
+                            </m:r>
+                          </m:sub>
+                          <m:sup>
+                            <m:r>
+                              <a:rPr lang="en-US" altLang="ko-KR" sz="1600" b="0" i="1" smtClean="0">
+                                <a:ln>
+                                  <a:solidFill>
+                                    <a:schemeClr val="bg2">
+                                      <a:lumMod val="50000"/>
+                                      <a:alpha val="15000"/>
+                                    </a:schemeClr>
+                                  </a:solidFill>
+                                </a:ln>
+                                <a:solidFill>
+                                  <a:schemeClr val="bg2">
+                                    <a:lumMod val="50000"/>
+                                  </a:schemeClr>
+                                </a:solidFill>
+                                <a:latin typeface="Cambria Math" panose="02040503050406030204" pitchFamily="18" charset="0"/>
+                                <a:ea typeface="나눔스퀘어" panose="020B0600000101010101" pitchFamily="50" charset="-127"/>
+                              </a:rPr>
+                              <m:t>7</m:t>
+                            </m:r>
+                          </m:sup>
+                          <m:e>
+                            <m:r>
+                              <m:rPr>
+                                <m:sty m:val="p"/>
+                              </m:rPr>
+                              <a:rPr lang="en-US" altLang="ko-KR" sz="1600" b="0" i="0" smtClean="0">
+                                <a:ln>
+                                  <a:solidFill>
+                                    <a:schemeClr val="bg2">
+                                      <a:lumMod val="50000"/>
+                                      <a:alpha val="15000"/>
+                                    </a:schemeClr>
+                                  </a:solidFill>
+                                </a:ln>
+                                <a:solidFill>
+                                  <a:schemeClr val="bg2">
+                                    <a:lumMod val="50000"/>
+                                  </a:schemeClr>
+                                </a:solidFill>
+                                <a:latin typeface="Cambria Math" panose="02040503050406030204" pitchFamily="18" charset="0"/>
+                                <a:ea typeface="나눔스퀘어" panose="020B0600000101010101" pitchFamily="50" charset="-127"/>
+                              </a:rPr>
+                              <m:t>exp</m:t>
+                            </m:r>
+                            <m:r>
+                              <a:rPr lang="en-US" altLang="ko-KR" sz="1600" b="0" i="1" smtClean="0">
+                                <a:ln>
+                                  <a:solidFill>
+                                    <a:schemeClr val="bg2">
+                                      <a:lumMod val="50000"/>
+                                      <a:alpha val="15000"/>
+                                    </a:schemeClr>
+                                  </a:solidFill>
+                                </a:ln>
+                                <a:solidFill>
+                                  <a:schemeClr val="bg2">
+                                    <a:lumMod val="50000"/>
+                                  </a:schemeClr>
+                                </a:solidFill>
+                                <a:latin typeface="Cambria Math" panose="02040503050406030204" pitchFamily="18" charset="0"/>
+                                <a:ea typeface="나눔스퀘어" panose="020B0600000101010101" pitchFamily="50" charset="-127"/>
+                              </a:rPr>
+                              <m:t>⁡(</m:t>
+                            </m:r>
+                            <m:sSub>
+                              <m:sSubPr>
+                                <m:ctrlPr>
+                                  <a:rPr lang="en-US" altLang="ko-KR" sz="1600" b="0" i="1" smtClean="0">
+                                    <a:ln>
+                                      <a:solidFill>
+                                        <a:schemeClr val="bg2">
+                                          <a:lumMod val="50000"/>
+                                          <a:alpha val="15000"/>
+                                        </a:schemeClr>
+                                      </a:solidFill>
+                                    </a:ln>
+                                    <a:solidFill>
+                                      <a:schemeClr val="bg2">
+                                        <a:lumMod val="50000"/>
+                                      </a:schemeClr>
+                                    </a:solidFill>
+                                    <a:latin typeface="Cambria Math" panose="02040503050406030204" pitchFamily="18" charset="0"/>
+                                    <a:ea typeface="나눔스퀘어" panose="020B0600000101010101" pitchFamily="50" charset="-127"/>
+                                  </a:rPr>
+                                </m:ctrlPr>
+                              </m:sSubPr>
+                              <m:e>
+                                <m:r>
+                                  <a:rPr lang="en-US" altLang="ko-KR" sz="1600" b="0" i="1" smtClean="0">
+                                    <a:ln>
+                                      <a:solidFill>
+                                        <a:schemeClr val="bg2">
+                                          <a:lumMod val="50000"/>
+                                          <a:alpha val="15000"/>
+                                        </a:schemeClr>
+                                      </a:solidFill>
+                                    </a:ln>
+                                    <a:solidFill>
+                                      <a:schemeClr val="bg2">
+                                        <a:lumMod val="50000"/>
+                                      </a:schemeClr>
+                                    </a:solidFill>
+                                    <a:latin typeface="Cambria Math" panose="02040503050406030204" pitchFamily="18" charset="0"/>
+                                    <a:ea typeface="나눔스퀘어" panose="020B0600000101010101" pitchFamily="50" charset="-127"/>
+                                  </a:rPr>
+                                  <m:t>𝑤</m:t>
+                                </m:r>
+                              </m:e>
+                              <m:sub>
+                                <m:r>
+                                  <a:rPr lang="en-US" altLang="ko-KR" sz="1600" b="0" i="1" smtClean="0">
+                                    <a:ln>
+                                      <a:solidFill>
+                                        <a:schemeClr val="bg2">
+                                          <a:lumMod val="50000"/>
+                                          <a:alpha val="15000"/>
+                                        </a:schemeClr>
+                                      </a:solidFill>
+                                    </a:ln>
+                                    <a:solidFill>
+                                      <a:schemeClr val="bg2">
+                                        <a:lumMod val="50000"/>
+                                      </a:schemeClr>
+                                    </a:solidFill>
+                                    <a:latin typeface="Cambria Math" panose="02040503050406030204" pitchFamily="18" charset="0"/>
+                                    <a:ea typeface="나눔스퀘어" panose="020B0600000101010101" pitchFamily="50" charset="-127"/>
+                                  </a:rPr>
+                                  <m:t>𝑖</m:t>
+                                </m:r>
+                              </m:sub>
+                            </m:sSub>
+                            <m:r>
+                              <a:rPr lang="en-US" altLang="ko-KR" sz="1600" b="0" i="1" smtClean="0">
+                                <a:ln>
+                                  <a:solidFill>
+                                    <a:schemeClr val="bg2">
+                                      <a:lumMod val="50000"/>
+                                      <a:alpha val="15000"/>
+                                    </a:schemeClr>
+                                  </a:solidFill>
+                                </a:ln>
+                                <a:solidFill>
+                                  <a:schemeClr val="bg2">
+                                    <a:lumMod val="50000"/>
+                                  </a:schemeClr>
+                                </a:solidFill>
+                                <a:latin typeface="Cambria Math" panose="02040503050406030204" pitchFamily="18" charset="0"/>
+                                <a:ea typeface="나눔스퀘어" panose="020B0600000101010101" pitchFamily="50" charset="-127"/>
+                              </a:rPr>
+                              <m:t>)</m:t>
+                            </m:r>
+                          </m:e>
+                        </m:nary>
+                      </m:den>
+                    </m:f>
+                  </m:oMath>
+                </a14:m>
+                <a:r>
+                  <a:rPr lang="en-US" altLang="ko-KR" sz="1600" dirty="0">
+                    <a:ln>
+                      <a:solidFill>
+                        <a:schemeClr val="bg2">
+                          <a:lumMod val="50000"/>
+                          <a:alpha val="15000"/>
+                        </a:schemeClr>
+                      </a:solidFill>
+                    </a:ln>
+                    <a:solidFill>
+                      <a:schemeClr val="bg2">
+                        <a:lumMod val="50000"/>
+                      </a:schemeClr>
+                    </a:solidFill>
+                    <a:latin typeface="나눔스퀘어" panose="020B0600000101010101" pitchFamily="50" charset="-127"/>
+                    <a:ea typeface="나눔스퀘어" panose="020B0600000101010101" pitchFamily="50" charset="-127"/>
+                    <a:cs typeface="조선일보명조" panose="02030304000000000000" pitchFamily="18" charset="-127"/>
+                  </a:rPr>
+                  <a:t>, </a:t>
+                </a:r>
+                <a14:m>
+                  <m:oMath xmlns:m="http://schemas.openxmlformats.org/officeDocument/2006/math">
+                    <m:r>
+                      <a:rPr lang="en-US" altLang="ko-KR" sz="1600" b="0" i="1" smtClean="0">
+                        <a:ln>
+                          <a:solidFill>
+                            <a:schemeClr val="bg2">
+                              <a:lumMod val="50000"/>
+                              <a:alpha val="15000"/>
+                            </a:schemeClr>
+                          </a:solidFill>
+                        </a:ln>
+                        <a:solidFill>
+                          <a:schemeClr val="bg2">
+                            <a:lumMod val="50000"/>
+                          </a:schemeClr>
+                        </a:solidFill>
+                        <a:latin typeface="Cambria Math" panose="02040503050406030204" pitchFamily="18" charset="0"/>
+                        <a:ea typeface="나눔스퀘어" panose="020B0600000101010101" pitchFamily="50" charset="-127"/>
+                        <a:cs typeface="조선일보명조" panose="02030304000000000000" pitchFamily="18" charset="-127"/>
+                      </a:rPr>
+                      <m:t>𝑘</m:t>
+                    </m:r>
+                    <m:r>
+                      <a:rPr lang="en-US" altLang="ko-KR" sz="1600" b="0" i="1" smtClean="0">
+                        <a:ln>
+                          <a:solidFill>
+                            <a:schemeClr val="bg2">
+                              <a:lumMod val="50000"/>
+                              <a:alpha val="15000"/>
+                            </a:schemeClr>
+                          </a:solidFill>
+                        </a:ln>
+                        <a:solidFill>
+                          <a:schemeClr val="bg2">
+                            <a:lumMod val="50000"/>
+                          </a:schemeClr>
+                        </a:solidFill>
+                        <a:latin typeface="Cambria Math" panose="02040503050406030204" pitchFamily="18" charset="0"/>
+                        <a:ea typeface="나눔스퀘어" panose="020B0600000101010101" pitchFamily="50" charset="-127"/>
+                        <a:cs typeface="조선일보명조" panose="02030304000000000000" pitchFamily="18" charset="-127"/>
+                      </a:rPr>
+                      <m:t>=1,2,3,4,5,6,7</m:t>
+                    </m:r>
+                  </m:oMath>
+                </a14:m>
+                <a:r>
+                  <a:rPr lang="en-US" altLang="ko-KR" sz="1600" dirty="0">
+                    <a:ln>
+                      <a:solidFill>
+                        <a:schemeClr val="bg2">
+                          <a:lumMod val="50000"/>
+                          <a:alpha val="15000"/>
+                        </a:schemeClr>
+                      </a:solidFill>
+                    </a:ln>
+                    <a:solidFill>
+                      <a:schemeClr val="bg2">
+                        <a:lumMod val="50000"/>
+                      </a:schemeClr>
+                    </a:solidFill>
+                    <a:latin typeface="나눔스퀘어" panose="020B0600000101010101" pitchFamily="50" charset="-127"/>
+                    <a:ea typeface="나눔스퀘어" panose="020B0600000101010101" pitchFamily="50" charset="-127"/>
+                    <a:cs typeface="조선일보명조" panose="02030304000000000000" pitchFamily="18" charset="-127"/>
+                  </a:rPr>
+                  <a:t>)</a:t>
+                </a:r>
+              </a:p>
+            </p:txBody>
+          </p:sp>
+        </mc:Choice>
+        <mc:Fallback xmlns="">
+          <p:sp>
+            <p:nvSpPr>
+              <p:cNvPr id="15" name="TextBox 14">
+                <a:extLst>
+                  <a:ext uri="{FF2B5EF4-FFF2-40B4-BE49-F238E27FC236}">
+                    <a16:creationId xmlns:a16="http://schemas.microsoft.com/office/drawing/2014/main" id="{DE2B6FF6-ECA4-44AB-AA27-2193DB652C8B}"/>
+                  </a:ext>
+                </a:extLst>
+              </p:cNvPr>
+              <p:cNvSpPr txBox="1">
+                <a:spLocks noRot="1" noChangeAspect="1" noMove="1" noResize="1" noEditPoints="1" noAdjustHandles="1" noChangeArrowheads="1" noChangeShapeType="1" noTextEdit="1"/>
+              </p:cNvSpPr>
+              <p:nvPr/>
+            </p:nvSpPr>
+            <p:spPr>
+              <a:xfrm>
+                <a:off x="6489581" y="1754848"/>
+                <a:ext cx="5446113" cy="4110036"/>
+              </a:xfrm>
+              <a:prstGeom prst="rect">
+                <a:avLst/>
+              </a:prstGeom>
+              <a:blipFill>
+                <a:blip r:embed="rId2"/>
+                <a:stretch>
+                  <a:fillRect/>
+                </a:stretch>
+              </a:blipFill>
+            </p:spPr>
+            <p:txBody>
+              <a:bodyPr/>
+              <a:lstStyle/>
+              <a:p>
+                <a:r>
+                  <a:rPr lang="ko-KR" altLang="en-US">
+                    <a:noFill/>
+                  </a:rPr>
+                  <a:t> </a:t>
+                </a:r>
+              </a:p>
+            </p:txBody>
+          </p:sp>
+        </mc:Fallback>
+      </mc:AlternateContent>
     </p:spTree>
     <p:extLst>
       <p:ext uri="{BB962C8B-B14F-4D97-AF65-F5344CB8AC3E}">
@@ -6516,7 +9707,7 @@
         </p:nvSpPr>
         <p:spPr>
           <a:xfrm>
-            <a:off x="7793798" y="967666"/>
+            <a:off x="7352358" y="980991"/>
             <a:ext cx="2027750" cy="365204"/>
           </a:xfrm>
           <a:prstGeom prst="rect">
@@ -6568,7 +9759,7 @@
         </p:nvSpPr>
         <p:spPr>
           <a:xfrm>
-            <a:off x="7756865" y="993224"/>
+            <a:off x="7352358" y="1007641"/>
             <a:ext cx="2027749" cy="338554"/>
           </a:xfrm>
           <a:prstGeom prst="rect">
@@ -6584,7 +9775,7 @@
           <a:p>
             <a:pPr algn="ctr"/>
             <a:r>
-              <a:rPr lang="ko-KR" altLang="en-US" sz="1600">
+              <a:rPr lang="ko-KR" altLang="en-US" sz="1600" dirty="0">
                 <a:ln>
                   <a:solidFill>
                     <a:schemeClr val="bg1">
@@ -6600,20 +9791,6 @@
               </a:rPr>
               <a:t>결과 분석</a:t>
             </a:r>
-            <a:endParaRPr lang="ko-KR" altLang="en-US" sz="1600" dirty="0">
-              <a:ln>
-                <a:solidFill>
-                  <a:schemeClr val="bg1">
-                    <a:alpha val="15000"/>
-                  </a:schemeClr>
-                </a:solidFill>
-              </a:ln>
-              <a:solidFill>
-                <a:schemeClr val="bg1"/>
-              </a:solidFill>
-              <a:latin typeface="KoPub돋움체 Medium" panose="00000600000000000000" pitchFamily="2" charset="-127"/>
-              <a:ea typeface="KoPub돋움체 Medium" panose="00000600000000000000" pitchFamily="2" charset="-127"/>
-            </a:endParaRPr>
           </a:p>
         </p:txBody>
       </p:sp>
@@ -6799,6 +9976,822 @@
           </a:prstGeom>
         </p:spPr>
       </p:pic>
+      <p:sp>
+        <p:nvSpPr>
+          <p:cNvPr id="12" name="TextBox 11">
+            <a:extLst>
+              <a:ext uri="{FF2B5EF4-FFF2-40B4-BE49-F238E27FC236}">
+                <a16:creationId xmlns:a16="http://schemas.microsoft.com/office/drawing/2014/main" id="{3F99CC1B-DE87-49BD-A47C-5D8AFADFC533}"/>
+              </a:ext>
+            </a:extLst>
+          </p:cNvPr>
+          <p:cNvSpPr txBox="1"/>
+          <p:nvPr/>
+        </p:nvSpPr>
+        <p:spPr>
+          <a:xfrm>
+            <a:off x="7355485" y="1500436"/>
+            <a:ext cx="4700224" cy="4107343"/>
+          </a:xfrm>
+          <a:prstGeom prst="rect">
+            <a:avLst/>
+          </a:prstGeom>
+          <a:noFill/>
+        </p:spPr>
+        <p:txBody>
+          <a:bodyPr wrap="square" rtlCol="0">
+            <a:spAutoFit/>
+          </a:bodyPr>
+          <a:lstStyle/>
+          <a:p>
+            <a:pPr marL="285750" indent="-285750">
+              <a:lnSpc>
+                <a:spcPct val="150000"/>
+              </a:lnSpc>
+              <a:buFont typeface="Arial" panose="020B0604020202020204" pitchFamily="34" charset="0"/>
+              <a:buChar char="•"/>
+            </a:pPr>
+            <a:r>
+              <a:rPr lang="ko-KR" altLang="en-US" sz="1600" dirty="0">
+                <a:ln>
+                  <a:solidFill>
+                    <a:schemeClr val="bg2">
+                      <a:lumMod val="50000"/>
+                      <a:alpha val="15000"/>
+                    </a:schemeClr>
+                  </a:solidFill>
+                </a:ln>
+                <a:solidFill>
+                  <a:schemeClr val="bg2">
+                    <a:lumMod val="50000"/>
+                  </a:schemeClr>
+                </a:solidFill>
+                <a:latin typeface="나눔스퀘어" panose="020B0600000101010101" pitchFamily="50" charset="-127"/>
+                <a:ea typeface="나눔스퀘어" panose="020B0600000101010101" pitchFamily="50" charset="-127"/>
+                <a:cs typeface="조선일보명조" panose="02030304000000000000" pitchFamily="18" charset="-127"/>
+              </a:rPr>
+              <a:t>등록차량</a:t>
+            </a:r>
+            <a:r>
+              <a:rPr lang="en-US" altLang="ko-KR" sz="1600" dirty="0">
+                <a:ln>
+                  <a:solidFill>
+                    <a:schemeClr val="bg2">
+                      <a:lumMod val="50000"/>
+                      <a:alpha val="15000"/>
+                    </a:schemeClr>
+                  </a:solidFill>
+                </a:ln>
+                <a:solidFill>
+                  <a:schemeClr val="bg2">
+                    <a:lumMod val="50000"/>
+                  </a:schemeClr>
+                </a:solidFill>
+                <a:latin typeface="나눔스퀘어" panose="020B0600000101010101" pitchFamily="50" charset="-127"/>
+                <a:ea typeface="나눔스퀘어" panose="020B0600000101010101" pitchFamily="50" charset="-127"/>
+                <a:cs typeface="조선일보명조" panose="02030304000000000000" pitchFamily="18" charset="-127"/>
+              </a:rPr>
+              <a:t>, </a:t>
+            </a:r>
+            <a:r>
+              <a:rPr lang="ko-KR" altLang="en-US" sz="1600" dirty="0">
+                <a:ln>
+                  <a:solidFill>
+                    <a:schemeClr val="bg2">
+                      <a:lumMod val="50000"/>
+                      <a:alpha val="15000"/>
+                    </a:schemeClr>
+                  </a:solidFill>
+                </a:ln>
+                <a:solidFill>
+                  <a:schemeClr val="bg2">
+                    <a:lumMod val="50000"/>
+                  </a:schemeClr>
+                </a:solidFill>
+                <a:latin typeface="나눔스퀘어" panose="020B0600000101010101" pitchFamily="50" charset="-127"/>
+                <a:ea typeface="나눔스퀘어" panose="020B0600000101010101" pitchFamily="50" charset="-127"/>
+                <a:cs typeface="조선일보명조" panose="02030304000000000000" pitchFamily="18" charset="-127"/>
+              </a:rPr>
+              <a:t>교통량</a:t>
+            </a:r>
+            <a:r>
+              <a:rPr lang="en-US" altLang="ko-KR" sz="1600" dirty="0">
+                <a:ln>
+                  <a:solidFill>
+                    <a:schemeClr val="bg2">
+                      <a:lumMod val="50000"/>
+                      <a:alpha val="15000"/>
+                    </a:schemeClr>
+                  </a:solidFill>
+                </a:ln>
+                <a:solidFill>
+                  <a:schemeClr val="bg2">
+                    <a:lumMod val="50000"/>
+                  </a:schemeClr>
+                </a:solidFill>
+                <a:latin typeface="나눔스퀘어" panose="020B0600000101010101" pitchFamily="50" charset="-127"/>
+                <a:ea typeface="나눔스퀘어" panose="020B0600000101010101" pitchFamily="50" charset="-127"/>
+                <a:cs typeface="조선일보명조" panose="02030304000000000000" pitchFamily="18" charset="-127"/>
+              </a:rPr>
+              <a:t>, </a:t>
+            </a:r>
+            <a:r>
+              <a:rPr lang="ko-KR" altLang="en-US" sz="1600" dirty="0">
+                <a:ln>
+                  <a:solidFill>
+                    <a:schemeClr val="bg2">
+                      <a:lumMod val="50000"/>
+                      <a:alpha val="15000"/>
+                    </a:schemeClr>
+                  </a:solidFill>
+                </a:ln>
+                <a:solidFill>
+                  <a:schemeClr val="bg2">
+                    <a:lumMod val="50000"/>
+                  </a:schemeClr>
+                </a:solidFill>
+                <a:latin typeface="나눔스퀘어" panose="020B0600000101010101" pitchFamily="50" charset="-127"/>
+                <a:ea typeface="나눔스퀘어" panose="020B0600000101010101" pitchFamily="50" charset="-127"/>
+                <a:cs typeface="조선일보명조" panose="02030304000000000000" pitchFamily="18" charset="-127"/>
+              </a:rPr>
+              <a:t>물류창고 현황</a:t>
+            </a:r>
+            <a:r>
+              <a:rPr lang="en-US" altLang="ko-KR" sz="1600" dirty="0">
+                <a:ln>
+                  <a:solidFill>
+                    <a:schemeClr val="bg2">
+                      <a:lumMod val="50000"/>
+                      <a:alpha val="15000"/>
+                    </a:schemeClr>
+                  </a:solidFill>
+                </a:ln>
+                <a:solidFill>
+                  <a:schemeClr val="bg2">
+                    <a:lumMod val="50000"/>
+                  </a:schemeClr>
+                </a:solidFill>
+                <a:latin typeface="나눔스퀘어" panose="020B0600000101010101" pitchFamily="50" charset="-127"/>
+                <a:ea typeface="나눔스퀘어" panose="020B0600000101010101" pitchFamily="50" charset="-127"/>
+                <a:cs typeface="조선일보명조" panose="02030304000000000000" pitchFamily="18" charset="-127"/>
+              </a:rPr>
+              <a:t>, </a:t>
+            </a:r>
+            <a:r>
+              <a:rPr lang="ko-KR" altLang="en-US" sz="1600" dirty="0" err="1">
+                <a:ln>
+                  <a:solidFill>
+                    <a:schemeClr val="bg2">
+                      <a:lumMod val="50000"/>
+                      <a:alpha val="15000"/>
+                    </a:schemeClr>
+                  </a:solidFill>
+                </a:ln>
+                <a:solidFill>
+                  <a:schemeClr val="bg2">
+                    <a:lumMod val="50000"/>
+                  </a:schemeClr>
+                </a:solidFill>
+                <a:latin typeface="나눔스퀘어" panose="020B0600000101010101" pitchFamily="50" charset="-127"/>
+                <a:ea typeface="나눔스퀘어" panose="020B0600000101010101" pitchFamily="50" charset="-127"/>
+                <a:cs typeface="조선일보명조" panose="02030304000000000000" pitchFamily="18" charset="-127"/>
+              </a:rPr>
+              <a:t>요소수</a:t>
+            </a:r>
+            <a:r>
+              <a:rPr lang="ko-KR" altLang="en-US" sz="1600" dirty="0">
+                <a:ln>
+                  <a:solidFill>
+                    <a:schemeClr val="bg2">
+                      <a:lumMod val="50000"/>
+                      <a:alpha val="15000"/>
+                    </a:schemeClr>
+                  </a:solidFill>
+                </a:ln>
+                <a:solidFill>
+                  <a:schemeClr val="bg2">
+                    <a:lumMod val="50000"/>
+                  </a:schemeClr>
+                </a:solidFill>
+                <a:latin typeface="나눔스퀘어" panose="020B0600000101010101" pitchFamily="50" charset="-127"/>
+                <a:ea typeface="나눔스퀘어" panose="020B0600000101010101" pitchFamily="50" charset="-127"/>
+                <a:cs typeface="조선일보명조" panose="02030304000000000000" pitchFamily="18" charset="-127"/>
+              </a:rPr>
+              <a:t> 재고량</a:t>
+            </a:r>
+            <a:r>
+              <a:rPr lang="en-US" altLang="ko-KR" sz="1600" dirty="0">
+                <a:ln>
+                  <a:solidFill>
+                    <a:schemeClr val="bg2">
+                      <a:lumMod val="50000"/>
+                      <a:alpha val="15000"/>
+                    </a:schemeClr>
+                  </a:solidFill>
+                </a:ln>
+                <a:solidFill>
+                  <a:schemeClr val="bg2">
+                    <a:lumMod val="50000"/>
+                  </a:schemeClr>
+                </a:solidFill>
+                <a:latin typeface="나눔스퀘어" panose="020B0600000101010101" pitchFamily="50" charset="-127"/>
+                <a:ea typeface="나눔스퀘어" panose="020B0600000101010101" pitchFamily="50" charset="-127"/>
+                <a:cs typeface="조선일보명조" panose="02030304000000000000" pitchFamily="18" charset="-127"/>
+              </a:rPr>
+              <a:t>, </a:t>
+            </a:r>
+            <a:r>
+              <a:rPr lang="ko-KR" altLang="en-US" sz="1600" dirty="0" err="1">
+                <a:ln>
+                  <a:solidFill>
+                    <a:schemeClr val="bg2">
+                      <a:lumMod val="50000"/>
+                      <a:alpha val="15000"/>
+                    </a:schemeClr>
+                  </a:solidFill>
+                </a:ln>
+                <a:solidFill>
+                  <a:schemeClr val="bg2">
+                    <a:lumMod val="50000"/>
+                  </a:schemeClr>
+                </a:solidFill>
+                <a:latin typeface="나눔스퀘어" panose="020B0600000101010101" pitchFamily="50" charset="-127"/>
+                <a:ea typeface="나눔스퀘어" panose="020B0600000101010101" pitchFamily="50" charset="-127"/>
+                <a:cs typeface="조선일보명조" panose="02030304000000000000" pitchFamily="18" charset="-127"/>
+              </a:rPr>
+              <a:t>요소수</a:t>
+            </a:r>
+            <a:r>
+              <a:rPr lang="ko-KR" altLang="en-US" sz="1600" dirty="0">
+                <a:ln>
+                  <a:solidFill>
+                    <a:schemeClr val="bg2">
+                      <a:lumMod val="50000"/>
+                      <a:alpha val="15000"/>
+                    </a:schemeClr>
+                  </a:solidFill>
+                </a:ln>
+                <a:solidFill>
+                  <a:schemeClr val="bg2">
+                    <a:lumMod val="50000"/>
+                  </a:schemeClr>
+                </a:solidFill>
+                <a:latin typeface="나눔스퀘어" panose="020B0600000101010101" pitchFamily="50" charset="-127"/>
+                <a:ea typeface="나눔스퀘어" panose="020B0600000101010101" pitchFamily="50" charset="-127"/>
+                <a:cs typeface="조선일보명조" panose="02030304000000000000" pitchFamily="18" charset="-127"/>
+              </a:rPr>
+              <a:t> </a:t>
+            </a:r>
+            <a:r>
+              <a:rPr lang="ko-KR" altLang="en-US" sz="1600" dirty="0" err="1">
+                <a:ln>
+                  <a:solidFill>
+                    <a:schemeClr val="bg2">
+                      <a:lumMod val="50000"/>
+                      <a:alpha val="15000"/>
+                    </a:schemeClr>
+                  </a:solidFill>
+                </a:ln>
+                <a:solidFill>
+                  <a:schemeClr val="bg2">
+                    <a:lumMod val="50000"/>
+                  </a:schemeClr>
+                </a:solidFill>
+                <a:latin typeface="나눔스퀘어" panose="020B0600000101010101" pitchFamily="50" charset="-127"/>
+                <a:ea typeface="나눔스퀘어" panose="020B0600000101010101" pitchFamily="50" charset="-127"/>
+                <a:cs typeface="조선일보명조" panose="02030304000000000000" pitchFamily="18" charset="-127"/>
+              </a:rPr>
+              <a:t>입고량을</a:t>
+            </a:r>
+            <a:r>
+              <a:rPr lang="ko-KR" altLang="en-US" sz="1600" dirty="0">
+                <a:ln>
+                  <a:solidFill>
+                    <a:schemeClr val="bg2">
+                      <a:lumMod val="50000"/>
+                      <a:alpha val="15000"/>
+                    </a:schemeClr>
+                  </a:solidFill>
+                </a:ln>
+                <a:solidFill>
+                  <a:schemeClr val="bg2">
+                    <a:lumMod val="50000"/>
+                  </a:schemeClr>
+                </a:solidFill>
+                <a:latin typeface="나눔스퀘어" panose="020B0600000101010101" pitchFamily="50" charset="-127"/>
+                <a:ea typeface="나눔스퀘어" panose="020B0600000101010101" pitchFamily="50" charset="-127"/>
+                <a:cs typeface="조선일보명조" panose="02030304000000000000" pitchFamily="18" charset="-127"/>
+              </a:rPr>
+              <a:t> 바탕으로 </a:t>
+            </a:r>
+            <a:r>
+              <a:rPr lang="ko-KR" altLang="en-US" sz="1600" dirty="0" err="1">
+                <a:ln>
+                  <a:solidFill>
+                    <a:schemeClr val="bg2">
+                      <a:lumMod val="50000"/>
+                      <a:alpha val="15000"/>
+                    </a:schemeClr>
+                  </a:solidFill>
+                </a:ln>
+                <a:solidFill>
+                  <a:schemeClr val="bg2">
+                    <a:lumMod val="50000"/>
+                  </a:schemeClr>
+                </a:solidFill>
+                <a:latin typeface="나눔스퀘어" panose="020B0600000101010101" pitchFamily="50" charset="-127"/>
+                <a:ea typeface="나눔스퀘어" panose="020B0600000101010101" pitchFamily="50" charset="-127"/>
+                <a:cs typeface="조선일보명조" panose="02030304000000000000" pitchFamily="18" charset="-127"/>
+              </a:rPr>
+              <a:t>요소수</a:t>
+            </a:r>
+            <a:r>
+              <a:rPr lang="ko-KR" altLang="en-US" sz="1600" dirty="0">
+                <a:ln>
+                  <a:solidFill>
+                    <a:schemeClr val="bg2">
+                      <a:lumMod val="50000"/>
+                      <a:alpha val="15000"/>
+                    </a:schemeClr>
+                  </a:solidFill>
+                </a:ln>
+                <a:solidFill>
+                  <a:schemeClr val="bg2">
+                    <a:lumMod val="50000"/>
+                  </a:schemeClr>
+                </a:solidFill>
+                <a:latin typeface="나눔스퀘어" panose="020B0600000101010101" pitchFamily="50" charset="-127"/>
+                <a:ea typeface="나눔스퀘어" panose="020B0600000101010101" pitchFamily="50" charset="-127"/>
+                <a:cs typeface="조선일보명조" panose="02030304000000000000" pitchFamily="18" charset="-127"/>
+              </a:rPr>
+              <a:t> 배분 비율을 결정한 결과</a:t>
+            </a:r>
+            <a:endParaRPr lang="en-US" altLang="ko-KR" sz="1600" dirty="0">
+              <a:ln>
+                <a:solidFill>
+                  <a:schemeClr val="bg2">
+                    <a:lumMod val="50000"/>
+                    <a:alpha val="15000"/>
+                  </a:schemeClr>
+                </a:solidFill>
+              </a:ln>
+              <a:solidFill>
+                <a:schemeClr val="bg2">
+                  <a:lumMod val="50000"/>
+                </a:schemeClr>
+              </a:solidFill>
+              <a:latin typeface="나눔스퀘어" panose="020B0600000101010101" pitchFamily="50" charset="-127"/>
+              <a:ea typeface="나눔스퀘어" panose="020B0600000101010101" pitchFamily="50" charset="-127"/>
+              <a:cs typeface="조선일보명조" panose="02030304000000000000" pitchFamily="18" charset="-127"/>
+            </a:endParaRPr>
+          </a:p>
+          <a:p>
+            <a:pPr marL="342900" indent="-342900">
+              <a:lnSpc>
+                <a:spcPct val="150000"/>
+              </a:lnSpc>
+              <a:buFont typeface="+mj-lt"/>
+              <a:buAutoNum type="arabicPeriod"/>
+            </a:pPr>
+            <a:r>
+              <a:rPr lang="ko-KR" altLang="en-US" sz="1600" dirty="0">
+                <a:ln>
+                  <a:solidFill>
+                    <a:schemeClr val="bg2">
+                      <a:lumMod val="50000"/>
+                      <a:alpha val="15000"/>
+                    </a:schemeClr>
+                  </a:solidFill>
+                </a:ln>
+                <a:solidFill>
+                  <a:schemeClr val="bg2">
+                    <a:lumMod val="50000"/>
+                  </a:schemeClr>
+                </a:solidFill>
+                <a:latin typeface="나눔스퀘어" panose="020B0600000101010101" pitchFamily="50" charset="-127"/>
+                <a:ea typeface="나눔스퀘어" panose="020B0600000101010101" pitchFamily="50" charset="-127"/>
+                <a:cs typeface="조선일보명조" panose="02030304000000000000" pitchFamily="18" charset="-127"/>
+              </a:rPr>
+              <a:t>수도권 </a:t>
+            </a:r>
+            <a:r>
+              <a:rPr lang="en-US" altLang="ko-KR" sz="1600" dirty="0">
+                <a:ln>
+                  <a:solidFill>
+                    <a:schemeClr val="bg2">
+                      <a:lumMod val="50000"/>
+                      <a:alpha val="15000"/>
+                    </a:schemeClr>
+                  </a:solidFill>
+                </a:ln>
+                <a:solidFill>
+                  <a:schemeClr val="bg2">
+                    <a:lumMod val="50000"/>
+                  </a:schemeClr>
+                </a:solidFill>
+                <a:latin typeface="나눔스퀘어" panose="020B0600000101010101" pitchFamily="50" charset="-127"/>
+                <a:ea typeface="나눔스퀘어" panose="020B0600000101010101" pitchFamily="50" charset="-127"/>
+                <a:cs typeface="조선일보명조" panose="02030304000000000000" pitchFamily="18" charset="-127"/>
+              </a:rPr>
+              <a:t>45.13%</a:t>
+            </a:r>
+          </a:p>
+          <a:p>
+            <a:pPr marL="342900" indent="-342900">
+              <a:lnSpc>
+                <a:spcPct val="150000"/>
+              </a:lnSpc>
+              <a:buFont typeface="+mj-lt"/>
+              <a:buAutoNum type="arabicPeriod"/>
+            </a:pPr>
+            <a:r>
+              <a:rPr lang="ko-KR" altLang="en-US" sz="1600" dirty="0">
+                <a:ln>
+                  <a:solidFill>
+                    <a:schemeClr val="bg2">
+                      <a:lumMod val="50000"/>
+                      <a:alpha val="15000"/>
+                    </a:schemeClr>
+                  </a:solidFill>
+                </a:ln>
+                <a:solidFill>
+                  <a:schemeClr val="bg2">
+                    <a:lumMod val="50000"/>
+                  </a:schemeClr>
+                </a:solidFill>
+                <a:latin typeface="나눔스퀘어" panose="020B0600000101010101" pitchFamily="50" charset="-127"/>
+                <a:ea typeface="나눔스퀘어" panose="020B0600000101010101" pitchFamily="50" charset="-127"/>
+                <a:cs typeface="조선일보명조" panose="02030304000000000000" pitchFamily="18" charset="-127"/>
+              </a:rPr>
+              <a:t>광주전남 </a:t>
+            </a:r>
+            <a:r>
+              <a:rPr lang="en-US" altLang="ko-KR" sz="1600" dirty="0">
+                <a:ln>
+                  <a:solidFill>
+                    <a:schemeClr val="bg2">
+                      <a:lumMod val="50000"/>
+                      <a:alpha val="15000"/>
+                    </a:schemeClr>
+                  </a:solidFill>
+                </a:ln>
+                <a:solidFill>
+                  <a:schemeClr val="bg2">
+                    <a:lumMod val="50000"/>
+                  </a:schemeClr>
+                </a:solidFill>
+                <a:latin typeface="나눔스퀘어" panose="020B0600000101010101" pitchFamily="50" charset="-127"/>
+                <a:ea typeface="나눔스퀘어" panose="020B0600000101010101" pitchFamily="50" charset="-127"/>
+                <a:cs typeface="조선일보명조" panose="02030304000000000000" pitchFamily="18" charset="-127"/>
+              </a:rPr>
+              <a:t>12.63%</a:t>
+            </a:r>
+          </a:p>
+          <a:p>
+            <a:pPr marL="342900" indent="-342900">
+              <a:lnSpc>
+                <a:spcPct val="150000"/>
+              </a:lnSpc>
+              <a:buFont typeface="+mj-lt"/>
+              <a:buAutoNum type="arabicPeriod"/>
+            </a:pPr>
+            <a:r>
+              <a:rPr lang="ko-KR" altLang="en-US" sz="1600" dirty="0">
+                <a:ln>
+                  <a:solidFill>
+                    <a:schemeClr val="bg2">
+                      <a:lumMod val="50000"/>
+                      <a:alpha val="15000"/>
+                    </a:schemeClr>
+                  </a:solidFill>
+                </a:ln>
+                <a:solidFill>
+                  <a:schemeClr val="bg2">
+                    <a:lumMod val="50000"/>
+                  </a:schemeClr>
+                </a:solidFill>
+                <a:latin typeface="나눔스퀘어" panose="020B0600000101010101" pitchFamily="50" charset="-127"/>
+                <a:ea typeface="나눔스퀘어" panose="020B0600000101010101" pitchFamily="50" charset="-127"/>
+                <a:cs typeface="조선일보명조" panose="02030304000000000000" pitchFamily="18" charset="-127"/>
+              </a:rPr>
+              <a:t>강원 </a:t>
+            </a:r>
+            <a:r>
+              <a:rPr lang="en-US" altLang="ko-KR" sz="1600" dirty="0">
+                <a:ln>
+                  <a:solidFill>
+                    <a:schemeClr val="bg2">
+                      <a:lumMod val="50000"/>
+                      <a:alpha val="15000"/>
+                    </a:schemeClr>
+                  </a:solidFill>
+                </a:ln>
+                <a:solidFill>
+                  <a:schemeClr val="bg2">
+                    <a:lumMod val="50000"/>
+                  </a:schemeClr>
+                </a:solidFill>
+                <a:latin typeface="나눔스퀘어" panose="020B0600000101010101" pitchFamily="50" charset="-127"/>
+                <a:ea typeface="나눔스퀘어" panose="020B0600000101010101" pitchFamily="50" charset="-127"/>
+                <a:cs typeface="조선일보명조" panose="02030304000000000000" pitchFamily="18" charset="-127"/>
+              </a:rPr>
+              <a:t>10.71%</a:t>
+            </a:r>
+          </a:p>
+          <a:p>
+            <a:pPr marL="342900" indent="-342900">
+              <a:lnSpc>
+                <a:spcPct val="150000"/>
+              </a:lnSpc>
+              <a:buFont typeface="+mj-lt"/>
+              <a:buAutoNum type="arabicPeriod"/>
+            </a:pPr>
+            <a:r>
+              <a:rPr lang="ko-KR" altLang="en-US" sz="1600" dirty="0" err="1">
+                <a:ln>
+                  <a:solidFill>
+                    <a:schemeClr val="bg2">
+                      <a:lumMod val="50000"/>
+                      <a:alpha val="15000"/>
+                    </a:schemeClr>
+                  </a:solidFill>
+                </a:ln>
+                <a:solidFill>
+                  <a:schemeClr val="bg2">
+                    <a:lumMod val="50000"/>
+                  </a:schemeClr>
+                </a:solidFill>
+                <a:latin typeface="나눔스퀘어" panose="020B0600000101010101" pitchFamily="50" charset="-127"/>
+                <a:ea typeface="나눔스퀘어" panose="020B0600000101010101" pitchFamily="50" charset="-127"/>
+                <a:cs typeface="조선일보명조" panose="02030304000000000000" pitchFamily="18" charset="-127"/>
+              </a:rPr>
+              <a:t>대전충청</a:t>
+            </a:r>
+            <a:r>
+              <a:rPr lang="ko-KR" altLang="en-US" sz="1600" dirty="0">
+                <a:ln>
+                  <a:solidFill>
+                    <a:schemeClr val="bg2">
+                      <a:lumMod val="50000"/>
+                      <a:alpha val="15000"/>
+                    </a:schemeClr>
+                  </a:solidFill>
+                </a:ln>
+                <a:solidFill>
+                  <a:schemeClr val="bg2">
+                    <a:lumMod val="50000"/>
+                  </a:schemeClr>
+                </a:solidFill>
+                <a:latin typeface="나눔스퀘어" panose="020B0600000101010101" pitchFamily="50" charset="-127"/>
+                <a:ea typeface="나눔스퀘어" panose="020B0600000101010101" pitchFamily="50" charset="-127"/>
+                <a:cs typeface="조선일보명조" panose="02030304000000000000" pitchFamily="18" charset="-127"/>
+              </a:rPr>
+              <a:t> </a:t>
+            </a:r>
+            <a:r>
+              <a:rPr lang="en-US" altLang="ko-KR" sz="1600" dirty="0">
+                <a:ln>
+                  <a:solidFill>
+                    <a:schemeClr val="bg2">
+                      <a:lumMod val="50000"/>
+                      <a:alpha val="15000"/>
+                    </a:schemeClr>
+                  </a:solidFill>
+                </a:ln>
+                <a:solidFill>
+                  <a:schemeClr val="bg2">
+                    <a:lumMod val="50000"/>
+                  </a:schemeClr>
+                </a:solidFill>
+                <a:latin typeface="나눔스퀘어" panose="020B0600000101010101" pitchFamily="50" charset="-127"/>
+                <a:ea typeface="나눔스퀘어" panose="020B0600000101010101" pitchFamily="50" charset="-127"/>
+                <a:cs typeface="조선일보명조" panose="02030304000000000000" pitchFamily="18" charset="-127"/>
+              </a:rPr>
+              <a:t>8.23%</a:t>
+            </a:r>
+          </a:p>
+          <a:p>
+            <a:pPr marL="342900" indent="-342900">
+              <a:lnSpc>
+                <a:spcPct val="150000"/>
+              </a:lnSpc>
+              <a:buFont typeface="+mj-lt"/>
+              <a:buAutoNum type="arabicPeriod"/>
+            </a:pPr>
+            <a:r>
+              <a:rPr lang="ko-KR" altLang="en-US" sz="1600" dirty="0">
+                <a:ln>
+                  <a:solidFill>
+                    <a:schemeClr val="bg2">
+                      <a:lumMod val="50000"/>
+                      <a:alpha val="15000"/>
+                    </a:schemeClr>
+                  </a:solidFill>
+                </a:ln>
+                <a:solidFill>
+                  <a:schemeClr val="bg2">
+                    <a:lumMod val="50000"/>
+                  </a:schemeClr>
+                </a:solidFill>
+                <a:latin typeface="나눔스퀘어" panose="020B0600000101010101" pitchFamily="50" charset="-127"/>
+                <a:ea typeface="나눔스퀘어" panose="020B0600000101010101" pitchFamily="50" charset="-127"/>
+                <a:cs typeface="조선일보명조" panose="02030304000000000000" pitchFamily="18" charset="-127"/>
+              </a:rPr>
+              <a:t>전북 </a:t>
+            </a:r>
+            <a:r>
+              <a:rPr lang="en-US" altLang="ko-KR" sz="1600" dirty="0">
+                <a:ln>
+                  <a:solidFill>
+                    <a:schemeClr val="bg2">
+                      <a:lumMod val="50000"/>
+                      <a:alpha val="15000"/>
+                    </a:schemeClr>
+                  </a:solidFill>
+                </a:ln>
+                <a:solidFill>
+                  <a:schemeClr val="bg2">
+                    <a:lumMod val="50000"/>
+                  </a:schemeClr>
+                </a:solidFill>
+                <a:latin typeface="나눔스퀘어" panose="020B0600000101010101" pitchFamily="50" charset="-127"/>
+                <a:ea typeface="나눔스퀘어" panose="020B0600000101010101" pitchFamily="50" charset="-127"/>
+                <a:cs typeface="조선일보명조" panose="02030304000000000000" pitchFamily="18" charset="-127"/>
+              </a:rPr>
+              <a:t>7.97%</a:t>
+            </a:r>
+          </a:p>
+          <a:p>
+            <a:pPr marL="342900" indent="-342900">
+              <a:lnSpc>
+                <a:spcPct val="150000"/>
+              </a:lnSpc>
+              <a:buFont typeface="+mj-lt"/>
+              <a:buAutoNum type="arabicPeriod"/>
+            </a:pPr>
+            <a:r>
+              <a:rPr lang="ko-KR" altLang="en-US" sz="1600" dirty="0">
+                <a:ln>
+                  <a:solidFill>
+                    <a:schemeClr val="bg2">
+                      <a:lumMod val="50000"/>
+                      <a:alpha val="15000"/>
+                    </a:schemeClr>
+                  </a:solidFill>
+                </a:ln>
+                <a:solidFill>
+                  <a:schemeClr val="bg2">
+                    <a:lumMod val="50000"/>
+                  </a:schemeClr>
+                </a:solidFill>
+                <a:latin typeface="나눔스퀘어" panose="020B0600000101010101" pitchFamily="50" charset="-127"/>
+                <a:ea typeface="나눔스퀘어" panose="020B0600000101010101" pitchFamily="50" charset="-127"/>
+                <a:cs typeface="조선일보명조" panose="02030304000000000000" pitchFamily="18" charset="-127"/>
+              </a:rPr>
+              <a:t>부산경남 </a:t>
+            </a:r>
+            <a:r>
+              <a:rPr lang="en-US" altLang="ko-KR" sz="1600" dirty="0">
+                <a:ln>
+                  <a:solidFill>
+                    <a:schemeClr val="bg2">
+                      <a:lumMod val="50000"/>
+                      <a:alpha val="15000"/>
+                    </a:schemeClr>
+                  </a:solidFill>
+                </a:ln>
+                <a:solidFill>
+                  <a:schemeClr val="bg2">
+                    <a:lumMod val="50000"/>
+                  </a:schemeClr>
+                </a:solidFill>
+                <a:latin typeface="나눔스퀘어" panose="020B0600000101010101" pitchFamily="50" charset="-127"/>
+                <a:ea typeface="나눔스퀘어" panose="020B0600000101010101" pitchFamily="50" charset="-127"/>
+                <a:cs typeface="조선일보명조" panose="02030304000000000000" pitchFamily="18" charset="-127"/>
+              </a:rPr>
+              <a:t>7.74%</a:t>
+            </a:r>
+          </a:p>
+          <a:p>
+            <a:pPr marL="342900" indent="-342900">
+              <a:lnSpc>
+                <a:spcPct val="150000"/>
+              </a:lnSpc>
+              <a:buFont typeface="+mj-lt"/>
+              <a:buAutoNum type="arabicPeriod"/>
+            </a:pPr>
+            <a:r>
+              <a:rPr lang="ko-KR" altLang="en-US" sz="1600" dirty="0">
+                <a:ln>
+                  <a:solidFill>
+                    <a:schemeClr val="bg2">
+                      <a:lumMod val="50000"/>
+                      <a:alpha val="15000"/>
+                    </a:schemeClr>
+                  </a:solidFill>
+                </a:ln>
+                <a:solidFill>
+                  <a:schemeClr val="bg2">
+                    <a:lumMod val="50000"/>
+                  </a:schemeClr>
+                </a:solidFill>
+                <a:latin typeface="나눔스퀘어" panose="020B0600000101010101" pitchFamily="50" charset="-127"/>
+                <a:ea typeface="나눔스퀘어" panose="020B0600000101010101" pitchFamily="50" charset="-127"/>
+                <a:cs typeface="조선일보명조" panose="02030304000000000000" pitchFamily="18" charset="-127"/>
+              </a:rPr>
+              <a:t>대구경북 </a:t>
+            </a:r>
+            <a:r>
+              <a:rPr lang="en-US" altLang="ko-KR" sz="1600" dirty="0">
+                <a:ln>
+                  <a:solidFill>
+                    <a:schemeClr val="bg2">
+                      <a:lumMod val="50000"/>
+                      <a:alpha val="15000"/>
+                    </a:schemeClr>
+                  </a:solidFill>
+                </a:ln>
+                <a:solidFill>
+                  <a:schemeClr val="bg2">
+                    <a:lumMod val="50000"/>
+                  </a:schemeClr>
+                </a:solidFill>
+                <a:latin typeface="나눔스퀘어" panose="020B0600000101010101" pitchFamily="50" charset="-127"/>
+                <a:ea typeface="나눔스퀘어" panose="020B0600000101010101" pitchFamily="50" charset="-127"/>
+                <a:cs typeface="조선일보명조" panose="02030304000000000000" pitchFamily="18" charset="-127"/>
+              </a:rPr>
+              <a:t>7.6%</a:t>
+            </a:r>
+          </a:p>
+          <a:p>
+            <a:pPr>
+              <a:lnSpc>
+                <a:spcPct val="150000"/>
+              </a:lnSpc>
+            </a:pPr>
+            <a:r>
+              <a:rPr lang="ko-KR" altLang="en-US" sz="1600" dirty="0">
+                <a:ln>
+                  <a:solidFill>
+                    <a:schemeClr val="bg2">
+                      <a:lumMod val="50000"/>
+                      <a:alpha val="15000"/>
+                    </a:schemeClr>
+                  </a:solidFill>
+                </a:ln>
+                <a:solidFill>
+                  <a:schemeClr val="bg2">
+                    <a:lumMod val="50000"/>
+                  </a:schemeClr>
+                </a:solidFill>
+                <a:latin typeface="나눔스퀘어" panose="020B0600000101010101" pitchFamily="50" charset="-127"/>
+                <a:ea typeface="나눔스퀘어" panose="020B0600000101010101" pitchFamily="50" charset="-127"/>
+                <a:cs typeface="조선일보명조" panose="02030304000000000000" pitchFamily="18" charset="-127"/>
+              </a:rPr>
+              <a:t>로 배분하면 된다는 결론이 도출되었다</a:t>
+            </a:r>
+            <a:r>
+              <a:rPr lang="en-US" altLang="ko-KR" sz="1600" dirty="0">
+                <a:ln>
+                  <a:solidFill>
+                    <a:schemeClr val="bg2">
+                      <a:lumMod val="50000"/>
+                      <a:alpha val="15000"/>
+                    </a:schemeClr>
+                  </a:solidFill>
+                </a:ln>
+                <a:solidFill>
+                  <a:schemeClr val="bg2">
+                    <a:lumMod val="50000"/>
+                  </a:schemeClr>
+                </a:solidFill>
+                <a:latin typeface="나눔스퀘어" panose="020B0600000101010101" pitchFamily="50" charset="-127"/>
+                <a:ea typeface="나눔스퀘어" panose="020B0600000101010101" pitchFamily="50" charset="-127"/>
+                <a:cs typeface="조선일보명조" panose="02030304000000000000" pitchFamily="18" charset="-127"/>
+              </a:rPr>
+              <a:t>. </a:t>
+            </a:r>
+            <a:endParaRPr lang="ko-KR" altLang="en-US" sz="1600" dirty="0">
+              <a:ln>
+                <a:solidFill>
+                  <a:schemeClr val="bg2">
+                    <a:lumMod val="50000"/>
+                    <a:alpha val="15000"/>
+                  </a:schemeClr>
+                </a:solidFill>
+              </a:ln>
+              <a:solidFill>
+                <a:schemeClr val="bg2">
+                  <a:lumMod val="50000"/>
+                </a:schemeClr>
+              </a:solidFill>
+              <a:latin typeface="나눔스퀘어" panose="020B0600000101010101" pitchFamily="50" charset="-127"/>
+              <a:ea typeface="나눔스퀘어" panose="020B0600000101010101" pitchFamily="50" charset="-127"/>
+              <a:cs typeface="조선일보명조" panose="02030304000000000000" pitchFamily="18" charset="-127"/>
+            </a:endParaRPr>
+          </a:p>
+        </p:txBody>
+      </p:sp>
     </p:spTree>
     <p:extLst>
       <p:ext uri="{BB962C8B-B14F-4D97-AF65-F5344CB8AC3E}">

--- a/2021_UOS_Contest_1124.pptx
+++ b/2021_UOS_Contest_1124.pptx
@@ -249,7 +249,7 @@
           <a:p>
             <a:fld id="{E15B79D6-79B1-4CC8-A3E6-4BDC2E4555B6}" type="datetimeFigureOut">
               <a:rPr lang="ko-KR" altLang="en-US" smtClean="0"/>
-              <a:t>2021-11-24</a:t>
+              <a:t>2021-11-25</a:t>
             </a:fld>
             <a:endParaRPr lang="ko-KR" altLang="en-US"/>
           </a:p>
@@ -417,7 +417,7 @@
           <a:p>
             <a:fld id="{E15B79D6-79B1-4CC8-A3E6-4BDC2E4555B6}" type="datetimeFigureOut">
               <a:rPr lang="ko-KR" altLang="en-US" smtClean="0"/>
-              <a:t>2021-11-24</a:t>
+              <a:t>2021-11-25</a:t>
             </a:fld>
             <a:endParaRPr lang="ko-KR" altLang="en-US"/>
           </a:p>
@@ -595,7 +595,7 @@
           <a:p>
             <a:fld id="{E15B79D6-79B1-4CC8-A3E6-4BDC2E4555B6}" type="datetimeFigureOut">
               <a:rPr lang="ko-KR" altLang="en-US" smtClean="0"/>
-              <a:t>2021-11-24</a:t>
+              <a:t>2021-11-25</a:t>
             </a:fld>
             <a:endParaRPr lang="ko-KR" altLang="en-US"/>
           </a:p>
@@ -763,7 +763,7 @@
           <a:p>
             <a:fld id="{E15B79D6-79B1-4CC8-A3E6-4BDC2E4555B6}" type="datetimeFigureOut">
               <a:rPr lang="ko-KR" altLang="en-US" smtClean="0"/>
-              <a:t>2021-11-24</a:t>
+              <a:t>2021-11-25</a:t>
             </a:fld>
             <a:endParaRPr lang="ko-KR" altLang="en-US"/>
           </a:p>
@@ -1008,7 +1008,7 @@
           <a:p>
             <a:fld id="{E15B79D6-79B1-4CC8-A3E6-4BDC2E4555B6}" type="datetimeFigureOut">
               <a:rPr lang="ko-KR" altLang="en-US" smtClean="0"/>
-              <a:t>2021-11-24</a:t>
+              <a:t>2021-11-25</a:t>
             </a:fld>
             <a:endParaRPr lang="ko-KR" altLang="en-US"/>
           </a:p>
@@ -1237,7 +1237,7 @@
           <a:p>
             <a:fld id="{E15B79D6-79B1-4CC8-A3E6-4BDC2E4555B6}" type="datetimeFigureOut">
               <a:rPr lang="ko-KR" altLang="en-US" smtClean="0"/>
-              <a:t>2021-11-24</a:t>
+              <a:t>2021-11-25</a:t>
             </a:fld>
             <a:endParaRPr lang="ko-KR" altLang="en-US"/>
           </a:p>
@@ -1601,7 +1601,7 @@
           <a:p>
             <a:fld id="{E15B79D6-79B1-4CC8-A3E6-4BDC2E4555B6}" type="datetimeFigureOut">
               <a:rPr lang="ko-KR" altLang="en-US" smtClean="0"/>
-              <a:t>2021-11-24</a:t>
+              <a:t>2021-11-25</a:t>
             </a:fld>
             <a:endParaRPr lang="ko-KR" altLang="en-US"/>
           </a:p>
@@ -1718,7 +1718,7 @@
           <a:p>
             <a:fld id="{E15B79D6-79B1-4CC8-A3E6-4BDC2E4555B6}" type="datetimeFigureOut">
               <a:rPr lang="ko-KR" altLang="en-US" smtClean="0"/>
-              <a:t>2021-11-24</a:t>
+              <a:t>2021-11-25</a:t>
             </a:fld>
             <a:endParaRPr lang="ko-KR" altLang="en-US"/>
           </a:p>
@@ -1813,7 +1813,7 @@
           <a:p>
             <a:fld id="{E15B79D6-79B1-4CC8-A3E6-4BDC2E4555B6}" type="datetimeFigureOut">
               <a:rPr lang="ko-KR" altLang="en-US" smtClean="0"/>
-              <a:t>2021-11-24</a:t>
+              <a:t>2021-11-25</a:t>
             </a:fld>
             <a:endParaRPr lang="ko-KR" altLang="en-US"/>
           </a:p>
@@ -2088,7 +2088,7 @@
           <a:p>
             <a:fld id="{E15B79D6-79B1-4CC8-A3E6-4BDC2E4555B6}" type="datetimeFigureOut">
               <a:rPr lang="ko-KR" altLang="en-US" smtClean="0"/>
-              <a:t>2021-11-24</a:t>
+              <a:t>2021-11-25</a:t>
             </a:fld>
             <a:endParaRPr lang="ko-KR" altLang="en-US"/>
           </a:p>
@@ -2340,7 +2340,7 @@
           <a:p>
             <a:fld id="{E15B79D6-79B1-4CC8-A3E6-4BDC2E4555B6}" type="datetimeFigureOut">
               <a:rPr lang="ko-KR" altLang="en-US" smtClean="0"/>
-              <a:t>2021-11-24</a:t>
+              <a:t>2021-11-25</a:t>
             </a:fld>
             <a:endParaRPr lang="ko-KR" altLang="en-US"/>
           </a:p>
@@ -2551,7 +2551,7 @@
           <a:p>
             <a:fld id="{E15B79D6-79B1-4CC8-A3E6-4BDC2E4555B6}" type="datetimeFigureOut">
               <a:rPr lang="ko-KR" altLang="en-US" smtClean="0"/>
-              <a:t>2021-11-24</a:t>
+              <a:t>2021-11-25</a:t>
             </a:fld>
             <a:endParaRPr lang="ko-KR" altLang="en-US"/>
           </a:p>
@@ -11218,6 +11218,972 @@
           </a:p>
         </p:txBody>
       </p:sp>
+      <p:sp>
+        <p:nvSpPr>
+          <p:cNvPr id="11" name="TextBox 10">
+            <a:extLst>
+              <a:ext uri="{FF2B5EF4-FFF2-40B4-BE49-F238E27FC236}">
+                <a16:creationId xmlns:a16="http://schemas.microsoft.com/office/drawing/2014/main" id="{EDC92EDF-909A-4DD7-8645-D72A364E7BBB}"/>
+              </a:ext>
+            </a:extLst>
+          </p:cNvPr>
+          <p:cNvSpPr txBox="1"/>
+          <p:nvPr/>
+        </p:nvSpPr>
+        <p:spPr>
+          <a:xfrm>
+            <a:off x="214879" y="1841642"/>
+            <a:ext cx="5835253" cy="2630015"/>
+          </a:xfrm>
+          <a:prstGeom prst="rect">
+            <a:avLst/>
+          </a:prstGeom>
+          <a:noFill/>
+        </p:spPr>
+        <p:txBody>
+          <a:bodyPr wrap="square">
+            <a:spAutoFit/>
+          </a:bodyPr>
+          <a:lstStyle>
+            <a:defPPr>
+              <a:defRPr lang="ko-KR"/>
+            </a:defPPr>
+            <a:lvl1pPr marL="0" algn="l" defTabSz="914400" rtl="0" eaLnBrk="1" latinLnBrk="1" hangingPunct="1">
+              <a:defRPr sz="1800" kern="1200">
+                <a:solidFill>
+                  <a:schemeClr val="tx1"/>
+                </a:solidFill>
+                <a:latin typeface="+mn-lt"/>
+                <a:ea typeface="+mn-ea"/>
+                <a:cs typeface="+mn-cs"/>
+              </a:defRPr>
+            </a:lvl1pPr>
+            <a:lvl2pPr marL="457200" algn="l" defTabSz="914400" rtl="0" eaLnBrk="1" latinLnBrk="1" hangingPunct="1">
+              <a:defRPr sz="1800" kern="1200">
+                <a:solidFill>
+                  <a:schemeClr val="tx1"/>
+                </a:solidFill>
+                <a:latin typeface="+mn-lt"/>
+                <a:ea typeface="+mn-ea"/>
+                <a:cs typeface="+mn-cs"/>
+              </a:defRPr>
+            </a:lvl2pPr>
+            <a:lvl3pPr marL="914400" algn="l" defTabSz="914400" rtl="0" eaLnBrk="1" latinLnBrk="1" hangingPunct="1">
+              <a:defRPr sz="1800" kern="1200">
+                <a:solidFill>
+                  <a:schemeClr val="tx1"/>
+                </a:solidFill>
+                <a:latin typeface="+mn-lt"/>
+                <a:ea typeface="+mn-ea"/>
+                <a:cs typeface="+mn-cs"/>
+              </a:defRPr>
+            </a:lvl3pPr>
+            <a:lvl4pPr marL="1371600" algn="l" defTabSz="914400" rtl="0" eaLnBrk="1" latinLnBrk="1" hangingPunct="1">
+              <a:defRPr sz="1800" kern="1200">
+                <a:solidFill>
+                  <a:schemeClr val="tx1"/>
+                </a:solidFill>
+                <a:latin typeface="+mn-lt"/>
+                <a:ea typeface="+mn-ea"/>
+                <a:cs typeface="+mn-cs"/>
+              </a:defRPr>
+            </a:lvl4pPr>
+            <a:lvl5pPr marL="1828800" algn="l" defTabSz="914400" rtl="0" eaLnBrk="1" latinLnBrk="1" hangingPunct="1">
+              <a:defRPr sz="1800" kern="1200">
+                <a:solidFill>
+                  <a:schemeClr val="tx1"/>
+                </a:solidFill>
+                <a:latin typeface="+mn-lt"/>
+                <a:ea typeface="+mn-ea"/>
+                <a:cs typeface="+mn-cs"/>
+              </a:defRPr>
+            </a:lvl5pPr>
+            <a:lvl6pPr marL="2286000" algn="l" defTabSz="914400" rtl="0" eaLnBrk="1" latinLnBrk="1" hangingPunct="1">
+              <a:defRPr sz="1800" kern="1200">
+                <a:solidFill>
+                  <a:schemeClr val="tx1"/>
+                </a:solidFill>
+                <a:latin typeface="+mn-lt"/>
+                <a:ea typeface="+mn-ea"/>
+                <a:cs typeface="+mn-cs"/>
+              </a:defRPr>
+            </a:lvl6pPr>
+            <a:lvl7pPr marL="2743200" algn="l" defTabSz="914400" rtl="0" eaLnBrk="1" latinLnBrk="1" hangingPunct="1">
+              <a:defRPr sz="1800" kern="1200">
+                <a:solidFill>
+                  <a:schemeClr val="tx1"/>
+                </a:solidFill>
+                <a:latin typeface="+mn-lt"/>
+                <a:ea typeface="+mn-ea"/>
+                <a:cs typeface="+mn-cs"/>
+              </a:defRPr>
+            </a:lvl7pPr>
+            <a:lvl8pPr marL="3200400" algn="l" defTabSz="914400" rtl="0" eaLnBrk="1" latinLnBrk="1" hangingPunct="1">
+              <a:defRPr sz="1800" kern="1200">
+                <a:solidFill>
+                  <a:schemeClr val="tx1"/>
+                </a:solidFill>
+                <a:latin typeface="+mn-lt"/>
+                <a:ea typeface="+mn-ea"/>
+                <a:cs typeface="+mn-cs"/>
+              </a:defRPr>
+            </a:lvl8pPr>
+            <a:lvl9pPr marL="3657600" algn="l" defTabSz="914400" rtl="0" eaLnBrk="1" latinLnBrk="1" hangingPunct="1">
+              <a:defRPr sz="1800" kern="1200">
+                <a:solidFill>
+                  <a:schemeClr val="tx1"/>
+                </a:solidFill>
+                <a:latin typeface="+mn-lt"/>
+                <a:ea typeface="+mn-ea"/>
+                <a:cs typeface="+mn-cs"/>
+              </a:defRPr>
+            </a:lvl9pPr>
+          </a:lstStyle>
+          <a:p>
+            <a:pPr marL="342900" indent="-342900">
+              <a:lnSpc>
+                <a:spcPct val="150000"/>
+              </a:lnSpc>
+              <a:buFont typeface="+mj-lt"/>
+              <a:buAutoNum type="arabicPeriod"/>
+            </a:pPr>
+            <a:r>
+              <a:rPr lang="ko-KR" altLang="en-US" sz="1600" dirty="0" err="1">
+                <a:ln>
+                  <a:solidFill>
+                    <a:schemeClr val="bg2">
+                      <a:lumMod val="50000"/>
+                      <a:alpha val="15000"/>
+                    </a:schemeClr>
+                  </a:solidFill>
+                </a:ln>
+                <a:solidFill>
+                  <a:schemeClr val="bg2">
+                    <a:lumMod val="50000"/>
+                  </a:schemeClr>
+                </a:solidFill>
+                <a:latin typeface="나눔스퀘어" panose="020B0600000101010101" pitchFamily="50" charset="-127"/>
+                <a:ea typeface="나눔스퀘어" panose="020B0600000101010101" pitchFamily="50" charset="-127"/>
+                <a:cs typeface="조선일보명조" panose="02030304000000000000" pitchFamily="18" charset="-127"/>
+              </a:rPr>
+              <a:t>요소수</a:t>
+            </a:r>
+            <a:r>
+              <a:rPr lang="ko-KR" altLang="en-US" sz="1600" dirty="0">
+                <a:ln>
+                  <a:solidFill>
+                    <a:schemeClr val="bg2">
+                      <a:lumMod val="50000"/>
+                      <a:alpha val="15000"/>
+                    </a:schemeClr>
+                  </a:solidFill>
+                </a:ln>
+                <a:solidFill>
+                  <a:schemeClr val="bg2">
+                    <a:lumMod val="50000"/>
+                  </a:schemeClr>
+                </a:solidFill>
+                <a:latin typeface="나눔스퀘어" panose="020B0600000101010101" pitchFamily="50" charset="-127"/>
+                <a:ea typeface="나눔스퀘어" panose="020B0600000101010101" pitchFamily="50" charset="-127"/>
+                <a:cs typeface="조선일보명조" panose="02030304000000000000" pitchFamily="18" charset="-127"/>
+              </a:rPr>
+              <a:t> 분배와 관련된 변수가 다양하지 않은 점</a:t>
+            </a:r>
+            <a:endParaRPr lang="en-US" altLang="ko-KR" sz="1600" dirty="0">
+              <a:ln>
+                <a:solidFill>
+                  <a:schemeClr val="bg2">
+                    <a:lumMod val="50000"/>
+                    <a:alpha val="15000"/>
+                  </a:schemeClr>
+                </a:solidFill>
+              </a:ln>
+              <a:solidFill>
+                <a:schemeClr val="bg2">
+                  <a:lumMod val="50000"/>
+                </a:schemeClr>
+              </a:solidFill>
+              <a:latin typeface="나눔스퀘어" panose="020B0600000101010101" pitchFamily="50" charset="-127"/>
+              <a:ea typeface="나눔스퀘어" panose="020B0600000101010101" pitchFamily="50" charset="-127"/>
+              <a:cs typeface="조선일보명조" panose="02030304000000000000" pitchFamily="18" charset="-127"/>
+            </a:endParaRPr>
+          </a:p>
+          <a:p>
+            <a:pPr marL="342900" indent="-342900">
+              <a:lnSpc>
+                <a:spcPct val="150000"/>
+              </a:lnSpc>
+              <a:buFont typeface="+mj-lt"/>
+              <a:buAutoNum type="arabicPeriod"/>
+            </a:pPr>
+            <a:endParaRPr lang="en-US" altLang="ko-KR" sz="1600" dirty="0">
+              <a:ln>
+                <a:solidFill>
+                  <a:schemeClr val="bg2">
+                    <a:lumMod val="50000"/>
+                    <a:alpha val="15000"/>
+                  </a:schemeClr>
+                </a:solidFill>
+              </a:ln>
+              <a:solidFill>
+                <a:schemeClr val="bg2">
+                  <a:lumMod val="50000"/>
+                </a:schemeClr>
+              </a:solidFill>
+              <a:latin typeface="나눔스퀘어" panose="020B0600000101010101" pitchFamily="50" charset="-127"/>
+              <a:ea typeface="나눔스퀘어" panose="020B0600000101010101" pitchFamily="50" charset="-127"/>
+              <a:cs typeface="조선일보명조" panose="02030304000000000000" pitchFamily="18" charset="-127"/>
+            </a:endParaRPr>
+          </a:p>
+          <a:p>
+            <a:pPr marL="342900" indent="-342900">
+              <a:lnSpc>
+                <a:spcPct val="150000"/>
+              </a:lnSpc>
+              <a:buFont typeface="+mj-lt"/>
+              <a:buAutoNum type="arabicPeriod"/>
+            </a:pPr>
+            <a:r>
+              <a:rPr lang="ko-KR" altLang="en-US" sz="1600" dirty="0">
+                <a:ln>
+                  <a:solidFill>
+                    <a:schemeClr val="bg2">
+                      <a:lumMod val="50000"/>
+                      <a:alpha val="15000"/>
+                    </a:schemeClr>
+                  </a:solidFill>
+                </a:ln>
+                <a:solidFill>
+                  <a:schemeClr val="bg2">
+                    <a:lumMod val="50000"/>
+                  </a:schemeClr>
+                </a:solidFill>
+                <a:latin typeface="나눔스퀘어" panose="020B0600000101010101" pitchFamily="50" charset="-127"/>
+                <a:ea typeface="나눔스퀘어" panose="020B0600000101010101" pitchFamily="50" charset="-127"/>
+                <a:cs typeface="조선일보명조" panose="02030304000000000000" pitchFamily="18" charset="-127"/>
+              </a:rPr>
+              <a:t>하나의 지역이 너무 많은 구역을</a:t>
+            </a:r>
+            <a:r>
+              <a:rPr lang="en-US" altLang="ko-KR" sz="1600" dirty="0">
+                <a:ln>
+                  <a:solidFill>
+                    <a:schemeClr val="bg2">
+                      <a:lumMod val="50000"/>
+                      <a:alpha val="15000"/>
+                    </a:schemeClr>
+                  </a:solidFill>
+                </a:ln>
+                <a:solidFill>
+                  <a:schemeClr val="bg2">
+                    <a:lumMod val="50000"/>
+                  </a:schemeClr>
+                </a:solidFill>
+                <a:latin typeface="나눔스퀘어" panose="020B0600000101010101" pitchFamily="50" charset="-127"/>
+                <a:ea typeface="나눔스퀘어" panose="020B0600000101010101" pitchFamily="50" charset="-127"/>
+                <a:cs typeface="조선일보명조" panose="02030304000000000000" pitchFamily="18" charset="-127"/>
+              </a:rPr>
+              <a:t> </a:t>
+            </a:r>
+            <a:r>
+              <a:rPr lang="ko-KR" altLang="en-US" sz="1600" dirty="0">
+                <a:ln>
+                  <a:solidFill>
+                    <a:schemeClr val="bg2">
+                      <a:lumMod val="50000"/>
+                      <a:alpha val="15000"/>
+                    </a:schemeClr>
+                  </a:solidFill>
+                </a:ln>
+                <a:solidFill>
+                  <a:schemeClr val="bg2">
+                    <a:lumMod val="50000"/>
+                  </a:schemeClr>
+                </a:solidFill>
+                <a:latin typeface="나눔스퀘어" panose="020B0600000101010101" pitchFamily="50" charset="-127"/>
+                <a:ea typeface="나눔스퀘어" panose="020B0600000101010101" pitchFamily="50" charset="-127"/>
+                <a:cs typeface="조선일보명조" panose="02030304000000000000" pitchFamily="18" charset="-127"/>
+              </a:rPr>
+              <a:t>포함하여 두루뭉실한 점</a:t>
+            </a:r>
+            <a:endParaRPr lang="en-US" altLang="ko-KR" sz="1600" dirty="0">
+              <a:ln>
+                <a:solidFill>
+                  <a:schemeClr val="bg2">
+                    <a:lumMod val="50000"/>
+                    <a:alpha val="15000"/>
+                  </a:schemeClr>
+                </a:solidFill>
+              </a:ln>
+              <a:solidFill>
+                <a:schemeClr val="bg2">
+                  <a:lumMod val="50000"/>
+                </a:schemeClr>
+              </a:solidFill>
+              <a:latin typeface="나눔스퀘어" panose="020B0600000101010101" pitchFamily="50" charset="-127"/>
+              <a:ea typeface="나눔스퀘어" panose="020B0600000101010101" pitchFamily="50" charset="-127"/>
+              <a:cs typeface="조선일보명조" panose="02030304000000000000" pitchFamily="18" charset="-127"/>
+            </a:endParaRPr>
+          </a:p>
+          <a:p>
+            <a:pPr marL="342900" indent="-342900">
+              <a:lnSpc>
+                <a:spcPct val="150000"/>
+              </a:lnSpc>
+              <a:buFont typeface="+mj-lt"/>
+              <a:buAutoNum type="arabicPeriod"/>
+            </a:pPr>
+            <a:endParaRPr lang="en-US" altLang="ko-KR" sz="1600" dirty="0">
+              <a:ln>
+                <a:solidFill>
+                  <a:schemeClr val="bg2">
+                    <a:lumMod val="50000"/>
+                    <a:alpha val="15000"/>
+                  </a:schemeClr>
+                </a:solidFill>
+              </a:ln>
+              <a:solidFill>
+                <a:schemeClr val="bg2">
+                  <a:lumMod val="50000"/>
+                </a:schemeClr>
+              </a:solidFill>
+              <a:latin typeface="나눔스퀘어" panose="020B0600000101010101" pitchFamily="50" charset="-127"/>
+              <a:ea typeface="나눔스퀘어" panose="020B0600000101010101" pitchFamily="50" charset="-127"/>
+              <a:cs typeface="조선일보명조" panose="02030304000000000000" pitchFamily="18" charset="-127"/>
+            </a:endParaRPr>
+          </a:p>
+          <a:p>
+            <a:pPr marL="342900" indent="-342900">
+              <a:lnSpc>
+                <a:spcPct val="150000"/>
+              </a:lnSpc>
+              <a:buFont typeface="+mj-lt"/>
+              <a:buAutoNum type="arabicPeriod"/>
+            </a:pPr>
+            <a:r>
+              <a:rPr lang="ko-KR" altLang="en-US" sz="1600" dirty="0">
+                <a:ln>
+                  <a:solidFill>
+                    <a:schemeClr val="bg2">
+                      <a:lumMod val="50000"/>
+                      <a:alpha val="15000"/>
+                    </a:schemeClr>
+                  </a:solidFill>
+                </a:ln>
+                <a:solidFill>
+                  <a:schemeClr val="bg2">
+                    <a:lumMod val="50000"/>
+                  </a:schemeClr>
+                </a:solidFill>
+                <a:latin typeface="나눔스퀘어" panose="020B0600000101010101" pitchFamily="50" charset="-127"/>
+                <a:ea typeface="나눔스퀘어" panose="020B0600000101010101" pitchFamily="50" charset="-127"/>
+                <a:cs typeface="조선일보명조" panose="02030304000000000000" pitchFamily="18" charset="-127"/>
+              </a:rPr>
+              <a:t>파생변수 생성시 모두 같은 가중치를 고려한 점</a:t>
+            </a:r>
+            <a:endParaRPr lang="en-US" altLang="ko-KR" sz="1600" dirty="0">
+              <a:ln>
+                <a:solidFill>
+                  <a:schemeClr val="bg2">
+                    <a:lumMod val="50000"/>
+                    <a:alpha val="15000"/>
+                  </a:schemeClr>
+                </a:solidFill>
+              </a:ln>
+              <a:solidFill>
+                <a:schemeClr val="bg2">
+                  <a:lumMod val="50000"/>
+                </a:schemeClr>
+              </a:solidFill>
+              <a:latin typeface="나눔스퀘어" panose="020B0600000101010101" pitchFamily="50" charset="-127"/>
+              <a:ea typeface="나눔스퀘어" panose="020B0600000101010101" pitchFamily="50" charset="-127"/>
+              <a:cs typeface="조선일보명조" panose="02030304000000000000" pitchFamily="18" charset="-127"/>
+            </a:endParaRPr>
+          </a:p>
+          <a:p>
+            <a:pPr marL="342900" indent="-342900">
+              <a:lnSpc>
+                <a:spcPct val="150000"/>
+              </a:lnSpc>
+              <a:buFont typeface="+mj-lt"/>
+              <a:buAutoNum type="arabicPeriod"/>
+            </a:pPr>
+            <a:endParaRPr lang="en-US" altLang="ko-KR" sz="1600" dirty="0">
+              <a:ln>
+                <a:solidFill>
+                  <a:schemeClr val="bg2">
+                    <a:lumMod val="50000"/>
+                    <a:alpha val="15000"/>
+                  </a:schemeClr>
+                </a:solidFill>
+              </a:ln>
+              <a:solidFill>
+                <a:schemeClr val="bg2">
+                  <a:lumMod val="50000"/>
+                </a:schemeClr>
+              </a:solidFill>
+              <a:latin typeface="나눔스퀘어" panose="020B0600000101010101" pitchFamily="50" charset="-127"/>
+              <a:ea typeface="나눔스퀘어" panose="020B0600000101010101" pitchFamily="50" charset="-127"/>
+              <a:cs typeface="조선일보명조" panose="02030304000000000000" pitchFamily="18" charset="-127"/>
+            </a:endParaRPr>
+          </a:p>
+          <a:p>
+            <a:pPr marL="342900" indent="-342900">
+              <a:lnSpc>
+                <a:spcPct val="150000"/>
+              </a:lnSpc>
+              <a:buFont typeface="+mj-lt"/>
+              <a:buAutoNum type="arabicPeriod"/>
+            </a:pPr>
+            <a:r>
+              <a:rPr lang="ko-KR" altLang="en-US" sz="1600" dirty="0">
+                <a:ln>
+                  <a:solidFill>
+                    <a:schemeClr val="bg2">
+                      <a:lumMod val="50000"/>
+                      <a:alpha val="15000"/>
+                    </a:schemeClr>
+                  </a:solidFill>
+                </a:ln>
+                <a:solidFill>
+                  <a:schemeClr val="bg2">
+                    <a:lumMod val="50000"/>
+                  </a:schemeClr>
+                </a:solidFill>
+                <a:latin typeface="나눔스퀘어" panose="020B0600000101010101" pitchFamily="50" charset="-127"/>
+                <a:ea typeface="나눔스퀘어" panose="020B0600000101010101" pitchFamily="50" charset="-127"/>
+                <a:cs typeface="조선일보명조" panose="02030304000000000000" pitchFamily="18" charset="-127"/>
+              </a:rPr>
+              <a:t>단순한 </a:t>
+            </a:r>
+            <a:r>
+              <a:rPr lang="en-US" altLang="ko-KR" sz="1600" dirty="0">
+                <a:ln>
+                  <a:solidFill>
+                    <a:schemeClr val="bg2">
+                      <a:lumMod val="50000"/>
+                      <a:alpha val="15000"/>
+                    </a:schemeClr>
+                  </a:solidFill>
+                </a:ln>
+                <a:solidFill>
+                  <a:schemeClr val="bg2">
+                    <a:lumMod val="50000"/>
+                  </a:schemeClr>
+                </a:solidFill>
+                <a:latin typeface="나눔스퀘어" panose="020B0600000101010101" pitchFamily="50" charset="-127"/>
+                <a:ea typeface="나눔스퀘어" panose="020B0600000101010101" pitchFamily="50" charset="-127"/>
+                <a:cs typeface="조선일보명조" panose="02030304000000000000" pitchFamily="18" charset="-127"/>
+              </a:rPr>
+              <a:t>bar plot</a:t>
+            </a:r>
+            <a:r>
+              <a:rPr lang="ko-KR" altLang="en-US" sz="1600" dirty="0">
+                <a:ln>
+                  <a:solidFill>
+                    <a:schemeClr val="bg2">
+                      <a:lumMod val="50000"/>
+                      <a:alpha val="15000"/>
+                    </a:schemeClr>
+                  </a:solidFill>
+                </a:ln>
+                <a:solidFill>
+                  <a:schemeClr val="bg2">
+                    <a:lumMod val="50000"/>
+                  </a:schemeClr>
+                </a:solidFill>
+                <a:latin typeface="나눔스퀘어" panose="020B0600000101010101" pitchFamily="50" charset="-127"/>
+                <a:ea typeface="나눔스퀘어" panose="020B0600000101010101" pitchFamily="50" charset="-127"/>
+                <a:cs typeface="조선일보명조" panose="02030304000000000000" pitchFamily="18" charset="-127"/>
+              </a:rPr>
+              <a:t>과 </a:t>
+            </a:r>
+            <a:r>
+              <a:rPr lang="en-US" altLang="ko-KR" sz="1600" dirty="0">
+                <a:ln>
+                  <a:solidFill>
+                    <a:schemeClr val="bg2">
+                      <a:lumMod val="50000"/>
+                      <a:alpha val="15000"/>
+                    </a:schemeClr>
+                  </a:solidFill>
+                </a:ln>
+                <a:solidFill>
+                  <a:schemeClr val="bg2">
+                    <a:lumMod val="50000"/>
+                  </a:schemeClr>
+                </a:solidFill>
+                <a:latin typeface="나눔스퀘어" panose="020B0600000101010101" pitchFamily="50" charset="-127"/>
+                <a:ea typeface="나눔스퀘어" panose="020B0600000101010101" pitchFamily="50" charset="-127"/>
+                <a:cs typeface="조선일보명조" panose="02030304000000000000" pitchFamily="18" charset="-127"/>
+              </a:rPr>
+              <a:t>pie plot</a:t>
+            </a:r>
+          </a:p>
+        </p:txBody>
+      </p:sp>
+      <p:sp>
+        <p:nvSpPr>
+          <p:cNvPr id="12" name="TextBox 11">
+            <a:extLst>
+              <a:ext uri="{FF2B5EF4-FFF2-40B4-BE49-F238E27FC236}">
+                <a16:creationId xmlns:a16="http://schemas.microsoft.com/office/drawing/2014/main" id="{EB789BAB-4A91-4F01-83C0-37AB3E3CFD4B}"/>
+              </a:ext>
+            </a:extLst>
+          </p:cNvPr>
+          <p:cNvSpPr txBox="1"/>
+          <p:nvPr/>
+        </p:nvSpPr>
+        <p:spPr>
+          <a:xfrm>
+            <a:off x="6141869" y="1744660"/>
+            <a:ext cx="5835253" cy="3368679"/>
+          </a:xfrm>
+          <a:prstGeom prst="rect">
+            <a:avLst/>
+          </a:prstGeom>
+          <a:noFill/>
+        </p:spPr>
+        <p:txBody>
+          <a:bodyPr wrap="square">
+            <a:spAutoFit/>
+          </a:bodyPr>
+          <a:lstStyle>
+            <a:defPPr>
+              <a:defRPr lang="ko-KR"/>
+            </a:defPPr>
+            <a:lvl1pPr marL="0" algn="l" defTabSz="914400" rtl="0" eaLnBrk="1" latinLnBrk="1" hangingPunct="1">
+              <a:defRPr sz="1800" kern="1200">
+                <a:solidFill>
+                  <a:schemeClr val="tx1"/>
+                </a:solidFill>
+                <a:latin typeface="+mn-lt"/>
+                <a:ea typeface="+mn-ea"/>
+                <a:cs typeface="+mn-cs"/>
+              </a:defRPr>
+            </a:lvl1pPr>
+            <a:lvl2pPr marL="457200" algn="l" defTabSz="914400" rtl="0" eaLnBrk="1" latinLnBrk="1" hangingPunct="1">
+              <a:defRPr sz="1800" kern="1200">
+                <a:solidFill>
+                  <a:schemeClr val="tx1"/>
+                </a:solidFill>
+                <a:latin typeface="+mn-lt"/>
+                <a:ea typeface="+mn-ea"/>
+                <a:cs typeface="+mn-cs"/>
+              </a:defRPr>
+            </a:lvl2pPr>
+            <a:lvl3pPr marL="914400" algn="l" defTabSz="914400" rtl="0" eaLnBrk="1" latinLnBrk="1" hangingPunct="1">
+              <a:defRPr sz="1800" kern="1200">
+                <a:solidFill>
+                  <a:schemeClr val="tx1"/>
+                </a:solidFill>
+                <a:latin typeface="+mn-lt"/>
+                <a:ea typeface="+mn-ea"/>
+                <a:cs typeface="+mn-cs"/>
+              </a:defRPr>
+            </a:lvl3pPr>
+            <a:lvl4pPr marL="1371600" algn="l" defTabSz="914400" rtl="0" eaLnBrk="1" latinLnBrk="1" hangingPunct="1">
+              <a:defRPr sz="1800" kern="1200">
+                <a:solidFill>
+                  <a:schemeClr val="tx1"/>
+                </a:solidFill>
+                <a:latin typeface="+mn-lt"/>
+                <a:ea typeface="+mn-ea"/>
+                <a:cs typeface="+mn-cs"/>
+              </a:defRPr>
+            </a:lvl4pPr>
+            <a:lvl5pPr marL="1828800" algn="l" defTabSz="914400" rtl="0" eaLnBrk="1" latinLnBrk="1" hangingPunct="1">
+              <a:defRPr sz="1800" kern="1200">
+                <a:solidFill>
+                  <a:schemeClr val="tx1"/>
+                </a:solidFill>
+                <a:latin typeface="+mn-lt"/>
+                <a:ea typeface="+mn-ea"/>
+                <a:cs typeface="+mn-cs"/>
+              </a:defRPr>
+            </a:lvl5pPr>
+            <a:lvl6pPr marL="2286000" algn="l" defTabSz="914400" rtl="0" eaLnBrk="1" latinLnBrk="1" hangingPunct="1">
+              <a:defRPr sz="1800" kern="1200">
+                <a:solidFill>
+                  <a:schemeClr val="tx1"/>
+                </a:solidFill>
+                <a:latin typeface="+mn-lt"/>
+                <a:ea typeface="+mn-ea"/>
+                <a:cs typeface="+mn-cs"/>
+              </a:defRPr>
+            </a:lvl6pPr>
+            <a:lvl7pPr marL="2743200" algn="l" defTabSz="914400" rtl="0" eaLnBrk="1" latinLnBrk="1" hangingPunct="1">
+              <a:defRPr sz="1800" kern="1200">
+                <a:solidFill>
+                  <a:schemeClr val="tx1"/>
+                </a:solidFill>
+                <a:latin typeface="+mn-lt"/>
+                <a:ea typeface="+mn-ea"/>
+                <a:cs typeface="+mn-cs"/>
+              </a:defRPr>
+            </a:lvl7pPr>
+            <a:lvl8pPr marL="3200400" algn="l" defTabSz="914400" rtl="0" eaLnBrk="1" latinLnBrk="1" hangingPunct="1">
+              <a:defRPr sz="1800" kern="1200">
+                <a:solidFill>
+                  <a:schemeClr val="tx1"/>
+                </a:solidFill>
+                <a:latin typeface="+mn-lt"/>
+                <a:ea typeface="+mn-ea"/>
+                <a:cs typeface="+mn-cs"/>
+              </a:defRPr>
+            </a:lvl8pPr>
+            <a:lvl9pPr marL="3657600" algn="l" defTabSz="914400" rtl="0" eaLnBrk="1" latinLnBrk="1" hangingPunct="1">
+              <a:defRPr sz="1800" kern="1200">
+                <a:solidFill>
+                  <a:schemeClr val="tx1"/>
+                </a:solidFill>
+                <a:latin typeface="+mn-lt"/>
+                <a:ea typeface="+mn-ea"/>
+                <a:cs typeface="+mn-cs"/>
+              </a:defRPr>
+            </a:lvl9pPr>
+          </a:lstStyle>
+          <a:p>
+            <a:pPr marL="342900" indent="-342900">
+              <a:lnSpc>
+                <a:spcPct val="150000"/>
+              </a:lnSpc>
+              <a:buFont typeface="+mj-lt"/>
+              <a:buAutoNum type="arabicPeriod"/>
+            </a:pPr>
+            <a:r>
+              <a:rPr lang="ko-KR" altLang="en-US" sz="1600" dirty="0" err="1">
+                <a:ln>
+                  <a:solidFill>
+                    <a:schemeClr val="bg2">
+                      <a:lumMod val="50000"/>
+                      <a:alpha val="15000"/>
+                    </a:schemeClr>
+                  </a:solidFill>
+                </a:ln>
+                <a:solidFill>
+                  <a:schemeClr val="bg2">
+                    <a:lumMod val="50000"/>
+                  </a:schemeClr>
+                </a:solidFill>
+                <a:latin typeface="나눔스퀘어" panose="020B0600000101010101" pitchFamily="50" charset="-127"/>
+                <a:ea typeface="나눔스퀘어" panose="020B0600000101010101" pitchFamily="50" charset="-127"/>
+                <a:cs typeface="조선일보명조" panose="02030304000000000000" pitchFamily="18" charset="-127"/>
+              </a:rPr>
+              <a:t>요소수</a:t>
+            </a:r>
+            <a:r>
+              <a:rPr lang="ko-KR" altLang="en-US" sz="1600" dirty="0">
+                <a:ln>
+                  <a:solidFill>
+                    <a:schemeClr val="bg2">
+                      <a:lumMod val="50000"/>
+                      <a:alpha val="15000"/>
+                    </a:schemeClr>
+                  </a:solidFill>
+                </a:ln>
+                <a:solidFill>
+                  <a:schemeClr val="bg2">
+                    <a:lumMod val="50000"/>
+                  </a:schemeClr>
+                </a:solidFill>
+                <a:latin typeface="나눔스퀘어" panose="020B0600000101010101" pitchFamily="50" charset="-127"/>
+                <a:ea typeface="나눔스퀘어" panose="020B0600000101010101" pitchFamily="50" charset="-127"/>
+                <a:cs typeface="조선일보명조" panose="02030304000000000000" pitchFamily="18" charset="-127"/>
+              </a:rPr>
+              <a:t> 분배와 관련된 더 많은 데이터와 변수 탐색</a:t>
+            </a:r>
+            <a:endParaRPr lang="en-US" altLang="ko-KR" sz="1600" dirty="0">
+              <a:ln>
+                <a:solidFill>
+                  <a:schemeClr val="bg2">
+                    <a:lumMod val="50000"/>
+                    <a:alpha val="15000"/>
+                  </a:schemeClr>
+                </a:solidFill>
+              </a:ln>
+              <a:solidFill>
+                <a:schemeClr val="bg2">
+                  <a:lumMod val="50000"/>
+                </a:schemeClr>
+              </a:solidFill>
+              <a:latin typeface="나눔스퀘어" panose="020B0600000101010101" pitchFamily="50" charset="-127"/>
+              <a:ea typeface="나눔스퀘어" panose="020B0600000101010101" pitchFamily="50" charset="-127"/>
+              <a:cs typeface="조선일보명조" panose="02030304000000000000" pitchFamily="18" charset="-127"/>
+            </a:endParaRPr>
+          </a:p>
+          <a:p>
+            <a:pPr marL="342900" indent="-342900">
+              <a:lnSpc>
+                <a:spcPct val="150000"/>
+              </a:lnSpc>
+              <a:buFont typeface="+mj-lt"/>
+              <a:buAutoNum type="arabicPeriod"/>
+            </a:pPr>
+            <a:endParaRPr lang="en-US" altLang="ko-KR" sz="1600" dirty="0">
+              <a:ln>
+                <a:solidFill>
+                  <a:schemeClr val="bg2">
+                    <a:lumMod val="50000"/>
+                    <a:alpha val="15000"/>
+                  </a:schemeClr>
+                </a:solidFill>
+              </a:ln>
+              <a:solidFill>
+                <a:schemeClr val="bg2">
+                  <a:lumMod val="50000"/>
+                </a:schemeClr>
+              </a:solidFill>
+              <a:latin typeface="나눔스퀘어" panose="020B0600000101010101" pitchFamily="50" charset="-127"/>
+              <a:ea typeface="나눔스퀘어" panose="020B0600000101010101" pitchFamily="50" charset="-127"/>
+              <a:cs typeface="조선일보명조" panose="02030304000000000000" pitchFamily="18" charset="-127"/>
+            </a:endParaRPr>
+          </a:p>
+          <a:p>
+            <a:pPr marL="342900" indent="-342900">
+              <a:lnSpc>
+                <a:spcPct val="150000"/>
+              </a:lnSpc>
+              <a:buFont typeface="+mj-lt"/>
+              <a:buAutoNum type="arabicPeriod"/>
+            </a:pPr>
+            <a:r>
+              <a:rPr lang="ko-KR" altLang="en-US" sz="1600" dirty="0">
+                <a:ln>
+                  <a:solidFill>
+                    <a:schemeClr val="bg2">
+                      <a:lumMod val="50000"/>
+                      <a:alpha val="15000"/>
+                    </a:schemeClr>
+                  </a:solidFill>
+                </a:ln>
+                <a:solidFill>
+                  <a:schemeClr val="bg2">
+                    <a:lumMod val="50000"/>
+                  </a:schemeClr>
+                </a:solidFill>
+                <a:latin typeface="나눔스퀘어" panose="020B0600000101010101" pitchFamily="50" charset="-127"/>
+                <a:ea typeface="나눔스퀘어" panose="020B0600000101010101" pitchFamily="50" charset="-127"/>
+                <a:cs typeface="조선일보명조" panose="02030304000000000000" pitchFamily="18" charset="-127"/>
+              </a:rPr>
+              <a:t>더 세부적인 지역들의 데이터를 수집해 분석</a:t>
+            </a:r>
+            <a:endParaRPr lang="en-US" altLang="ko-KR" sz="1600" dirty="0">
+              <a:ln>
+                <a:solidFill>
+                  <a:schemeClr val="bg2">
+                    <a:lumMod val="50000"/>
+                    <a:alpha val="15000"/>
+                  </a:schemeClr>
+                </a:solidFill>
+              </a:ln>
+              <a:solidFill>
+                <a:schemeClr val="bg2">
+                  <a:lumMod val="50000"/>
+                </a:schemeClr>
+              </a:solidFill>
+              <a:latin typeface="나눔스퀘어" panose="020B0600000101010101" pitchFamily="50" charset="-127"/>
+              <a:ea typeface="나눔스퀘어" panose="020B0600000101010101" pitchFamily="50" charset="-127"/>
+              <a:cs typeface="조선일보명조" panose="02030304000000000000" pitchFamily="18" charset="-127"/>
+            </a:endParaRPr>
+          </a:p>
+          <a:p>
+            <a:pPr marL="342900" indent="-342900">
+              <a:lnSpc>
+                <a:spcPct val="150000"/>
+              </a:lnSpc>
+              <a:buFont typeface="+mj-lt"/>
+              <a:buAutoNum type="arabicPeriod"/>
+            </a:pPr>
+            <a:endParaRPr lang="en-US" altLang="ko-KR" sz="1600" dirty="0">
+              <a:ln>
+                <a:solidFill>
+                  <a:schemeClr val="bg2">
+                    <a:lumMod val="50000"/>
+                    <a:alpha val="15000"/>
+                  </a:schemeClr>
+                </a:solidFill>
+              </a:ln>
+              <a:solidFill>
+                <a:schemeClr val="bg2">
+                  <a:lumMod val="50000"/>
+                </a:schemeClr>
+              </a:solidFill>
+              <a:latin typeface="나눔스퀘어" panose="020B0600000101010101" pitchFamily="50" charset="-127"/>
+              <a:ea typeface="나눔스퀘어" panose="020B0600000101010101" pitchFamily="50" charset="-127"/>
+              <a:cs typeface="조선일보명조" panose="02030304000000000000" pitchFamily="18" charset="-127"/>
+            </a:endParaRPr>
+          </a:p>
+          <a:p>
+            <a:pPr marL="342900" indent="-342900">
+              <a:lnSpc>
+                <a:spcPct val="150000"/>
+              </a:lnSpc>
+              <a:buFont typeface="+mj-lt"/>
+              <a:buAutoNum type="arabicPeriod"/>
+            </a:pPr>
+            <a:r>
+              <a:rPr lang="ko-KR" altLang="en-US" sz="1600" dirty="0">
+                <a:ln>
+                  <a:solidFill>
+                    <a:schemeClr val="bg2">
+                      <a:lumMod val="50000"/>
+                      <a:alpha val="15000"/>
+                    </a:schemeClr>
+                  </a:solidFill>
+                </a:ln>
+                <a:solidFill>
+                  <a:schemeClr val="bg2">
+                    <a:lumMod val="50000"/>
+                  </a:schemeClr>
+                </a:solidFill>
+                <a:latin typeface="나눔스퀘어" panose="020B0600000101010101" pitchFamily="50" charset="-127"/>
+                <a:ea typeface="나눔스퀘어" panose="020B0600000101010101" pitchFamily="50" charset="-127"/>
+                <a:cs typeface="조선일보명조" panose="02030304000000000000" pitchFamily="18" charset="-127"/>
+              </a:rPr>
+              <a:t>도메인 지식을 더 습득하여 변수 간의 관계나 영향을 더욱 파악</a:t>
+            </a:r>
+            <a:endParaRPr lang="en-US" altLang="ko-KR" sz="1600" dirty="0">
+              <a:ln>
+                <a:solidFill>
+                  <a:schemeClr val="bg2">
+                    <a:lumMod val="50000"/>
+                    <a:alpha val="15000"/>
+                  </a:schemeClr>
+                </a:solidFill>
+              </a:ln>
+              <a:solidFill>
+                <a:schemeClr val="bg2">
+                  <a:lumMod val="50000"/>
+                </a:schemeClr>
+              </a:solidFill>
+              <a:latin typeface="나눔스퀘어" panose="020B0600000101010101" pitchFamily="50" charset="-127"/>
+              <a:ea typeface="나눔스퀘어" panose="020B0600000101010101" pitchFamily="50" charset="-127"/>
+              <a:cs typeface="조선일보명조" panose="02030304000000000000" pitchFamily="18" charset="-127"/>
+            </a:endParaRPr>
+          </a:p>
+          <a:p>
+            <a:pPr marL="342900" indent="-342900">
+              <a:lnSpc>
+                <a:spcPct val="150000"/>
+              </a:lnSpc>
+              <a:buFont typeface="+mj-lt"/>
+              <a:buAutoNum type="arabicPeriod"/>
+            </a:pPr>
+            <a:endParaRPr lang="en-US" altLang="ko-KR" sz="1600" dirty="0">
+              <a:ln>
+                <a:solidFill>
+                  <a:schemeClr val="bg2">
+                    <a:lumMod val="50000"/>
+                    <a:alpha val="15000"/>
+                  </a:schemeClr>
+                </a:solidFill>
+              </a:ln>
+              <a:solidFill>
+                <a:schemeClr val="bg2">
+                  <a:lumMod val="50000"/>
+                </a:schemeClr>
+              </a:solidFill>
+              <a:latin typeface="나눔스퀘어" panose="020B0600000101010101" pitchFamily="50" charset="-127"/>
+              <a:ea typeface="나눔스퀘어" panose="020B0600000101010101" pitchFamily="50" charset="-127"/>
+              <a:cs typeface="조선일보명조" panose="02030304000000000000" pitchFamily="18" charset="-127"/>
+            </a:endParaRPr>
+          </a:p>
+          <a:p>
+            <a:pPr marL="342900" indent="-342900">
+              <a:lnSpc>
+                <a:spcPct val="150000"/>
+              </a:lnSpc>
+              <a:buFont typeface="+mj-lt"/>
+              <a:buAutoNum type="arabicPeriod"/>
+            </a:pPr>
+            <a:r>
+              <a:rPr lang="ko-KR" altLang="en-US" sz="1600" dirty="0">
+                <a:ln>
+                  <a:solidFill>
+                    <a:schemeClr val="bg2">
+                      <a:lumMod val="50000"/>
+                      <a:alpha val="15000"/>
+                    </a:schemeClr>
+                  </a:solidFill>
+                </a:ln>
+                <a:solidFill>
+                  <a:schemeClr val="bg2">
+                    <a:lumMod val="50000"/>
+                  </a:schemeClr>
+                </a:solidFill>
+                <a:latin typeface="나눔스퀘어" panose="020B0600000101010101" pitchFamily="50" charset="-127"/>
+                <a:ea typeface="나눔스퀘어" panose="020B0600000101010101" pitchFamily="50" charset="-127"/>
+                <a:cs typeface="조선일보명조" panose="02030304000000000000" pitchFamily="18" charset="-127"/>
+              </a:rPr>
+              <a:t>지리적 위치도 보여줄 수 있는 시각화 구현</a:t>
+            </a:r>
+            <a:r>
+              <a:rPr lang="en-US" altLang="ko-KR" sz="1600" dirty="0">
+                <a:ln>
+                  <a:solidFill>
+                    <a:schemeClr val="bg2">
+                      <a:lumMod val="50000"/>
+                      <a:alpha val="15000"/>
+                    </a:schemeClr>
+                  </a:solidFill>
+                </a:ln>
+                <a:solidFill>
+                  <a:schemeClr val="bg2">
+                    <a:lumMod val="50000"/>
+                  </a:schemeClr>
+                </a:solidFill>
+                <a:latin typeface="나눔스퀘어" panose="020B0600000101010101" pitchFamily="50" charset="-127"/>
+                <a:ea typeface="나눔스퀘어" panose="020B0600000101010101" pitchFamily="50" charset="-127"/>
+                <a:cs typeface="조선일보명조" panose="02030304000000000000" pitchFamily="18" charset="-127"/>
+              </a:rPr>
+              <a:t>(</a:t>
+            </a:r>
+            <a:r>
+              <a:rPr lang="ko-KR" altLang="en-US" sz="1600" dirty="0">
+                <a:ln>
+                  <a:solidFill>
+                    <a:schemeClr val="bg2">
+                      <a:lumMod val="50000"/>
+                      <a:alpha val="15000"/>
+                    </a:schemeClr>
+                  </a:solidFill>
+                </a:ln>
+                <a:solidFill>
+                  <a:schemeClr val="bg2">
+                    <a:lumMod val="50000"/>
+                  </a:schemeClr>
+                </a:solidFill>
+                <a:latin typeface="나눔스퀘어" panose="020B0600000101010101" pitchFamily="50" charset="-127"/>
+                <a:ea typeface="나눔스퀘어" panose="020B0600000101010101" pitchFamily="50" charset="-127"/>
+                <a:cs typeface="조선일보명조" panose="02030304000000000000" pitchFamily="18" charset="-127"/>
+              </a:rPr>
+              <a:t>지도 위에 시각화 등</a:t>
+            </a:r>
+            <a:r>
+              <a:rPr lang="en-US" altLang="ko-KR" sz="1600" dirty="0">
+                <a:ln>
+                  <a:solidFill>
+                    <a:schemeClr val="bg2">
+                      <a:lumMod val="50000"/>
+                      <a:alpha val="15000"/>
+                    </a:schemeClr>
+                  </a:solidFill>
+                </a:ln>
+                <a:solidFill>
+                  <a:schemeClr val="bg2">
+                    <a:lumMod val="50000"/>
+                  </a:schemeClr>
+                </a:solidFill>
+                <a:latin typeface="나눔스퀘어" panose="020B0600000101010101" pitchFamily="50" charset="-127"/>
+                <a:ea typeface="나눔스퀘어" panose="020B0600000101010101" pitchFamily="50" charset="-127"/>
+                <a:cs typeface="조선일보명조" panose="02030304000000000000" pitchFamily="18" charset="-127"/>
+              </a:rPr>
+              <a:t>.)</a:t>
+            </a:r>
+          </a:p>
+        </p:txBody>
+      </p:sp>
     </p:spTree>
     <p:extLst>
       <p:ext uri="{BB962C8B-B14F-4D97-AF65-F5344CB8AC3E}">

--- a/2021_UOS_Contest_1124.pptx
+++ b/2021_UOS_Contest_1124.pptx
@@ -11,9 +11,6 @@
     <p:sldId id="267" r:id="rId5"/>
     <p:sldId id="268" r:id="rId6"/>
     <p:sldId id="269" r:id="rId7"/>
-    <p:sldId id="261" r:id="rId8"/>
-    <p:sldId id="259" r:id="rId9"/>
-    <p:sldId id="257" r:id="rId10"/>
   </p:sldIdLst>
   <p:sldSz cx="12192000" cy="6858000"/>
   <p:notesSz cx="6858000" cy="9144000"/>
@@ -7164,7 +7161,7 @@
         </p:nvSpPr>
         <p:spPr>
           <a:xfrm>
-            <a:off x="2627791" y="3817403"/>
+            <a:off x="2565645" y="4015531"/>
             <a:ext cx="745722" cy="659263"/>
           </a:xfrm>
           <a:prstGeom prst="downArrow">
@@ -12197,3571 +12194,6 @@
 </p:sld>
 </file>
 
-<file path=ppt/slides/slide7.xml><?xml version="1.0" encoding="utf-8"?>
-<p:sld xmlns:a="http://schemas.openxmlformats.org/drawingml/2006/main" xmlns:r="http://schemas.openxmlformats.org/officeDocument/2006/relationships" xmlns:p="http://schemas.openxmlformats.org/presentationml/2006/main">
-  <p:cSld>
-    <p:bg>
-      <p:bgPr>
-        <a:solidFill>
-          <a:srgbClr val="E7E6E6"/>
-        </a:solidFill>
-        <a:effectLst/>
-      </p:bgPr>
-    </p:bg>
-    <p:spTree>
-      <p:nvGrpSpPr>
-        <p:cNvPr id="1" name=""/>
-        <p:cNvGrpSpPr/>
-        <p:nvPr/>
-      </p:nvGrpSpPr>
-      <p:grpSpPr>
-        <a:xfrm>
-          <a:off x="0" y="0"/>
-          <a:ext cx="0" cy="0"/>
-          <a:chOff x="0" y="0"/>
-          <a:chExt cx="0" cy="0"/>
-        </a:xfrm>
-      </p:grpSpPr>
-      <p:sp>
-        <p:nvSpPr>
-          <p:cNvPr id="13" name="직사각형 12"/>
-          <p:cNvSpPr/>
-          <p:nvPr/>
-        </p:nvSpPr>
-        <p:spPr>
-          <a:xfrm>
-            <a:off x="0" y="0"/>
-            <a:ext cx="12192000" cy="800100"/>
-          </a:xfrm>
-          <a:prstGeom prst="rect">
-            <a:avLst/>
-          </a:prstGeom>
-          <a:solidFill>
-            <a:srgbClr val="152B39"/>
-          </a:solidFill>
-          <a:ln>
-            <a:noFill/>
-          </a:ln>
-        </p:spPr>
-        <p:style>
-          <a:lnRef idx="2">
-            <a:schemeClr val="accent1">
-              <a:shade val="50000"/>
-            </a:schemeClr>
-          </a:lnRef>
-          <a:fillRef idx="1">
-            <a:schemeClr val="accent1"/>
-          </a:fillRef>
-          <a:effectRef idx="0">
-            <a:schemeClr val="accent1"/>
-          </a:effectRef>
-          <a:fontRef idx="minor">
-            <a:schemeClr val="lt1"/>
-          </a:fontRef>
-        </p:style>
-        <p:txBody>
-          <a:bodyPr rtlCol="0" anchor="ctr"/>
-          <a:lstStyle/>
-          <a:p>
-            <a:pPr algn="ctr"/>
-            <a:endParaRPr lang="ko-KR" altLang="en-US"/>
-          </a:p>
-        </p:txBody>
-      </p:sp>
-      <p:sp>
-        <p:nvSpPr>
-          <p:cNvPr id="15" name="TextBox 14"/>
-          <p:cNvSpPr txBox="1"/>
-          <p:nvPr/>
-        </p:nvSpPr>
-        <p:spPr>
-          <a:xfrm>
-            <a:off x="3925374" y="81975"/>
-            <a:ext cx="4341253" cy="584775"/>
-          </a:xfrm>
-          <a:prstGeom prst="rect">
-            <a:avLst/>
-          </a:prstGeom>
-          <a:noFill/>
-        </p:spPr>
-        <p:txBody>
-          <a:bodyPr wrap="none" rtlCol="0">
-            <a:spAutoFit/>
-          </a:bodyPr>
-          <a:lstStyle/>
-          <a:p>
-            <a:r>
-              <a:rPr lang="en-US" altLang="ko-KR" sz="3200">
-                <a:solidFill>
-                  <a:schemeClr val="bg1"/>
-                </a:solidFill>
-                <a:latin typeface="KoPub돋움체 Bold" panose="00000800000000000000" pitchFamily="2" charset="-127"/>
-                <a:ea typeface="KoPub돋움체 Bold" panose="00000800000000000000" pitchFamily="2" charset="-127"/>
-              </a:rPr>
-              <a:t>01. SLIDE MAIN TITLE</a:t>
-            </a:r>
-            <a:endParaRPr lang="ko-KR" altLang="en-US" sz="3200">
-              <a:solidFill>
-                <a:schemeClr val="bg1"/>
-              </a:solidFill>
-              <a:latin typeface="KoPub돋움체 Bold" panose="00000800000000000000" pitchFamily="2" charset="-127"/>
-              <a:ea typeface="KoPub돋움체 Bold" panose="00000800000000000000" pitchFamily="2" charset="-127"/>
-            </a:endParaRPr>
-          </a:p>
-        </p:txBody>
-      </p:sp>
-      <p:pic>
-        <p:nvPicPr>
-          <p:cNvPr id="4" name="그림 3"/>
-          <p:cNvPicPr>
-            <a:picLocks noChangeAspect="1"/>
-          </p:cNvPicPr>
-          <p:nvPr/>
-        </p:nvPicPr>
-        <p:blipFill>
-          <a:blip r:embed="rId3" cstate="print">
-            <a:extLst>
-              <a:ext uri="{28A0092B-C50C-407E-A947-70E740481C1C}">
-                <a14:useLocalDpi xmlns:a14="http://schemas.microsoft.com/office/drawing/2010/main" val="0"/>
-              </a:ext>
-            </a:extLst>
-          </a:blip>
-          <a:stretch>
-            <a:fillRect/>
-          </a:stretch>
-        </p:blipFill>
-        <p:spPr>
-          <a:xfrm>
-            <a:off x="775545" y="4329296"/>
-            <a:ext cx="2348655" cy="1547960"/>
-          </a:xfrm>
-          <a:prstGeom prst="rect">
-            <a:avLst/>
-          </a:prstGeom>
-        </p:spPr>
-      </p:pic>
-      <p:pic>
-        <p:nvPicPr>
-          <p:cNvPr id="5" name="그림 4"/>
-          <p:cNvPicPr>
-            <a:picLocks noChangeAspect="1"/>
-          </p:cNvPicPr>
-          <p:nvPr/>
-        </p:nvPicPr>
-        <p:blipFill>
-          <a:blip r:embed="rId4" cstate="print">
-            <a:extLst>
-              <a:ext uri="{28A0092B-C50C-407E-A947-70E740481C1C}">
-                <a14:useLocalDpi xmlns:a14="http://schemas.microsoft.com/office/drawing/2010/main" val="0"/>
-              </a:ext>
-            </a:extLst>
-          </a:blip>
-          <a:stretch>
-            <a:fillRect/>
-          </a:stretch>
-        </p:blipFill>
-        <p:spPr>
-          <a:xfrm>
-            <a:off x="6485590" y="2005196"/>
-            <a:ext cx="2350077" cy="1544060"/>
-          </a:xfrm>
-          <a:prstGeom prst="rect">
-            <a:avLst/>
-          </a:prstGeom>
-        </p:spPr>
-      </p:pic>
-      <p:pic>
-        <p:nvPicPr>
-          <p:cNvPr id="6" name="그림 5"/>
-          <p:cNvPicPr>
-            <a:picLocks noChangeAspect="1"/>
-          </p:cNvPicPr>
-          <p:nvPr/>
-        </p:nvPicPr>
-        <p:blipFill>
-          <a:blip r:embed="rId5" cstate="print">
-            <a:extLst>
-              <a:ext uri="{28A0092B-C50C-407E-A947-70E740481C1C}">
-                <a14:useLocalDpi xmlns:a14="http://schemas.microsoft.com/office/drawing/2010/main" val="0"/>
-              </a:ext>
-            </a:extLst>
-          </a:blip>
-          <a:stretch>
-            <a:fillRect/>
-          </a:stretch>
-        </p:blipFill>
-        <p:spPr>
-          <a:xfrm>
-            <a:off x="775545" y="1989995"/>
-            <a:ext cx="2348655" cy="1565770"/>
-          </a:xfrm>
-          <a:prstGeom prst="rect">
-            <a:avLst/>
-          </a:prstGeom>
-        </p:spPr>
-      </p:pic>
-      <p:pic>
-        <p:nvPicPr>
-          <p:cNvPr id="7" name="그림 6"/>
-          <p:cNvPicPr>
-            <a:picLocks noChangeAspect="1"/>
-          </p:cNvPicPr>
-          <p:nvPr/>
-        </p:nvPicPr>
-        <p:blipFill>
-          <a:blip r:embed="rId6" cstate="print">
-            <a:extLst>
-              <a:ext uri="{28A0092B-C50C-407E-A947-70E740481C1C}">
-                <a14:useLocalDpi xmlns:a14="http://schemas.microsoft.com/office/drawing/2010/main" val="0"/>
-              </a:ext>
-            </a:extLst>
-          </a:blip>
-          <a:stretch>
-            <a:fillRect/>
-          </a:stretch>
-        </p:blipFill>
-        <p:spPr>
-          <a:xfrm>
-            <a:off x="6485590" y="4308970"/>
-            <a:ext cx="2350077" cy="1566107"/>
-          </a:xfrm>
-          <a:prstGeom prst="rect">
-            <a:avLst/>
-          </a:prstGeom>
-        </p:spPr>
-      </p:pic>
-      <p:sp>
-        <p:nvSpPr>
-          <p:cNvPr id="8" name="직사각형 7"/>
-          <p:cNvSpPr/>
-          <p:nvPr/>
-        </p:nvSpPr>
-        <p:spPr>
-          <a:xfrm>
-            <a:off x="3430075" y="2144556"/>
-            <a:ext cx="2027750" cy="365204"/>
-          </a:xfrm>
-          <a:prstGeom prst="rect">
-            <a:avLst/>
-          </a:prstGeom>
-          <a:solidFill>
-            <a:srgbClr val="152B39"/>
-          </a:solidFill>
-          <a:ln>
-            <a:noFill/>
-          </a:ln>
-        </p:spPr>
-        <p:style>
-          <a:lnRef idx="2">
-            <a:schemeClr val="accent1">
-              <a:shade val="50000"/>
-            </a:schemeClr>
-          </a:lnRef>
-          <a:fillRef idx="1">
-            <a:schemeClr val="accent1"/>
-          </a:fillRef>
-          <a:effectRef idx="0">
-            <a:schemeClr val="accent1"/>
-          </a:effectRef>
-          <a:fontRef idx="minor">
-            <a:schemeClr val="lt1"/>
-          </a:fontRef>
-        </p:style>
-        <p:txBody>
-          <a:bodyPr rtlCol="0" anchor="ctr"/>
-          <a:lstStyle/>
-          <a:p>
-            <a:pPr algn="ctr"/>
-            <a:endParaRPr lang="ko-KR" altLang="en-US"/>
-          </a:p>
-        </p:txBody>
-      </p:sp>
-      <p:sp>
-        <p:nvSpPr>
-          <p:cNvPr id="9" name="TextBox 8"/>
-          <p:cNvSpPr txBox="1"/>
-          <p:nvPr/>
-        </p:nvSpPr>
-        <p:spPr>
-          <a:xfrm>
-            <a:off x="3512308" y="2140428"/>
-            <a:ext cx="1818172" cy="584775"/>
-          </a:xfrm>
-          <a:prstGeom prst="rect">
-            <a:avLst/>
-          </a:prstGeom>
-          <a:noFill/>
-        </p:spPr>
-        <p:txBody>
-          <a:bodyPr wrap="square" rtlCol="0">
-            <a:spAutoFit/>
-          </a:bodyPr>
-          <a:lstStyle/>
-          <a:p>
-            <a:r>
-              <a:rPr lang="ko-KR" altLang="en-US" sz="1600" dirty="0">
-                <a:ln>
-                  <a:solidFill>
-                    <a:schemeClr val="bg1">
-                      <a:alpha val="15000"/>
-                    </a:schemeClr>
-                  </a:solidFill>
-                </a:ln>
-                <a:solidFill>
-                  <a:schemeClr val="bg1"/>
-                </a:solidFill>
-                <a:latin typeface="KoPub돋움체 Medium" panose="00000600000000000000" pitchFamily="2" charset="-127"/>
-                <a:ea typeface="KoPub돋움체 Medium" panose="00000600000000000000" pitchFamily="2" charset="-127"/>
-              </a:rPr>
-              <a:t>내용을 입력해주세요</a:t>
-            </a:r>
-          </a:p>
-        </p:txBody>
-      </p:sp>
-      <p:sp>
-        <p:nvSpPr>
-          <p:cNvPr id="10" name="TextBox 9"/>
-          <p:cNvSpPr txBox="1"/>
-          <p:nvPr/>
-        </p:nvSpPr>
-        <p:spPr>
-          <a:xfrm>
-            <a:off x="3470674" y="2603581"/>
-            <a:ext cx="1890261" cy="276999"/>
-          </a:xfrm>
-          <a:prstGeom prst="rect">
-            <a:avLst/>
-          </a:prstGeom>
-          <a:noFill/>
-        </p:spPr>
-        <p:txBody>
-          <a:bodyPr wrap="none" rtlCol="0">
-            <a:spAutoFit/>
-          </a:bodyPr>
-          <a:lstStyle/>
-          <a:p>
-            <a:r>
-              <a:rPr lang="ko-KR" altLang="en-US" sz="1200">
-                <a:ln>
-                  <a:solidFill>
-                    <a:schemeClr val="tx1">
-                      <a:lumMod val="75000"/>
-                      <a:lumOff val="25000"/>
-                      <a:alpha val="15000"/>
-                    </a:schemeClr>
-                  </a:solidFill>
-                </a:ln>
-                <a:solidFill>
-                  <a:schemeClr val="tx1">
-                    <a:lumMod val="75000"/>
-                    <a:lumOff val="25000"/>
-                  </a:schemeClr>
-                </a:solidFill>
-                <a:latin typeface="KoPub돋움체 Medium" panose="00000600000000000000" pitchFamily="2" charset="-127"/>
-                <a:ea typeface="KoPub돋움체 Medium" panose="00000600000000000000" pitchFamily="2" charset="-127"/>
-              </a:rPr>
-              <a:t>여기에 내용을 입력해주세요</a:t>
-            </a:r>
-          </a:p>
-        </p:txBody>
-      </p:sp>
-      <p:sp>
-        <p:nvSpPr>
-          <p:cNvPr id="11" name="TextBox 10"/>
-          <p:cNvSpPr txBox="1"/>
-          <p:nvPr/>
-        </p:nvSpPr>
-        <p:spPr>
-          <a:xfrm>
-            <a:off x="3470674" y="2879725"/>
-            <a:ext cx="1890261" cy="276999"/>
-          </a:xfrm>
-          <a:prstGeom prst="rect">
-            <a:avLst/>
-          </a:prstGeom>
-          <a:noFill/>
-        </p:spPr>
-        <p:txBody>
-          <a:bodyPr wrap="none" rtlCol="0">
-            <a:spAutoFit/>
-          </a:bodyPr>
-          <a:lstStyle/>
-          <a:p>
-            <a:r>
-              <a:rPr lang="ko-KR" altLang="en-US" sz="1200">
-                <a:ln>
-                  <a:solidFill>
-                    <a:schemeClr val="tx1">
-                      <a:lumMod val="75000"/>
-                      <a:lumOff val="25000"/>
-                      <a:alpha val="15000"/>
-                    </a:schemeClr>
-                  </a:solidFill>
-                </a:ln>
-                <a:solidFill>
-                  <a:schemeClr val="tx1">
-                    <a:lumMod val="75000"/>
-                    <a:lumOff val="25000"/>
-                  </a:schemeClr>
-                </a:solidFill>
-                <a:latin typeface="KoPub돋움체 Medium" panose="00000600000000000000" pitchFamily="2" charset="-127"/>
-                <a:ea typeface="KoPub돋움체 Medium" panose="00000600000000000000" pitchFamily="2" charset="-127"/>
-              </a:rPr>
-              <a:t>여기에 내용을 입력해주세요</a:t>
-            </a:r>
-          </a:p>
-        </p:txBody>
-      </p:sp>
-      <p:sp>
-        <p:nvSpPr>
-          <p:cNvPr id="12" name="직사각형 11"/>
-          <p:cNvSpPr/>
-          <p:nvPr/>
-        </p:nvSpPr>
-        <p:spPr>
-          <a:xfrm>
-            <a:off x="3430075" y="4570256"/>
-            <a:ext cx="2027750" cy="365204"/>
-          </a:xfrm>
-          <a:prstGeom prst="rect">
-            <a:avLst/>
-          </a:prstGeom>
-          <a:solidFill>
-            <a:srgbClr val="152B39"/>
-          </a:solidFill>
-          <a:ln>
-            <a:noFill/>
-          </a:ln>
-        </p:spPr>
-        <p:style>
-          <a:lnRef idx="2">
-            <a:schemeClr val="accent1">
-              <a:shade val="50000"/>
-            </a:schemeClr>
-          </a:lnRef>
-          <a:fillRef idx="1">
-            <a:schemeClr val="accent1"/>
-          </a:fillRef>
-          <a:effectRef idx="0">
-            <a:schemeClr val="accent1"/>
-          </a:effectRef>
-          <a:fontRef idx="minor">
-            <a:schemeClr val="lt1"/>
-          </a:fontRef>
-        </p:style>
-        <p:txBody>
-          <a:bodyPr rtlCol="0" anchor="ctr"/>
-          <a:lstStyle/>
-          <a:p>
-            <a:pPr algn="ctr"/>
-            <a:endParaRPr lang="ko-KR" altLang="en-US"/>
-          </a:p>
-        </p:txBody>
-      </p:sp>
-      <p:sp>
-        <p:nvSpPr>
-          <p:cNvPr id="14" name="TextBox 13"/>
-          <p:cNvSpPr txBox="1"/>
-          <p:nvPr/>
-        </p:nvSpPr>
-        <p:spPr>
-          <a:xfrm>
-            <a:off x="3470674" y="4566128"/>
-            <a:ext cx="1859805" cy="338554"/>
-          </a:xfrm>
-          <a:prstGeom prst="rect">
-            <a:avLst/>
-          </a:prstGeom>
-          <a:noFill/>
-        </p:spPr>
-        <p:txBody>
-          <a:bodyPr wrap="none" rtlCol="0">
-            <a:spAutoFit/>
-          </a:bodyPr>
-          <a:lstStyle/>
-          <a:p>
-            <a:r>
-              <a:rPr lang="ko-KR" altLang="en-US" sz="1600">
-                <a:ln>
-                  <a:solidFill>
-                    <a:schemeClr val="bg1">
-                      <a:alpha val="15000"/>
-                    </a:schemeClr>
-                  </a:solidFill>
-                </a:ln>
-                <a:solidFill>
-                  <a:schemeClr val="bg1"/>
-                </a:solidFill>
-                <a:latin typeface="KoPub돋움체 Medium" panose="00000600000000000000" pitchFamily="2" charset="-127"/>
-                <a:ea typeface="KoPub돋움체 Medium" panose="00000600000000000000" pitchFamily="2" charset="-127"/>
-              </a:rPr>
-              <a:t>내용을 입력해주세요</a:t>
-            </a:r>
-          </a:p>
-        </p:txBody>
-      </p:sp>
-      <p:sp>
-        <p:nvSpPr>
-          <p:cNvPr id="16" name="TextBox 15"/>
-          <p:cNvSpPr txBox="1"/>
-          <p:nvPr/>
-        </p:nvSpPr>
-        <p:spPr>
-          <a:xfrm>
-            <a:off x="3470674" y="5029281"/>
-            <a:ext cx="1890261" cy="276999"/>
-          </a:xfrm>
-          <a:prstGeom prst="rect">
-            <a:avLst/>
-          </a:prstGeom>
-          <a:noFill/>
-        </p:spPr>
-        <p:txBody>
-          <a:bodyPr wrap="none" rtlCol="0">
-            <a:spAutoFit/>
-          </a:bodyPr>
-          <a:lstStyle/>
-          <a:p>
-            <a:r>
-              <a:rPr lang="ko-KR" altLang="en-US" sz="1200">
-                <a:ln>
-                  <a:solidFill>
-                    <a:schemeClr val="tx1">
-                      <a:lumMod val="75000"/>
-                      <a:lumOff val="25000"/>
-                      <a:alpha val="15000"/>
-                    </a:schemeClr>
-                  </a:solidFill>
-                </a:ln>
-                <a:solidFill>
-                  <a:schemeClr val="tx1">
-                    <a:lumMod val="75000"/>
-                    <a:lumOff val="25000"/>
-                  </a:schemeClr>
-                </a:solidFill>
-                <a:latin typeface="KoPub돋움체 Medium" panose="00000600000000000000" pitchFamily="2" charset="-127"/>
-                <a:ea typeface="KoPub돋움체 Medium" panose="00000600000000000000" pitchFamily="2" charset="-127"/>
-              </a:rPr>
-              <a:t>여기에 내용을 입력해주세요</a:t>
-            </a:r>
-          </a:p>
-        </p:txBody>
-      </p:sp>
-      <p:sp>
-        <p:nvSpPr>
-          <p:cNvPr id="17" name="TextBox 16"/>
-          <p:cNvSpPr txBox="1"/>
-          <p:nvPr/>
-        </p:nvSpPr>
-        <p:spPr>
-          <a:xfrm>
-            <a:off x="3470674" y="5305425"/>
-            <a:ext cx="1890261" cy="276999"/>
-          </a:xfrm>
-          <a:prstGeom prst="rect">
-            <a:avLst/>
-          </a:prstGeom>
-          <a:noFill/>
-        </p:spPr>
-        <p:txBody>
-          <a:bodyPr wrap="none" rtlCol="0">
-            <a:spAutoFit/>
-          </a:bodyPr>
-          <a:lstStyle/>
-          <a:p>
-            <a:r>
-              <a:rPr lang="ko-KR" altLang="en-US" sz="1200">
-                <a:ln>
-                  <a:solidFill>
-                    <a:schemeClr val="tx1">
-                      <a:lumMod val="75000"/>
-                      <a:lumOff val="25000"/>
-                      <a:alpha val="15000"/>
-                    </a:schemeClr>
-                  </a:solidFill>
-                </a:ln>
-                <a:solidFill>
-                  <a:schemeClr val="tx1">
-                    <a:lumMod val="75000"/>
-                    <a:lumOff val="25000"/>
-                  </a:schemeClr>
-                </a:solidFill>
-                <a:latin typeface="KoPub돋움체 Medium" panose="00000600000000000000" pitchFamily="2" charset="-127"/>
-                <a:ea typeface="KoPub돋움체 Medium" panose="00000600000000000000" pitchFamily="2" charset="-127"/>
-              </a:rPr>
-              <a:t>여기에 내용을 입력해주세요</a:t>
-            </a:r>
-          </a:p>
-        </p:txBody>
-      </p:sp>
-      <p:sp>
-        <p:nvSpPr>
-          <p:cNvPr id="18" name="직사각형 17"/>
-          <p:cNvSpPr/>
-          <p:nvPr/>
-        </p:nvSpPr>
-        <p:spPr>
-          <a:xfrm>
-            <a:off x="9183175" y="2144556"/>
-            <a:ext cx="2027750" cy="365204"/>
-          </a:xfrm>
-          <a:prstGeom prst="rect">
-            <a:avLst/>
-          </a:prstGeom>
-          <a:solidFill>
-            <a:srgbClr val="152B39"/>
-          </a:solidFill>
-          <a:ln>
-            <a:noFill/>
-          </a:ln>
-        </p:spPr>
-        <p:style>
-          <a:lnRef idx="2">
-            <a:schemeClr val="accent1">
-              <a:shade val="50000"/>
-            </a:schemeClr>
-          </a:lnRef>
-          <a:fillRef idx="1">
-            <a:schemeClr val="accent1"/>
-          </a:fillRef>
-          <a:effectRef idx="0">
-            <a:schemeClr val="accent1"/>
-          </a:effectRef>
-          <a:fontRef idx="minor">
-            <a:schemeClr val="lt1"/>
-          </a:fontRef>
-        </p:style>
-        <p:txBody>
-          <a:bodyPr rtlCol="0" anchor="ctr"/>
-          <a:lstStyle/>
-          <a:p>
-            <a:pPr algn="ctr"/>
-            <a:endParaRPr lang="ko-KR" altLang="en-US"/>
-          </a:p>
-        </p:txBody>
-      </p:sp>
-      <p:sp>
-        <p:nvSpPr>
-          <p:cNvPr id="19" name="TextBox 18"/>
-          <p:cNvSpPr txBox="1"/>
-          <p:nvPr/>
-        </p:nvSpPr>
-        <p:spPr>
-          <a:xfrm>
-            <a:off x="9223774" y="2140428"/>
-            <a:ext cx="1859805" cy="338554"/>
-          </a:xfrm>
-          <a:prstGeom prst="rect">
-            <a:avLst/>
-          </a:prstGeom>
-          <a:noFill/>
-        </p:spPr>
-        <p:txBody>
-          <a:bodyPr wrap="none" rtlCol="0">
-            <a:spAutoFit/>
-          </a:bodyPr>
-          <a:lstStyle/>
-          <a:p>
-            <a:r>
-              <a:rPr lang="ko-KR" altLang="en-US" sz="1600">
-                <a:ln>
-                  <a:solidFill>
-                    <a:schemeClr val="bg1">
-                      <a:alpha val="15000"/>
-                    </a:schemeClr>
-                  </a:solidFill>
-                </a:ln>
-                <a:solidFill>
-                  <a:schemeClr val="bg1"/>
-                </a:solidFill>
-                <a:latin typeface="KoPub돋움체 Medium" panose="00000600000000000000" pitchFamily="2" charset="-127"/>
-                <a:ea typeface="KoPub돋움체 Medium" panose="00000600000000000000" pitchFamily="2" charset="-127"/>
-              </a:rPr>
-              <a:t>내용을 입력해주세요</a:t>
-            </a:r>
-          </a:p>
-        </p:txBody>
-      </p:sp>
-      <p:sp>
-        <p:nvSpPr>
-          <p:cNvPr id="20" name="TextBox 19"/>
-          <p:cNvSpPr txBox="1"/>
-          <p:nvPr/>
-        </p:nvSpPr>
-        <p:spPr>
-          <a:xfrm>
-            <a:off x="9223774" y="2603581"/>
-            <a:ext cx="1890261" cy="276999"/>
-          </a:xfrm>
-          <a:prstGeom prst="rect">
-            <a:avLst/>
-          </a:prstGeom>
-          <a:noFill/>
-        </p:spPr>
-        <p:txBody>
-          <a:bodyPr wrap="none" rtlCol="0">
-            <a:spAutoFit/>
-          </a:bodyPr>
-          <a:lstStyle/>
-          <a:p>
-            <a:r>
-              <a:rPr lang="ko-KR" altLang="en-US" sz="1200">
-                <a:ln>
-                  <a:solidFill>
-                    <a:schemeClr val="tx1">
-                      <a:lumMod val="75000"/>
-                      <a:lumOff val="25000"/>
-                      <a:alpha val="15000"/>
-                    </a:schemeClr>
-                  </a:solidFill>
-                </a:ln>
-                <a:solidFill>
-                  <a:schemeClr val="tx1">
-                    <a:lumMod val="75000"/>
-                    <a:lumOff val="25000"/>
-                  </a:schemeClr>
-                </a:solidFill>
-                <a:latin typeface="KoPub돋움체 Medium" panose="00000600000000000000" pitchFamily="2" charset="-127"/>
-                <a:ea typeface="KoPub돋움체 Medium" panose="00000600000000000000" pitchFamily="2" charset="-127"/>
-              </a:rPr>
-              <a:t>여기에 내용을 입력해주세요</a:t>
-            </a:r>
-          </a:p>
-        </p:txBody>
-      </p:sp>
-      <p:sp>
-        <p:nvSpPr>
-          <p:cNvPr id="21" name="TextBox 20"/>
-          <p:cNvSpPr txBox="1"/>
-          <p:nvPr/>
-        </p:nvSpPr>
-        <p:spPr>
-          <a:xfrm>
-            <a:off x="9223774" y="2879725"/>
-            <a:ext cx="1890261" cy="276999"/>
-          </a:xfrm>
-          <a:prstGeom prst="rect">
-            <a:avLst/>
-          </a:prstGeom>
-          <a:noFill/>
-        </p:spPr>
-        <p:txBody>
-          <a:bodyPr wrap="none" rtlCol="0">
-            <a:spAutoFit/>
-          </a:bodyPr>
-          <a:lstStyle/>
-          <a:p>
-            <a:r>
-              <a:rPr lang="ko-KR" altLang="en-US" sz="1200">
-                <a:ln>
-                  <a:solidFill>
-                    <a:schemeClr val="tx1">
-                      <a:lumMod val="75000"/>
-                      <a:lumOff val="25000"/>
-                      <a:alpha val="15000"/>
-                    </a:schemeClr>
-                  </a:solidFill>
-                </a:ln>
-                <a:solidFill>
-                  <a:schemeClr val="tx1">
-                    <a:lumMod val="75000"/>
-                    <a:lumOff val="25000"/>
-                  </a:schemeClr>
-                </a:solidFill>
-                <a:latin typeface="KoPub돋움체 Medium" panose="00000600000000000000" pitchFamily="2" charset="-127"/>
-                <a:ea typeface="KoPub돋움체 Medium" panose="00000600000000000000" pitchFamily="2" charset="-127"/>
-              </a:rPr>
-              <a:t>여기에 내용을 입력해주세요</a:t>
-            </a:r>
-          </a:p>
-        </p:txBody>
-      </p:sp>
-      <p:sp>
-        <p:nvSpPr>
-          <p:cNvPr id="22" name="직사각형 21"/>
-          <p:cNvSpPr/>
-          <p:nvPr/>
-        </p:nvSpPr>
-        <p:spPr>
-          <a:xfrm>
-            <a:off x="9183175" y="4570256"/>
-            <a:ext cx="2027750" cy="365204"/>
-          </a:xfrm>
-          <a:prstGeom prst="rect">
-            <a:avLst/>
-          </a:prstGeom>
-          <a:solidFill>
-            <a:srgbClr val="152B39"/>
-          </a:solidFill>
-          <a:ln>
-            <a:noFill/>
-          </a:ln>
-        </p:spPr>
-        <p:style>
-          <a:lnRef idx="2">
-            <a:schemeClr val="accent1">
-              <a:shade val="50000"/>
-            </a:schemeClr>
-          </a:lnRef>
-          <a:fillRef idx="1">
-            <a:schemeClr val="accent1"/>
-          </a:fillRef>
-          <a:effectRef idx="0">
-            <a:schemeClr val="accent1"/>
-          </a:effectRef>
-          <a:fontRef idx="minor">
-            <a:schemeClr val="lt1"/>
-          </a:fontRef>
-        </p:style>
-        <p:txBody>
-          <a:bodyPr rtlCol="0" anchor="ctr"/>
-          <a:lstStyle/>
-          <a:p>
-            <a:pPr algn="ctr"/>
-            <a:endParaRPr lang="ko-KR" altLang="en-US"/>
-          </a:p>
-        </p:txBody>
-      </p:sp>
-      <p:sp>
-        <p:nvSpPr>
-          <p:cNvPr id="23" name="TextBox 22"/>
-          <p:cNvSpPr txBox="1"/>
-          <p:nvPr/>
-        </p:nvSpPr>
-        <p:spPr>
-          <a:xfrm>
-            <a:off x="9223774" y="4566128"/>
-            <a:ext cx="1859805" cy="338554"/>
-          </a:xfrm>
-          <a:prstGeom prst="rect">
-            <a:avLst/>
-          </a:prstGeom>
-          <a:noFill/>
-        </p:spPr>
-        <p:txBody>
-          <a:bodyPr wrap="none" rtlCol="0">
-            <a:spAutoFit/>
-          </a:bodyPr>
-          <a:lstStyle/>
-          <a:p>
-            <a:r>
-              <a:rPr lang="ko-KR" altLang="en-US" sz="1600">
-                <a:ln>
-                  <a:solidFill>
-                    <a:schemeClr val="bg1">
-                      <a:alpha val="15000"/>
-                    </a:schemeClr>
-                  </a:solidFill>
-                </a:ln>
-                <a:solidFill>
-                  <a:schemeClr val="bg1"/>
-                </a:solidFill>
-                <a:latin typeface="KoPub돋움체 Medium" panose="00000600000000000000" pitchFamily="2" charset="-127"/>
-                <a:ea typeface="KoPub돋움체 Medium" panose="00000600000000000000" pitchFamily="2" charset="-127"/>
-              </a:rPr>
-              <a:t>내용을 입력해주세요</a:t>
-            </a:r>
-          </a:p>
-        </p:txBody>
-      </p:sp>
-      <p:sp>
-        <p:nvSpPr>
-          <p:cNvPr id="24" name="TextBox 23"/>
-          <p:cNvSpPr txBox="1"/>
-          <p:nvPr/>
-        </p:nvSpPr>
-        <p:spPr>
-          <a:xfrm>
-            <a:off x="9223774" y="5029281"/>
-            <a:ext cx="1890261" cy="276999"/>
-          </a:xfrm>
-          <a:prstGeom prst="rect">
-            <a:avLst/>
-          </a:prstGeom>
-          <a:noFill/>
-        </p:spPr>
-        <p:txBody>
-          <a:bodyPr wrap="none" rtlCol="0">
-            <a:spAutoFit/>
-          </a:bodyPr>
-          <a:lstStyle/>
-          <a:p>
-            <a:r>
-              <a:rPr lang="ko-KR" altLang="en-US" sz="1200">
-                <a:ln>
-                  <a:solidFill>
-                    <a:schemeClr val="tx1">
-                      <a:lumMod val="75000"/>
-                      <a:lumOff val="25000"/>
-                      <a:alpha val="15000"/>
-                    </a:schemeClr>
-                  </a:solidFill>
-                </a:ln>
-                <a:solidFill>
-                  <a:schemeClr val="tx1">
-                    <a:lumMod val="75000"/>
-                    <a:lumOff val="25000"/>
-                  </a:schemeClr>
-                </a:solidFill>
-                <a:latin typeface="KoPub돋움체 Medium" panose="00000600000000000000" pitchFamily="2" charset="-127"/>
-                <a:ea typeface="KoPub돋움체 Medium" panose="00000600000000000000" pitchFamily="2" charset="-127"/>
-              </a:rPr>
-              <a:t>여기에 내용을 입력해주세요</a:t>
-            </a:r>
-          </a:p>
-        </p:txBody>
-      </p:sp>
-      <p:sp>
-        <p:nvSpPr>
-          <p:cNvPr id="25" name="TextBox 24"/>
-          <p:cNvSpPr txBox="1"/>
-          <p:nvPr/>
-        </p:nvSpPr>
-        <p:spPr>
-          <a:xfrm>
-            <a:off x="9223774" y="5305425"/>
-            <a:ext cx="1890261" cy="276999"/>
-          </a:xfrm>
-          <a:prstGeom prst="rect">
-            <a:avLst/>
-          </a:prstGeom>
-          <a:noFill/>
-        </p:spPr>
-        <p:txBody>
-          <a:bodyPr wrap="none" rtlCol="0">
-            <a:spAutoFit/>
-          </a:bodyPr>
-          <a:lstStyle/>
-          <a:p>
-            <a:r>
-              <a:rPr lang="ko-KR" altLang="en-US" sz="1200">
-                <a:ln>
-                  <a:solidFill>
-                    <a:schemeClr val="tx1">
-                      <a:lumMod val="75000"/>
-                      <a:lumOff val="25000"/>
-                      <a:alpha val="15000"/>
-                    </a:schemeClr>
-                  </a:solidFill>
-                </a:ln>
-                <a:solidFill>
-                  <a:schemeClr val="tx1">
-                    <a:lumMod val="75000"/>
-                    <a:lumOff val="25000"/>
-                  </a:schemeClr>
-                </a:solidFill>
-                <a:latin typeface="KoPub돋움체 Medium" panose="00000600000000000000" pitchFamily="2" charset="-127"/>
-                <a:ea typeface="KoPub돋움체 Medium" panose="00000600000000000000" pitchFamily="2" charset="-127"/>
-              </a:rPr>
-              <a:t>여기에 내용을 입력해주세요</a:t>
-            </a:r>
-          </a:p>
-        </p:txBody>
-      </p:sp>
-      <p:sp>
-        <p:nvSpPr>
-          <p:cNvPr id="29" name="TextBox 28"/>
-          <p:cNvSpPr txBox="1"/>
-          <p:nvPr/>
-        </p:nvSpPr>
-        <p:spPr>
-          <a:xfrm>
-            <a:off x="3470674" y="3166802"/>
-            <a:ext cx="1890261" cy="276999"/>
-          </a:xfrm>
-          <a:prstGeom prst="rect">
-            <a:avLst/>
-          </a:prstGeom>
-          <a:noFill/>
-        </p:spPr>
-        <p:txBody>
-          <a:bodyPr wrap="none" rtlCol="0">
-            <a:spAutoFit/>
-          </a:bodyPr>
-          <a:lstStyle/>
-          <a:p>
-            <a:r>
-              <a:rPr lang="ko-KR" altLang="en-US" sz="1200">
-                <a:ln>
-                  <a:solidFill>
-                    <a:schemeClr val="tx1">
-                      <a:lumMod val="75000"/>
-                      <a:lumOff val="25000"/>
-                      <a:alpha val="15000"/>
-                    </a:schemeClr>
-                  </a:solidFill>
-                </a:ln>
-                <a:solidFill>
-                  <a:schemeClr val="tx1">
-                    <a:lumMod val="75000"/>
-                    <a:lumOff val="25000"/>
-                  </a:schemeClr>
-                </a:solidFill>
-                <a:latin typeface="KoPub돋움체 Medium" panose="00000600000000000000" pitchFamily="2" charset="-127"/>
-                <a:ea typeface="KoPub돋움체 Medium" panose="00000600000000000000" pitchFamily="2" charset="-127"/>
-              </a:rPr>
-              <a:t>여기에 내용을 입력해주세요</a:t>
-            </a:r>
-          </a:p>
-        </p:txBody>
-      </p:sp>
-      <p:sp>
-        <p:nvSpPr>
-          <p:cNvPr id="30" name="TextBox 29"/>
-          <p:cNvSpPr txBox="1"/>
-          <p:nvPr/>
-        </p:nvSpPr>
-        <p:spPr>
-          <a:xfrm>
-            <a:off x="3470674" y="5592502"/>
-            <a:ext cx="1890261" cy="276999"/>
-          </a:xfrm>
-          <a:prstGeom prst="rect">
-            <a:avLst/>
-          </a:prstGeom>
-          <a:noFill/>
-        </p:spPr>
-        <p:txBody>
-          <a:bodyPr wrap="none" rtlCol="0">
-            <a:spAutoFit/>
-          </a:bodyPr>
-          <a:lstStyle/>
-          <a:p>
-            <a:r>
-              <a:rPr lang="ko-KR" altLang="en-US" sz="1200">
-                <a:ln>
-                  <a:solidFill>
-                    <a:schemeClr val="tx1">
-                      <a:lumMod val="75000"/>
-                      <a:lumOff val="25000"/>
-                      <a:alpha val="15000"/>
-                    </a:schemeClr>
-                  </a:solidFill>
-                </a:ln>
-                <a:solidFill>
-                  <a:schemeClr val="tx1">
-                    <a:lumMod val="75000"/>
-                    <a:lumOff val="25000"/>
-                  </a:schemeClr>
-                </a:solidFill>
-                <a:latin typeface="KoPub돋움체 Medium" panose="00000600000000000000" pitchFamily="2" charset="-127"/>
-                <a:ea typeface="KoPub돋움체 Medium" panose="00000600000000000000" pitchFamily="2" charset="-127"/>
-              </a:rPr>
-              <a:t>여기에 내용을 입력해주세요</a:t>
-            </a:r>
-          </a:p>
-        </p:txBody>
-      </p:sp>
-      <p:sp>
-        <p:nvSpPr>
-          <p:cNvPr id="31" name="TextBox 30"/>
-          <p:cNvSpPr txBox="1"/>
-          <p:nvPr/>
-        </p:nvSpPr>
-        <p:spPr>
-          <a:xfrm>
-            <a:off x="9223774" y="3166802"/>
-            <a:ext cx="1890261" cy="276999"/>
-          </a:xfrm>
-          <a:prstGeom prst="rect">
-            <a:avLst/>
-          </a:prstGeom>
-          <a:noFill/>
-        </p:spPr>
-        <p:txBody>
-          <a:bodyPr wrap="none" rtlCol="0">
-            <a:spAutoFit/>
-          </a:bodyPr>
-          <a:lstStyle/>
-          <a:p>
-            <a:r>
-              <a:rPr lang="ko-KR" altLang="en-US" sz="1200">
-                <a:ln>
-                  <a:solidFill>
-                    <a:schemeClr val="tx1">
-                      <a:lumMod val="75000"/>
-                      <a:lumOff val="25000"/>
-                      <a:alpha val="15000"/>
-                    </a:schemeClr>
-                  </a:solidFill>
-                </a:ln>
-                <a:solidFill>
-                  <a:schemeClr val="tx1">
-                    <a:lumMod val="75000"/>
-                    <a:lumOff val="25000"/>
-                  </a:schemeClr>
-                </a:solidFill>
-                <a:latin typeface="KoPub돋움체 Medium" panose="00000600000000000000" pitchFamily="2" charset="-127"/>
-                <a:ea typeface="KoPub돋움체 Medium" panose="00000600000000000000" pitchFamily="2" charset="-127"/>
-              </a:rPr>
-              <a:t>여기에 내용을 입력해주세요</a:t>
-            </a:r>
-          </a:p>
-        </p:txBody>
-      </p:sp>
-      <p:sp>
-        <p:nvSpPr>
-          <p:cNvPr id="32" name="TextBox 31"/>
-          <p:cNvSpPr txBox="1"/>
-          <p:nvPr/>
-        </p:nvSpPr>
-        <p:spPr>
-          <a:xfrm>
-            <a:off x="9223774" y="5592502"/>
-            <a:ext cx="1890261" cy="276999"/>
-          </a:xfrm>
-          <a:prstGeom prst="rect">
-            <a:avLst/>
-          </a:prstGeom>
-          <a:noFill/>
-        </p:spPr>
-        <p:txBody>
-          <a:bodyPr wrap="none" rtlCol="0">
-            <a:spAutoFit/>
-          </a:bodyPr>
-          <a:lstStyle/>
-          <a:p>
-            <a:r>
-              <a:rPr lang="ko-KR" altLang="en-US" sz="1200">
-                <a:ln>
-                  <a:solidFill>
-                    <a:schemeClr val="tx1">
-                      <a:lumMod val="75000"/>
-                      <a:lumOff val="25000"/>
-                      <a:alpha val="15000"/>
-                    </a:schemeClr>
-                  </a:solidFill>
-                </a:ln>
-                <a:solidFill>
-                  <a:schemeClr val="tx1">
-                    <a:lumMod val="75000"/>
-                    <a:lumOff val="25000"/>
-                  </a:schemeClr>
-                </a:solidFill>
-                <a:latin typeface="KoPub돋움체 Medium" panose="00000600000000000000" pitchFamily="2" charset="-127"/>
-                <a:ea typeface="KoPub돋움체 Medium" panose="00000600000000000000" pitchFamily="2" charset="-127"/>
-              </a:rPr>
-              <a:t>여기에 내용을 입력해주세요</a:t>
-            </a:r>
-          </a:p>
-        </p:txBody>
-      </p:sp>
-    </p:spTree>
-    <p:extLst>
-      <p:ext uri="{BB962C8B-B14F-4D97-AF65-F5344CB8AC3E}">
-        <p14:creationId xmlns:p14="http://schemas.microsoft.com/office/powerpoint/2010/main" val="2015639130"/>
-      </p:ext>
-    </p:extLst>
-  </p:cSld>
-  <p:clrMapOvr>
-    <a:overrideClrMapping bg1="lt1" tx1="dk1" bg2="lt2" tx2="dk2" accent1="accent1" accent2="accent2" accent3="accent3" accent4="accent4" accent5="accent5" accent6="accent6" hlink="hlink" folHlink="folHlink"/>
-  </p:clrMapOvr>
-</p:sld>
-</file>
-
-<file path=ppt/slides/slide8.xml><?xml version="1.0" encoding="utf-8"?>
-<p:sld xmlns:a="http://schemas.openxmlformats.org/drawingml/2006/main" xmlns:r="http://schemas.openxmlformats.org/officeDocument/2006/relationships" xmlns:p="http://schemas.openxmlformats.org/presentationml/2006/main">
-  <p:cSld>
-    <p:bg>
-      <p:bgPr>
-        <a:solidFill>
-          <a:srgbClr val="E7E6E6"/>
-        </a:solidFill>
-        <a:effectLst/>
-      </p:bgPr>
-    </p:bg>
-    <p:spTree>
-      <p:nvGrpSpPr>
-        <p:cNvPr id="1" name=""/>
-        <p:cNvGrpSpPr/>
-        <p:nvPr/>
-      </p:nvGrpSpPr>
-      <p:grpSpPr>
-        <a:xfrm>
-          <a:off x="0" y="0"/>
-          <a:ext cx="0" cy="0"/>
-          <a:chOff x="0" y="0"/>
-          <a:chExt cx="0" cy="0"/>
-        </a:xfrm>
-      </p:grpSpPr>
-      <p:sp>
-        <p:nvSpPr>
-          <p:cNvPr id="13" name="직사각형 12"/>
-          <p:cNvSpPr/>
-          <p:nvPr/>
-        </p:nvSpPr>
-        <p:spPr>
-          <a:xfrm>
-            <a:off x="0" y="0"/>
-            <a:ext cx="12192000" cy="800100"/>
-          </a:xfrm>
-          <a:prstGeom prst="rect">
-            <a:avLst/>
-          </a:prstGeom>
-          <a:solidFill>
-            <a:srgbClr val="152B39"/>
-          </a:solidFill>
-          <a:ln>
-            <a:noFill/>
-          </a:ln>
-        </p:spPr>
-        <p:style>
-          <a:lnRef idx="2">
-            <a:schemeClr val="accent1">
-              <a:shade val="50000"/>
-            </a:schemeClr>
-          </a:lnRef>
-          <a:fillRef idx="1">
-            <a:schemeClr val="accent1"/>
-          </a:fillRef>
-          <a:effectRef idx="0">
-            <a:schemeClr val="accent1"/>
-          </a:effectRef>
-          <a:fontRef idx="minor">
-            <a:schemeClr val="lt1"/>
-          </a:fontRef>
-        </p:style>
-        <p:txBody>
-          <a:bodyPr rtlCol="0" anchor="ctr"/>
-          <a:lstStyle/>
-          <a:p>
-            <a:pPr algn="ctr"/>
-            <a:endParaRPr lang="ko-KR" altLang="en-US"/>
-          </a:p>
-        </p:txBody>
-      </p:sp>
-      <p:sp>
-        <p:nvSpPr>
-          <p:cNvPr id="15" name="TextBox 14"/>
-          <p:cNvSpPr txBox="1"/>
-          <p:nvPr/>
-        </p:nvSpPr>
-        <p:spPr>
-          <a:xfrm>
-            <a:off x="3925374" y="81975"/>
-            <a:ext cx="4341253" cy="584775"/>
-          </a:xfrm>
-          <a:prstGeom prst="rect">
-            <a:avLst/>
-          </a:prstGeom>
-          <a:noFill/>
-        </p:spPr>
-        <p:txBody>
-          <a:bodyPr wrap="none" rtlCol="0">
-            <a:spAutoFit/>
-          </a:bodyPr>
-          <a:lstStyle/>
-          <a:p>
-            <a:r>
-              <a:rPr lang="en-US" altLang="ko-KR" sz="3200">
-                <a:solidFill>
-                  <a:schemeClr val="bg1"/>
-                </a:solidFill>
-                <a:latin typeface="KoPub돋움체 Bold" panose="00000800000000000000" pitchFamily="2" charset="-127"/>
-                <a:ea typeface="KoPub돋움체 Bold" panose="00000800000000000000" pitchFamily="2" charset="-127"/>
-              </a:rPr>
-              <a:t>01. SLIDE MAIN TITLE</a:t>
-            </a:r>
-            <a:endParaRPr lang="ko-KR" altLang="en-US" sz="3200">
-              <a:solidFill>
-                <a:schemeClr val="bg1"/>
-              </a:solidFill>
-              <a:latin typeface="KoPub돋움체 Bold" panose="00000800000000000000" pitchFamily="2" charset="-127"/>
-              <a:ea typeface="KoPub돋움체 Bold" panose="00000800000000000000" pitchFamily="2" charset="-127"/>
-            </a:endParaRPr>
-          </a:p>
-        </p:txBody>
-      </p:sp>
-      <p:sp>
-        <p:nvSpPr>
-          <p:cNvPr id="30" name="직사각형 29">
-            <a:extLst>
-              <a:ext uri="{FF2B5EF4-FFF2-40B4-BE49-F238E27FC236}">
-                <a16:creationId xmlns:a16="http://schemas.microsoft.com/office/drawing/2014/main" id="{59CDC580-554D-4AC0-9A5E-5F3996901734}"/>
-              </a:ext>
-            </a:extLst>
-          </p:cNvPr>
-          <p:cNvSpPr/>
-          <p:nvPr/>
-        </p:nvSpPr>
-        <p:spPr>
-          <a:xfrm>
-            <a:off x="9975793" y="3536559"/>
-            <a:ext cx="182880" cy="182880"/>
-          </a:xfrm>
-          <a:prstGeom prst="rect">
-            <a:avLst/>
-          </a:prstGeom>
-          <a:solidFill>
-            <a:srgbClr val="152B39"/>
-          </a:solidFill>
-          <a:ln>
-            <a:noFill/>
-          </a:ln>
-        </p:spPr>
-        <p:style>
-          <a:lnRef idx="2">
-            <a:schemeClr val="accent1">
-              <a:shade val="50000"/>
-            </a:schemeClr>
-          </a:lnRef>
-          <a:fillRef idx="1">
-            <a:schemeClr val="accent1"/>
-          </a:fillRef>
-          <a:effectRef idx="0">
-            <a:schemeClr val="accent1"/>
-          </a:effectRef>
-          <a:fontRef idx="minor">
-            <a:schemeClr val="lt1"/>
-          </a:fontRef>
-        </p:style>
-        <p:txBody>
-          <a:bodyPr rtlCol="0" anchor="ctr"/>
-          <a:lstStyle/>
-          <a:p>
-            <a:pPr algn="ctr"/>
-            <a:endParaRPr lang="ko-KR" altLang="en-US"/>
-          </a:p>
-        </p:txBody>
-      </p:sp>
-      <p:sp>
-        <p:nvSpPr>
-          <p:cNvPr id="31" name="직사각형 30">
-            <a:extLst>
-              <a:ext uri="{FF2B5EF4-FFF2-40B4-BE49-F238E27FC236}">
-                <a16:creationId xmlns:a16="http://schemas.microsoft.com/office/drawing/2014/main" id="{78674FEC-699C-4212-B5BE-DAC12D332C73}"/>
-              </a:ext>
-            </a:extLst>
-          </p:cNvPr>
-          <p:cNvSpPr/>
-          <p:nvPr/>
-        </p:nvSpPr>
-        <p:spPr>
-          <a:xfrm>
-            <a:off x="9975793" y="4008642"/>
-            <a:ext cx="182880" cy="182880"/>
-          </a:xfrm>
-          <a:prstGeom prst="rect">
-            <a:avLst/>
-          </a:prstGeom>
-          <a:solidFill>
-            <a:srgbClr val="FFFFFF"/>
-          </a:solidFill>
-          <a:ln>
-            <a:noFill/>
-          </a:ln>
-        </p:spPr>
-        <p:style>
-          <a:lnRef idx="2">
-            <a:schemeClr val="accent1">
-              <a:shade val="50000"/>
-            </a:schemeClr>
-          </a:lnRef>
-          <a:fillRef idx="1">
-            <a:schemeClr val="accent1"/>
-          </a:fillRef>
-          <a:effectRef idx="0">
-            <a:schemeClr val="accent1"/>
-          </a:effectRef>
-          <a:fontRef idx="minor">
-            <a:schemeClr val="lt1"/>
-          </a:fontRef>
-        </p:style>
-        <p:txBody>
-          <a:bodyPr rtlCol="0" anchor="ctr"/>
-          <a:lstStyle/>
-          <a:p>
-            <a:pPr algn="ctr"/>
-            <a:endParaRPr lang="ko-KR" altLang="en-US"/>
-          </a:p>
-        </p:txBody>
-      </p:sp>
-      <p:sp>
-        <p:nvSpPr>
-          <p:cNvPr id="32" name="TextBox 31">
-            <a:extLst>
-              <a:ext uri="{FF2B5EF4-FFF2-40B4-BE49-F238E27FC236}">
-                <a16:creationId xmlns:a16="http://schemas.microsoft.com/office/drawing/2014/main" id="{0C3A96CE-8308-4488-9E20-E93F1B4644DA}"/>
-              </a:ext>
-            </a:extLst>
-          </p:cNvPr>
-          <p:cNvSpPr txBox="1"/>
-          <p:nvPr/>
-        </p:nvSpPr>
-        <p:spPr>
-          <a:xfrm>
-            <a:off x="10157006" y="3422259"/>
-            <a:ext cx="1117614" cy="369332"/>
-          </a:xfrm>
-          <a:prstGeom prst="rect">
-            <a:avLst/>
-          </a:prstGeom>
-          <a:noFill/>
-        </p:spPr>
-        <p:txBody>
-          <a:bodyPr wrap="none" rtlCol="0">
-            <a:spAutoFit/>
-          </a:bodyPr>
-          <a:lstStyle/>
-          <a:p>
-            <a:r>
-              <a:rPr lang="en-US" altLang="ko-KR" dirty="0">
-                <a:ln>
-                  <a:solidFill>
-                    <a:schemeClr val="bg2">
-                      <a:lumMod val="50000"/>
-                      <a:alpha val="15000"/>
-                    </a:schemeClr>
-                  </a:solidFill>
-                </a:ln>
-                <a:solidFill>
-                  <a:schemeClr val="bg2">
-                    <a:lumMod val="50000"/>
-                  </a:schemeClr>
-                </a:solidFill>
-                <a:latin typeface="나눔스퀘어" panose="020B0600000101010101" pitchFamily="50" charset="-127"/>
-                <a:ea typeface="나눔스퀘어" panose="020B0600000101010101" pitchFamily="50" charset="-127"/>
-                <a:cs typeface="조선일보명조" panose="02030304000000000000" pitchFamily="18" charset="-127"/>
-              </a:rPr>
-              <a:t>contents</a:t>
-            </a:r>
-            <a:endParaRPr lang="ko-KR" altLang="en-US" dirty="0">
-              <a:ln>
-                <a:solidFill>
-                  <a:schemeClr val="bg2">
-                    <a:lumMod val="50000"/>
-                    <a:alpha val="15000"/>
-                  </a:schemeClr>
-                </a:solidFill>
-              </a:ln>
-              <a:solidFill>
-                <a:schemeClr val="bg2">
-                  <a:lumMod val="50000"/>
-                </a:schemeClr>
-              </a:solidFill>
-              <a:latin typeface="나눔스퀘어" panose="020B0600000101010101" pitchFamily="50" charset="-127"/>
-              <a:ea typeface="나눔스퀘어" panose="020B0600000101010101" pitchFamily="50" charset="-127"/>
-              <a:cs typeface="조선일보명조" panose="02030304000000000000" pitchFamily="18" charset="-127"/>
-            </a:endParaRPr>
-          </a:p>
-        </p:txBody>
-      </p:sp>
-      <p:sp>
-        <p:nvSpPr>
-          <p:cNvPr id="33" name="TextBox 32">
-            <a:extLst>
-              <a:ext uri="{FF2B5EF4-FFF2-40B4-BE49-F238E27FC236}">
-                <a16:creationId xmlns:a16="http://schemas.microsoft.com/office/drawing/2014/main" id="{D88AF1F9-A828-4220-8A16-D746D8F2CE3D}"/>
-              </a:ext>
-            </a:extLst>
-          </p:cNvPr>
-          <p:cNvSpPr txBox="1"/>
-          <p:nvPr/>
-        </p:nvSpPr>
-        <p:spPr>
-          <a:xfrm>
-            <a:off x="10157006" y="3905891"/>
-            <a:ext cx="1117614" cy="369332"/>
-          </a:xfrm>
-          <a:prstGeom prst="rect">
-            <a:avLst/>
-          </a:prstGeom>
-          <a:noFill/>
-        </p:spPr>
-        <p:txBody>
-          <a:bodyPr wrap="none" rtlCol="0">
-            <a:spAutoFit/>
-          </a:bodyPr>
-          <a:lstStyle/>
-          <a:p>
-            <a:r>
-              <a:rPr lang="en-US" altLang="ko-KR" dirty="0">
-                <a:ln>
-                  <a:solidFill>
-                    <a:schemeClr val="bg2">
-                      <a:lumMod val="50000"/>
-                      <a:alpha val="15000"/>
-                    </a:schemeClr>
-                  </a:solidFill>
-                </a:ln>
-                <a:solidFill>
-                  <a:schemeClr val="bg2">
-                    <a:lumMod val="50000"/>
-                  </a:schemeClr>
-                </a:solidFill>
-                <a:latin typeface="나눔스퀘어" panose="020B0600000101010101" pitchFamily="50" charset="-127"/>
-                <a:ea typeface="나눔스퀘어" panose="020B0600000101010101" pitchFamily="50" charset="-127"/>
-                <a:cs typeface="조선일보명조" panose="02030304000000000000" pitchFamily="18" charset="-127"/>
-              </a:rPr>
-              <a:t>contents</a:t>
-            </a:r>
-            <a:endParaRPr lang="ko-KR" altLang="en-US" dirty="0">
-              <a:ln>
-                <a:solidFill>
-                  <a:schemeClr val="bg2">
-                    <a:lumMod val="50000"/>
-                    <a:alpha val="15000"/>
-                  </a:schemeClr>
-                </a:solidFill>
-              </a:ln>
-              <a:solidFill>
-                <a:schemeClr val="bg2">
-                  <a:lumMod val="50000"/>
-                </a:schemeClr>
-              </a:solidFill>
-              <a:latin typeface="나눔스퀘어" panose="020B0600000101010101" pitchFamily="50" charset="-127"/>
-              <a:ea typeface="나눔스퀘어" panose="020B0600000101010101" pitchFamily="50" charset="-127"/>
-              <a:cs typeface="조선일보명조" panose="02030304000000000000" pitchFamily="18" charset="-127"/>
-            </a:endParaRPr>
-          </a:p>
-        </p:txBody>
-      </p:sp>
-      <p:sp>
-        <p:nvSpPr>
-          <p:cNvPr id="34" name="직사각형 33">
-            <a:extLst>
-              <a:ext uri="{FF2B5EF4-FFF2-40B4-BE49-F238E27FC236}">
-                <a16:creationId xmlns:a16="http://schemas.microsoft.com/office/drawing/2014/main" id="{CEB1A4A9-21D6-4C59-9620-C123C38E2F1C}"/>
-              </a:ext>
-            </a:extLst>
-          </p:cNvPr>
-          <p:cNvSpPr/>
-          <p:nvPr/>
-        </p:nvSpPr>
-        <p:spPr>
-          <a:xfrm>
-            <a:off x="2783246" y="3800947"/>
-            <a:ext cx="282013" cy="1357189"/>
-          </a:xfrm>
-          <a:prstGeom prst="rect">
-            <a:avLst/>
-          </a:prstGeom>
-          <a:solidFill>
-            <a:schemeClr val="bg1"/>
-          </a:solidFill>
-          <a:ln>
-            <a:noFill/>
-          </a:ln>
-        </p:spPr>
-        <p:style>
-          <a:lnRef idx="2">
-            <a:schemeClr val="accent1">
-              <a:shade val="50000"/>
-            </a:schemeClr>
-          </a:lnRef>
-          <a:fillRef idx="1">
-            <a:schemeClr val="accent1"/>
-          </a:fillRef>
-          <a:effectRef idx="0">
-            <a:schemeClr val="accent1"/>
-          </a:effectRef>
-          <a:fontRef idx="minor">
-            <a:schemeClr val="lt1"/>
-          </a:fontRef>
-        </p:style>
-        <p:txBody>
-          <a:bodyPr rot="0" spcFirstLastPara="0" vertOverflow="overflow" horzOverflow="overflow" vert="horz" wrap="square" lIns="91440" tIns="45720" rIns="91440" bIns="45720" numCol="1" spcCol="0" rtlCol="0" fromWordArt="0" anchor="ctr" anchorCtr="0" forceAA="0" compatLnSpc="1">
-            <a:prstTxWarp prst="textNoShape">
-              <a:avLst/>
-            </a:prstTxWarp>
-            <a:noAutofit/>
-          </a:bodyPr>
-          <a:lstStyle/>
-          <a:p>
-            <a:pPr algn="ctr"/>
-            <a:endParaRPr lang="ko-KR" altLang="en-US"/>
-          </a:p>
-        </p:txBody>
-      </p:sp>
-      <p:sp>
-        <p:nvSpPr>
-          <p:cNvPr id="35" name="직사각형 34">
-            <a:extLst>
-              <a:ext uri="{FF2B5EF4-FFF2-40B4-BE49-F238E27FC236}">
-                <a16:creationId xmlns:a16="http://schemas.microsoft.com/office/drawing/2014/main" id="{325ECA79-DAC5-45ED-B409-73692561B65D}"/>
-              </a:ext>
-            </a:extLst>
-          </p:cNvPr>
-          <p:cNvSpPr/>
-          <p:nvPr/>
-        </p:nvSpPr>
-        <p:spPr>
-          <a:xfrm>
-            <a:off x="2783247" y="3536559"/>
-            <a:ext cx="282012" cy="581653"/>
-          </a:xfrm>
-          <a:prstGeom prst="rect">
-            <a:avLst/>
-          </a:prstGeom>
-          <a:solidFill>
-            <a:srgbClr val="152B39"/>
-          </a:solidFill>
-          <a:ln>
-            <a:noFill/>
-          </a:ln>
-        </p:spPr>
-        <p:style>
-          <a:lnRef idx="2">
-            <a:schemeClr val="accent1">
-              <a:shade val="50000"/>
-            </a:schemeClr>
-          </a:lnRef>
-          <a:fillRef idx="1">
-            <a:schemeClr val="accent1"/>
-          </a:fillRef>
-          <a:effectRef idx="0">
-            <a:schemeClr val="accent1"/>
-          </a:effectRef>
-          <a:fontRef idx="minor">
-            <a:schemeClr val="lt1"/>
-          </a:fontRef>
-        </p:style>
-        <p:txBody>
-          <a:bodyPr rot="0" spcFirstLastPara="0" vertOverflow="overflow" horzOverflow="overflow" vert="horz" wrap="square" lIns="91440" tIns="45720" rIns="91440" bIns="45720" numCol="1" spcCol="0" rtlCol="0" fromWordArt="0" anchor="ctr" anchorCtr="0" forceAA="0" compatLnSpc="1">
-            <a:prstTxWarp prst="textNoShape">
-              <a:avLst/>
-            </a:prstTxWarp>
-            <a:noAutofit/>
-          </a:bodyPr>
-          <a:lstStyle/>
-          <a:p>
-            <a:pPr algn="ctr"/>
-            <a:endParaRPr lang="ko-KR" altLang="en-US"/>
-          </a:p>
-        </p:txBody>
-      </p:sp>
-      <p:cxnSp>
-        <p:nvCxnSpPr>
-          <p:cNvPr id="36" name="직선 연결선 35">
-            <a:extLst>
-              <a:ext uri="{FF2B5EF4-FFF2-40B4-BE49-F238E27FC236}">
-                <a16:creationId xmlns:a16="http://schemas.microsoft.com/office/drawing/2014/main" id="{E95716D3-A033-45B5-A015-87B45E394B37}"/>
-              </a:ext>
-            </a:extLst>
-          </p:cNvPr>
-          <p:cNvCxnSpPr>
-            <a:cxnSpLocks/>
-          </p:cNvCxnSpPr>
-          <p:nvPr/>
-        </p:nvCxnSpPr>
-        <p:spPr>
-          <a:xfrm>
-            <a:off x="2236845" y="5158136"/>
-            <a:ext cx="7272915" cy="0"/>
-          </a:xfrm>
-          <a:prstGeom prst="line">
-            <a:avLst/>
-          </a:prstGeom>
-          <a:ln>
-            <a:solidFill>
-              <a:schemeClr val="bg2"/>
-            </a:solidFill>
-          </a:ln>
-        </p:spPr>
-        <p:style>
-          <a:lnRef idx="1">
-            <a:schemeClr val="accent1"/>
-          </a:lnRef>
-          <a:fillRef idx="0">
-            <a:schemeClr val="accent1"/>
-          </a:fillRef>
-          <a:effectRef idx="0">
-            <a:schemeClr val="accent1"/>
-          </a:effectRef>
-          <a:fontRef idx="minor">
-            <a:schemeClr val="tx1"/>
-          </a:fontRef>
-        </p:style>
-      </p:cxnSp>
-      <p:sp>
-        <p:nvSpPr>
-          <p:cNvPr id="37" name="직사각형 36">
-            <a:extLst>
-              <a:ext uri="{FF2B5EF4-FFF2-40B4-BE49-F238E27FC236}">
-                <a16:creationId xmlns:a16="http://schemas.microsoft.com/office/drawing/2014/main" id="{1A1892C4-12CF-49CF-9067-D4D2C5914319}"/>
-              </a:ext>
-            </a:extLst>
-          </p:cNvPr>
-          <p:cNvSpPr/>
-          <p:nvPr/>
-        </p:nvSpPr>
-        <p:spPr>
-          <a:xfrm>
-            <a:off x="3437113" y="4118211"/>
-            <a:ext cx="282013" cy="1039924"/>
-          </a:xfrm>
-          <a:prstGeom prst="rect">
-            <a:avLst/>
-          </a:prstGeom>
-          <a:solidFill>
-            <a:schemeClr val="bg1"/>
-          </a:solidFill>
-          <a:ln>
-            <a:noFill/>
-          </a:ln>
-        </p:spPr>
-        <p:style>
-          <a:lnRef idx="2">
-            <a:schemeClr val="accent1">
-              <a:shade val="50000"/>
-            </a:schemeClr>
-          </a:lnRef>
-          <a:fillRef idx="1">
-            <a:schemeClr val="accent1"/>
-          </a:fillRef>
-          <a:effectRef idx="0">
-            <a:schemeClr val="accent1"/>
-          </a:effectRef>
-          <a:fontRef idx="minor">
-            <a:schemeClr val="lt1"/>
-          </a:fontRef>
-        </p:style>
-        <p:txBody>
-          <a:bodyPr rot="0" spcFirstLastPara="0" vertOverflow="overflow" horzOverflow="overflow" vert="horz" wrap="square" lIns="91440" tIns="45720" rIns="91440" bIns="45720" numCol="1" spcCol="0" rtlCol="0" fromWordArt="0" anchor="ctr" anchorCtr="0" forceAA="0" compatLnSpc="1">
-            <a:prstTxWarp prst="textNoShape">
-              <a:avLst/>
-            </a:prstTxWarp>
-            <a:noAutofit/>
-          </a:bodyPr>
-          <a:lstStyle/>
-          <a:p>
-            <a:pPr algn="ctr"/>
-            <a:endParaRPr lang="ko-KR" altLang="en-US"/>
-          </a:p>
-        </p:txBody>
-      </p:sp>
-      <p:sp>
-        <p:nvSpPr>
-          <p:cNvPr id="38" name="직사각형 37">
-            <a:extLst>
-              <a:ext uri="{FF2B5EF4-FFF2-40B4-BE49-F238E27FC236}">
-                <a16:creationId xmlns:a16="http://schemas.microsoft.com/office/drawing/2014/main" id="{6A11B826-0DD4-4386-A1B1-6A86E60E3056}"/>
-              </a:ext>
-            </a:extLst>
-          </p:cNvPr>
-          <p:cNvSpPr/>
-          <p:nvPr/>
-        </p:nvSpPr>
-        <p:spPr>
-          <a:xfrm>
-            <a:off x="3437114" y="4118211"/>
-            <a:ext cx="282012" cy="317265"/>
-          </a:xfrm>
-          <a:prstGeom prst="rect">
-            <a:avLst/>
-          </a:prstGeom>
-          <a:solidFill>
-            <a:srgbClr val="152B39"/>
-          </a:solidFill>
-          <a:ln>
-            <a:noFill/>
-          </a:ln>
-        </p:spPr>
-        <p:style>
-          <a:lnRef idx="2">
-            <a:schemeClr val="accent1">
-              <a:shade val="50000"/>
-            </a:schemeClr>
-          </a:lnRef>
-          <a:fillRef idx="1">
-            <a:schemeClr val="accent1"/>
-          </a:fillRef>
-          <a:effectRef idx="0">
-            <a:schemeClr val="accent1"/>
-          </a:effectRef>
-          <a:fontRef idx="minor">
-            <a:schemeClr val="lt1"/>
-          </a:fontRef>
-        </p:style>
-        <p:txBody>
-          <a:bodyPr rot="0" spcFirstLastPara="0" vertOverflow="overflow" horzOverflow="overflow" vert="horz" wrap="square" lIns="91440" tIns="45720" rIns="91440" bIns="45720" numCol="1" spcCol="0" rtlCol="0" fromWordArt="0" anchor="ctr" anchorCtr="0" forceAA="0" compatLnSpc="1">
-            <a:prstTxWarp prst="textNoShape">
-              <a:avLst/>
-            </a:prstTxWarp>
-            <a:noAutofit/>
-          </a:bodyPr>
-          <a:lstStyle/>
-          <a:p>
-            <a:pPr algn="ctr"/>
-            <a:endParaRPr lang="ko-KR" altLang="en-US"/>
-          </a:p>
-        </p:txBody>
-      </p:sp>
-      <p:sp>
-        <p:nvSpPr>
-          <p:cNvPr id="39" name="직사각형 38">
-            <a:extLst>
-              <a:ext uri="{FF2B5EF4-FFF2-40B4-BE49-F238E27FC236}">
-                <a16:creationId xmlns:a16="http://schemas.microsoft.com/office/drawing/2014/main" id="{C0E4098D-E28F-461C-B5DA-F6A6C42774A2}"/>
-              </a:ext>
-            </a:extLst>
-          </p:cNvPr>
-          <p:cNvSpPr/>
-          <p:nvPr/>
-        </p:nvSpPr>
-        <p:spPr>
-          <a:xfrm>
-            <a:off x="4090981" y="3800947"/>
-            <a:ext cx="282013" cy="1357189"/>
-          </a:xfrm>
-          <a:prstGeom prst="rect">
-            <a:avLst/>
-          </a:prstGeom>
-          <a:solidFill>
-            <a:schemeClr val="bg1"/>
-          </a:solidFill>
-          <a:ln>
-            <a:noFill/>
-          </a:ln>
-        </p:spPr>
-        <p:style>
-          <a:lnRef idx="2">
-            <a:schemeClr val="accent1">
-              <a:shade val="50000"/>
-            </a:schemeClr>
-          </a:lnRef>
-          <a:fillRef idx="1">
-            <a:schemeClr val="accent1"/>
-          </a:fillRef>
-          <a:effectRef idx="0">
-            <a:schemeClr val="accent1"/>
-          </a:effectRef>
-          <a:fontRef idx="minor">
-            <a:schemeClr val="lt1"/>
-          </a:fontRef>
-        </p:style>
-        <p:txBody>
-          <a:bodyPr rot="0" spcFirstLastPara="0" vertOverflow="overflow" horzOverflow="overflow" vert="horz" wrap="square" lIns="91440" tIns="45720" rIns="91440" bIns="45720" numCol="1" spcCol="0" rtlCol="0" fromWordArt="0" anchor="ctr" anchorCtr="0" forceAA="0" compatLnSpc="1">
-            <a:prstTxWarp prst="textNoShape">
-              <a:avLst/>
-            </a:prstTxWarp>
-            <a:noAutofit/>
-          </a:bodyPr>
-          <a:lstStyle/>
-          <a:p>
-            <a:pPr algn="ctr"/>
-            <a:endParaRPr lang="ko-KR" altLang="en-US"/>
-          </a:p>
-        </p:txBody>
-      </p:sp>
-      <p:sp>
-        <p:nvSpPr>
-          <p:cNvPr id="40" name="직사각형 39">
-            <a:extLst>
-              <a:ext uri="{FF2B5EF4-FFF2-40B4-BE49-F238E27FC236}">
-                <a16:creationId xmlns:a16="http://schemas.microsoft.com/office/drawing/2014/main" id="{2C4FEC23-DB9A-46CC-BFD9-3F7ED9AE5712}"/>
-              </a:ext>
-            </a:extLst>
-          </p:cNvPr>
-          <p:cNvSpPr/>
-          <p:nvPr/>
-        </p:nvSpPr>
-        <p:spPr>
-          <a:xfrm>
-            <a:off x="4090982" y="3536559"/>
-            <a:ext cx="282012" cy="1163305"/>
-          </a:xfrm>
-          <a:prstGeom prst="rect">
-            <a:avLst/>
-          </a:prstGeom>
-          <a:solidFill>
-            <a:srgbClr val="152B39"/>
-          </a:solidFill>
-          <a:ln>
-            <a:noFill/>
-          </a:ln>
-        </p:spPr>
-        <p:style>
-          <a:lnRef idx="2">
-            <a:schemeClr val="accent1">
-              <a:shade val="50000"/>
-            </a:schemeClr>
-          </a:lnRef>
-          <a:fillRef idx="1">
-            <a:schemeClr val="accent1"/>
-          </a:fillRef>
-          <a:effectRef idx="0">
-            <a:schemeClr val="accent1"/>
-          </a:effectRef>
-          <a:fontRef idx="minor">
-            <a:schemeClr val="lt1"/>
-          </a:fontRef>
-        </p:style>
-        <p:txBody>
-          <a:bodyPr rot="0" spcFirstLastPara="0" vertOverflow="overflow" horzOverflow="overflow" vert="horz" wrap="square" lIns="91440" tIns="45720" rIns="91440" bIns="45720" numCol="1" spcCol="0" rtlCol="0" fromWordArt="0" anchor="ctr" anchorCtr="0" forceAA="0" compatLnSpc="1">
-            <a:prstTxWarp prst="textNoShape">
-              <a:avLst/>
-            </a:prstTxWarp>
-            <a:noAutofit/>
-          </a:bodyPr>
-          <a:lstStyle/>
-          <a:p>
-            <a:pPr algn="ctr"/>
-            <a:endParaRPr lang="ko-KR" altLang="en-US"/>
-          </a:p>
-        </p:txBody>
-      </p:sp>
-      <p:sp>
-        <p:nvSpPr>
-          <p:cNvPr id="41" name="직사각형 40">
-            <a:extLst>
-              <a:ext uri="{FF2B5EF4-FFF2-40B4-BE49-F238E27FC236}">
-                <a16:creationId xmlns:a16="http://schemas.microsoft.com/office/drawing/2014/main" id="{D5C8EECD-BF55-4C27-B438-704753BA9480}"/>
-              </a:ext>
-            </a:extLst>
-          </p:cNvPr>
-          <p:cNvSpPr/>
-          <p:nvPr/>
-        </p:nvSpPr>
-        <p:spPr>
-          <a:xfrm>
-            <a:off x="4744849" y="3800946"/>
-            <a:ext cx="282013" cy="1357190"/>
-          </a:xfrm>
-          <a:prstGeom prst="rect">
-            <a:avLst/>
-          </a:prstGeom>
-          <a:solidFill>
-            <a:schemeClr val="bg1"/>
-          </a:solidFill>
-          <a:ln>
-            <a:noFill/>
-          </a:ln>
-        </p:spPr>
-        <p:style>
-          <a:lnRef idx="2">
-            <a:schemeClr val="accent1">
-              <a:shade val="50000"/>
-            </a:schemeClr>
-          </a:lnRef>
-          <a:fillRef idx="1">
-            <a:schemeClr val="accent1"/>
-          </a:fillRef>
-          <a:effectRef idx="0">
-            <a:schemeClr val="accent1"/>
-          </a:effectRef>
-          <a:fontRef idx="minor">
-            <a:schemeClr val="lt1"/>
-          </a:fontRef>
-        </p:style>
-        <p:txBody>
-          <a:bodyPr rot="0" spcFirstLastPara="0" vertOverflow="overflow" horzOverflow="overflow" vert="horz" wrap="square" lIns="91440" tIns="45720" rIns="91440" bIns="45720" numCol="1" spcCol="0" rtlCol="0" fromWordArt="0" anchor="ctr" anchorCtr="0" forceAA="0" compatLnSpc="1">
-            <a:prstTxWarp prst="textNoShape">
-              <a:avLst/>
-            </a:prstTxWarp>
-            <a:noAutofit/>
-          </a:bodyPr>
-          <a:lstStyle/>
-          <a:p>
-            <a:pPr algn="ctr"/>
-            <a:endParaRPr lang="ko-KR" altLang="en-US"/>
-          </a:p>
-        </p:txBody>
-      </p:sp>
-      <p:sp>
-        <p:nvSpPr>
-          <p:cNvPr id="42" name="직사각형 41">
-            <a:extLst>
-              <a:ext uri="{FF2B5EF4-FFF2-40B4-BE49-F238E27FC236}">
-                <a16:creationId xmlns:a16="http://schemas.microsoft.com/office/drawing/2014/main" id="{74D55A8F-1DD9-4F5A-AECC-391AA2DD666D}"/>
-              </a:ext>
-            </a:extLst>
-          </p:cNvPr>
-          <p:cNvSpPr/>
-          <p:nvPr/>
-        </p:nvSpPr>
-        <p:spPr>
-          <a:xfrm>
-            <a:off x="4744850" y="2743396"/>
-            <a:ext cx="282012" cy="1374815"/>
-          </a:xfrm>
-          <a:prstGeom prst="rect">
-            <a:avLst/>
-          </a:prstGeom>
-          <a:solidFill>
-            <a:srgbClr val="152B39"/>
-          </a:solidFill>
-          <a:ln>
-            <a:noFill/>
-          </a:ln>
-        </p:spPr>
-        <p:style>
-          <a:lnRef idx="2">
-            <a:schemeClr val="accent1">
-              <a:shade val="50000"/>
-            </a:schemeClr>
-          </a:lnRef>
-          <a:fillRef idx="1">
-            <a:schemeClr val="accent1"/>
-          </a:fillRef>
-          <a:effectRef idx="0">
-            <a:schemeClr val="accent1"/>
-          </a:effectRef>
-          <a:fontRef idx="minor">
-            <a:schemeClr val="lt1"/>
-          </a:fontRef>
-        </p:style>
-        <p:txBody>
-          <a:bodyPr rot="0" spcFirstLastPara="0" vertOverflow="overflow" horzOverflow="overflow" vert="horz" wrap="square" lIns="91440" tIns="45720" rIns="91440" bIns="45720" numCol="1" spcCol="0" rtlCol="0" fromWordArt="0" anchor="ctr" anchorCtr="0" forceAA="0" compatLnSpc="1">
-            <a:prstTxWarp prst="textNoShape">
-              <a:avLst/>
-            </a:prstTxWarp>
-            <a:noAutofit/>
-          </a:bodyPr>
-          <a:lstStyle/>
-          <a:p>
-            <a:pPr algn="ctr"/>
-            <a:endParaRPr lang="ko-KR" altLang="en-US"/>
-          </a:p>
-        </p:txBody>
-      </p:sp>
-      <p:sp>
-        <p:nvSpPr>
-          <p:cNvPr id="43" name="직사각형 42">
-            <a:extLst>
-              <a:ext uri="{FF2B5EF4-FFF2-40B4-BE49-F238E27FC236}">
-                <a16:creationId xmlns:a16="http://schemas.microsoft.com/office/drawing/2014/main" id="{8CBCCE66-6FF4-4B1D-92B8-C4631C3362A7}"/>
-              </a:ext>
-            </a:extLst>
-          </p:cNvPr>
-          <p:cNvSpPr/>
-          <p:nvPr/>
-        </p:nvSpPr>
-        <p:spPr>
-          <a:xfrm>
-            <a:off x="5398716" y="3800947"/>
-            <a:ext cx="282013" cy="1357189"/>
-          </a:xfrm>
-          <a:prstGeom prst="rect">
-            <a:avLst/>
-          </a:prstGeom>
-          <a:solidFill>
-            <a:schemeClr val="bg1"/>
-          </a:solidFill>
-          <a:ln>
-            <a:noFill/>
-          </a:ln>
-        </p:spPr>
-        <p:style>
-          <a:lnRef idx="2">
-            <a:schemeClr val="accent1">
-              <a:shade val="50000"/>
-            </a:schemeClr>
-          </a:lnRef>
-          <a:fillRef idx="1">
-            <a:schemeClr val="accent1"/>
-          </a:fillRef>
-          <a:effectRef idx="0">
-            <a:schemeClr val="accent1"/>
-          </a:effectRef>
-          <a:fontRef idx="minor">
-            <a:schemeClr val="lt1"/>
-          </a:fontRef>
-        </p:style>
-        <p:txBody>
-          <a:bodyPr rot="0" spcFirstLastPara="0" vertOverflow="overflow" horzOverflow="overflow" vert="horz" wrap="square" lIns="91440" tIns="45720" rIns="91440" bIns="45720" numCol="1" spcCol="0" rtlCol="0" fromWordArt="0" anchor="ctr" anchorCtr="0" forceAA="0" compatLnSpc="1">
-            <a:prstTxWarp prst="textNoShape">
-              <a:avLst/>
-            </a:prstTxWarp>
-            <a:noAutofit/>
-          </a:bodyPr>
-          <a:lstStyle/>
-          <a:p>
-            <a:pPr algn="ctr"/>
-            <a:endParaRPr lang="ko-KR" altLang="en-US"/>
-          </a:p>
-        </p:txBody>
-      </p:sp>
-      <p:sp>
-        <p:nvSpPr>
-          <p:cNvPr id="44" name="직사각형 43">
-            <a:extLst>
-              <a:ext uri="{FF2B5EF4-FFF2-40B4-BE49-F238E27FC236}">
-                <a16:creationId xmlns:a16="http://schemas.microsoft.com/office/drawing/2014/main" id="{60A7574B-17B1-49C1-8C92-9C80A4864846}"/>
-              </a:ext>
-            </a:extLst>
-          </p:cNvPr>
-          <p:cNvSpPr/>
-          <p:nvPr/>
-        </p:nvSpPr>
-        <p:spPr>
-          <a:xfrm>
-            <a:off x="5398717" y="3536559"/>
-            <a:ext cx="282008" cy="440646"/>
-          </a:xfrm>
-          <a:prstGeom prst="rect">
-            <a:avLst/>
-          </a:prstGeom>
-          <a:solidFill>
-            <a:srgbClr val="152B39"/>
-          </a:solidFill>
-          <a:ln>
-            <a:noFill/>
-          </a:ln>
-        </p:spPr>
-        <p:style>
-          <a:lnRef idx="2">
-            <a:schemeClr val="accent1">
-              <a:shade val="50000"/>
-            </a:schemeClr>
-          </a:lnRef>
-          <a:fillRef idx="1">
-            <a:schemeClr val="accent1"/>
-          </a:fillRef>
-          <a:effectRef idx="0">
-            <a:schemeClr val="accent1"/>
-          </a:effectRef>
-          <a:fontRef idx="minor">
-            <a:schemeClr val="lt1"/>
-          </a:fontRef>
-        </p:style>
-        <p:txBody>
-          <a:bodyPr rot="0" spcFirstLastPara="0" vertOverflow="overflow" horzOverflow="overflow" vert="horz" wrap="square" lIns="91440" tIns="45720" rIns="91440" bIns="45720" numCol="1" spcCol="0" rtlCol="0" fromWordArt="0" anchor="ctr" anchorCtr="0" forceAA="0" compatLnSpc="1">
-            <a:prstTxWarp prst="textNoShape">
-              <a:avLst/>
-            </a:prstTxWarp>
-            <a:noAutofit/>
-          </a:bodyPr>
-          <a:lstStyle/>
-          <a:p>
-            <a:pPr algn="ctr"/>
-            <a:endParaRPr lang="ko-KR" altLang="en-US"/>
-          </a:p>
-        </p:txBody>
-      </p:sp>
-      <p:sp>
-        <p:nvSpPr>
-          <p:cNvPr id="56" name="직사각형 55">
-            <a:extLst>
-              <a:ext uri="{FF2B5EF4-FFF2-40B4-BE49-F238E27FC236}">
-                <a16:creationId xmlns:a16="http://schemas.microsoft.com/office/drawing/2014/main" id="{8B5AFF48-A0E9-4B09-880F-0F431A4069BC}"/>
-              </a:ext>
-            </a:extLst>
-          </p:cNvPr>
-          <p:cNvSpPr/>
-          <p:nvPr/>
-        </p:nvSpPr>
-        <p:spPr>
-          <a:xfrm>
-            <a:off x="6052584" y="2919653"/>
-            <a:ext cx="282012" cy="2238482"/>
-          </a:xfrm>
-          <a:prstGeom prst="rect">
-            <a:avLst/>
-          </a:prstGeom>
-          <a:solidFill>
-            <a:schemeClr val="bg1"/>
-          </a:solidFill>
-          <a:ln>
-            <a:noFill/>
-          </a:ln>
-        </p:spPr>
-        <p:style>
-          <a:lnRef idx="2">
-            <a:schemeClr val="accent1">
-              <a:shade val="50000"/>
-            </a:schemeClr>
-          </a:lnRef>
-          <a:fillRef idx="1">
-            <a:schemeClr val="accent1"/>
-          </a:fillRef>
-          <a:effectRef idx="0">
-            <a:schemeClr val="accent1"/>
-          </a:effectRef>
-          <a:fontRef idx="minor">
-            <a:schemeClr val="lt1"/>
-          </a:fontRef>
-        </p:style>
-        <p:txBody>
-          <a:bodyPr rot="0" spcFirstLastPara="0" vertOverflow="overflow" horzOverflow="overflow" vert="horz" wrap="square" lIns="91440" tIns="45720" rIns="91440" bIns="45720" numCol="1" spcCol="0" rtlCol="0" fromWordArt="0" anchor="ctr" anchorCtr="0" forceAA="0" compatLnSpc="1">
-            <a:prstTxWarp prst="textNoShape">
-              <a:avLst/>
-            </a:prstTxWarp>
-            <a:noAutofit/>
-          </a:bodyPr>
-          <a:lstStyle/>
-          <a:p>
-            <a:pPr algn="ctr"/>
-            <a:endParaRPr lang="ko-KR" altLang="en-US"/>
-          </a:p>
-        </p:txBody>
-      </p:sp>
-      <p:sp>
-        <p:nvSpPr>
-          <p:cNvPr id="57" name="직사각형 56">
-            <a:extLst>
-              <a:ext uri="{FF2B5EF4-FFF2-40B4-BE49-F238E27FC236}">
-                <a16:creationId xmlns:a16="http://schemas.microsoft.com/office/drawing/2014/main" id="{352A24CC-69AF-4EC0-863D-F5C962AA8E70}"/>
-              </a:ext>
-            </a:extLst>
-          </p:cNvPr>
-          <p:cNvSpPr/>
-          <p:nvPr/>
-        </p:nvSpPr>
-        <p:spPr>
-          <a:xfrm>
-            <a:off x="6052586" y="1967859"/>
-            <a:ext cx="282011" cy="951794"/>
-          </a:xfrm>
-          <a:prstGeom prst="rect">
-            <a:avLst/>
-          </a:prstGeom>
-          <a:solidFill>
-            <a:srgbClr val="152B39"/>
-          </a:solidFill>
-          <a:ln>
-            <a:noFill/>
-          </a:ln>
-        </p:spPr>
-        <p:style>
-          <a:lnRef idx="2">
-            <a:schemeClr val="accent1">
-              <a:shade val="50000"/>
-            </a:schemeClr>
-          </a:lnRef>
-          <a:fillRef idx="1">
-            <a:schemeClr val="accent1"/>
-          </a:fillRef>
-          <a:effectRef idx="0">
-            <a:schemeClr val="accent1"/>
-          </a:effectRef>
-          <a:fontRef idx="minor">
-            <a:schemeClr val="lt1"/>
-          </a:fontRef>
-        </p:style>
-        <p:txBody>
-          <a:bodyPr rot="0" spcFirstLastPara="0" vertOverflow="overflow" horzOverflow="overflow" vert="horz" wrap="square" lIns="91440" tIns="45720" rIns="91440" bIns="45720" numCol="1" spcCol="0" rtlCol="0" fromWordArt="0" anchor="ctr" anchorCtr="0" forceAA="0" compatLnSpc="1">
-            <a:prstTxWarp prst="textNoShape">
-              <a:avLst/>
-            </a:prstTxWarp>
-            <a:noAutofit/>
-          </a:bodyPr>
-          <a:lstStyle/>
-          <a:p>
-            <a:pPr algn="ctr"/>
-            <a:endParaRPr lang="ko-KR" altLang="en-US"/>
-          </a:p>
-        </p:txBody>
-      </p:sp>
-      <p:sp>
-        <p:nvSpPr>
-          <p:cNvPr id="68" name="직사각형 67">
-            <a:extLst>
-              <a:ext uri="{FF2B5EF4-FFF2-40B4-BE49-F238E27FC236}">
-                <a16:creationId xmlns:a16="http://schemas.microsoft.com/office/drawing/2014/main" id="{1FFCD8BA-3920-4685-ACBC-D3504877D058}"/>
-              </a:ext>
-            </a:extLst>
-          </p:cNvPr>
-          <p:cNvSpPr/>
-          <p:nvPr/>
-        </p:nvSpPr>
-        <p:spPr>
-          <a:xfrm>
-            <a:off x="6706452" y="3254545"/>
-            <a:ext cx="282013" cy="1903591"/>
-          </a:xfrm>
-          <a:prstGeom prst="rect">
-            <a:avLst/>
-          </a:prstGeom>
-          <a:solidFill>
-            <a:schemeClr val="bg1"/>
-          </a:solidFill>
-          <a:ln>
-            <a:noFill/>
-          </a:ln>
-        </p:spPr>
-        <p:style>
-          <a:lnRef idx="2">
-            <a:schemeClr val="accent1">
-              <a:shade val="50000"/>
-            </a:schemeClr>
-          </a:lnRef>
-          <a:fillRef idx="1">
-            <a:schemeClr val="accent1"/>
-          </a:fillRef>
-          <a:effectRef idx="0">
-            <a:schemeClr val="accent1"/>
-          </a:effectRef>
-          <a:fontRef idx="minor">
-            <a:schemeClr val="lt1"/>
-          </a:fontRef>
-        </p:style>
-        <p:txBody>
-          <a:bodyPr rot="0" spcFirstLastPara="0" vertOverflow="overflow" horzOverflow="overflow" vert="horz" wrap="square" lIns="91440" tIns="45720" rIns="91440" bIns="45720" numCol="1" spcCol="0" rtlCol="0" fromWordArt="0" anchor="ctr" anchorCtr="0" forceAA="0" compatLnSpc="1">
-            <a:prstTxWarp prst="textNoShape">
-              <a:avLst/>
-            </a:prstTxWarp>
-            <a:noAutofit/>
-          </a:bodyPr>
-          <a:lstStyle/>
-          <a:p>
-            <a:pPr algn="ctr"/>
-            <a:endParaRPr lang="ko-KR" altLang="en-US"/>
-          </a:p>
-        </p:txBody>
-      </p:sp>
-      <p:sp>
-        <p:nvSpPr>
-          <p:cNvPr id="69" name="직사각형 68">
-            <a:extLst>
-              <a:ext uri="{FF2B5EF4-FFF2-40B4-BE49-F238E27FC236}">
-                <a16:creationId xmlns:a16="http://schemas.microsoft.com/office/drawing/2014/main" id="{555C02AF-8406-404B-89B8-11DF1170E9F8}"/>
-              </a:ext>
-            </a:extLst>
-          </p:cNvPr>
-          <p:cNvSpPr/>
-          <p:nvPr/>
-        </p:nvSpPr>
-        <p:spPr>
-          <a:xfrm>
-            <a:off x="6706453" y="2849151"/>
-            <a:ext cx="282012" cy="581653"/>
-          </a:xfrm>
-          <a:prstGeom prst="rect">
-            <a:avLst/>
-          </a:prstGeom>
-          <a:solidFill>
-            <a:srgbClr val="152B39"/>
-          </a:solidFill>
-          <a:ln>
-            <a:noFill/>
-          </a:ln>
-        </p:spPr>
-        <p:style>
-          <a:lnRef idx="2">
-            <a:schemeClr val="accent1">
-              <a:shade val="50000"/>
-            </a:schemeClr>
-          </a:lnRef>
-          <a:fillRef idx="1">
-            <a:schemeClr val="accent1"/>
-          </a:fillRef>
-          <a:effectRef idx="0">
-            <a:schemeClr val="accent1"/>
-          </a:effectRef>
-          <a:fontRef idx="minor">
-            <a:schemeClr val="lt1"/>
-          </a:fontRef>
-        </p:style>
-        <p:txBody>
-          <a:bodyPr rot="0" spcFirstLastPara="0" vertOverflow="overflow" horzOverflow="overflow" vert="horz" wrap="square" lIns="91440" tIns="45720" rIns="91440" bIns="45720" numCol="1" spcCol="0" rtlCol="0" fromWordArt="0" anchor="ctr" anchorCtr="0" forceAA="0" compatLnSpc="1">
-            <a:prstTxWarp prst="textNoShape">
-              <a:avLst/>
-            </a:prstTxWarp>
-            <a:noAutofit/>
-          </a:bodyPr>
-          <a:lstStyle/>
-          <a:p>
-            <a:pPr algn="ctr"/>
-            <a:endParaRPr lang="ko-KR" altLang="en-US"/>
-          </a:p>
-        </p:txBody>
-      </p:sp>
-      <p:sp>
-        <p:nvSpPr>
-          <p:cNvPr id="70" name="직사각형 69">
-            <a:extLst>
-              <a:ext uri="{FF2B5EF4-FFF2-40B4-BE49-F238E27FC236}">
-                <a16:creationId xmlns:a16="http://schemas.microsoft.com/office/drawing/2014/main" id="{ABA9BC74-5672-46AE-A810-13F9AC9CFBC2}"/>
-              </a:ext>
-            </a:extLst>
-          </p:cNvPr>
-          <p:cNvSpPr/>
-          <p:nvPr/>
-        </p:nvSpPr>
-        <p:spPr>
-          <a:xfrm>
-            <a:off x="7360319" y="3430803"/>
-            <a:ext cx="282013" cy="1727332"/>
-          </a:xfrm>
-          <a:prstGeom prst="rect">
-            <a:avLst/>
-          </a:prstGeom>
-          <a:solidFill>
-            <a:schemeClr val="bg1"/>
-          </a:solidFill>
-          <a:ln>
-            <a:noFill/>
-          </a:ln>
-        </p:spPr>
-        <p:style>
-          <a:lnRef idx="2">
-            <a:schemeClr val="accent1">
-              <a:shade val="50000"/>
-            </a:schemeClr>
-          </a:lnRef>
-          <a:fillRef idx="1">
-            <a:schemeClr val="accent1"/>
-          </a:fillRef>
-          <a:effectRef idx="0">
-            <a:schemeClr val="accent1"/>
-          </a:effectRef>
-          <a:fontRef idx="minor">
-            <a:schemeClr val="lt1"/>
-          </a:fontRef>
-        </p:style>
-        <p:txBody>
-          <a:bodyPr rot="0" spcFirstLastPara="0" vertOverflow="overflow" horzOverflow="overflow" vert="horz" wrap="square" lIns="91440" tIns="45720" rIns="91440" bIns="45720" numCol="1" spcCol="0" rtlCol="0" fromWordArt="0" anchor="ctr" anchorCtr="0" forceAA="0" compatLnSpc="1">
-            <a:prstTxWarp prst="textNoShape">
-              <a:avLst/>
-            </a:prstTxWarp>
-            <a:noAutofit/>
-          </a:bodyPr>
-          <a:lstStyle/>
-          <a:p>
-            <a:pPr algn="ctr"/>
-            <a:endParaRPr lang="ko-KR" altLang="en-US"/>
-          </a:p>
-        </p:txBody>
-      </p:sp>
-      <p:sp>
-        <p:nvSpPr>
-          <p:cNvPr id="71" name="직사각형 70">
-            <a:extLst>
-              <a:ext uri="{FF2B5EF4-FFF2-40B4-BE49-F238E27FC236}">
-                <a16:creationId xmlns:a16="http://schemas.microsoft.com/office/drawing/2014/main" id="{5D7F96F2-7156-4D75-9103-2946C8F6674E}"/>
-              </a:ext>
-            </a:extLst>
-          </p:cNvPr>
-          <p:cNvSpPr/>
-          <p:nvPr/>
-        </p:nvSpPr>
-        <p:spPr>
-          <a:xfrm>
-            <a:off x="7360320" y="2285124"/>
-            <a:ext cx="282012" cy="1251434"/>
-          </a:xfrm>
-          <a:prstGeom prst="rect">
-            <a:avLst/>
-          </a:prstGeom>
-          <a:solidFill>
-            <a:srgbClr val="152B39"/>
-          </a:solidFill>
-          <a:ln>
-            <a:noFill/>
-          </a:ln>
-        </p:spPr>
-        <p:style>
-          <a:lnRef idx="2">
-            <a:schemeClr val="accent1">
-              <a:shade val="50000"/>
-            </a:schemeClr>
-          </a:lnRef>
-          <a:fillRef idx="1">
-            <a:schemeClr val="accent1"/>
-          </a:fillRef>
-          <a:effectRef idx="0">
-            <a:schemeClr val="accent1"/>
-          </a:effectRef>
-          <a:fontRef idx="minor">
-            <a:schemeClr val="lt1"/>
-          </a:fontRef>
-        </p:style>
-        <p:txBody>
-          <a:bodyPr rot="0" spcFirstLastPara="0" vertOverflow="overflow" horzOverflow="overflow" vert="horz" wrap="square" lIns="91440" tIns="45720" rIns="91440" bIns="45720" numCol="1" spcCol="0" rtlCol="0" fromWordArt="0" anchor="ctr" anchorCtr="0" forceAA="0" compatLnSpc="1">
-            <a:prstTxWarp prst="textNoShape">
-              <a:avLst/>
-            </a:prstTxWarp>
-            <a:noAutofit/>
-          </a:bodyPr>
-          <a:lstStyle/>
-          <a:p>
-            <a:pPr algn="ctr"/>
-            <a:endParaRPr lang="ko-KR" altLang="en-US"/>
-          </a:p>
-        </p:txBody>
-      </p:sp>
-      <p:sp>
-        <p:nvSpPr>
-          <p:cNvPr id="72" name="직사각형 71">
-            <a:extLst>
-              <a:ext uri="{FF2B5EF4-FFF2-40B4-BE49-F238E27FC236}">
-                <a16:creationId xmlns:a16="http://schemas.microsoft.com/office/drawing/2014/main" id="{75B3F772-6014-4C3C-9C06-3F66CD1BFC3A}"/>
-              </a:ext>
-            </a:extLst>
-          </p:cNvPr>
-          <p:cNvSpPr/>
-          <p:nvPr/>
-        </p:nvSpPr>
-        <p:spPr>
-          <a:xfrm>
-            <a:off x="8014187" y="2919652"/>
-            <a:ext cx="282013" cy="2238483"/>
-          </a:xfrm>
-          <a:prstGeom prst="rect">
-            <a:avLst/>
-          </a:prstGeom>
-          <a:solidFill>
-            <a:schemeClr val="bg1"/>
-          </a:solidFill>
-          <a:ln>
-            <a:noFill/>
-          </a:ln>
-        </p:spPr>
-        <p:style>
-          <a:lnRef idx="2">
-            <a:schemeClr val="accent1">
-              <a:shade val="50000"/>
-            </a:schemeClr>
-          </a:lnRef>
-          <a:fillRef idx="1">
-            <a:schemeClr val="accent1"/>
-          </a:fillRef>
-          <a:effectRef idx="0">
-            <a:schemeClr val="accent1"/>
-          </a:effectRef>
-          <a:fontRef idx="minor">
-            <a:schemeClr val="lt1"/>
-          </a:fontRef>
-        </p:style>
-        <p:txBody>
-          <a:bodyPr rot="0" spcFirstLastPara="0" vertOverflow="overflow" horzOverflow="overflow" vert="horz" wrap="square" lIns="91440" tIns="45720" rIns="91440" bIns="45720" numCol="1" spcCol="0" rtlCol="0" fromWordArt="0" anchor="ctr" anchorCtr="0" forceAA="0" compatLnSpc="1">
-            <a:prstTxWarp prst="textNoShape">
-              <a:avLst/>
-            </a:prstTxWarp>
-            <a:noAutofit/>
-          </a:bodyPr>
-          <a:lstStyle/>
-          <a:p>
-            <a:pPr algn="ctr"/>
-            <a:endParaRPr lang="ko-KR" altLang="en-US"/>
-          </a:p>
-        </p:txBody>
-      </p:sp>
-      <p:sp>
-        <p:nvSpPr>
-          <p:cNvPr id="73" name="직사각형 72">
-            <a:extLst>
-              <a:ext uri="{FF2B5EF4-FFF2-40B4-BE49-F238E27FC236}">
-                <a16:creationId xmlns:a16="http://schemas.microsoft.com/office/drawing/2014/main" id="{D5FBF532-99EF-4F1C-B989-3B52C50D5E39}"/>
-              </a:ext>
-            </a:extLst>
-          </p:cNvPr>
-          <p:cNvSpPr/>
-          <p:nvPr/>
-        </p:nvSpPr>
-        <p:spPr>
-          <a:xfrm>
-            <a:off x="8014188" y="1967858"/>
-            <a:ext cx="282012" cy="951794"/>
-          </a:xfrm>
-          <a:prstGeom prst="rect">
-            <a:avLst/>
-          </a:prstGeom>
-          <a:solidFill>
-            <a:srgbClr val="152B39"/>
-          </a:solidFill>
-          <a:ln>
-            <a:noFill/>
-          </a:ln>
-        </p:spPr>
-        <p:style>
-          <a:lnRef idx="2">
-            <a:schemeClr val="accent1">
-              <a:shade val="50000"/>
-            </a:schemeClr>
-          </a:lnRef>
-          <a:fillRef idx="1">
-            <a:schemeClr val="accent1"/>
-          </a:fillRef>
-          <a:effectRef idx="0">
-            <a:schemeClr val="accent1"/>
-          </a:effectRef>
-          <a:fontRef idx="minor">
-            <a:schemeClr val="lt1"/>
-          </a:fontRef>
-        </p:style>
-        <p:txBody>
-          <a:bodyPr rot="0" spcFirstLastPara="0" vertOverflow="overflow" horzOverflow="overflow" vert="horz" wrap="square" lIns="91440" tIns="45720" rIns="91440" bIns="45720" numCol="1" spcCol="0" rtlCol="0" fromWordArt="0" anchor="ctr" anchorCtr="0" forceAA="0" compatLnSpc="1">
-            <a:prstTxWarp prst="textNoShape">
-              <a:avLst/>
-            </a:prstTxWarp>
-            <a:noAutofit/>
-          </a:bodyPr>
-          <a:lstStyle/>
-          <a:p>
-            <a:pPr algn="ctr"/>
-            <a:endParaRPr lang="ko-KR" altLang="en-US"/>
-          </a:p>
-        </p:txBody>
-      </p:sp>
-      <p:sp>
-        <p:nvSpPr>
-          <p:cNvPr id="74" name="직사각형 73">
-            <a:extLst>
-              <a:ext uri="{FF2B5EF4-FFF2-40B4-BE49-F238E27FC236}">
-                <a16:creationId xmlns:a16="http://schemas.microsoft.com/office/drawing/2014/main" id="{29602B6A-8DDD-48FB-90F4-96D2934F1D0E}"/>
-              </a:ext>
-            </a:extLst>
-          </p:cNvPr>
-          <p:cNvSpPr/>
-          <p:nvPr/>
-        </p:nvSpPr>
-        <p:spPr>
-          <a:xfrm>
-            <a:off x="8668058" y="3800947"/>
-            <a:ext cx="282013" cy="1357189"/>
-          </a:xfrm>
-          <a:prstGeom prst="rect">
-            <a:avLst/>
-          </a:prstGeom>
-          <a:solidFill>
-            <a:schemeClr val="bg1"/>
-          </a:solidFill>
-          <a:ln>
-            <a:noFill/>
-          </a:ln>
-        </p:spPr>
-        <p:style>
-          <a:lnRef idx="2">
-            <a:schemeClr val="accent1">
-              <a:shade val="50000"/>
-            </a:schemeClr>
-          </a:lnRef>
-          <a:fillRef idx="1">
-            <a:schemeClr val="accent1"/>
-          </a:fillRef>
-          <a:effectRef idx="0">
-            <a:schemeClr val="accent1"/>
-          </a:effectRef>
-          <a:fontRef idx="minor">
-            <a:schemeClr val="lt1"/>
-          </a:fontRef>
-        </p:style>
-        <p:txBody>
-          <a:bodyPr rot="0" spcFirstLastPara="0" vertOverflow="overflow" horzOverflow="overflow" vert="horz" wrap="square" lIns="91440" tIns="45720" rIns="91440" bIns="45720" numCol="1" spcCol="0" rtlCol="0" fromWordArt="0" anchor="ctr" anchorCtr="0" forceAA="0" compatLnSpc="1">
-            <a:prstTxWarp prst="textNoShape">
-              <a:avLst/>
-            </a:prstTxWarp>
-            <a:noAutofit/>
-          </a:bodyPr>
-          <a:lstStyle/>
-          <a:p>
-            <a:pPr algn="ctr"/>
-            <a:endParaRPr lang="ko-KR" altLang="en-US"/>
-          </a:p>
-        </p:txBody>
-      </p:sp>
-      <p:sp>
-        <p:nvSpPr>
-          <p:cNvPr id="75" name="직사각형 74">
-            <a:extLst>
-              <a:ext uri="{FF2B5EF4-FFF2-40B4-BE49-F238E27FC236}">
-                <a16:creationId xmlns:a16="http://schemas.microsoft.com/office/drawing/2014/main" id="{B4481B9C-6155-4CA8-9A7D-F07C67539561}"/>
-              </a:ext>
-            </a:extLst>
-          </p:cNvPr>
-          <p:cNvSpPr/>
-          <p:nvPr/>
-        </p:nvSpPr>
-        <p:spPr>
-          <a:xfrm>
-            <a:off x="8668059" y="3536559"/>
-            <a:ext cx="282012" cy="898918"/>
-          </a:xfrm>
-          <a:prstGeom prst="rect">
-            <a:avLst/>
-          </a:prstGeom>
-          <a:solidFill>
-            <a:srgbClr val="152B39"/>
-          </a:solidFill>
-          <a:ln>
-            <a:noFill/>
-          </a:ln>
-        </p:spPr>
-        <p:style>
-          <a:lnRef idx="2">
-            <a:schemeClr val="accent1">
-              <a:shade val="50000"/>
-            </a:schemeClr>
-          </a:lnRef>
-          <a:fillRef idx="1">
-            <a:schemeClr val="accent1"/>
-          </a:fillRef>
-          <a:effectRef idx="0">
-            <a:schemeClr val="accent1"/>
-          </a:effectRef>
-          <a:fontRef idx="minor">
-            <a:schemeClr val="lt1"/>
-          </a:fontRef>
-        </p:style>
-        <p:txBody>
-          <a:bodyPr rot="0" spcFirstLastPara="0" vertOverflow="overflow" horzOverflow="overflow" vert="horz" wrap="square" lIns="91440" tIns="45720" rIns="91440" bIns="45720" numCol="1" spcCol="0" rtlCol="0" fromWordArt="0" anchor="ctr" anchorCtr="0" forceAA="0" compatLnSpc="1">
-            <a:prstTxWarp prst="textNoShape">
-              <a:avLst/>
-            </a:prstTxWarp>
-            <a:noAutofit/>
-          </a:bodyPr>
-          <a:lstStyle/>
-          <a:p>
-            <a:pPr algn="ctr"/>
-            <a:endParaRPr lang="ko-KR" altLang="en-US"/>
-          </a:p>
-        </p:txBody>
-      </p:sp>
-      <p:sp>
-        <p:nvSpPr>
-          <p:cNvPr id="76" name="TextBox 75">
-            <a:extLst>
-              <a:ext uri="{FF2B5EF4-FFF2-40B4-BE49-F238E27FC236}">
-                <a16:creationId xmlns:a16="http://schemas.microsoft.com/office/drawing/2014/main" id="{9335B363-DFCE-49EA-A60E-00975C57CF80}"/>
-              </a:ext>
-            </a:extLst>
-          </p:cNvPr>
-          <p:cNvSpPr txBox="1"/>
-          <p:nvPr/>
-        </p:nvSpPr>
-        <p:spPr>
-          <a:xfrm>
-            <a:off x="2552014" y="5377877"/>
-            <a:ext cx="6425157" cy="246221"/>
-          </a:xfrm>
-          <a:prstGeom prst="rect">
-            <a:avLst/>
-          </a:prstGeom>
-          <a:noFill/>
-        </p:spPr>
-        <p:txBody>
-          <a:bodyPr wrap="none" rtlCol="0">
-            <a:spAutoFit/>
-          </a:bodyPr>
-          <a:lstStyle>
-            <a:defPPr>
-              <a:defRPr lang="ko-KR"/>
-            </a:defPPr>
-            <a:lvl1pPr>
-              <a:defRPr sz="1400">
-                <a:ln>
-                  <a:solidFill>
-                    <a:schemeClr val="tx1">
-                      <a:lumMod val="75000"/>
-                      <a:lumOff val="25000"/>
-                      <a:alpha val="15000"/>
-                    </a:schemeClr>
-                  </a:solidFill>
-                </a:ln>
-                <a:solidFill>
-                  <a:schemeClr val="tx1">
-                    <a:lumMod val="75000"/>
-                    <a:lumOff val="25000"/>
-                  </a:schemeClr>
-                </a:solidFill>
-                <a:latin typeface="KoPub돋움체 Medium" panose="00000600000000000000" pitchFamily="2" charset="-127"/>
-                <a:ea typeface="KoPub돋움체 Medium" panose="00000600000000000000" pitchFamily="2" charset="-127"/>
-              </a:defRPr>
-            </a:lvl1pPr>
-          </a:lstStyle>
-          <a:p>
-            <a:r>
-              <a:rPr lang="ko-KR" altLang="en-US" sz="1000" dirty="0"/>
-              <a:t>여기에는</a:t>
-            </a:r>
-            <a:r>
-              <a:rPr lang="en-US" altLang="ko-KR" sz="1000" dirty="0"/>
-              <a:t> </a:t>
-            </a:r>
-            <a:r>
-              <a:rPr lang="ko-KR" altLang="en-US" sz="1000" dirty="0"/>
-              <a:t>내용을 입력해주세요 여기에는 내용을 입력해주세요 여기에는 내용을 입력해주세요 여기에는 내용을 입력해주세요</a:t>
-            </a:r>
-          </a:p>
-        </p:txBody>
-      </p:sp>
-      <p:sp>
-        <p:nvSpPr>
-          <p:cNvPr id="77" name="TextBox 76">
-            <a:extLst>
-              <a:ext uri="{FF2B5EF4-FFF2-40B4-BE49-F238E27FC236}">
-                <a16:creationId xmlns:a16="http://schemas.microsoft.com/office/drawing/2014/main" id="{1BBA07DC-67E4-43A7-A078-CD2F0F9FBF8C}"/>
-              </a:ext>
-            </a:extLst>
-          </p:cNvPr>
-          <p:cNvSpPr txBox="1"/>
-          <p:nvPr/>
-        </p:nvSpPr>
-        <p:spPr>
-          <a:xfrm>
-            <a:off x="2827882" y="5631012"/>
-            <a:ext cx="5939446" cy="246221"/>
-          </a:xfrm>
-          <a:prstGeom prst="rect">
-            <a:avLst/>
-          </a:prstGeom>
-          <a:noFill/>
-        </p:spPr>
-        <p:txBody>
-          <a:bodyPr wrap="none" rtlCol="0">
-            <a:spAutoFit/>
-          </a:bodyPr>
-          <a:lstStyle>
-            <a:defPPr>
-              <a:defRPr lang="ko-KR"/>
-            </a:defPPr>
-            <a:lvl1pPr>
-              <a:defRPr sz="1400">
-                <a:ln>
-                  <a:solidFill>
-                    <a:schemeClr val="tx1">
-                      <a:lumMod val="75000"/>
-                      <a:lumOff val="25000"/>
-                      <a:alpha val="15000"/>
-                    </a:schemeClr>
-                  </a:solidFill>
-                </a:ln>
-                <a:solidFill>
-                  <a:schemeClr val="tx1">
-                    <a:lumMod val="75000"/>
-                    <a:lumOff val="25000"/>
-                  </a:schemeClr>
-                </a:solidFill>
-                <a:latin typeface="KoPub돋움체 Medium" panose="00000600000000000000" pitchFamily="2" charset="-127"/>
-                <a:ea typeface="KoPub돋움체 Medium" panose="00000600000000000000" pitchFamily="2" charset="-127"/>
-              </a:defRPr>
-            </a:lvl1pPr>
-          </a:lstStyle>
-          <a:p>
-            <a:r>
-              <a:rPr lang="ko-KR" altLang="en-US" sz="1000" dirty="0"/>
-              <a:t>여기에는</a:t>
-            </a:r>
-            <a:r>
-              <a:rPr lang="en-US" altLang="ko-KR" sz="1000" dirty="0"/>
-              <a:t> </a:t>
-            </a:r>
-            <a:r>
-              <a:rPr lang="ko-KR" altLang="en-US" sz="1000" dirty="0"/>
-              <a:t>내용을 입력해주세요 여기에는 내용을 입력해주세요 여기에는 내용을 입력해주세요 내용을 입력해주세요</a:t>
-            </a:r>
-          </a:p>
-        </p:txBody>
-      </p:sp>
-      <p:sp>
-        <p:nvSpPr>
-          <p:cNvPr id="78" name="TextBox 77">
-            <a:extLst>
-              <a:ext uri="{FF2B5EF4-FFF2-40B4-BE49-F238E27FC236}">
-                <a16:creationId xmlns:a16="http://schemas.microsoft.com/office/drawing/2014/main" id="{BB5B9679-1BE9-4DF2-9CA0-E69B14F6DAE4}"/>
-              </a:ext>
-            </a:extLst>
-          </p:cNvPr>
-          <p:cNvSpPr txBox="1"/>
-          <p:nvPr/>
-        </p:nvSpPr>
-        <p:spPr>
-          <a:xfrm>
-            <a:off x="1903305" y="4987275"/>
-            <a:ext cx="285065" cy="313244"/>
-          </a:xfrm>
-          <a:prstGeom prst="rect">
-            <a:avLst/>
-          </a:prstGeom>
-          <a:noFill/>
-        </p:spPr>
-        <p:txBody>
-          <a:bodyPr wrap="none" rtlCol="0">
-            <a:spAutoFit/>
-          </a:bodyPr>
-          <a:lstStyle>
-            <a:defPPr>
-              <a:defRPr lang="ko-KR"/>
-            </a:defPPr>
-            <a:lvl1pPr>
-              <a:defRPr sz="1600">
-                <a:ln>
-                  <a:solidFill>
-                    <a:schemeClr val="bg2">
-                      <a:lumMod val="50000"/>
-                      <a:alpha val="15000"/>
-                    </a:schemeClr>
-                  </a:solidFill>
-                </a:ln>
-                <a:solidFill>
-                  <a:schemeClr val="bg2">
-                    <a:lumMod val="10000"/>
-                  </a:schemeClr>
-                </a:solidFill>
-                <a:latin typeface="나눔스퀘어" panose="020B0600000101010101" pitchFamily="50" charset="-127"/>
-                <a:ea typeface="나눔스퀘어" panose="020B0600000101010101" pitchFamily="50" charset="-127"/>
-                <a:cs typeface="조선일보명조" panose="02030304000000000000" pitchFamily="18" charset="-127"/>
-              </a:defRPr>
-            </a:lvl1pPr>
-          </a:lstStyle>
-          <a:p>
-            <a:r>
-              <a:rPr lang="en-US" altLang="ko-KR" dirty="0"/>
-              <a:t>0</a:t>
-            </a:r>
-            <a:endParaRPr lang="ko-KR" altLang="en-US" dirty="0"/>
-          </a:p>
-        </p:txBody>
-      </p:sp>
-      <p:sp>
-        <p:nvSpPr>
-          <p:cNvPr id="79" name="TextBox 78">
-            <a:extLst>
-              <a:ext uri="{FF2B5EF4-FFF2-40B4-BE49-F238E27FC236}">
-                <a16:creationId xmlns:a16="http://schemas.microsoft.com/office/drawing/2014/main" id="{5D0C7A50-A036-4268-BD03-A6A58FE5F778}"/>
-              </a:ext>
-            </a:extLst>
-          </p:cNvPr>
-          <p:cNvSpPr txBox="1"/>
-          <p:nvPr/>
-        </p:nvSpPr>
-        <p:spPr>
-          <a:xfrm>
-            <a:off x="1903305" y="4319292"/>
-            <a:ext cx="285065" cy="313244"/>
-          </a:xfrm>
-          <a:prstGeom prst="rect">
-            <a:avLst/>
-          </a:prstGeom>
-          <a:noFill/>
-        </p:spPr>
-        <p:txBody>
-          <a:bodyPr wrap="none" rtlCol="0">
-            <a:spAutoFit/>
-          </a:bodyPr>
-          <a:lstStyle>
-            <a:defPPr>
-              <a:defRPr lang="ko-KR"/>
-            </a:defPPr>
-            <a:lvl1pPr>
-              <a:defRPr sz="1600">
-                <a:ln>
-                  <a:solidFill>
-                    <a:schemeClr val="bg2">
-                      <a:lumMod val="50000"/>
-                      <a:alpha val="15000"/>
-                    </a:schemeClr>
-                  </a:solidFill>
-                </a:ln>
-                <a:solidFill>
-                  <a:schemeClr val="bg2">
-                    <a:lumMod val="10000"/>
-                  </a:schemeClr>
-                </a:solidFill>
-                <a:latin typeface="나눔스퀘어" panose="020B0600000101010101" pitchFamily="50" charset="-127"/>
-                <a:ea typeface="나눔스퀘어" panose="020B0600000101010101" pitchFamily="50" charset="-127"/>
-                <a:cs typeface="조선일보명조" panose="02030304000000000000" pitchFamily="18" charset="-127"/>
-              </a:defRPr>
-            </a:lvl1pPr>
-          </a:lstStyle>
-          <a:p>
-            <a:r>
-              <a:rPr lang="en-US" altLang="ko-KR" dirty="0"/>
-              <a:t>5</a:t>
-            </a:r>
-            <a:endParaRPr lang="ko-KR" altLang="en-US" dirty="0"/>
-          </a:p>
-        </p:txBody>
-      </p:sp>
-      <p:sp>
-        <p:nvSpPr>
-          <p:cNvPr id="80" name="TextBox 79">
-            <a:extLst>
-              <a:ext uri="{FF2B5EF4-FFF2-40B4-BE49-F238E27FC236}">
-                <a16:creationId xmlns:a16="http://schemas.microsoft.com/office/drawing/2014/main" id="{B5D2276A-7873-45A4-B5C8-F12BBF0E623A}"/>
-              </a:ext>
-            </a:extLst>
-          </p:cNvPr>
-          <p:cNvSpPr txBox="1"/>
-          <p:nvPr/>
-        </p:nvSpPr>
-        <p:spPr>
-          <a:xfrm>
-            <a:off x="1838224" y="2983322"/>
-            <a:ext cx="399267" cy="313244"/>
-          </a:xfrm>
-          <a:prstGeom prst="rect">
-            <a:avLst/>
-          </a:prstGeom>
-          <a:noFill/>
-        </p:spPr>
-        <p:txBody>
-          <a:bodyPr wrap="none" rtlCol="0">
-            <a:spAutoFit/>
-          </a:bodyPr>
-          <a:lstStyle>
-            <a:defPPr>
-              <a:defRPr lang="ko-KR"/>
-            </a:defPPr>
-            <a:lvl1pPr>
-              <a:defRPr sz="1600">
-                <a:ln>
-                  <a:solidFill>
-                    <a:schemeClr val="bg2">
-                      <a:lumMod val="50000"/>
-                      <a:alpha val="15000"/>
-                    </a:schemeClr>
-                  </a:solidFill>
-                </a:ln>
-                <a:solidFill>
-                  <a:schemeClr val="bg2">
-                    <a:lumMod val="10000"/>
-                  </a:schemeClr>
-                </a:solidFill>
-                <a:latin typeface="나눔스퀘어" panose="020B0600000101010101" pitchFamily="50" charset="-127"/>
-                <a:ea typeface="나눔스퀘어" panose="020B0600000101010101" pitchFamily="50" charset="-127"/>
-                <a:cs typeface="조선일보명조" panose="02030304000000000000" pitchFamily="18" charset="-127"/>
-              </a:defRPr>
-            </a:lvl1pPr>
-          </a:lstStyle>
-          <a:p>
-            <a:r>
-              <a:rPr lang="en-US" altLang="ko-KR"/>
-              <a:t>1</a:t>
-            </a:r>
-            <a:r>
-              <a:rPr lang="en-US" altLang="ko-KR" dirty="0"/>
-              <a:t>5</a:t>
-            </a:r>
-            <a:endParaRPr lang="ko-KR" altLang="en-US" dirty="0"/>
-          </a:p>
-        </p:txBody>
-      </p:sp>
-      <p:sp>
-        <p:nvSpPr>
-          <p:cNvPr id="81" name="TextBox 80">
-            <a:extLst>
-              <a:ext uri="{FF2B5EF4-FFF2-40B4-BE49-F238E27FC236}">
-                <a16:creationId xmlns:a16="http://schemas.microsoft.com/office/drawing/2014/main" id="{2F6B2F71-A7CD-4F80-BC18-7CF046D77448}"/>
-              </a:ext>
-            </a:extLst>
-          </p:cNvPr>
-          <p:cNvSpPr txBox="1"/>
-          <p:nvPr/>
-        </p:nvSpPr>
-        <p:spPr>
-          <a:xfrm>
-            <a:off x="1838224" y="2315337"/>
-            <a:ext cx="399267" cy="313244"/>
-          </a:xfrm>
-          <a:prstGeom prst="rect">
-            <a:avLst/>
-          </a:prstGeom>
-          <a:noFill/>
-        </p:spPr>
-        <p:txBody>
-          <a:bodyPr wrap="none" rtlCol="0">
-            <a:spAutoFit/>
-          </a:bodyPr>
-          <a:lstStyle>
-            <a:defPPr>
-              <a:defRPr lang="ko-KR"/>
-            </a:defPPr>
-            <a:lvl1pPr>
-              <a:defRPr sz="1600">
-                <a:ln>
-                  <a:solidFill>
-                    <a:schemeClr val="bg2">
-                      <a:lumMod val="50000"/>
-                      <a:alpha val="15000"/>
-                    </a:schemeClr>
-                  </a:solidFill>
-                </a:ln>
-                <a:solidFill>
-                  <a:schemeClr val="bg2">
-                    <a:lumMod val="10000"/>
-                  </a:schemeClr>
-                </a:solidFill>
-                <a:latin typeface="나눔스퀘어" panose="020B0600000101010101" pitchFamily="50" charset="-127"/>
-                <a:ea typeface="나눔스퀘어" panose="020B0600000101010101" pitchFamily="50" charset="-127"/>
-                <a:cs typeface="조선일보명조" panose="02030304000000000000" pitchFamily="18" charset="-127"/>
-              </a:defRPr>
-            </a:lvl1pPr>
-          </a:lstStyle>
-          <a:p>
-            <a:r>
-              <a:rPr lang="en-US" altLang="ko-KR"/>
-              <a:t>2</a:t>
-            </a:r>
-            <a:r>
-              <a:rPr lang="en-US" altLang="ko-KR" dirty="0"/>
-              <a:t>0</a:t>
-            </a:r>
-            <a:endParaRPr lang="ko-KR" altLang="en-US" dirty="0"/>
-          </a:p>
-        </p:txBody>
-      </p:sp>
-      <p:sp>
-        <p:nvSpPr>
-          <p:cNvPr id="82" name="TextBox 81">
-            <a:extLst>
-              <a:ext uri="{FF2B5EF4-FFF2-40B4-BE49-F238E27FC236}">
-                <a16:creationId xmlns:a16="http://schemas.microsoft.com/office/drawing/2014/main" id="{196D0FB5-5B73-4667-A8DD-D891AC6C7D7A}"/>
-              </a:ext>
-            </a:extLst>
-          </p:cNvPr>
-          <p:cNvSpPr txBox="1"/>
-          <p:nvPr/>
-        </p:nvSpPr>
-        <p:spPr>
-          <a:xfrm>
-            <a:off x="1838224" y="1647352"/>
-            <a:ext cx="399267" cy="313244"/>
-          </a:xfrm>
-          <a:prstGeom prst="rect">
-            <a:avLst/>
-          </a:prstGeom>
-          <a:noFill/>
-        </p:spPr>
-        <p:txBody>
-          <a:bodyPr wrap="none" rtlCol="0">
-            <a:spAutoFit/>
-          </a:bodyPr>
-          <a:lstStyle>
-            <a:defPPr>
-              <a:defRPr lang="ko-KR"/>
-            </a:defPPr>
-            <a:lvl1pPr>
-              <a:defRPr sz="1600">
-                <a:ln>
-                  <a:solidFill>
-                    <a:schemeClr val="bg2">
-                      <a:lumMod val="50000"/>
-                      <a:alpha val="15000"/>
-                    </a:schemeClr>
-                  </a:solidFill>
-                </a:ln>
-                <a:solidFill>
-                  <a:schemeClr val="bg2">
-                    <a:lumMod val="10000"/>
-                  </a:schemeClr>
-                </a:solidFill>
-                <a:latin typeface="나눔스퀘어" panose="020B0600000101010101" pitchFamily="50" charset="-127"/>
-                <a:ea typeface="나눔스퀘어" panose="020B0600000101010101" pitchFamily="50" charset="-127"/>
-                <a:cs typeface="조선일보명조" panose="02030304000000000000" pitchFamily="18" charset="-127"/>
-              </a:defRPr>
-            </a:lvl1pPr>
-          </a:lstStyle>
-          <a:p>
-            <a:r>
-              <a:rPr lang="en-US" altLang="ko-KR" dirty="0"/>
-              <a:t>25</a:t>
-            </a:r>
-            <a:endParaRPr lang="ko-KR" altLang="en-US" dirty="0"/>
-          </a:p>
-        </p:txBody>
-      </p:sp>
-      <p:sp>
-        <p:nvSpPr>
-          <p:cNvPr id="83" name="TextBox 82">
-            <a:extLst>
-              <a:ext uri="{FF2B5EF4-FFF2-40B4-BE49-F238E27FC236}">
-                <a16:creationId xmlns:a16="http://schemas.microsoft.com/office/drawing/2014/main" id="{FB0AED4B-DEB3-43D9-BAC6-C8BF1223C4A3}"/>
-              </a:ext>
-            </a:extLst>
-          </p:cNvPr>
-          <p:cNvSpPr txBox="1"/>
-          <p:nvPr/>
-        </p:nvSpPr>
-        <p:spPr>
-          <a:xfrm>
-            <a:off x="1838224" y="3651307"/>
-            <a:ext cx="399267" cy="313244"/>
-          </a:xfrm>
-          <a:prstGeom prst="rect">
-            <a:avLst/>
-          </a:prstGeom>
-          <a:noFill/>
-        </p:spPr>
-        <p:txBody>
-          <a:bodyPr wrap="none" rtlCol="0">
-            <a:spAutoFit/>
-          </a:bodyPr>
-          <a:lstStyle>
-            <a:defPPr>
-              <a:defRPr lang="ko-KR"/>
-            </a:defPPr>
-            <a:lvl1pPr>
-              <a:defRPr sz="1600">
-                <a:ln>
-                  <a:solidFill>
-                    <a:schemeClr val="bg2">
-                      <a:lumMod val="50000"/>
-                      <a:alpha val="15000"/>
-                    </a:schemeClr>
-                  </a:solidFill>
-                </a:ln>
-                <a:solidFill>
-                  <a:schemeClr val="bg2">
-                    <a:lumMod val="10000"/>
-                  </a:schemeClr>
-                </a:solidFill>
-                <a:latin typeface="나눔스퀘어" panose="020B0600000101010101" pitchFamily="50" charset="-127"/>
-                <a:ea typeface="나눔스퀘어" panose="020B0600000101010101" pitchFamily="50" charset="-127"/>
-                <a:cs typeface="조선일보명조" panose="02030304000000000000" pitchFamily="18" charset="-127"/>
-              </a:defRPr>
-            </a:lvl1pPr>
-          </a:lstStyle>
-          <a:p>
-            <a:r>
-              <a:rPr lang="en-US" altLang="ko-KR" dirty="0"/>
-              <a:t>10</a:t>
-            </a:r>
-            <a:endParaRPr lang="ko-KR" altLang="en-US" dirty="0"/>
-          </a:p>
-        </p:txBody>
-      </p:sp>
-      <p:sp>
-        <p:nvSpPr>
-          <p:cNvPr id="84" name="TextBox 83">
-            <a:extLst>
-              <a:ext uri="{FF2B5EF4-FFF2-40B4-BE49-F238E27FC236}">
-                <a16:creationId xmlns:a16="http://schemas.microsoft.com/office/drawing/2014/main" id="{85440978-60F0-4D3B-9C6F-D9E78745A5D5}"/>
-              </a:ext>
-            </a:extLst>
-          </p:cNvPr>
-          <p:cNvSpPr txBox="1"/>
-          <p:nvPr/>
-        </p:nvSpPr>
-        <p:spPr>
-          <a:xfrm>
-            <a:off x="9875684" y="4347428"/>
-            <a:ext cx="489236" cy="246221"/>
-          </a:xfrm>
-          <a:prstGeom prst="rect">
-            <a:avLst/>
-          </a:prstGeom>
-          <a:noFill/>
-        </p:spPr>
-        <p:txBody>
-          <a:bodyPr wrap="none" rtlCol="0">
-            <a:spAutoFit/>
-          </a:bodyPr>
-          <a:lstStyle/>
-          <a:p>
-            <a:r>
-              <a:rPr lang="ko-KR" altLang="en-US" sz="1000" dirty="0">
-                <a:ln>
-                  <a:solidFill>
-                    <a:schemeClr val="bg2">
-                      <a:lumMod val="50000"/>
-                      <a:alpha val="15000"/>
-                    </a:schemeClr>
-                  </a:solidFill>
-                </a:ln>
-                <a:solidFill>
-                  <a:schemeClr val="bg2">
-                    <a:lumMod val="50000"/>
-                  </a:schemeClr>
-                </a:solidFill>
-                <a:latin typeface="나눔스퀘어" panose="020B0600000101010101" pitchFamily="50" charset="-127"/>
-                <a:ea typeface="나눔스퀘어" panose="020B0600000101010101" pitchFamily="50" charset="-127"/>
-                <a:cs typeface="조선일보명조" panose="02030304000000000000" pitchFamily="18" charset="-127"/>
-              </a:rPr>
-              <a:t>단위 </a:t>
-            </a:r>
-            <a:r>
-              <a:rPr lang="en-US" altLang="ko-KR" sz="1000" dirty="0">
-                <a:ln>
-                  <a:solidFill>
-                    <a:schemeClr val="bg2">
-                      <a:lumMod val="50000"/>
-                      <a:alpha val="15000"/>
-                    </a:schemeClr>
-                  </a:solidFill>
-                </a:ln>
-                <a:solidFill>
-                  <a:schemeClr val="bg2">
-                    <a:lumMod val="50000"/>
-                  </a:schemeClr>
-                </a:solidFill>
-                <a:latin typeface="나눔스퀘어" panose="020B0600000101010101" pitchFamily="50" charset="-127"/>
-                <a:ea typeface="나눔스퀘어" panose="020B0600000101010101" pitchFamily="50" charset="-127"/>
-                <a:cs typeface="조선일보명조" panose="02030304000000000000" pitchFamily="18" charset="-127"/>
-              </a:rPr>
-              <a:t>:</a:t>
-            </a:r>
-            <a:endParaRPr lang="ko-KR" altLang="en-US" sz="1000" dirty="0">
-              <a:ln>
-                <a:solidFill>
-                  <a:schemeClr val="bg2">
-                    <a:lumMod val="50000"/>
-                    <a:alpha val="15000"/>
-                  </a:schemeClr>
-                </a:solidFill>
-              </a:ln>
-              <a:solidFill>
-                <a:schemeClr val="bg2">
-                  <a:lumMod val="50000"/>
-                </a:schemeClr>
-              </a:solidFill>
-              <a:latin typeface="나눔스퀘어" panose="020B0600000101010101" pitchFamily="50" charset="-127"/>
-              <a:ea typeface="나눔스퀘어" panose="020B0600000101010101" pitchFamily="50" charset="-127"/>
-              <a:cs typeface="조선일보명조" panose="02030304000000000000" pitchFamily="18" charset="-127"/>
-            </a:endParaRPr>
-          </a:p>
-        </p:txBody>
-      </p:sp>
-      <p:sp>
-        <p:nvSpPr>
-          <p:cNvPr id="85" name="TextBox 84">
-            <a:extLst>
-              <a:ext uri="{FF2B5EF4-FFF2-40B4-BE49-F238E27FC236}">
-                <a16:creationId xmlns:a16="http://schemas.microsoft.com/office/drawing/2014/main" id="{793DE9E6-990B-463C-83FD-949706627B18}"/>
-              </a:ext>
-            </a:extLst>
-          </p:cNvPr>
-          <p:cNvSpPr txBox="1"/>
-          <p:nvPr/>
-        </p:nvSpPr>
-        <p:spPr>
-          <a:xfrm>
-            <a:off x="9875684" y="4573290"/>
-            <a:ext cx="489236" cy="246221"/>
-          </a:xfrm>
-          <a:prstGeom prst="rect">
-            <a:avLst/>
-          </a:prstGeom>
-          <a:noFill/>
-        </p:spPr>
-        <p:txBody>
-          <a:bodyPr wrap="none" rtlCol="0">
-            <a:spAutoFit/>
-          </a:bodyPr>
-          <a:lstStyle/>
-          <a:p>
-            <a:r>
-              <a:rPr lang="ko-KR" altLang="en-US" sz="1000" dirty="0">
-                <a:ln>
-                  <a:solidFill>
-                    <a:schemeClr val="bg2">
-                      <a:lumMod val="50000"/>
-                      <a:alpha val="15000"/>
-                    </a:schemeClr>
-                  </a:solidFill>
-                </a:ln>
-                <a:solidFill>
-                  <a:schemeClr val="bg2">
-                    <a:lumMod val="50000"/>
-                  </a:schemeClr>
-                </a:solidFill>
-                <a:latin typeface="나눔스퀘어" panose="020B0600000101010101" pitchFamily="50" charset="-127"/>
-                <a:ea typeface="나눔스퀘어" panose="020B0600000101010101" pitchFamily="50" charset="-127"/>
-                <a:cs typeface="조선일보명조" panose="02030304000000000000" pitchFamily="18" charset="-127"/>
-              </a:rPr>
-              <a:t>출처 </a:t>
-            </a:r>
-            <a:r>
-              <a:rPr lang="en-US" altLang="ko-KR" sz="1000" dirty="0">
-                <a:ln>
-                  <a:solidFill>
-                    <a:schemeClr val="bg2">
-                      <a:lumMod val="50000"/>
-                      <a:alpha val="15000"/>
-                    </a:schemeClr>
-                  </a:solidFill>
-                </a:ln>
-                <a:solidFill>
-                  <a:schemeClr val="bg2">
-                    <a:lumMod val="50000"/>
-                  </a:schemeClr>
-                </a:solidFill>
-                <a:latin typeface="나눔스퀘어" panose="020B0600000101010101" pitchFamily="50" charset="-127"/>
-                <a:ea typeface="나눔스퀘어" panose="020B0600000101010101" pitchFamily="50" charset="-127"/>
-                <a:cs typeface="조선일보명조" panose="02030304000000000000" pitchFamily="18" charset="-127"/>
-              </a:rPr>
-              <a:t>:</a:t>
-            </a:r>
-            <a:endParaRPr lang="ko-KR" altLang="en-US" sz="1000" dirty="0">
-              <a:ln>
-                <a:solidFill>
-                  <a:schemeClr val="bg2">
-                    <a:lumMod val="50000"/>
-                    <a:alpha val="15000"/>
-                  </a:schemeClr>
-                </a:solidFill>
-              </a:ln>
-              <a:solidFill>
-                <a:schemeClr val="bg2">
-                  <a:lumMod val="50000"/>
-                </a:schemeClr>
-              </a:solidFill>
-              <a:latin typeface="나눔스퀘어" panose="020B0600000101010101" pitchFamily="50" charset="-127"/>
-              <a:ea typeface="나눔스퀘어" panose="020B0600000101010101" pitchFamily="50" charset="-127"/>
-              <a:cs typeface="조선일보명조" panose="02030304000000000000" pitchFamily="18" charset="-127"/>
-            </a:endParaRPr>
-          </a:p>
-        </p:txBody>
-      </p:sp>
-    </p:spTree>
-    <p:extLst>
-      <p:ext uri="{BB962C8B-B14F-4D97-AF65-F5344CB8AC3E}">
-        <p14:creationId xmlns:p14="http://schemas.microsoft.com/office/powerpoint/2010/main" val="878883910"/>
-      </p:ext>
-    </p:extLst>
-  </p:cSld>
-  <p:clrMapOvr>
-    <a:masterClrMapping/>
-  </p:clrMapOvr>
-</p:sld>
-</file>
-
-<file path=ppt/slides/slide9.xml><?xml version="1.0" encoding="utf-8"?>
-<p:sld xmlns:a="http://schemas.openxmlformats.org/drawingml/2006/main" xmlns:r="http://schemas.openxmlformats.org/officeDocument/2006/relationships" xmlns:p="http://schemas.openxmlformats.org/presentationml/2006/main">
-  <p:cSld>
-    <p:bg>
-      <p:bgPr>
-        <a:solidFill>
-          <a:srgbClr val="152B39"/>
-        </a:solidFill>
-        <a:effectLst/>
-      </p:bgPr>
-    </p:bg>
-    <p:spTree>
-      <p:nvGrpSpPr>
-        <p:cNvPr id="1" name=""/>
-        <p:cNvGrpSpPr/>
-        <p:nvPr/>
-      </p:nvGrpSpPr>
-      <p:grpSpPr>
-        <a:xfrm>
-          <a:off x="0" y="0"/>
-          <a:ext cx="0" cy="0"/>
-          <a:chOff x="0" y="0"/>
-          <a:chExt cx="0" cy="0"/>
-        </a:xfrm>
-      </p:grpSpPr>
-      <p:sp>
-        <p:nvSpPr>
-          <p:cNvPr id="13" name="직사각형 12"/>
-          <p:cNvSpPr/>
-          <p:nvPr/>
-        </p:nvSpPr>
-        <p:spPr>
-          <a:xfrm>
-            <a:off x="0" y="3400426"/>
-            <a:ext cx="12192000" cy="3457574"/>
-          </a:xfrm>
-          <a:prstGeom prst="rect">
-            <a:avLst/>
-          </a:prstGeom>
-          <a:solidFill>
-            <a:schemeClr val="bg2"/>
-          </a:solidFill>
-          <a:ln>
-            <a:noFill/>
-          </a:ln>
-        </p:spPr>
-        <p:style>
-          <a:lnRef idx="2">
-            <a:schemeClr val="accent1">
-              <a:shade val="50000"/>
-            </a:schemeClr>
-          </a:lnRef>
-          <a:fillRef idx="1">
-            <a:schemeClr val="accent1"/>
-          </a:fillRef>
-          <a:effectRef idx="0">
-            <a:schemeClr val="accent1"/>
-          </a:effectRef>
-          <a:fontRef idx="minor">
-            <a:schemeClr val="lt1"/>
-          </a:fontRef>
-        </p:style>
-        <p:txBody>
-          <a:bodyPr rtlCol="0" anchor="ctr"/>
-          <a:lstStyle/>
-          <a:p>
-            <a:pPr algn="ctr"/>
-            <a:endParaRPr lang="ko-KR" altLang="en-US"/>
-          </a:p>
-        </p:txBody>
-      </p:sp>
-      <p:sp>
-        <p:nvSpPr>
-          <p:cNvPr id="15" name="TextBox 14"/>
-          <p:cNvSpPr txBox="1"/>
-          <p:nvPr/>
-        </p:nvSpPr>
-        <p:spPr>
-          <a:xfrm>
-            <a:off x="4789489" y="2815651"/>
-            <a:ext cx="2613023" cy="584775"/>
-          </a:xfrm>
-          <a:prstGeom prst="rect">
-            <a:avLst/>
-          </a:prstGeom>
-          <a:noFill/>
-        </p:spPr>
-        <p:txBody>
-          <a:bodyPr wrap="none" rtlCol="0">
-            <a:spAutoFit/>
-          </a:bodyPr>
-          <a:lstStyle/>
-          <a:p>
-            <a:r>
-              <a:rPr lang="en-US" altLang="ko-KR" sz="3200">
-                <a:solidFill>
-                  <a:schemeClr val="bg1"/>
-                </a:solidFill>
-                <a:latin typeface="KoPub돋움체 Bold" panose="00000800000000000000" pitchFamily="2" charset="-127"/>
-                <a:ea typeface="KoPub돋움체 Bold" panose="00000800000000000000" pitchFamily="2" charset="-127"/>
-              </a:rPr>
-              <a:t>THANK YOU!</a:t>
-            </a:r>
-            <a:endParaRPr lang="ko-KR" altLang="en-US" sz="3200">
-              <a:solidFill>
-                <a:schemeClr val="bg1"/>
-              </a:solidFill>
-              <a:latin typeface="KoPub돋움체 Bold" panose="00000800000000000000" pitchFamily="2" charset="-127"/>
-              <a:ea typeface="KoPub돋움체 Bold" panose="00000800000000000000" pitchFamily="2" charset="-127"/>
-            </a:endParaRPr>
-          </a:p>
-        </p:txBody>
-      </p:sp>
-      <p:sp>
-        <p:nvSpPr>
-          <p:cNvPr id="18" name="TextBox 17"/>
-          <p:cNvSpPr txBox="1"/>
-          <p:nvPr/>
-        </p:nvSpPr>
-        <p:spPr>
-          <a:xfrm>
-            <a:off x="10115763" y="6426548"/>
-            <a:ext cx="2056973" cy="369332"/>
-          </a:xfrm>
-          <a:prstGeom prst="rect">
-            <a:avLst/>
-          </a:prstGeom>
-          <a:noFill/>
-        </p:spPr>
-        <p:txBody>
-          <a:bodyPr wrap="none" rtlCol="0">
-            <a:spAutoFit/>
-          </a:bodyPr>
-          <a:lstStyle/>
-          <a:p>
-            <a:r>
-              <a:rPr lang="en-US" altLang="ko-KR">
-                <a:solidFill>
-                  <a:srgbClr val="152B39"/>
-                </a:solidFill>
-              </a:rPr>
-              <a:t>MADE BY HENDO</a:t>
-            </a:r>
-            <a:endParaRPr lang="ko-KR" altLang="en-US">
-              <a:solidFill>
-                <a:srgbClr val="152B39"/>
-              </a:solidFill>
-            </a:endParaRPr>
-          </a:p>
-        </p:txBody>
-      </p:sp>
-    </p:spTree>
-    <p:extLst>
-      <p:ext uri="{BB962C8B-B14F-4D97-AF65-F5344CB8AC3E}">
-        <p14:creationId xmlns:p14="http://schemas.microsoft.com/office/powerpoint/2010/main" val="1578179828"/>
-      </p:ext>
-    </p:extLst>
-  </p:cSld>
-  <p:clrMapOvr>
-    <a:overrideClrMapping bg1="lt1" tx1="dk1" bg2="lt2" tx2="dk2" accent1="accent1" accent2="accent2" accent3="accent3" accent4="accent4" accent5="accent5" accent6="accent6" hlink="hlink" folHlink="folHlink"/>
-  </p:clrMapOvr>
-</p:sld>
-</file>
-
 <file path=ppt/theme/theme1.xml><?xml version="1.0" encoding="utf-8"?>
 <a:theme xmlns:a="http://schemas.openxmlformats.org/drawingml/2006/main" name="Office 테마">
   <a:themeElements>
@@ -16021,90 +12453,4 @@
     </a:ext>
   </a:extLst>
 </a:theme>
-</file>
-
-<file path=ppt/theme/themeOverride1.xml><?xml version="1.0" encoding="utf-8"?>
-<a:themeOverride xmlns:a="http://schemas.openxmlformats.org/drawingml/2006/main">
-  <a:clrScheme name="Office">
-    <a:dk1>
-      <a:sysClr val="windowText" lastClr="000000"/>
-    </a:dk1>
-    <a:lt1>
-      <a:sysClr val="window" lastClr="FFFFFF"/>
-    </a:lt1>
-    <a:dk2>
-      <a:srgbClr val="44546A"/>
-    </a:dk2>
-    <a:lt2>
-      <a:srgbClr val="E7E6E6"/>
-    </a:lt2>
-    <a:accent1>
-      <a:srgbClr val="5B9BD5"/>
-    </a:accent1>
-    <a:accent2>
-      <a:srgbClr val="ED7D31"/>
-    </a:accent2>
-    <a:accent3>
-      <a:srgbClr val="A5A5A5"/>
-    </a:accent3>
-    <a:accent4>
-      <a:srgbClr val="FFC000"/>
-    </a:accent4>
-    <a:accent5>
-      <a:srgbClr val="4472C4"/>
-    </a:accent5>
-    <a:accent6>
-      <a:srgbClr val="70AD47"/>
-    </a:accent6>
-    <a:hlink>
-      <a:srgbClr val="0563C1"/>
-    </a:hlink>
-    <a:folHlink>
-      <a:srgbClr val="954F72"/>
-    </a:folHlink>
-  </a:clrScheme>
-</a:themeOverride>
-</file>
-
-<file path=ppt/theme/themeOverride2.xml><?xml version="1.0" encoding="utf-8"?>
-<a:themeOverride xmlns:a="http://schemas.openxmlformats.org/drawingml/2006/main">
-  <a:clrScheme name="Office">
-    <a:dk1>
-      <a:sysClr val="windowText" lastClr="000000"/>
-    </a:dk1>
-    <a:lt1>
-      <a:sysClr val="window" lastClr="FFFFFF"/>
-    </a:lt1>
-    <a:dk2>
-      <a:srgbClr val="44546A"/>
-    </a:dk2>
-    <a:lt2>
-      <a:srgbClr val="E7E6E6"/>
-    </a:lt2>
-    <a:accent1>
-      <a:srgbClr val="5B9BD5"/>
-    </a:accent1>
-    <a:accent2>
-      <a:srgbClr val="ED7D31"/>
-    </a:accent2>
-    <a:accent3>
-      <a:srgbClr val="A5A5A5"/>
-    </a:accent3>
-    <a:accent4>
-      <a:srgbClr val="FFC000"/>
-    </a:accent4>
-    <a:accent5>
-      <a:srgbClr val="4472C4"/>
-    </a:accent5>
-    <a:accent6>
-      <a:srgbClr val="70AD47"/>
-    </a:accent6>
-    <a:hlink>
-      <a:srgbClr val="0563C1"/>
-    </a:hlink>
-    <a:folHlink>
-      <a:srgbClr val="954F72"/>
-    </a:folHlink>
-  </a:clrScheme>
-</a:themeOverride>
 </file>